--- a/CS-4375.0U2-Machine-Learning/Slides/s7-10decisiontrees.pptx
+++ b/CS-4375.0U2-Machine-Learning/Slides/s7-10decisiontrees.pptx
@@ -188,11 +188,112 @@
     </inkml:brush>
   </inkml:definitions>
   <inkml:trace contextRef="#ctx0" brushRef="#br0">18405 1811 0,'-24'0'47,"-26"0"-16,25 0-31,0 0 15,-74 25-15,50-25 16,-26 0-16,-24 0 16,0 0-16,-25 0 15,24 0-15,1 0 16,0 0-16,0 0 16,-75 0-16,75 0 15,0 0-15,24 0 16,1 0-16,0 0 15,-1 0-15,1 0 16,-1 0-16,1 0 16,-1 0-1,-49 0-15,50 0 0,0 0 16,24 0-16,-49 0 16,24 0-16,26 0 15,-26 0-15,51 0 16,-1 0-16,0 0 15,0 0 17,0 0-32,0 0 15,1 0 1,-1 0-16,0 0 16,-25 0-16,26 0 15,-1 0-15,0 0 16,0 0-16,0 0 15,-24 0-15,24 0 16,0 24 0,0-24-1,1 25 1,-1-25 0,-25 50-1,1-50 1,24 25-16,25-1 15,-25-24-15,25 25 32,0 0-1,25 0-15,24 0-16,1-1 15,-25-24-15,24 50 16,26-25-16,-50-25 15,49 25-15,50-1 16,-25-24-16,-24 25 16,123-25-1,-123 25-15,24 0 0,124 0 16,-99-1-16,25 1 16,124 25-16,-100-25 15,-24-25-15,124 74 16,-124-49-16,-50 0 15,100-1-15,-125 1 16,0-25-16,1 25 16,-50-25-1,24 0-15,1-25 16,-1 25-16,1 0 16,0-25-16,-1 1 15,1 24-15,24-25 16,-24 25-16,-1-25 15,26 0-15,-50 25 16,-1 0-16,51 0 16,-50 0-16,24 0 15,1-25-15,-25 25 16,24 0-16,-24 0 16,-25-24-1,149 24-15,-50 0 16,0 0-16,50 0 15,0-25-15,0 25 16,-25-25-16,-99 25 16,0 0-1,-25-25-15,0 0 32,-25 25-32,0-24 15,-25-26-15,-24 25 16,-1-24-1,-24 24-15,50-25 16,-26 25-16,-49-49 16,50 24-1,-25 1-15,-25 24 0,49 0 16,1 0-16,-50 25 16,49-24-16,1 24 15,-50 0-15,74 0 16,-24 0-16,24 0 15,25-25-15,-24 25 16,-1 0-16,25-25 16,-24 25-16,-1 0 15,25 0 1,1 0 0,-1 0-1,25 25 1,-25-25-16,0 0 15</inkml:trace>
-  <inkml:trace contextRef="#ctx0" brushRef="#br0" timeOffset="2610.7564">16768 3919 0,'-49'0'16,"24"25"-16,0-25 31,0 0-15,0 0-16,1 0 16,-1 0-16,0 0 15,-25 0-15,-24 25 16,24-25-16,1 0 15,-50 0-15,24 0 16,26 0-16,-75 0 31,74 0-31,-24 0 0,-26 0 0,76 0 16,-51 0-16,25 0 16,26 0-1,-1 0-15,-25 0 16,1 0-16,-1 25 15,25-25 1,0 0-16,1 0 16,-1 24-16,0-24 15,0 0-15,-24 25 16,-1-25 0,0 25-16,50 0 15,-24-25-15,48 25 78,26-25-62,-25 0-16,24 49 16,1-49-16,-50 25 15,50 0-15,-26 0 16,51-1-1,-26 1-15,1 0 16,0 0 0,-26-25-16,26 25 15,0-1-15,-25-24 16,24 0-16,-24 25 16,0-25-16,24 25 15,-24-25 1,25 0-16,-25 0 15,-1 0-15,1 0 16,50 0-16,-1 0 16,-49 25-1,74-25-15,-49 0 0,-1 0 16,26 0-16,-26 0 16,26 0-16,-1 0 15,-24 25-15,-1-25 16,51 0-16,-1 0 15,-50 0-15,75 0 16,-24 0-16,-26 0 16,50 0-16,-50 0 15,1 0-15,-1 0 16,1 0-16,-26 0 16,1 0-16,0 0 15,-1 0-15,26 0 16,-26 0-16,1 0 15,24 0-15,-24 0 16,-25 0 0,24 0-1,-24 0-15,25 0 16,-26 0 0,1 0-16,25 0 15,-25 0-15,-1 0 16,1 0-16,25 0 15,-25 0 1,-1 0-16,1 0 16,0 0-16,0 0 15,24 0-15,-24-25 16,0 25 0,0 0-16,-50 0 46,0-25-30,-49 0 15,49 0-31,-49 1 16,24-26-16,-49 25 0,-75-24 16,75-1-16,0 50 15,-124-74 1,123 74-16,1 0 15,-50-25-15,75 25 16,-25-25-16,-1 25 16,26 0-16,49 0 15,-49 0-15,24 0 16,25 0-16,1 0 16,-1 0-16,-25 0 15,1 0-15,24 0 16,0 0-16,-25 0 15,1-25-15,24 25 16,-25 0-16,1 0 16,-1 0-16,25 0 15,0 0-15,-24 0 16,-1 0-16,1 0 16,24 0-16,-50 0 15,51 0-15</inkml:trace>
+  <inkml:trace contextRef="#ctx0" brushRef="#br0" timeOffset="2610.7563">16768 3919 0,'-49'0'16,"24"25"-16,0-25 31,0 0-15,0 0-16,1 0 16,-1 0-16,0 0 15,-25 0-15,-24 25 16,24-25-16,1 0 15,-50 0-15,24 0 16,26 0-16,-75 0 31,74 0-31,-24 0 0,-26 0 0,76 0 16,-51 0-16,25 0 16,26 0-1,-1 0-15,-25 0 16,1 0-16,-1 25 15,25-25 1,0 0-16,1 0 16,-1 24-16,0-24 15,0 0-15,-24 25 16,-1-25 0,0 25-16,50 0 15,-24-25-15,48 25 78,26-25-62,-25 0-16,24 49 16,1-49-16,-50 25 15,50 0-15,-26 0 16,51-1-1,-26 1-15,1 0 16,0 0 0,-26-25-16,26 25 15,0-1-15,-25-24 16,24 0-16,-24 25 16,0-25-16,24 25 15,-24-25 1,25 0-16,-25 0 15,-1 0-15,1 0 16,50 0-16,-1 0 16,-49 25-1,74-25-15,-49 0 0,-1 0 16,26 0-16,-26 0 16,26 0-16,-1 0 15,-24 25-15,-1-25 16,51 0-16,-1 0 15,-50 0-15,75 0 16,-24 0-16,-26 0 16,50 0-16,-50 0 15,1 0-15,-1 0 16,1 0-16,-26 0 16,1 0-16,0 0 15,-1 0-15,26 0 16,-26 0-16,1 0 15,24 0-15,-24 0 16,-25 0 0,24 0-1,-24 0-15,25 0 16,-26 0 0,1 0-16,25 0 15,-25 0-15,-1 0 16,1 0-16,25 0 15,-25 0 1,-1 0-16,1 0 16,0 0-16,0 0 15,24 0-15,-24-25 16,0 25 0,0 0-16,-50 0 46,0-25-30,-49 0 15,49 0-31,-49 1 16,24-26-16,-49 25 0,-75-24 16,75-1-16,0 50 15,-124-74 1,123 74-16,1 0 15,-50-25-15,75 25 16,-25-25-16,-1 25 16,26 0-16,49 0 15,-49 0-15,24 0 16,25 0-16,1 0 16,-1 0-16,-25 0 15,1 0-15,24 0 16,0 0-16,-25 0 15,1-25-15,24 25 16,-25 0-16,1 0 16,-1 0-16,25 0 15,0 0-15,-24 0 16,-1 0-16,1 0 16,24 0-16,-50 0 15,51 0-15</inkml:trace>
 </inkml:ink>
 </file>
 
 <file path=ppt/ink/ink10.xml><?xml version="1.0" encoding="utf-8"?>
+<inkml:ink xmlns:inkml="http://www.w3.org/2003/InkML">
+  <inkml:definitions>
+    <inkml:context xml:id="ctx0">
+      <inkml:inkSource xml:id="inkSrc0">
+        <inkml:traceFormat>
+          <inkml:channel name="X" type="integer" max="1366" units="cm"/>
+          <inkml:channel name="Y" type="integer" max="768" units="cm"/>
+          <inkml:channel name="T" type="integer" max="2.14748E9" units="dev"/>
+        </inkml:traceFormat>
+        <inkml:channelProperties>
+          <inkml:channelProperty channel="X" name="resolution" value="39.5942" units="1/cm"/>
+          <inkml:channelProperty channel="Y" name="resolution" value="39.58763" units="1/cm"/>
+          <inkml:channelProperty channel="T" name="resolution" value="1" units="1/dev"/>
+        </inkml:channelProperties>
+      </inkml:inkSource>
+      <inkml:timestamp xml:id="ts0" timeString="2018-07-02T20:56:30.244"/>
+    </inkml:context>
+    <inkml:brush xml:id="br0">
+      <inkml:brushProperty name="width" value="0.05292" units="cm"/>
+      <inkml:brushProperty name="height" value="0.05292" units="cm"/>
+      <inkml:brushProperty name="color" value="#FF0000"/>
+    </inkml:brush>
+  </inkml:definitions>
+  <inkml:trace contextRef="#ctx0" brushRef="#br0">13668 17587 0,'-25'0'234,"0"0"-140,25 24-78,0 1 31,0 0 0,-25-25-32,25 25-15,0 0 63,0-1 124,0 1-156,0 0-15,25-25 0,0 0-1,-25 25-15,50-25 16,-26 0 15,1 0 0,0 0 1,0 0 61,0 0 1,-25-25-31,0 0-16,-50 0-32,25 1 16,0 24 1,25-25-32,-24 25 156,-1 0 47,25-25-172</inkml:trace>
+  <inkml:trace contextRef="#ctx0" brushRef="#br0" timeOffset="3418.1545">16173 17661 0,'-25'0'94,"0"0"-47,25 25 125,25-25-63,-25 25-93,25-25-1,-25 24 79,25-24-78,-25 25 93,25 0-93,-1-25-1,-24 25 32,25-25-47,0 0 63,0 0-16,0 0-32,-1 0 32,1 0-16,0 0 110,-25-25-125,0 0 15,0 0 16,0 1 47,-25 24-79,0 0 48,25-25-1,-24 25-46,-1-25-1,0 25 79,25-25-78,-25 25 15,0 0 16,1 0-31,-1 0 77,0 0-46,0 0-31,0 0-1,1 0 17,-1 0 30</inkml:trace>
+  <inkml:trace contextRef="#ctx0" brushRef="#br0" timeOffset="6153.0863">15131 16594 0,'-25'0'219,"-24"0"-203,24 0-16,0 0 15,-24 0 1,24 0 15,0 0 1,0 0-1,0 0 266,1 0-266,24 25 0,-25 0-15,0-25-1,25 25-15,0 0 47,0-1-15,0 1-1,-25-25-16,25 25 32,0 0 31,0 0-46,0-1-32,50-24 15,-25 25 1,-1-25 0,26 25-1,-25-25 1,0 0-16,-1 0 31,1 0 0,0 0 1,0 0-17,0 0 16,-1 0-15,-24-25 0,25 25 15,0-25-15,-25 1 46,25 24-62,-25-50 16,0 25-1,0 0 17,0 1-17,0-1-15,-25 25 47,25-25-31,0 0-1,0 0 32,-25 25-47,25-24 16,-25-1 15,25 0 0</inkml:trace>
+  <inkml:trace contextRef="#ctx0" brushRef="#br0" timeOffset="9494.5788">19150 16545 0,'-25'0'265,"0"0"-249,25 25-16,-25-1 16,0-24-1,1 25 1,-1 0-1,0 0 1,0 0 15,0-25-15,1 24 0,-1-24-1,0 0 16,25 25-15,-25-25 0,25 25 31,-25-25 78,0 0-94,1 0 47,24 25-62,-25-25 93,25 25-93,0-1 124,0 1-93,49 0-47,1 0 16,25 24-1,-26-24 1,1-25-16,-1 50 16,-24-25-1,25-25 1,-25 0-1,-1 24 1,26 1-16,-25-25 31,24 0-15,-24 0 0,25 0-1,-25 0-15,24 0 16,-24 0-1,25-25 1,-26 1 0,1 24-1,-25-25 1,25 25 0,-25-25 15,-25-25 16,0 26-32,1-1-15,24 0 32,-25 0-17,25 0 16,-25 25-31,0-24 47,0-1 0,1 0-16,-1 25-15,0-25 15,-25 25-31,26-25 16,-1 1 0,-25-26-1,50 25-15,-25 0 16,1 1-1,24-1 17,-25 25-17,25-25 17,0 0 46</inkml:trace>
+  <inkml:trace contextRef="#ctx0" brushRef="#br0" timeOffset="14092.9762">22796 14089 0,'-25'0'0,"25"-25"16,-25 25 15,25-25 47,-25 25-47,-24 0 1,24 0-17,0 0 17,0 0-17,1 0 1,24 25-1,-50 25 17,50-25-32,0 24 15,-25 1 1,25-25 0,-25-1-1,25 1 1,0 0-16,0 0 15,-24 0 1,24 0 0,0-1 31,0 1-1,0 0-30,0 0 31,0 0-31,24-25-16,1 0 15,0 0 1,25 0-1,-1 0 1,1 0-16,-1-25 16,1 0-1,-25 25 1,0 0 0,-25-25-16,24 25 15,1 0 16,-25-25 1,25 1-1,-25-1 0,0 0-15,0-25 15,0 25-15,0 1-16,0-1 15,0 0 32,0 0-47,-25 25 16,25-25-16,-25 1 15,1-1 1,-1 0 15,25 0 16</inkml:trace>
+  <inkml:trace contextRef="#ctx0" brushRef="#br0" timeOffset="16155.351">17116 14015 0,'-25'0'94,"0"0"-94,0 0 15,-24 0 1,-1 24 0,0-24-1,1 25 1,-26-25-16,26 25 16,-26 25-1,50-26 1,-24 1-1,24-25-15,25 25 16,-25 0 15,25 0-15,-25-25 0,25 24-16,0 1 31,0 0 0,-24 0-15,24 0 31,0 0-16,49-25-16,26 0 1,24 24 0,0-24-16,0 0 15,-24 0 1,-26 25 0,1-25-1,0 0-15,-26 0 16,1 0-1,0 0 17,0 0-1,0 0 16,-1-25-16,-24 1 0,0-1-31,0 0 32,0-50-17,0 26-15,-24-26 16,24 51-16,-25-1 15,25 0 1,0 0 0,0 0 15,-25 25 16</inkml:trace>
+  <inkml:trace contextRef="#ctx0" brushRef="#br0" timeOffset="19311.7257">21382 16321 0,'-25'0'187,"0"0"-124,1 0-48,24 25 79,-25-25-47,25 25 62,0 0-78,0 0 1,0 0 15,0-1 46,49-24-77,-24 0 15,0 0 0,0 0 16,0 0-31,-1 0 78,-24-24 78,0-1-157,-49 25 1,24 0 15,25-25-15,-25 25 31,0 0 62,25-25 141</inkml:trace>
+  <inkml:trace contextRef="#ctx0" brushRef="#br0" timeOffset="22578.1964">23986 16272 0,'0'25'312,"0"-1"-218,0 1-47,0 0 16,0 0-17,0 0-14,-24 0 77,24-1-15,-25 1-32,25 0 1,-25-25-32,25 25 0,0 0 16,-25-25-47,25-25 47,-25 0-16,25 0-15,0 0 0,0 1 15,0-1-31,0 0 15,0 0 64,0 0-33,25 25-30,0 0 15,0 0-15,0 0 0,-1 0 15,1 0 16</inkml:trace>
+  <inkml:trace contextRef="#ctx0" brushRef="#br0" timeOffset="25838.6641">13172 13221 0,'-25'0'78,"0"0"-63,0 0 1,-24 25 0,-1-25-1,25 0-15,-24 25 16,-26-25-16,26 0 15,-26 0 1,1 0 0,24 0-1,-24 0-15,49 0 16,0 0 0,-25 0-1,26 0 16,-1 0-31,0 0 16,0 0 31,0 0-31,1 0 15,-1 0 0,0 0-15,0 0-1,0-25 1,1 0 0,-1 0-1,0-25-15,0 26 16,25-1-1,0 0 1,0-25 0,0 26-16,0-1 15,0 0 1,0 0 15,0 0-15,25 1-1,-25-1 32,25 25-47,0-25 16,-1 0 0,1 25 30,-25-25-46,25 25 16,25 0 15,-26 0-15,1 0-16,25 0 16,-25-24-1,-1 24 1,1 0-1,50 0 1,24 0-16,0 0 16,-49 0-1,-1 0 1,-24 0 0,25 0-16,-25 0 31,-1 0 0,26 0-15,-25 0 15,0 0 0,-1 0-15,1 0 31,-25 24-47,25 1 15,-25 0 1,0 0 0,25 0-1,-25-1 1,0 26-16,0 0 15,0-1 17,0-24-1,0 0 16,0 0-16,0-1 0,-25-24 47,25 25-62,-25-25 265,25 25-234</inkml:trace>
+  <inkml:trace contextRef="#ctx0" brushRef="#br0" timeOffset="29403.1351">13320 13444 0,'0'25'250,"0"0"-235,0 24 16,25 1 1,-25-25-17,25-25 1,0 0 0,-25 25-1,25-1 1,-1-24 15,-24 25-15,0 0-16,25-25 31,0 25 0,0 0 32,0-1-48,-25 1 1,49 0 0,-49 0-16,50 24 15,-50-24 1,50 0-1,-26 25-15,1-50 16,0 0 265,49 0-265,26 0 0,-26 24-1,0-24-15,-49 25 16,50-25-1,-51 0 1,1 25 0,25-25-16,24 0 15,1 0 1,-51 0 0,26 0-1,-25 25 1,25-25-16,-26 25 15,1-25 1,25 0 0,-50 24-1,25 1-15,-25 0 16,24-25 0,1 25-1,0-25 1,0 25 15,-25-1-15,49-24-1,-24 25 1,0-25 0,25 0-1,-26 0 1,26 25-1,-25-25-15,0 0 16,-1 25 0,1-25-1,0 0 1,0 0 0,0 0-1,-1 0-15,1 0 31,0 0-15,0 0 15,0 0-15,-1 0 0,1 0-1,0 0-15,25 25 16,-26-25-1,26 0 1,-25 25 0,24-25-1,-24 0-15,0 0 16,25 24 0,-25 1-1,-1-25 1,1 0-1,0 0 17,-25 25-17,25-25-15,0 0 32</inkml:trace>
+  <inkml:trace contextRef="#ctx0" brushRef="#br0" timeOffset="33169.3693">12601 13568 0,'25'0'203,"-25"25"-187,0 0-1,0 24 1,0 26-16,0 24 16,0 0-1,0 0 1,0-24-1,0-1-15,0 50 16,0-74 0,0 0-1,-25-1 1,25 1 0,0 24-16,0-24 15,-25-1 1,25 1-1,0-25 1,0 0-16,0-1 16,0 1-1,-24 0 1,24 0 0,-25 0-1,0-1-15,25 1 31,-25 0-15,25 0 0,-25-25-1,25 25 1,-25-1 0,25 1-1,0 0 1,0 0-1,0 0 1,0 49 0,0-49-1,0 0 1,0-1 250,0 1-251,0 50-15,-24 24 16,-26 75-1,25-1 1,25-49 0,-25 0-16,25-25 15,-24-49 1,24 0 0,0-1-1,0 1-15,0 0 16,0-1-1,0-24 1,0 25 0,0-1-16,0-24 15,0 0 1,0 24 0,0-24 15,24 0-31,-24 0 15,25-25 1,0 25 0,0-1-1,0 1 17,-25 0-17,24-25 1,-24 25-1,25-25-15,0 25 16,-25-1 0,0 1-1,25-25 1,-25 25-16,25 0 31,0-25-15,-25 25-1,24-25-15,-24 24 16,25-24 0,0 50-1,0-50 1,-25 25 0,0 0-16,25-25 15,-25 24 1,24 1-1,1-25 1,0 25-16,0-25 31,0 25-15,-1 0 0,1-1 15,-25 1 16,25-25-47,0 25 31,-25 0-15,25-25-1,-1 25 1,1-25-16,0 24 15,-25 1 1,25-25 0,0 25-1,-1-25-15,1 25 32,0-25 14,0 0-46,-25 25 16,25-25 15,-1 25 1,1-25-1,0 0 0</inkml:trace>
+  <inkml:trace contextRef="#ctx0" brushRef="#br0" timeOffset="37563.197">12775 13717 0,'-25'0'312,"0"50"-296,0-1-1,25 26 1,0-51 0,0 26-16,0-25 15,0 24 1,0-24-1,0 0 1,25 25 0,0-1-1,0-49 1,-25 25 0,25-25-1,-25 25-15,24 0 31,-24-1-15,0 1 0,25-25-16,0 50 15,-25 0 1,25-1 0,0-24-1,-1 49-15,-24-24 16,25 0-1,0-1 1,-25-24 0,25 49-1,0-49-15,-1 0 16,1 49 0,0-49-1,-25 25 1,25-1-1,0 26 1,-25-50-16,24-1 31,1 1-31,-25 0 16,25-25 0,-25 25-1,0 0 1,25-1-1,0 26 1,-25-25 15,0 25-15,24-26 0,-24 1-16,25 25 15,-25-25 1,0 24-1,0-24 1,0 0-16,0 0 266,0 24-251,0 26 1,25 49-16,-25 24 16,25 1-1,0-74 1,-1 24-1,-24 0-15,0-24 16,25-26 15,0 1-31,0-1 16,-25 1 0,0 0-16,25-1 15,0-49 1,-25 50-1,0-25 1,24-1-16,-24 1 47,0 0 0,25-25 125,-25 25-141,25-25-15,0 0-1,0 0 16,-1 25-31,1-25 16,0 0 0,0 0-1,0 0 1,-1 0-16,26 0 31,-25 0 0,0 0-15,-1 0 15,1 0-15,0 0 15,0 0 16,24 0-31,-49 24-1,25-24 17,0 0 249,0 0-266,0 0 1,-25-24 0,0-1 15,24 25-15,1 0 30,-25-25-14,25 25-1,0 0-15</inkml:trace>
+  <inkml:trace contextRef="#ctx0" brushRef="#br0" timeOffset="41702.0818">13122 13692 0,'0'25'110,"0"0"-79,25 0-31,0-1 16,-25 26-1,24-25 1,-24 0 0,25 49-1,-25-49-15,0 0 16,25-1-1,-25 1 1,25 0 0,-25 0-16,25 24 31,-25-24 0,0 25-31,24-25 16,-24 24-1,25 1 1,-25-25 0,25 24-1,0-49 1,-25 25 0,0 0-1,25 0 1,-1 0-1,1-1-15,25 1 16,-25 0 15,0-25-15,-1 25 15,1 0 0,-25-1-15,50-24-16,-50 25 16,25 0-1,-25 0 1,24-25 0,1 25-16,0-1 15,0 1 1,0-25 15,-1 50-15,26-25-16,-25 24 15,0-49 1,-25 25 0,24-25-1,-24 25-15,25-25 328,-25 25-312,0-1 0,25 26-1,0 0-15,0-26 16,-1 26-16,1 0 15,0-26 1,25 26 0,-1-25-1,-24 0 1,25 0-16,-26-1 31,1-24 0,0 25-15,0-25 0,0 25-1,-1-25 17,1 0-32,0 25 15,0-25 16,0 25-15,0-25-16,-25 24 16,24 1-1,1-25 1,0 25 0,25-25-16,-26 50 15,26-26 1,24 26-1,1-25 1,-50 24 0,24-24-16,26 0 15,-51 0 1,51 0 0,-26-1-1,26 26 1,-50-50-16,24 50 15,1-50 1,-25 24 0,-25 1-1,24-25 267,1 0-251,0 0-16,0 25 1,0 0-16,-1 24 16,26-24-1,0 25 17,-1-25-17,1 24-15,-25-24 0,0 0 16,24-25-1,-24 50 1,0-50 0,0 24-16,-1 1 15,-24 0 1,25-25 0,-25 50-1,25-50-15,0 49 16,-25-24-1,25 0 1,-1 24 0,-24-24-1,25 0-15,-25 0 32,25 0-1,0 24 0,-25-24 0,0 0-15,0 0 0,0-1 15,0 1 0,25 0-15,-25 0-1,0 0 1,0-1 31,0 1 15,24-25-15,-24 25-31</inkml:trace>
+  <inkml:trace contextRef="#ctx0" brushRef="#br0" timeOffset="47468.1455">13196 13494 0,'25'25'46,"0"-25"-30,0 0 0,0 24-1,-1 1 32,1-25-16,-25 25-15,0 0 0,25-25-16,0 25 15,0-25 1,-25 24 0,49 1-1,-24-25 1,0 0-1,0 25 1,-25 0 422,0 24-423,0-24 1,0 0-1,0 0 1,0 24 0,0-24-1,0 0-15,0 0 32,0 0-17,0-1 1,25 1-1,-25 0 1,49 0 0,-24-25-1,0 25-15,0-1 16,-1-24 0,1 0-1,-25 25 1,25-25-16,0 25 31,0-25-15,-25 25-1,24 0 1,-24 24-16,25-49 16,0 25-1,-25 25 1,25-25-1,0-1-15,-1 1 16,1 25 0,25-50-1,-25 25 1,24-1 0,-24-24-16,-25 25 15,25-25 1,0 25-1,-1 0 1,1-25-16,0 25 16,25-25-1,-26 49 1,26-24 0,24 0-1,1 24-15,-25-24 16,-1 25-1,26-25 1,-1 24 0,-24-24-16,-26 25 31,1-50 281,-25 24-280,25 1-17,0 25-15,49-1 16,-24 1 0,-25 0-16,24-26 15,-24 1 1,25 25-1,-26-25 1,1-25 15,0 25-15,-25-1 0,25-24-1,-25 25-15,25-25 16,-25 25-1,24-25 1,1 25 0,-25 0-16,25-25 15,-25 24 1,25 1 0,-25 0-1,49-25-15,-49 50 31,50-26-31,-50 1 16,50 0-16,-26 25 31,1-50-15,0 24 0,25 1-1,-25 0 1,-1-25-1,26 25 1,-50 0 0,25-25-16,0 24 312,-1-24-296,1 0-1,0 25 1,0 0-16,0-25 31,-25 25-15,24-25 0,-24 25-16,25-25 15,0 0 1,-25 24-1,25 1 1,0 0 15,-1-25-15,1 25-16,25-25 16,-25 25-1,-1-25 1,26 0-16,-50 24 15,50 1 1,-26 0 15,1-25-31,0 25 16,0 0 0,0-25-1,-1 0 1,26 24-1,-25 1-15,24 25 16,26-25 0,-25 24-1,-1-24 1,26 0-16,-26 25 16,75-50-1,-49 24 1,-1 1-1,0 0-15,-24 0 16,24-25 0,-24 25-1,0-1 1,24-24 281,25-24-297,-24-1 15,-1 25 1,-24 0 0,24 0-1,-49 0-15,0 0 32,0 0-17,24 0-15,1 0 16,-25 0-16,24 0 15,1 0 1,-1 0 0,-24 0 15,0 0-31,0 0 31,0 0 0,-1 0 126,1 0-32</inkml:trace>
+  <inkml:trace contextRef="#ctx0" brushRef="#br0" timeOffset="55889.238">13345 13047 0,'25'0'156,"0"-25"-156,0 1 16,24-1 0,1-25-16,24 25 31,-49 1-16,50-1-15,-26 0 32,26 0-32,24-24 0,-25 49 31,-49 0-31,0 0 31,24-25 219,51 0-250,24-25 31,24 1-31,-23-1 0,23 1 16,-48 49 0,-1-50-1,-25 25 1,50 0-16,-25 1 16,1-1 15,24 25-16,-50 0 1,0 0-16,-24-25 0,-25 25 31,25 0-31,-1 0 16,-24 0 0,49-25 249,125-24-249,98-26-16,51 1 15,24-26 1,-25 26 15,-24 0-31,-51 49 16,-48 0 0,-26 0-16,-24 25 15,-50 0 1,0 0-1,-25 0 1,-25 0-16,1 0 16,-26 0-1,-24 0 1,25 25 0,24-25 327,100-74-343,223-50 16,-174 74 0,-49 0-1,-26 26 1,-24-1-16,0 0 15,0 25 1,25 0 0,-25-25-1,-24 25-15,24 0 16,-25 0 0,-25 0-1,-24 0 1,-1 0-1,1 0-15,0 25 16,-1-25 0,1 0-1,-25 25 1,-1-25-16,1 0 16,0 0 999,0 0-999,24 25-1,-24-25 17,0 24-17,0-24 1,-25 25-16,25-25 16,0 0 30,-1 0 17,1 0-32,0 0 172,-25 25-140,25-25-16,0 25-16,-1-25 0,1 0-15,0 25-16,25-1 15,-26-24 17,26 25-17,-50 25 1,50-50 0,-50 49-16,24-49 15,1 25 1,0 25-1,0-50 1,0 25-16,-1-25 16,-24 24-1,25-24 1,0 25 0,0 0-1,0 0 32,-1-25-31,1 0-1,-25 25 1,25-25 15,0 0 188,-25 24 187,0 1-390,0 0-1,0 25 1,0-1 0,0 1-1,0 0-15,0-1 16,0 26 0,0-26-1,25 1 1,-25-1-16,0 1 15,24 0 1,-24 24 0,25-49-1,-25 0 1,25 24-16,0 1 31,-25-25 16,0-1-31,0 1 15,0 25 0,0-25-15,0-1-1,0 1 1,0 0 0,0 0 15,0 0-15,0-1-16,0 1 15,0 0 1,0 0-1,25-25 1,-25 25-16,0 0 16,0-1-1,0 1 17,0 0-17,24 0-15,-24 0 31,0-1 1,0 1-1,0 0-15,0 0 15,0 0 0,0 24 0,0 1-31,0-25 16,0 24 15,0-24 0,0 0-15,0 0 0,-24-1-1,24 1 1,0 0 0,0 0 46,0 0 16,0-1 0</inkml:trace>
+  <inkml:trace contextRef="#ctx0" brushRef="#br0" timeOffset="62656.4259">13246 12750 0,'25'0'125,"0"-25"-93,49 0-17,-24-49 1,24 24-1,25-24-15,50 24 16,-74 25 0,-51 0 218,1 1-218,50-51-1,173-49 1,173-99 0,75 0-1,-49 24-15,-25 26 16,-1 49-1,-123 49 1,-25 25 0,-149 26-16,25-1 15,-75 25 1,-24 0 0,-26 0-1,1 0-15,25 0 281,74-25-281,248-49 16,-99 24 0,0 0-1,-50 1 1,25 24 0,-50 0-16,-24 0 15,0 1 1,-26 24-1,1 0 1,-49 0-16,-26 0 16,0 0-1,-49 0 1,0 0 0,25 0-16,-26 0 296,1-25-296,74-25 16,75 1 0,-25-1-1,0 0 1,-50 1-16,50 24 16,24 0-1,100 0 1,-50 25-1,-24 0 1,-125 0-16,-24 0 16,0 25-1,24-25 1,-49 0 0,0 25-16,24 0 15,1-25 1,-25 25-1,-1-25 1,26 24-16,-25-24 16,0 25-1,-1 0 17,1-25-32,0 25 15,0 0 1,24-1-1,-24 1 1,0-25 0,0 25-1,24 0 1,-24 24 15,25-49-15,-25 50-16,24-25 15,-24-25 1,0 25 0,24-1-1,-49 1-15,50 0 16,-25 0-16,0 0 16,0-1-1,-1 1 1,-24 0-1,25 0 1,25 24-16,-50-24 313,0 25-282,0 0-31,0 24 15,25 0 1,-1 26 0,1-26-1,-25 0-15,25 1 16,0 24 0,24 0-1,-24 25 1,25 0-1,-1-24-15,-24-51 16,-25 1 0,50-1-1,-25 1 1,-25 0-16,24-1 16,1-24-1,0 49 1,-25-49-1,0 25 1,25 24-16,0-24 16,-25-1-1,0 26 1,0-26 0,24-24-1,-24 0-15,25 25 16,-25-26-1,0 1-15,0 0 32,0 0-17,0 0 17,25-25-1,-25 25 234,0 24-249,25 26 0,0 98-1,-1 1 1,1-75-16,-25 0 16,25-24-1,0 49 1,0-50-1,-25 0-15,24-24 16,-24 0 0,25-25-1,0 49 1,0 0 0,-25-24-16,0 0 15,25-26 1,-25 26-1,25-25 1,-25 0-16,0 24 16,24-24-1,1 0 1,-25 24 0,0-24-1,0 0-15,25 0 16,-25 0 15,25-1-15,-25 1-1,0 0 32,0 0-31,0 0-1,0 24 17,0-24-17,0 0-15,0 0 32,0 24-17,0-24-15,0 25 31,0-25-15,0-1 0,0 1-16,-25 25 15,25-1 17,0-24-1,0 0 0,-25-25 0,25 25 32,0 0-48,-25 24 1,25 26 0,0-51-1,-24 1 1,24 25-16,0-25 31,0-1 0,0 1 1,0 0 15,-25-25-1,25 25-30</inkml:trace>
+  <inkml:trace contextRef="#ctx0" brushRef="#br0" timeOffset="72140.2331">13097 12502 0,'25'0'63,"0"0"-47,24-25-1,-24-25 1,25 1-1,-1 24 1,1-50-16,24 1 16,-24-1-1,74 26 1,-49-1 0,-1 1-1,-24 24-15,-50 0 250,49 25-234,75-74-16,149-1 15,25-49 1,99-25 0,-75-49-1,25-25 1,50-1 0,-25 26-1,25 0-15,-174 98 16,25 26-1,-99 24 1,-50 26-16,-24-1 16,-26 25-1,1 0 1,-25-25 0,49 25 234,348-74-235,99-51 1,74 26-16,-248 74 15,1 1 1,-125-1 0,25-25-1,-99 50 1,0-25-16,-50 1 16,50 24-1,-75 0 1,1 0-1,24 0-15,-50 0 16,1 0 0,-25 0-1,24 0 1,1 0-16,-25 0 281,24 0-281,1 24 16,0-24-1,24 25 1,0 25 0,1-25-1,-1 24-15,1 1 32,-26-25-17,26 24-15,-26-49 16,1 50-16,-25-25 15,49 0 1,1 24 0,-1 1-1,25 24-15,-74-74 16,25 50 0,-26-50-1,26 49 1,0-24-16,-26 0 15,1 0 1,50 24 15,-75-24-31,24 0 16,26 0 0,-25 0-1,0-1-15,0 26 16,24-25-1,-49 0 1,25-25 0,0 24-1,0-24 1,-1 25 0,1-25 15,0 25 281,25-25-296,-26 25 0,26 0-1,-25-1 1,24 1-1,26 74 1,24 25-16,0-24 16,-74-26-1,25-24 1,-26-1 0,1 1-1,0 0-15,-25-26 16,25 1-1,0 25 1,-25-1 0,24-24 15,-24 0-15,0 0-1,25 0-15,0-25 16,-25 49-1,25-24 17,0 49-32,0-49 15,-1 25 1,-24-1 0,25 1-1,0-50-15,-25 50 16,25-50-1,-25 24 1,0 26 328,0-25-329,0 25 1,25-1-16,-25 1 16,0-1-1,0 26 1,0-1 0,24-24-16,-24-1 15,25 26 1,0-26-1,-25 26 1,0-26-16,0 1 16,0-25-1,25 0 1,-25 24 0,0-24-1,0 0-15,0 0 16,0 24-1,0-24 1,0 25 0,25 49-16,-25 0 15,0 50 1,0-75 0,0-49-1,0 25 1,0-1-16,0-24 15,0 0 1,0 0 0,0 24-1,0-24-15,0 25 32,0-25-17,0-1-15,0 1 16,0 0-16,0 0 297,0 0-266,0-1 0,24-24-31,-24 50 16,0 0-1,25-26 1,-25 26 0,50 0-16,-25 24 15,-25-24 1,0-25 0,0 24-1,24 1-15,-24-1 16,25 26-1,-25-26 1,25 1 0,-25 0-1,0-1-15,0 26 16,0-26 0,0 125-1,25 0 1,0 24-16,-1-99 15,-24-24 1,0-26 0,0 1-1,0-1-15,0 1 16,0-25 0,0 0-1,0 24 1,25-49-1,-25 25-15,0 25 16,25-26 0,-25 1-1,0 0 1,0 0-16,0 0 16,0 24-1,0-24 251,0 25-251,0-25 1,-25 74 15,0 25-31,-24-25 16,24 50-16,0-75 16,-24 1-1,24-1 1,0 0-1,0-24 1,0 0-16,-24 74 16,-26 25-1,26-1 1,24-98 0,0 24-16,-24-24 15,24 0 1,-25-26-1,0 26 1,1-25 0,-26 24-16,26-24 15,-50 0 1,24 0 0,26 0-1,-1-1-15,0-24 16,1 0-1,-1 25 1,-24-25 0,-25 25-1,-1-25-15,1 25 16,49-25 0,1 0-1,-1 0 1,25 0 296,-24 0-280,-1 0-17,1 0-15,-1 0 16,-24-25-1,-26 0 1,1 0-16,25 1 16,-1-1-1,26 0 1,-1 25 0,25 0-16,1-25 31,-1 0-16,0 25 1,0-24 0,25-1 15,-25 25-15,0 0-1,25-25 16,0 0-15,-24 25 15,24-25-15,-25 1 0,25-1-1,-25 0 1,25 0-16,0 0 15,-25 25 1,25-24 0,-25-1-1,25 0 1,-24 25 15,-1-25 0,0 25-15,0-25 0,0 1-1,1 24 1,-1 0-16,-25-25 16,1 0-1,-1 25 1,25-25-1,-24 0 1,24 25-16,0-24 16,0-1 281,0 25-282,25-25 1,-49-25-16,24 25 15,0-24 1,0-26 0,1 26-1,-1-1-15,0 1 16,25-1 0,-25 25-1,25 0 1,0 1-1,-25 24-15,1-50 16,-1 25 15,0-24-15,0 24 0,0 0-1,1 0 1,24-24-1,0-1 1,-25 0-16,0 1 16,25 24-1,0-25 1,-25 1 0,0-1-1,25 25 1,0 1 15,0-1-31,0 0 47,0 0 15,0 0 17,0 0-17,0 1-31,25 24-31,25 0 32,-50-25-17,25 25 1,-1 0 15,1 0-15,0 0-1,0-25 1,0 25 15,-1 0-15,1 0 15,0 0-15,0 0 31,0 0-32</inkml:trace>
+</inkml:ink>
+</file>
+
+<file path=ppt/ink/ink11.xml><?xml version="1.0" encoding="utf-8"?>
+<inkml:ink xmlns:inkml="http://www.w3.org/2003/InkML">
+  <inkml:definitions>
+    <inkml:context xml:id="ctx0">
+      <inkml:inkSource xml:id="inkSrc0">
+        <inkml:traceFormat>
+          <inkml:channel name="X" type="integer" max="1366" units="cm"/>
+          <inkml:channel name="Y" type="integer" max="768" units="cm"/>
+          <inkml:channel name="T" type="integer" max="2.14748E9" units="dev"/>
+        </inkml:traceFormat>
+        <inkml:channelProperties>
+          <inkml:channelProperty channel="X" name="resolution" value="39.5942" units="1/cm"/>
+          <inkml:channelProperty channel="Y" name="resolution" value="39.58763" units="1/cm"/>
+          <inkml:channelProperty channel="T" name="resolution" value="1" units="1/dev"/>
+        </inkml:channelProperties>
+      </inkml:inkSource>
+      <inkml:timestamp xml:id="ts0" timeString="2018-07-02T20:58:57.244"/>
+    </inkml:context>
+    <inkml:brush xml:id="br0">
+      <inkml:brushProperty name="width" value="0.05292" units="cm"/>
+      <inkml:brushProperty name="height" value="0.05292" units="cm"/>
+      <inkml:brushProperty name="color" value="#FF0000"/>
+    </inkml:brush>
+  </inkml:definitions>
+  <inkml:trace contextRef="#ctx0" brushRef="#br0">2208 843 0,'0'-24'172,"-50"24"-156,50-25-16,-24 25 16,-51-25-16,50 25 15,1 0 1,24-25-16,-25 25 15,0 0-15,-25 0 16,26 0 0,-26 0-1,25 0 1,0 0 0,0 0-1,1 0 1,-26 0-1,25 0 1,0 0 0,25 25-1,-24-25-15,-1 25 16,0 0 0,-25-1-16,26 1 15,-1 0-15,0-25 16,0 25-16,-24 49 31,24-49-31,0 0 16,0 0-16,0 24 0,1-24 15,24 0 17,0 24-17,-25-24-15,25 0 0,-25 25 16,25-26-16,0 26 31,0-25-31,0 24 16,0-24-1,25 0 1,0 0-16,-1-25 16,1 25-1,0-25-15,25 24 16,-1 1-16,-24-25 15,25 0-15,24 25 16,-24-25-16,-1 0 16,1 0-16,-1 0 15,1 0-15,25 0 16,-26 0-16,26-25 16,-1-24-16,0-1 15,1 0-15,-26 26 16,-24-26-16,0 50 15,-25-25-15,-25 25 63,0 0-63,1 0 16,-26 0-16,25-25 15,0 1 1,-49 24-16,0 0 15,49 0 1,-25 0-16,-49 0 16,49 0-16,25 0 15,1 0 17,-1 0-17,0 0 1,50 0 46,0 0-46,-1 0 0,1 0-16,0 0 15,25 0 1,-1-25-16,-24 25 15,25 0 1,-1 0 0,26 0-16,-50 0 15,24 0-15,-24 0 16,0 0-16,0-25 94,49 25-79,25-25-15,-49 25 16,24-25-16,-24 1 16,-1 24-16</inkml:trace>
+  <inkml:trace contextRef="#ctx0" brushRef="#br0" timeOffset="1360.1121">2605 1315 0,'25'24'47,"-1"-24"-16,-24 25-15,25-25 0,-25 25-16,50-25 15,-25 25-15,-1-25 16,1 0 0,0 0-16,0 25 15,49-1 1,-49-24-1,25 0-15,-25 0 16,24 0-16,-24 0 16,25 0-16,-26-24 15,1 24-15,-25-25 47,0 0 0,-25 25-31,1 0-16,-1 0 15,0 0-15,0 0 16,0 0 15,1 0 0,-1 0-15,0 0 0,-25 0-1,25 0-15,-49 0 32,49 0-17,0 0-15,1 25 0,-1-25 16,25 25-1,0-1 17,0 1-17,0 25 1,0-25 0,0-1-16,0 1 15,25 0 1,-1-25-16,-24 25 15,25-25-15,0 0 16,-25 25-16,0 0 16,25-25-1,0 0 1,24 0-16,-24 0 16,0 24-1,74-24-15,-49 0 0,24 0 16,-24 0-16,-1 0 15,1 0 1,-25 0-16,0 0 16,24 0-16,1 0 15</inkml:trace>
+  <inkml:trace contextRef="#ctx0" brushRef="#br0" timeOffset="2982.5346">3671 1463 0,'0'25'125,"0"0"-109,0 0-1,25 0-15,-25-1 16,0 1-1,0 0 32,0 0-15,0 0 202,0 24-218,0-24-1,-25-25 1,25 25 15,0 0-15,0 0-1,0-50 95,0 0-110,0-49 15,0 24 1,0 25-16,0-25 16,0 26-16,0-1 15,0-25-15,0 25 31,25 25-31,-25-24 16,25 24 15,-25-25-31,0 0 16,25 25-16,0-25 31,-1 25-31,1 0 16,0-25-1,0 25 1,0-24-16,-1 24 16,1 0-16,0 0 15,0 0 1,25 24 0,49 26-16,-50-25 15,1 24-15,-25-49 16,-25 25-16,25 0 15,-25 25 1,24-26-16,-24 1 16,0 25-16,0 0 15,0-26-15,0 1 16,-24 25-16,24-25 16,-25-25-1,25 24 1,0 1-1</inkml:trace>
+  <inkml:trace contextRef="#ctx0" brushRef="#br0" timeOffset="4558.1667">5259 1439 0,'0'24'78,"0"1"-62,0 0-1,0 25-15,-25-50 16,25 49-16,0-24 16,0 25-1,-25-50 1,50-50 125,0 25-141,25-49 15,-26 74-15,-24-25 16,25-25-16,-25 26 15,25 24 1,-25-25 0,25 0-16,-25 0 15,25 25 1,-1 0 0,1 0 30,0 0-46,0 0 32,-25 50-17,25-25-15,-1-1 16,-24 76 0,25-51-16,0-49 15,-25 50-15,0-25 0,25-25 31,-25 25-31,0-1 16,0-48 78,25-1-79,-25 0-15,49-50 16,-24 1 0,0 49-16,0-24 15,-25-1-15,24 50 16,1 0-16,-25-25 16,0 0-1,25 25 16,-25 50 16,25 0-31,0-26 0,-25 1-16,0 25 15,24-1-15,-24-24 16,0 0-16,0 25 15,25-50-15,-25 25 16,0-1 0,0 1 15,25-25 110</inkml:trace>
+  <inkml:trace contextRef="#ctx0" brushRef="#br0" timeOffset="5984.3957">6524 1315 0,'-25'0'31,"0"0"79,1 0-95,-1 24 1,0 1 0,0-25 15,25 25-31,-25-25 15,25 25-15,0 24 16,0 1 15,0 0-31,0-26 16,0 1-16,0 0 16,-24-25-16,24 25 15,0 0-15,24-25 63,1 0-48,0 0-15,0 0 16,24 0-16,1 0 16,0 0-16,-1-25 15,26 0 1,-51 25-16,-24-25 15,0 0 1,0 1 0,0-1-1,25 0-15,-25 0 16,25 0-16,-25 1 47,-25 24-16,25-25-15,-25 25-1,1 0 1,-1 0-16,0 0 47,0 0-32,0 0 1,1 0 0,-1 0-16,0 0 15</inkml:trace>
+  <inkml:trace contextRef="#ctx0" brushRef="#br0" timeOffset="7119.8969">6921 1488 0,'0'25'32,"0"0"-17,0 0 17,0-1-17,0 1 1,0 0-1,0 0 1,0 0-16,0 0 16,0-1-1,0-48 95,0-1-95,0-50 1,0 50-16,0 1 16,0-1-16,0 0 15,0 0-15,0-24 31,0 24-15,25 25 62,-1 0-62,1 0-1,25 0 1,-50 25-16,25-25 16,-1 0 46,26 24 1,-50 1-32</inkml:trace>
+  <inkml:trace contextRef="#ctx0" brushRef="#br0" timeOffset="8432.8015">7318 1662 0,'0'25'47,"25"-25"0,-1 0-31,1 0 15,0 0-16,0 0 1,0 0-16,-1 0 16,1 0-16,25 0 15,-25 0 1,-1 0-16,1-25 16,0 25-1,-25-25-15,25 25 16,0-25-1,-1 0 1,-24-24 0,0 24-1,-24 25 17,-1 0-17,0 0 32,0 0-31,0 0-1,1 0 1,-1 0 0,0 0-16,0 0 0,0 0 15,1 0-15,24 25 16,-25-25-1,25 25 1,-25-25-16,25 24 16,-50 1-16,26 0 15,24 0 1,0 0 15,-25 0-31,25-1 16,-25 1-16,25 0 15,-25-25-15,25 25 16,0 0 0,0-1-16,25 1 15,0-25 1,0 0-16,24 0 16,1 0-1,-25 0-15,24 0 16,26 0-16,-1 0 15,-24 0-15,-1 0 16,1 0-16,-1-25 16,1 25-16,-25 0 15,0 0-15,24 0 16,1-24-16,-1 24 16,-24-25-16,25 0 15,-25 25-15,0 0 16</inkml:trace>
+  <inkml:trace contextRef="#ctx0" brushRef="#br0" timeOffset="9355.7285">9104 1017 0,'0'25'110,"0"0"-110,0-1 15,0 26-15,0-25 16,0 0-16,0 24 16,0 1-16,0-1 15,0-24 1,0 0-16,0 25 15,0-26-15,0 1 16,0 50-16,0-51 31,0 51-31,0-50 0,0 49 16,-25-24-16,25-25 16,0-1-16,-25 1 15</inkml:trace>
+  <inkml:trace contextRef="#ctx0" brushRef="#br0" timeOffset="10155.1177">8831 1439 0,'25'0'219,"24"0"-203,1-25-16,24 25 15,1 0-15,-26 0 16,1 0 0,-1 0-16,26 0 15,-25 0-15,-26 0 0,1 0 16,0 0-16,0 0 15,0 0-15,-1 0 16</inkml:trace>
+  <inkml:trace contextRef="#ctx0" brushRef="#br0" timeOffset="13046.8579">9525 1414 0,'0'25'219,"0"-1"-204,0 1-15,0 0 16,0 0-1,0 24 1,0-24 0,0 25-1,0 0-15,0-1 32,0 1-17,0-25-15,0-1 16,0 1 15,0 0 16,0 0 62,25-50-15,-25-49-78,0-1-16,0 26 15,0-26 1,0 25 0,0 26-1,0-1-15,0 0 16,0 0 46,25 25-62,0 0 16,-25-25 15,25 1 16,-1-1 31,1 25-47,0 0-15,0 0-16,0 0 31,-1 0 1,1 0-17,0 0 95,0 0 77</inkml:trace>
+  <inkml:trace contextRef="#ctx0" brushRef="#br0" timeOffset="13390.5921">9848 1414 0</inkml:trace>
+  <inkml:trace contextRef="#ctx0" brushRef="#br0" timeOffset="16000.0841">10021 1687 0,'25'0'62,"0"0"1,0 0-48,0 0-15,-1 0 47,1 0 0,0 0-16,-25-25-15,0 0 15,0 0 0,0-24-31,0-1 16,0 25-16,0 0 31,0 1-15,0-1 31,0 0-16,-25 25 0,25-25-15,-25 25-1,1 0 17,-26 50-1,0-1-15,1 1-1,24 0-15,-25 24 16,50-49-1,-24 0 1,-1 0 0,25-1-1,0 1-15,-25 0 16,25 0 0,0 0 15,0 24-31,0 1 31,50-1-15,-26 1-1,1 0-15,0-26 16,0 1 0,0 0-1,-1 0 16,-24 0-15,50-25 0,-25 0 15,0 0-31,-1 0 31,1 0-15,-25-25-1,25 0 1,0-25 0,-25 26 15,25-1 0,-25 0 0</inkml:trace>
+  <inkml:trace contextRef="#ctx0" brushRef="#br0" timeOffset="18183.6086">10518 1736 0,'0'0'0,"0"-24"16,24-1-16,-24 0 31,25 25-16,-25-25 32,25 25 31,-25-25-46,25 25 46,-25-25-63,25 25 17,-25-24-17,0-26 17,-25 50-1,25-25-16,-25 25 1,0 0 15,0 0 1,1 0-32,-1 0 31,0 0 16,0 25 0,25 0-32,-25 0 1,25 24-1,0-24 1,0 25 0,0-1-16,25 1 15,0-25 1,-25 0 0,0-1-1,0 1 1,0 0-16,25-25 31,-25 25-15,0 0-1,25-1 1,-1 1 15,1-25-15,-25 25-1,25-25-15,-25 25 47,25-25-31,0 0 15,-1 0-15,1 0 15,0 0-31,0 0 31,0 0-15,-1-25 0,1 25-1,0 0 1,-25-25-1,25 25 1</inkml:trace>
+  <inkml:trace contextRef="#ctx0" brushRef="#br0" timeOffset="20665.8223">11237 1538 0,'25'0'94,"-25"-25"-94,-25 25 62,0 0-46,0 0 15,0 0-15,1 0-1,-26 25-15,25 24 16,-24-49 0,24 25-1,0 0 1,0 25-1,0-25-15,25-1 16,-24 1 0,24 0 15,0 0-15,-25-25-1,25 25 16,-25-25-15,25 24 31,25-24-16,0 25-15,-1-25-1,26 0 1,24 0-16,-49 0 16,0 0-1,25 0 1,-26 0 0,1 0-1,0 0-15,0 0 16,0 0 15,-1 0-15,1 0 15,0 25 16,-25 0 0,0 0-16,0-1 16,0 1-16,0 0 0,-25-25-15,25 25 31,-25-25-16,1 0 16,24 25 47,-25-25-63,0 0 0,0 0 0,0 0-15,1 24 0,-1-24-16,0 25 15,-25 0 17,26-25 14,24 25-14,-25-25-17,25 25 32</inkml:trace>
+  <inkml:trace contextRef="#ctx0" brushRef="#br0" timeOffset="24479.2154">12155 1513 0,'0'25'31,"0"0"-15,0-1-1,0 1 1,0 25-1,0-25 1,0 0 0,0 24-16,0-24 15,0 0 17,0 0-17,0-1 1,0 1-1,0 0 1,0 0 15,0 0 1,0-1 14,0 1-46,0 0 32,0-50 77,0-49-109,0-25 16,0-25-1,0 24 1,24-24 0,1 25-16,-25 49 15,25 26 1,-25-1-1,0 0 1,0 0 0,25 0 31,0 1 31,-1-1-47,1 25 0,0 0-15,0 0 31,0 0-32,-1 25-15,1-25 63,-25 24-63,0 1 62,0 0-15,0 0-16,0 0-15,-49-25 15,49 24-15,-25 1 0,0 25-16,-25-25 15,50-1 1,0 1-1,-24-25 1,24 25 0,-25-25-16,25 25 15,0 0 1,-25-25 0,0 24-1,25 1 32,-25-25-31,25 25 46</inkml:trace>
+  <inkml:trace contextRef="#ctx0" brushRef="#br0" timeOffset="25976.0304">12676 1215 0,'0'25'78,"0"0"-15,24 0-63,-24 0 15,0 24 1,0-24-1,0 0 1,0 0-16,0-1 16,0 1-1,0 0 1,0 0 0,0 0-1,0-1 1,0 1 46</inkml:trace>
+  <inkml:trace contextRef="#ctx0" brushRef="#br0" timeOffset="26617.0909">12700 967 0</inkml:trace>
+  <inkml:trace contextRef="#ctx0" brushRef="#br0" timeOffset="27117.0786">12849 1215 0,'50'0'0,"49"25"15,-25 0 1,1-25-1,-26 0 1,-24 0 0,0 0 15,0 0 0</inkml:trace>
+  <inkml:trace contextRef="#ctx0" brushRef="#br0" timeOffset="27559.4832">13271 1265 0</inkml:trace>
+  <inkml:trace contextRef="#ctx0" brushRef="#br0" timeOffset="28948.0493">13246 1265 0,'-25'0'47,"0"0"-16,1 0-15,-1 0-1,0 0 1,-49 25 0,49-25-16,0 49 15,0-24 1,-24 0-1,49 25 1,-50-26 0,50 26-16,-25-25 15,0 0 1,25-1 15,-24-24-15,24 25-1,0 0 17,0 0-17,0 0 1,24-25 0,1 25-1,0-25 1,49 24-16,-24-24 15,-25 25 1,24 0 0,1-25-1,-25 0 1,0 0-16,24 0 16,-24 0-1,0 0 1,0 0-1,-1 0-15,1 0 16,0 0 15,0 0-15,0 0-16,-1 0 31,-24-25-15,25 25-1,0 0 32</inkml:trace>
+  <inkml:trace contextRef="#ctx0" brushRef="#br0" timeOffset="31557.2458">13643 918 0,'0'25'125,"25"-1"-125,-25 1 15,0 0 1,0 0-1,0 24 1,0 1 0,0 24-16,0-24 15,0-25 1,0 0 0,0-1-1,0 1-15,0 0 16,0 0 15,0 0 0,0-1 1,0 1-1,0 0 63,0 0-63,0 0-16,0-1 1,0 1 0,0 0-1,0 0 1,0 0 0,0 0-16,0-1 31,0 1 0,0 0 0,0 0-15,0 0 31,0-50 78,0 0-110,0 0-15,25-24 16,-25-1 0,24-25-1,-24 26 1,25-1-16,-25 25 16,0-24-1,0 24 1,0 0 15,25 0-31,-25 1 47,0-1 15,25 25-46,-25-25 0,25 0-1,-1 25 17,1 0-17,0 0 1,0 0 15,0 0-15,-25 25-16,49-25 15,-49 50 1,25-50 0,-25 24-1,0 1 1,25-25-1,-25 25 17,0 0-17,0 0 17,0-1 14,-25-24-46,-25 25 32,26 0-17,-1-25 1,0 0 0,25 25-1,-25-25 16,25 25 126,0-1-142,50 1 17,-25 0-17,24 0-15,-24 0 16,0-25-1,0 25 1,-25-1 0,24-24-1,1 0-15,-25 25 47,25-25 0</inkml:trace>
+  <inkml:trace contextRef="#ctx0" brushRef="#br0" timeOffset="34063.4667">15007 992 0,'0'25'94,"-25"49"-94,25-24 16,0 24-1,0-24 1,0 0 0,0-26-16,0 1 15,0 25 1,0-1 15,0-24-15,0 0-1,0 0 1,0 0 31,-24-25 0,24 24-32,24-48 126,1-1-125,-25 0-16,25 0 15,0-24 1,-25 24 0,25 0-1,-1-49-15,-24 49 16,25 0-1,0 0 1,-25 0 0,25 1-16,0 24 15,-1 0 1,26 0 0,0 49-1,-1-24-15,1 0 16,-1 24-1,-49-24 1,50-25 0,-50 25-1,25 0 1,-25 0 15,0-1-15,0 1 15,0 0 0,0 25 1,-25-50-17,-25 49 1,1-24-1,24-25-15,-49 25 16,49 0 0,-25-25-1,1 0 1,-1 0 0,0-25-1,26 25-15,-1 0 16,25-25-1,-25 25-15,0-25 16,0 25 31</inkml:trace>
+  <inkml:trace contextRef="#ctx0" brushRef="#br0" timeOffset="35843.158">15801 1488 0,'25'0'63,"0"0"-32,-1 0 16,1 0-32,0 0 1,0 0 15,0 0-15,-1 0 0,1 0-1,0 0 1,0 0 15,0 0-15,-25-25-1,24 25 1,-24-24 0,0-1 15,0 0-16,0 0 1,0-24 15,0 24-15,-24 0-16,-26 25 16,50-25-1,-50 0 1,26 25 15,-1 0-15,25 25-1,-25 0 1,0-25 0,25 25-16,-25 0 31,25-1-16,0 1 1,-24-25-16,24 25 16,-25 0-1,25 0 17,-25-1-17,25 1 1,0 25-1,0-1 1,0 1 0,0 0-16,0 24 15,25-49 1,-25 25 0,49-1-1,-24-24 1,50 0-16,-1 0 15,-24-1 1,-26-24 0,1 25-1,25-25-15,-1 0 32,-24 0-17,0 0 16,0-25-15,0 1 0,-25-1 15,24 25-15,-24-25 15</inkml:trace>
+  <inkml:trace contextRef="#ctx0" brushRef="#br0" timeOffset="38171.9112">16793 1538 0,'-25'-25'156,"1"25"-109,-1 0-16,0 0-15,0 0 15,25 25-15,-25-25 15,25 25-31,-25-25 31,1 24-15,24 1 125,0 0-110,24-25 31,-24 25-46,25-25 0,0 0 15,0 0 0,0 0-15,0 0 15,-1 0 0,1 25 16,0-25-47,0 0 31,-25 25-15,0-1 15,25-24-31,-25 25 32,0 0-1,0 25 0,0-26 0,0 26-15,0-25 31,-25-25-32,25 25 1,-25-25 31,0 24-31,0-24-1,1 0 1,-1 0-1,0 0 1,0 0-16,0 0 16,0 0 31,1 0 31</inkml:trace>
+  <inkml:trace contextRef="#ctx0" brushRef="#br0" timeOffset="40407.428">17264 2009 0,'25'0'156,"-25"-25"-94,-25-24-62,25-1 16,-49 1 0,24-1-1,25 0 1,-25 26-1,25-1 1,0 0 0,0 0 15,-25 25-31,25-25 16,-24 25 15,24-25-16,0 1-15,0-1 32,0 0-1,0 0-15,0 0-1,0 1 1,0-1-1,0 0 1,0 0-16,0 0 31,0 1-15,0-26 0,0 25-16,0 0 31,0 1-16,0-1 32,0 0-15,0 0-17,0 0 1,24 1-1,-24-1 17,0 0-17,0 0 17,25 25-17</inkml:trace>
+  <inkml:trace contextRef="#ctx0" brushRef="#br0" timeOffset="41888.1193">16992 1315 0,'24'0'63,"1"-25"-32,25 25-16,-25 0 1,-1 0-16,26 0 16,0 0-1,-26 0 1,26 0 0,0 0-1,-26 0-15,1 0 31,0 0-15,0 0 31,0 0 15</inkml:trace>
+  <inkml:trace contextRef="#ctx0" brushRef="#br0" timeOffset="60371.0946">10741 6945 0,'25'-24'344,"-1"24"-329,26 0 17,-25 0-32,0-25 15,-1 25 1,1 0 0,0 0-1,0 0-15,0 0 16,-1 0 15,1 0-15,0 0-16,0 0 47,0 0-16,-1 0-16,1 0 1,0 0 0,0 0-1,0 0 1,-1 0-16,1 0 16,25 0-1,0 0 1,-26 0-1,1 0 189,25 0-204,-25 0 15,49 0 1,0 0-1,1-25 1,-26 25-16,26 0 16,-1 0-1,-24 0 1,-1 0 0,1 0-1,24 0-15,1 0 16,-26 0-1,-24 0 1,25 0 0,-25 0-1,-1 0 17,1 0-17,0 0 1,0 0 15,0 0-15,0 0-1,-1 0 1,1 0 0,0 0-1,0 0 16,24 0-31,-24 0 16,0 0 0,25 0-1,-1 0 1,1 0-16,-25 0 16,-1 0-1,1 0 1,0-25 234,25 25-235,24 0 1,-24 0 0,24 0-1,-24 0-15,-1 0 16,-24 0 0,0 0-1,0 0 1,-1 0-16,1 0 15,25 0 1,-25 0 15,0 0-31,-1 0 16,1 0 0,0 0 15,0 0 31,0 0 1</inkml:trace>
+  <inkml:trace contextRef="#ctx0" brushRef="#br0" timeOffset="64607.5516">4044 3076 0,'0'-25'15,"0"0"1,24 25 0,1 0 46,0 0-62,0 0 16,0 0 15,-1 0-15,-24 25-16,25-25 15,-25 25 1,25-25 234,49-25-250,1-25 15,-1 1 1,50 24 0,-49-25-16,-1 1 31,75 24-31,-50 0 16,-24 25-1,49-25-15,-50 25 16,0 0-1,-24 0-15,0 0 16,-1 0 0,1 0-1,-1 0 1,26 0-16,-50 0 16,-1 0-1,1 0 1,0 0 234,0 0-235,49 0-15,25 0 16,-24 0 0,-26 0-1,26 0 1,-50 0-16,0 0 16,24 0-1,1 0 1,-1 0-1,26 0-15,-1 0 16,-24 0 0,-1 0-1,-24 0 1,25 0 0,-1 0-16,-24 0 15,0 0 1,49 0-1,-49 25 1,74 0-16,25 0 16,-24 24-1,-51-24 1,26 0 0,-26 0-1,1 0-15,0-1 16,-1-24-1,26 25 1,-26 0 0,-24 0-1,0-25-15,0 0 282,49 0-267,0-25 1,1 0-16,-1 25 15,-24-25 1,24 1 0,1 24-1,-26 0 1,75 0-16,25 0 16,-50 0-1,-49 0 1,0 24-1,-1-24-15,1 0 16,-1 0 15,-24 25-15,0-25 0,0 0-16,0 0 15,-1 25 1,26-25-1,0 50 1,-26-50-16,51 49 16,-50-24-1,-1-25 1,1 25 0,0-25-16,0 0 15,0 0 32,-25 25-31,25-25-16,-1 0 15</inkml:trace>
+  <inkml:trace contextRef="#ctx0" brushRef="#br0" timeOffset="68375.7924">3969 8086 0,'25'-24'15,"0"24"1,0 0-1,-1 0 1,26 0 15,-25 0-15,0 0 15,-1 0-15,1 0-1,25 0 1,-1 0 0,1 0-1,-25 0 1,24 0-16,-24 0 16,0 24-1,0-24 1,0 0-1,24 0 1,-24 0 15,0 0 1,0 0-17,-1 0 251,1 0-251,25 0 1,24-24 0,-49-1-1,25 25-15,24-25 16,-24 0 0,24 25-1,-24 0 1,-25 0-16,24 0 15,-24 0 1,25 0 0,-26 0-1,26 0 1,-25 0-16,0 0 16,-1 0-1,1 0 1,25 0-1,-50 25-15,49-25 16,-49 25 0,25-25-1,0 0 1,0 0 0,0 0-16,-1 0 15,26 0 16,-50 25-15,25-25-16,0 0 31,-1 0 266,26-25-297,24 0 16,1 0-1,-1 0 1,1 25 0,-1-25-1,-24 25-15,24 0 16,1 0 0,-26 0-1,26 0 1,-51 0-16,51 0 15,-50 0 1,24 0 0,-24 0-1,49 0-15,-24 0 16,24 0 0,-49 25-1,0-25 1,0 0-1,0 25 1,-1-25 15</inkml:trace>
+  <inkml:trace contextRef="#ctx0" brushRef="#br0" timeOffset="71718.3504">5135 10046 0,'25'0'422,"24"0"-391,-24 0 0,0 25-31,0-25 16,24 0 0,-24 0-1,0 0 1,0 0-1,24 0 267,51-25-267,73-50 1,26 26 0,-51-1-1,249-74-15,50 75 16,-100-1-1,-148 50 1,-26-25 0,-74 25-1,-24 0-15,-1 0 16,1 25 0,-26-25-1,-24 25 1,0-25-16,0 0 15,-1 0 17,1 25-17,0-25-15,0 0 16,0 0 0,0 0-1,-1 0 16,1 0-31,0 0 47,0 0 31,-25 24 16,25-24-78</inkml:trace>
+</inkml:ink>
+</file>
+
+<file path=ppt/ink/ink12.xml><?xml version="1.0" encoding="utf-8"?>
 <inkml:ink xmlns:inkml="http://www.w3.org/2003/InkML">
   <inkml:definitions>
     <inkml:context xml:id="ctx0">
@@ -252,7 +353,7 @@
   <inkml:trace contextRef="#ctx0" brushRef="#br0">18678 1761 0,'-25'0'31,"1"0"-15,24 25-1,-25 0-15,-50-25 16,1 0-16,-50 0 16,25 0-16,-25 0 15,-149 0-15,99 0 16,50 0-16,-149 0 15,149 0-15,-24 0 16,-76-25-16,125 0 16,25 25-16,-50 0 15,24-25-15,76 25 16,-51-24-16,26 24 16,-26-25-16,1 25 15,-1 0-15,1-25 16,-25 25-16,-25 0 15,24 0-15,-48 0 16,-1 0-16,25 0 16,25 0-16,-50 0 15,74 0 1,1 0-16,0 0 16,49 0-16,0 0 15,25 25 16,0 0 1,0-1-17,25 1 1,24 25 0,-24-50-16,50 49 15,-1 1-15,-49-50 16,49 50-16,1-26 15,-26-24-15,50 50 16,-24-50-16,-1 25 16,25-25-16,-49 0 15,24 0-15,26 0 16,-1 0-16,0 0 16,25 0-16,-25 25 15,-24-1 1,49 1-16,74 0 15,-49 0-15,-50-25 16,100 25-16,-75-25 16,-25 0-16,99 0 15,-49 24-15,25 1 16,24 0-16,-74-25 16,25 25-16,50-25 15,-100 25-15,25-25 16,0 0-16,-75 0 15,-24 0-15,25 0 16,-25 0 0,0 0 31,-1 0-32,-24-25 1,25 0-16,0 25 31,-25-25-31,25 25 16,-25-25-1,25 25-15,-25-24 16,0-1 0,0 0-1,-25 25-15,25-25 16,0 0 15,0 1-15,-25 24-16,-25-25 15,26 25 1,-26-25-16,50 0 16,-25 25-16,0 0 15,25-25-15,-25 25 16,-24 0-1,-1 0 1,25 0-16,1 0 16,-1 0 15</inkml:trace>
   <inkml:trace contextRef="#ctx0" brushRef="#br0" timeOffset="2765.0983">18802 4043 0,'-25'0'31,"-49"0"-31,24 0 16,-74 0-16,0 0 16,25 0-16,-149 0 15,124 0-15,25 0 16,-75 0-16,75 0 16,25 0-16,-100 0 15,100 0-15,24 0 16,-99 0-16,100 0 15,-26 0-15,-24 0 16,25 0-16,-1 0 31,-99 0-31,75 25 0,0-25 16,-149 0-16,124 0 16,0 25-16,-25-25 15,99 0-15,-24 0 16,0 0-16,24 0 15,25 0 1,0 0-16,1 0 16,-1 0-16,0 0 15,0 0 1,0 0-16,-24 0 16,-1 25-16,1-25 15,-1 24-15,0-24 16,26 25-16,-1-25 15,0 0-15,25 25 32,0 0-17,0 0 17,0-1-17,50-24-15,-50 50 16,24-50-16,-24 50 15,50-26-15,-25 26 16,24 0-16,26-1 16,-26 1-16,1-25 15,24 49-15,1-49 16,-1 24-16,50 1 16,-49-25-16,-1 25 15,75 24 1,-99-49-16,24 0 15,0 49-15,-24-74 16,0 50-16,74-1 16,-50-24-1,0 0-15,100 49 0,-99-49 16,-1-25-16,100 0 16,-125 25-16,1-25 15,24 0-15,-24 0 16,24 0-16,1 0 15,-26 0-15,1 0 16,24 0-16,1 0 16,-1 0-16,50 0 15,-49 0-15,-1 0 16,0 0-16,-24 0 16,-25 0-16,49 0 15,-24-25-15,-1 25 16,1 0-16,0-25 15,49-24-15,0 24 16,-25 0-16,50-49 16,-74 49-16,0-25 15,24 25-15,-49-24 16,0 24-16,0-25 16,-25 1-1,0-1-15,0 0 16,0 26-16,0-26 15,0 25-15,-25 0 16,25 1-16,0-26 16,0 25-1,0 0 1,0 1-16,0-1 16,0-25-16,0 25 15,-25 1-15,0-26 16,25 25-16,-49 0 15,24 25-15,0 0 16,0-24-16,-25 24 31,1-25-31,-1 0 0,1 25 0,-26 0 16,26 0-16,-26 0 16,50 0-16,1 0 15,-1 0-15,0 0 16,0 0-1,0 0 17,25-25-17</inkml:trace>
   <inkml:trace contextRef="#ctx0" brushRef="#br0" timeOffset="6998.934">17761 7094 0,'-25'0'16,"0"0"31,0 0-16,0 0-15,0 0-1,1 0-15,-1 0 16,0 0-16,0 0 16,-24 0-16,-51 0 15,76 0-15,-51 0 16,26 0-16,-75 0 16,49 0-16,1 0 15,-50 0-15,25 0 16,24 0-16,-24 0 15,49 0-15,-24 0 16,-25 0-16,74 0 16,-25 0-16,-49 0 15,49 0-15,-24 0 16,-25 25-16,24-25 16,26 0-16,-50 0 15,49 0-15,25 0 16,0 0-1,0 0 1,1 0 31,-1 0-31,0 0-1,0 0-15,0 0 16,1 0-1,-1 25 79,0-25-63,0 0-15,0 0 15,1 0 1,-1 0-17,0 0-15,0 0 16,0 0-1,1 0 1,-1 0-16,0 0 16,0 0-1,-24 0-15,24 25 16,-25-25-16,1 24 16,24-24-16,0 0 15,25 25-15,-25-25 31,25 25-15,0 0-16,0 0 16,0-1-1,0 26-15,0 0 16,0-26 0,25 1-16,0 0 15,-25 0-15,0 0 16,0 24-16,25-49 15,-25 25-15,24 0 16,1-25 0,0 0-16,0 0 15,0 0-15,-1 0 16,1 25 0,0-25-16,0 24 15,0-24-15,-1 0 16,26 25-16,0-25 15,-1 25-15,26-25 16,-26 25-16,-24 0 16,25-1-16,-26 1 15,26 0-15,0 0 16,-1-25-16,1 25 16,0-1-16,-1 1 15,26-25-15,-1 0 16,0 0-16,-24 0 15,24 0-15,1 0 16,-26 0-16,-24 0 16,50 50-16,-26-50 15,1 0-15,-1 25 16,-24-25-16,25 0 16,0 0-16,-26 0 15,1 0-15,50 25 16,-26 24-1,1-49-15,49 0 0,-49 0 16,24 0 0,75 0-1,-100 0-15,26 0 0,24 0 16,-49 0-16,24 0 16,50 0-16,-49 0 15,-26 0-15,75 0 16,-49 0-16,-1 0 15,50 0-15,-50 0 16,-24 0-16,24 0 16,-24 0-16,-25 0 15,49 0-15,-49 0 16,0 0-16,0 0 16,-1 0-16,1 0 15,0 0 1,0-25-1,25 1-15,-1 24 16,-49-25 0,25 25-16,0 0 15,24-50-15,-24 50 16,25-50 0,-25 50-16,-1-24 15,-24-1 16,0-25-15,0 25-16,0-24 16,-24-1-16,-51-49 15,26 49-15,-1-24 16,0 24-16,-24 50 16,49-49-16,0 24 15,-24 25-15,24-25 16,-99 0-16,74 25 15,1 0-15,24 0 16,0 0-16,-25 0 31,1 0-31,24 0 0,0 0 16,-24 0-16,-26 0 16,50-24-16,-24 24 15,-26 0-15,51 0 16,-76-50-16,51 25 15,24 25-15,-49 0 16,24 0-16,0 0 16,1 0-16,24-25 15,0 25-15,-49 0 16,24 0-16,25 0 16,-24 0-16,24 0 15,0-24 1,0 24-16,0 0 15,1 0-15,-1 0 16,0 0 0,0 0-1,0 0 17,1 0-1,24 24-16,-25-24 1</inkml:trace>
-  <inkml:trace contextRef="#ctx0" brushRef="#br0" timeOffset="9455.9281">18281 8682 0,'-223'0'16,"149"0"0,-50 0-16,49 0 15,1 0-15,-25 0 16,74 0-16,0 0 15,0 0 17,0 0-17,-24 0 1,-1 0 0,-24 0-16,-50 0 15,74 0-15,-99 0 16,75 0-16,0 0 15,-50 0-15,74 0 16,0 0-16,1 0 16,-1 0-16,25 0 15,-24 0-15,24 0 16,0-25-16,-25 25 16,26 0-16,-26 0 15,-24 0-15,24 0 16,0 0-16,-24 0 15,24-25-15,1 25 16,-50 0-16,24 0 16,1 0-16,-26 0 15,51 0-15,-26 0 16,1 0-16,49 0 16,-24 0-1,24 0-15,0 0 16,0 0-16,0 0 62,1 0-46,-26 25-16,25 0 16,0-25-1,1 0-15,24 24 16,0 1-1,0 0 1,0 0 15,0 24-31,24-49 0,1 25 16,25 0-16,-25-25 16,-1 0-16,26 50 15,-25-50-15,0 0 16,49 24-16,-24-24 15,-1 0-15,75 25 16,-49 0-16,-1-25 16,75 25-1,-50-25-15,-49 0 16,123 25-16,-123 0 16,24-25-16,50 74 15,-49-49-15,-1-25 16,50 0-16,25 0 15,-50 0-15,174 25 16,-174-25-16,25 0 16,50 24-16,-75-24 15,-24 0-15,74 0 16,-75 0-16,25 0 16,50 0-16,-25-24 15,-50 24-15,75-25 16,-50 0-1,-24 25-15,-1 0 16,-24 0-16,24 0 16,-24 0-1,-25 0-15,0 0 16,-1 0 0,-24-25-16,25 0 15,-25 1 1,0-1-1,0-25 1,-49 50 0,-1-50-1,25 50-15,-24 0 0,-26-24 16,26 24-16,24 0 16,-75 0-16,51 0 15,24 0-15,-49 0 16,-1 0-16,26-25 15,-51 25-15,51-25 16,-1 25-16,-24 0 16,24-25-16,1 25 15,-26 0-15,50 0 16,1 0-16,-51 0 16,26 0-16,-1 0 15,25 0-15,0 0 16,1 0-1</inkml:trace>
+  <inkml:trace contextRef="#ctx0" brushRef="#br0" timeOffset="9455.928">18281 8682 0,'-223'0'16,"149"0"0,-50 0-16,49 0 15,1 0-15,-25 0 16,74 0-16,0 0 15,0 0 17,0 0-17,-24 0 1,-1 0 0,-24 0-16,-50 0 15,74 0-15,-99 0 16,75 0-16,0 0 15,-50 0-15,74 0 16,0 0-16,1 0 16,-1 0-16,25 0 15,-24 0-15,24 0 16,0-25-16,-25 25 16,26 0-16,-26 0 15,-24 0-15,24 0 16,0 0-16,-24 0 15,24-25-15,1 25 16,-50 0-16,24 0 16,1 0-16,-26 0 15,51 0-15,-26 0 16,1 0-16,49 0 16,-24 0-1,24 0-15,0 0 16,0 0-16,0 0 62,1 0-46,-26 25-16,25 0 16,0-25-1,1 0-15,24 24 16,0 1-1,0 0 1,0 0 15,0 24-31,24-49 0,1 25 16,25 0-16,-25-25 16,-1 0-16,26 50 15,-25-50-15,0 0 16,49 24-16,-24-24 15,-1 0-15,75 25 16,-49 0-16,-1-25 16,75 25-1,-50-25-15,-49 0 16,123 25-16,-123 0 16,24-25-16,50 74 15,-49-49-15,-1-25 16,50 0-16,25 0 15,-50 0-15,174 25 16,-174-25-16,25 0 16,50 24-16,-75-24 15,-24 0-15,74 0 16,-75 0-16,25 0 16,50 0-16,-25-24 15,-50 24-15,75-25 16,-50 0-1,-24 25-15,-1 0 16,-24 0-16,24 0 16,-24 0-1,-25 0-15,0 0 16,-1 0 0,-24-25-16,25 0 15,-25 1 1,0-1-1,0-25 1,-49 50 0,-1-50-1,25 50-15,-24 0 0,-26-24 16,26 24-16,24 0 16,-75 0-16,51 0 15,24 0-15,-49 0 16,-1 0-16,26-25 15,-51 25-15,51-25 16,-1 25-16,-24 0 16,24-25-16,1 25 15,-26 0-15,50 0 16,1 0-16,-51 0 16,26 0-16,-1 0 15,25 0-15,0 0 16,1 0-1</inkml:trace>
   <inkml:trace contextRef="#ctx0" brushRef="#br0" timeOffset="14392.1118">20960 5234 0,'0'-25'47,"50"25"-32,0 0 1,-26 0-16,26 0 16,-25 0-16,0 0 15,-1 0 1,1 0-1,0 0 17</inkml:trace>
   <inkml:trace contextRef="#ctx0" brushRef="#br0" timeOffset="14890.5757">21035 5407 0,'25'0'31,"-1"0"-15,1 0-1,0 0 1,0 0 0,0 25 15,-1-25-16</inkml:trace>
   <inkml:trace contextRef="#ctx0" brushRef="#br0" timeOffset="15814.0637">21481 5407 0,'0'-24'15,"25"24"-15,0-25 16,0 0-1,24-25 1,1 1-16,-1-50 16,1 49-16,-25-24 15,24 24-15,-24 25 16,0-24-16,0-1 16,0 25-16,-1 25 15,1-50-15,0 50 16,-25 25 62,0 25-62,0 24-16,0 1 15,0 49-15,0-50 16,0 25-16,0 1 15,0-1-15,0-25 16,25 1 0,0 49-16,-25-100 15,25 1-15,-25 25 16,0-25 0,0 0 15,24-25-31,-24 24 15,0 1-15,0 0 32,25-25-1,-25 25-31,25 24 31,-25-24-15,25-25-1,-50 0 79</inkml:trace>
@@ -261,6 +362,119 @@
 </file>
 
 <file path=ppt/ink/ink3.xml><?xml version="1.0" encoding="utf-8"?>
+<inkml:ink xmlns:inkml="http://www.w3.org/2003/InkML">
+  <inkml:definitions>
+    <inkml:context xml:id="ctx0">
+      <inkml:inkSource xml:id="inkSrc0">
+        <inkml:traceFormat>
+          <inkml:channel name="X" type="integer" max="3840" units="cm"/>
+          <inkml:channel name="Y" type="integer" max="1080" units="cm"/>
+          <inkml:channel name="T" type="integer" max="2.14748E9" units="dev"/>
+        </inkml:traceFormat>
+        <inkml:channelProperties>
+          <inkml:channelProperty channel="X" name="resolution" value="56.72083" units="1/cm"/>
+          <inkml:channelProperty channel="Y" name="resolution" value="28.34646" units="1/cm"/>
+          <inkml:channelProperty channel="T" name="resolution" value="1" units="1/dev"/>
+        </inkml:channelProperties>
+      </inkml:inkSource>
+      <inkml:timestamp xml:id="ts0" timeString="2018-07-16T05:22:02.904"/>
+    </inkml:context>
+    <inkml:brush xml:id="br0">
+      <inkml:brushProperty name="width" value="0.05292" units="cm"/>
+      <inkml:brushProperty name="height" value="0.05292" units="cm"/>
+      <inkml:brushProperty name="color" value="#FF0000"/>
+    </inkml:brush>
+  </inkml:definitions>
+  <inkml:trace contextRef="#ctx0" brushRef="#br0">20620 1305 0,'0'0'140,"0"0"-140,18 0 16,-18 0-1,0 18-15,0-18 16,0 18-16,17-18 16,1 0-16,-18 0 15,0 0 16,0 17-31,17-17 16,-17 0 15,0 0-31,0 18 16,18-18-1,-18 0 1,0 0 0,18 0 15,-1 0-16,-17 0 1,18 0 0,-18 0 15,0 0-16,18 0-15,-18 0 16,17 0 0,-17 0-16,0 0 0,0-18 15,18 18 1,-18 0-16,0-17 15,0 17 17,0-18-32,0 18 31,0-18 47,0 18-63,0 0 1,0 0-16,0-17 47,0 17 78,0 0-94,0 0-16,0 17 1,0-17-16,0 18 16,0 0-16,0-18 15,0 0-15,0 17 0,0-17 16,0 0-16,0 18 0,18-18 15,-18 0-15,0 0 16,0 17-16,0 1 0,17-18 0,-17 0 16,18 0-16,-18 18 0,0-18 15,17 0-15,-17 0 16,0 17-16,18-17 15,-18 18-15,18-18 16,-18 0-16,0 0 16,17 0-16,-17 0 15,18 0-15,-18 0 16,18 0-1,-1 0-15,-17 0 16,18 0-16,-18 0 16,18 0-16,-1 0 15,-17 0-15,0 0 0,18 0 16,-18 0-16,0 0 0,17 0 15,-17-18-15,0 18 0,0 0 0,18 0 0,-18-17 0,18 17 16,-18 0-16,0 0 0,0-18 0,17 18 0,-17-18 16,0 18-16,0 0 0,0-17 0,0 17 15,18 0-15,-18-18 0,0 18 0,18 0 0,-18-17 16,0-1-16,0 18 0,0 0 0,0-18 0,0 18 15,0-17-15,17 17 0,-17-18 0,0 18 0,0-18 16,0 18-16,0-17 0,0 17 16,0-18-1,0 0 16,0 18-31,0 0 16,0 0 0,0-17-16</inkml:trace>
+  <inkml:trace contextRef="#ctx0" brushRef="#br0" timeOffset="1016.0581">20108 1358 0,'0'0'109,"0"0"-109,18 0 16,-18 0-16,18 0 15,-18 0-15,17 0 0,-17 0 16,0 0-16,18 0 0,0 0 0,-18 0 16,17 0-16,-17 0 15,18 0-15,-18 0 16,17 0-16,-17 0 0,18 0 0,-18 0 15,18 0 1,-18 0 0,17 0-1,1 0 1,-18 0-16,18 0 15</inkml:trace>
+  <inkml:trace contextRef="#ctx0" brushRef="#br0" timeOffset="6400.3661">20020 2663 0,'0'0'0,"18"0"16,-1 0-1,-17 0-15,0 0 16,18 0-16,-18 0 0,18 0 15,-18 0-15,17 0 0,1 0 16,-18 0-16,18 0 0,-18 0 16,17 0-16,1 0 0,-18 0 15,18 0-15,-18 0 0,17 0 16,-17 0-16,18 0 0,-1 0 15,-17 0-15,18 0 0,-18 0 16,18 0-16,-1 0 0,-17 0 0,18 0 16,-18 0-16,18 0 0,-18-17 15,0 17-15,17 0 0,1 0 0,-18 0 16,18 0-16,-18 0 15,17 0-15,-17 0 16,0 0-16,18 0 0,-1 0 16,-17 0-16,18 0 15,-18 0 1,18 0-16,-1 0 15,-17-18-15</inkml:trace>
+  <inkml:trace contextRef="#ctx0" brushRef="#br0" timeOffset="7600.4347">20126 3104 0,'0'0'47,"18"0"-47,-18 0 0,17 0 16,-17 0-16,18 0 0,0 18 0,-18-18 0,17 0 0,-17 0 15,18 0-15,-18 0 0,17 0 0,1 0 0,-18 0 16,18 0-16,-18 0 0,17 0 0,1 0 0,0 0 0,-18 0 16,17 0-16,1 18 0,-18-18 0,18 0 0,-18 0 0,17 0 15,-17 0-15,18 0 0,-1 0 0,-17 0 16,18 0-16,-18 0 0,0 0 15,18 0-15,-1 0 16,-17 0-16,18 0 16,-18 0-16,18 0 15,-18 0-15,17 0 0,1 0 16,-18 0-1,18 0 1</inkml:trace>
+  <inkml:trace contextRef="#ctx0" brushRef="#br0" timeOffset="66295.7919">20091 8396 0,'0'0'109,"0"0"-93,0 0 0,0-18-16,17 18 15,1 0-15,-18 0 16,0 0-16,18 0 0,-18 0 0,17 0 15,-17 0-15,0-17 0,18 17 0,0 0 16,-18 0-16,17 0 0,-17 0 0,0 0 0,18 0 0,-18 0 16,17 0-16,1 0 0,-18 0 0,0-18 15,18 18-15,-18 0 0,17 0 0,1 0 16,-18 0-16,18 0 15,-18 0 1,17 0-16,-17 0 0,0-17 16,18 17-16,0 0 0,-18 0 0,17 0 0,-17 0 15,18 0-15,-1 0 0,-17 0 0,18 0 0,-18 0 0,18 0 16,-18 0-16,17 0 0,1 0 0,-18 0 15,18 0-15,-18 0 0,17 0 0,1 0 0,-18 0 0,18 0 16,-18 0-16,17 0 0,-17 0 0,18 0 0,0 0 16,-18 0-16,17 0 0,-17 0 0,18 0 0,-1 0 15,-17 0-15,18 0 0,-18 0 0,18 0 16,-18 0-16,17 0 0,-17 0 0,18 0 15,-18 0-15,18 0 16</inkml:trace>
+  <inkml:trace contextRef="#ctx0" brushRef="#br0" timeOffset="71938.1146">20108 6597 0,'18'0'125,"0"0"-109,-18 0-1,17 0-15,-17 0 0,0 0 16,18 0-16,0 0 0,-18 0 15,17 0-15,-17 0 0,0 0 0,18 0 16,-18 0-16,17 0 16,1 0-16,-18 0 15,18 0-15,-18-18 16,0 18-16,17 0 0,-17 0 0,18 0 15,-18 0-15,18 0 0,-18 0 0,17 0 0,-17 0 16,0-17-16,18 17 0,0 0 0,-18 0 0,17 0 16,-17 0-16,18 0 0,-18 0 0,17 0 15,1 0-15,-18 0 16,18 0-16,-18 0 0,17 0 0,1 0 15,-18 0-15,18 0 0,-18 0 0,17 0 16,-17 0-16,18 0 0,0 0 16,-18 0-16,17 0 0,-17 0 0,18 0 15,0 0-15,-18 0 0,17 0 0,-17 0 0,18 0 0,-18 0 16,17 0-16,1 0 0,-18 0 0,18 0 0,-18 0 15,17 0-15,1 0 0,-18 0 0,18 0 16,-18 0-16</inkml:trace>
+  <inkml:trace contextRef="#ctx0" brushRef="#br0" timeOffset="72832.1658">20091 5997 0,'0'0'0,"0"-17"0,0 17 0,17 0 15,-17 0-15,18 0 0,-18 0 16,18 0-16,-1 0 0,-17 0 0,18 0 0,-18 0 0,18 0 15,-18 0-15,17 0 0,18 0 0,-17 0 0,-18 0 0,18 0 16,-1 0-16,1 0 0,17 0 0,-35 0 0,18 0 0,0 0 16,-1 0-16,-17 0 0,18 0 0,-18 0 0,17 0 0,1 0 15,-18 0-15,18 0 0,-18 0 0,17 0 0,-17 0 16,18 0-16,0 0 0,-18 0 0,17 0 15,-17 0-15,18 0 0,-18 0 0,18 0 0,-1 0 16,-17 0-16,18 0 0,-18 0 16,18 0-16,-1 0 0,-17 0 15</inkml:trace>
+  <inkml:trace contextRef="#ctx0" brushRef="#br0" timeOffset="74056.2358">20108 5433 0,'0'0'78,"0"0"-62,18 0-16,-18 0 0,18 0 15,-18 0-15,17 0 0,1 0 0,-18 0 0,18 0 16,-18 0-16,17 0 0,1 0 16,-18 0-16,17 0 0,-17 0 15,18 0-15,-18 0 16,0 0-16,18 0 15,-1 0-15,-17 0 16,18 0-16,-18 0 16,18 0-1,-1 0 1,-17 0-1,0 0 1</inkml:trace>
+  <inkml:trace contextRef="#ctx0" brushRef="#br0" timeOffset="76289.3635">20144 3704 0,'0'0'63,"0"0"-63,17 0 0,-17 0 0,18 0 15,-18 0-15,18 0 0,-18 0 0,35 0 0,-35 0 16,17 0-16,1 0 0,0 0 0,-1 0 0,1 0 0,0 0 16,-18 0-16,35 18 0,-17-18 0,-1 0 0,18 0 15,-35 0-15,18 0 0,0 0 0,-1 0 0,1 0 0,0 17 0,-1-17 16,-17 0-16,36 0 0,-36 0 0,17 0 0,1 0 15,0 0-15,-1 0 0,-17 0 0,18 0 0,-1 0 16,1 0-16,-18 0 0,18 0 0,-1 0 0,-17 0 16,18 0-16,-18 0 0,18 0 15,-1 0-15</inkml:trace>
+  <inkml:trace contextRef="#ctx0" brushRef="#br0" timeOffset="92313.28">21537 1217 0,'0'0'94,"0"0"-94,0 0 0,18 0 16,-1 0-16,-17 0 15,0 0-15,18 0 16,-18 0-16,18 0 0,-1 0 15,-17-18-15,0 18 0,18 0 16,-18 0-16,18 0 16,-18 0-16,17 0 15</inkml:trace>
+  <inkml:trace contextRef="#ctx0" brushRef="#br0" timeOffset="92854.311">21572 1305 0,'0'0'15,"0"0"-15,18 0 16,-18 0-16,18 0 0,-1 0 16,-17 0-16,18 0 0,-18 0 15,18 0-15,-18 18 0,0-18 0,17 0 0,1 0 16,-18 0-16,17 0 0,-17 0 15,18 0-15,-18 0 0,18 0 16,-1 0-16</inkml:trace>
+  <inkml:trace contextRef="#ctx0" brushRef="#br0" timeOffset="94128.3839">21943 1111 0,'0'0'15,"0"18"-15,0-18 16,0 18-16,0-18 0,0 17 16,0-17-16,0 18 0,0-1 15,0-17-15,17 0 0,-17 18 0,0-18 16,0 18-16,0-18 0,0 0 15,0 17-15,0 1 0,18-18 0,-18 0 16,0 18-16,0-18 0,0 17 16,18-17-16,-18 18 0,0-18 0,17 0 0,-17 0 15,0 18-15,18-18 16,-18 0-1,0 0-15,18 0 0,-1 0 16,-17 0-16,0 0 16,0 0-1,18 0-15,-18 0 0,0-18 16,0 18-16,0-18 0,18 18 0,-18 0 0,0-17 15,0 17-15,0 0 0,0-18 0,17 18 0,-17-18 16,0 18-16,0-17 0,18 17 0,-18-18 0,0 18 0,0-18 0,0 1 16,0 17-16,0-18 0,0 18 0,0-17 0,0 17 15,0-18-15,0 0 0,0 18 0,0-17 16,0-1-16,0 0 15,0 18 63,0 0-62,0 18-16,0-18 0,0 18 0,0-18 0,0 0 16,0 17-16,0 1 0,0-18 15,0 18-15,0-18 0,0 17 0,0-17 16,0 0-16,0 18 0,0-1 0,0-17 0,0 18 15,17-18-15,-17 0 0,0 0 0,0 18 0,18-18 16,0 17-16,-18 1 0,0-18 0,17 0 0,-17 0 0,0 18 16,18-18-16,-18 0 0,0 0 0,18 0 0,-18 17 15,17-17-15,-17 0 0,18 0 16,-18 18-16,0-18 0,18 0 15,-1 0-15,-17 0 16,0 0-16,18-18 0,-18 18 0,0 0 0,17 0 16,-17-17-16,0 17 0,0 0 0,0-18 15,18 18-15,-18-18 0,18 18 0,-18-17 16,17 17-16,-17-18 0,0 18 0,0-18 0,18 18 0,-18-17 15,18 17-15,-18-18 0,0 18 0,0-35 0,0 35 0,0-18 16,17 18-16,-17-17 0,18-1 0,-18 0 0,0 1 0,0 17 16,0-18-16,0 18 0,0-18 0,0 18 15,0-17-15,0-1 0,18 18 16,-18 0 46,0 0-15,0 0-47</inkml:trace>
+  <inkml:trace contextRef="#ctx0" brushRef="#br0" timeOffset="95120.4406">22631 1129 0,'0'0'46,"17"0"-30,1 0 0,-18 0-16,18 0 15,-18 0-15,17 0 16,-17 0-16,18 0 15,0 0-15,-18 0 0,0 0 16,17 0-16,-17 0 0,0 0 0,0-18 16,18 18-16,-18-17 0,17 17 0,-17 0 15,0 0-15,0-18 0,18 18 0,-18 0 16,0 0-16,0-18 0,0 1 0,18 17 15,-18 0-15,0-18 0,0 18 0,0 0 16,0-18 0,0 18 15,0 0-31,0-17 15,0 17-15,0 0 0,0-18 0,-18 18 0,18 0 16,-18 0-16,18 0 0,-17 0 0,-1-17 0,18 17 0,-17 0 16,-1 0-16,18 0 0,0-18 0,-18 18 0,1 0 15,-1-18-15,18 18 0,-18 0 0,18 0 0,-17 0 0,-1 0 16,18 0-16,-18 0 0,18 0 0,-17 0 15,17 0-15,0 0 16,-18 0-16,1 0 0,17 0 0,0 18 0,-18-18 16,18 0-16,-18 18 0,1-18 0,17 17 0,0 1 15,-18-18-15,18 17 0,-18-17 0,18 18 0,-17 0 16,17-18-16,0 17 0,-18-17 0,18 18 0,0 0 0,0-18 15,0 17-15,0-17 0,0 18 0,-18-18 0,18 18 0,0-1 16,0-17-16,0 18 0,0-18 0,0 17 0,0-17 16,0 18-16,0 0 0,0-18 15,0 17-15,0-17 0,0 0 0,0 18 16,18 0-16,-18-18 0,0 17 0,18-17 0,-18 0 15,17 0-15,-17 18 0,18-18 0,-18 0 0,0 0 0,0 18 16,18-18-16,-18 17 0,17-17 0,1 0 0,-18 0 0,0 18 16,18-18-16,-18 0 0,17 0 0,1 0 0,-18 0 0,17 0 15,-17 0-15,18 0 0,-18 0 0,18 0 16,-1 0-16,-17 0 0,18 0 15,-18 0-15,18 0 0,-1 0 16,-17 0-16,0 0 0,18 0 16,-18 0-16,0 0 15,18 0-15,-18 0 31</inkml:trace>
+  <inkml:trace contextRef="#ctx0" brushRef="#br0" timeOffset="96242.5048">23054 1111 0,'0'0'16,"0"0"-16,-18 0 0,18 0 16,-17 0-16,-1 0 0,18 0 0,-18 0 15,18 0-15,0 0 0,-17 0 0,17 0 0,-18 0 16,1 0-16,17 0 0,-18 0 15,18 0 17,-18 0-17,1 0-15,17 0 0,0 0 16,0 0-16,-18 0 0,18 0 0,0 0 0,-18 0 15,18 18-15,0-18 0,-17 0 0,17 18 0,-18-18 16,18 17-16,0-17 0,0 0 0,0 18 0,-18-18 16,18 17-16,0-17 0,0 18 15,0 0-15,0-18 0,0 17 16,0-17-16,0 0 0,0 18 0,0 0 15,0-18-15,0 0 0,18 17 0,-18-17 16,18 0-16,-18 0 0,0 18 0,17-18 16,-17 0-16,18 0 0,-18 0 15,0 0-15,18 0 16,-1 0-16,-17 0 15,0 0-15,0 0 0,18 0 16,-18 0-16,0 0 0,18 0 0,-18-18 0,17 18 16,-17 0-16,0-17 0,18 17 0,-18-18 15,0 18-15,0 0 0,17 0 0,-17-18 0,0 18 0,0-17 16,0-1-16,18 18 0,-18 0 0,0-18 0,0 18 0,18-17 15,-18 17-15,0-18 0,0 1 0,0 17 0,0 0 16,0-18-16,0 18 0,0-18 0,17 18 16,-17 0-16,0-17 0,0-1 15,0 18-15,0 0 94,0 0-94,0 0 15,0 18-15,0-18 0,0 17 0,0-17 16,0 18-16,0-18 0,18 0 0,-18 18 0,0-1 0,0 1 16,0-18-16,0 35 0,18-35 0,-18 0 0,0 18 15,0-1-15,0 1 0,0 0 0,0-18 0,0 17 0,17 1 16,-17-18-16,0 18 0,0-18 0,0 0 0,0 17 0,0 1 15,18-18-15,-18 0 0,0 17 0,0-17 16,0 0-16,0 18 0,0-18 0,18 0 0,-18 18 16,0-1-16,17-17 0,-17 0 15,0 0-15,0 0 141</inkml:trace>
+  <inkml:trace contextRef="#ctx0" brushRef="#br0" timeOffset="98032.6072">23213 494 0,'0'0'0,"0"18"0,0-1 0,0-17 0,0 18 16,0-18-16,0 17 0,0-17 0,0 18 0,0 0 0,0-18 16,0 17-16,0 1 0,0 0 0,0-18 0,0 17 15,0 1-15,0 0 0,0-1 0,0-17 0,0 35 0,0-17 16,0 0-16,0-1 0,17 1 15,-17 17-15,0 1 0,0-19 0,0 1 0,0 17 0,0-17 0,0-1 0,0 19 16,0-19-16,0 19 0,0-1 0,0-17 0,18 17 0,-18 0 16,0-17-16,0-1 0,0 19 0,0-19 0,0 1 15,0 17-15,0-17 0,0-1 0,0 1 0,0-18 0,0 18 16,0-18-16,0 17 0,0 1 0,0-18 0,0 18 15,0-18-15,18 0 16,-18 0 15,0 0-15,0 0-1,0-18-15,0 18 0,0-18 0,0 1 0,-18 17 16,18-18-16,0 0 0,0 18 0,-18-35 0,18 18 0,0 17 16,-17-36-16,17 36 0,0-17 0,-18-1 0,18 0 15,0 18-15,0-17 0,0 17 0,0 0 0,0-18 0,0 0 16,0 1-16,0 17 0,0-18 0,0 1 15,0 17-15,0-18 0,0 18 0,0-18 16,0 18-16,0-17 16,0 17-16,0-18 15,0 18-15,0 0 16,0 0-16,0-18 0,18 18 0,-1 0 15,-17 0-15,0 0 0,18 0 0,-18-17 16,18 17-16,-18-18 0,0 18 0,17 0 16,1 0-16,-18 0 0,18 0 0,-18-18 15,0 18-15,17 0 0,1 0 0,-18 0 16,0 0-16,18 0 0,-18 0 0,17 0 15,-17 0 1,0 0-16,18 0 0,-18 0 0,17 0 16,-17 0-16,0 0 0,0 18 0,18-18 0,-18 18 0,0-18 15,0 0-15,18 0 0,-18 17 0,17-17 16,-17 0-16,0 18 0,0-18 0,0 18 0,0-18 15,18 0-15,-18 17 0,0-17 16,0 0 0,0 18-1,0-18 16,0 0-31,0 0 16,0 18-16,0-18 0,0 17 0,-18-17 16,1 0-16,17 0 0,-18 0 15,18 0 1,-18 0-16,1 0 15,17 18-15,0-18 16,-18 0 0,18 0-1,0 0-15,-17 0 0,17 0 16,0 17-16,0 1 78,0-18-63,0 18 1,0-18-16,0 0 0,0 0 0,0 17 0,17-17 0,-17 0 16,0 0-16,18 0 0,-1 18 0,-17-18 0,18 18 15,-18-18-15,18 0 0,-1 17 0,-17-17 0,18 0 0,17 18 16,-35 0-16,36-18 0,-19 0 0,1 17 0,17 1 0,-35-18 15,18 0-15,17 17 0,-35-17 0,18 0 0,-18 18 0,17-18 16,1 18-16,-18-18 0,18 0 0,-18 0 0,17 0 0,-17 17 16,18-17-16,-18 0 156</inkml:trace>
+  <inkml:trace contextRef="#ctx0" brushRef="#br0" timeOffset="100489.7477">24571 776 0,'-18'0'32,"18"0"-17,0-18-15,-17 18 16,17 0-16,0 0 15,-18 0-15,18 0 16,0-17-16,-18 17 0,1 0 16,17 0 15,-18 0-31,18 0 15,0 0-15,-17 0 16,17 0-16,-18 0 0,18 0 0,-18 0 16,18 17-16,0-17 0,0 18 15,-17-18-15,17 0 16,0 0-16,0 18 15,-18-18-15,18 0 0,-18 0 16,18 17-16,0 1 0,0-18 16,0 0-16,0 18 0,-17-18 15,17 0-15,0 17 0,0-17 0,0 18 16,0 0-16,0-18 0,0 17 15,0-17-15,0 0 0,0 18 0,0-18 16,0 18-16,17-18 0,-17 0 16,18 0-16,-18 0 0,0 17 15,18-17-15,-18 0 0,17 0 0,-17 0 0,18 0 16,0 0-16,-18 0 0,17 18 0,-17-18 15,18 0-15,-1 0 0,-17 0 0,18 0 0,-18 0 16,18 0-16,-18 0 0,0 0 0,17 0 16,1 0-16,-18 0 0,18 0 15,-18 0-15,0 0 16,17 0-16,1 0 0,-18 0 15,0 0-15,0 0 0,0-18 16,0 18-16,18 0 0,-18-17 16,0-1-16,0 18 0,0 0 0,0-18 15,0 18-15,17 0 0,-17-17 0,0-1 0,0 18 16,0-18-16,0 18 0,18-17 0,-18 17 15,0-18-15,0 0 0,0 18 16,0-17-16,0 17 0,0-18 16,0 18-16,0-18 15,0 18-15,0 0 0,-18 0 0,18 0 16,-17 0-1,17 0-15,-18 0 16,0 0-16,18 0 16,-17 0-16,17 0 0,-18 0 15,0 0-15,18 0 16</inkml:trace>
+  <inkml:trace contextRef="#ctx0" brushRef="#br0" timeOffset="101502.8057">24536 953 0,'0'0'16,"0"0"-16,0 17 16,0-17-1,0 0-15,-18 0 0,18 18 16,0-18-16,0 0 0,-18 0 0,18 17 15,-17-17-15,17 0 0,0 18 0,-18-18 16,18 18-16,0-18 16,0 0-16,0 17 0,-17-17 0,17 18 0,0-18 15,-18 0-15,18 18 0,0-18 16,0 17-16,0-17 0,0 0 0,0 18 15,0 0-15,0-18 0,0 17 0,0-17 0,0 18 16,-18-18-16,18 17 0,0-17 16,0 18-16,0-18 0,0 0 0,0 18 15,0-18-15,0 0 0,18 0 0,-18 17 16,18-17-16,-18 18 0,0-18 0,17 0 0,-17 0 15,0 0-15,0 18 0,18-18 0,-1 0 16,-17 0-16,18 0 16,-18 0-16,0 0 0,18 0 15,-18 0-15,17 0 16,-17 0-1,18 0-15,-18 0 16,0 0-16,18 0 0,-18 0 0,0 0 0,0-18 16,17 18-16,1 0 0,-18-18 0,0 18 0,0 0 15,18 0-15,-18-17 0,0 17 0,0 0 0,17 0 16,-17-18-16,0 18 0,18 0 0,-18-18 15,17 18-15,-17-17 32,0 17-17,0-18 1,0 18-16,0-17 15,0-1-15,0 18 0,0-18 16,0 18-16,0 0 0,0-17 0,-17 17 0,17 0 16,0-18-16,-18 18 0,18-18 0,0 18 0,-17 0 0,17-17 15,-18 17-15,18 0 0,-18-18 0,18 18 0,0-18 16,-17 18-16,17 0 0,0 0 15,-18 0-15,18-17 16,-18 17-16,18 0 125</inkml:trace>
+  <inkml:trace contextRef="#ctx0" brushRef="#br0" timeOffset="104671.9869">10989 13811 0,'0'0'109,"18"0"-93,-18 0-16,17 0 0,-17 0 16,18 0-16,0 0 0,-18-17 15,0 17-15,17 0 0,-17 0 16,18 0-16,0 0 15,-18 0-15,17 0 16,-17 0 0,18 0-16,-18 0 15,17 0-15,1 0 16,-18 0-16,18 0 15,-18 0-15,17 0 16,1 0-16,-18 0 16,18 0-1,-18 0 94,0 0-93,-18 0 0,18 0-16,-18 0 0,18 0 15,-17 0-15,17 0 16,0 0-16,-18 0 0,0 0 0,18 0 0,-17 0 15,17 17-15,-18-17 0,18 0 16,-17 0-16,17 0 0,-18 0 0,18 0 0,-18 0 0,18 0 16,-17 0-16,-1 0 0,18 0 0,0 18 0,-18-18 15,18 0-15,-17 0 0,17 0 16,-18 0-1,0 0 48,18 0 93,18 0-141,-18 0-15,0 0 0,18 0 0,-18 0 16,17 0-16,-17 0 0,18 0 0,-18-18 0,18 18 16,-18 0-16,17 0 0,-17 0 0,18 0 0,0 0 0,-18 0 15,17-17-15,-17 17 0,18 0 0,-18 0 0,17 0 16,1 0-16,-18 0 0,18 0 15,-18 0-15,17 0 16,-17 0-16,18 0 16,-18 0-16,18 0 0,-18 0 15,17 0-15,-17 0 0,18 0 16,0 0-16,-18 0 0,17 0 15,-17 0-15,18 0 16,-1 0 0</inkml:trace>
+  <inkml:trace contextRef="#ctx0" brushRef="#br0" timeOffset="105770.0497">14182 13811 0,'0'0'78,"0"0"-78,17 0 0,1 0 15,-18 0-15,18 0 0,-18 0 0,17 0 0,1 0 16,-18 0-16,18 0 0,-18 0 0,17 0 0,-17 0 15,18 0-15,-1 0 0,-17 0 0,18 0 16,-18 0-16,18 0 0,-18 0 16,17 0 93,-17 0-94,18 0 1,-18 0-16</inkml:trace>
+  <inkml:trace contextRef="#ctx0" brushRef="#br0" timeOffset="106504.0917">15928 13723 0,'0'0'46,"18"0"-46,-18 0 16,0 0-16,17 0 0,1 0 0,-18 0 0,17 0 16,-17 18-16,18-18 0,0 0 0,-1 0 0,-17 0 0,36 0 15,-19 0-15,1 0 0,0 0 0,-1 0 0,1 0 0,17 0 16,-35 17-16,18-17 0,17 0 0,-35 0 0,18 0 0,-1 0 15,1 0-15,-18 0 0,35 0 0,-35 0 0,18 0 16,-18 0-16</inkml:trace>
+  <inkml:trace contextRef="#ctx0" brushRef="#br0" timeOffset="107720.1613">19209 13829 0,'0'0'31,"0"0"-15,0 0-16,0 0 0,17 0 15,1 0-15,-18 0 0,18 0 0,-18 0 0,17 0 0,1 18 16,0-18-16,17 0 0,-35 0 0,18 0 0,17 17 16,-35-17-16,17 0 0,19 0 0,-19 0 0,-17 0 0,36 0 15,-19 0-15,1 0 0,17 0 0,-17 0 0,-1 0 0,1 0 16,0 0-16,-18 0 0,35 18 0,-17-18 0,-1 0 0,-17 0 15,18 0-15</inkml:trace>
+  <inkml:trace contextRef="#ctx0" brushRef="#br0" timeOffset="121903.9725">22666 2099 0,'0'0'93,"0"0"-93,0 0 16,0 18-16,0-18 0,0 17 0,0 1 15,0-18-15,0 18 0,0-18 0,0 17 16,0-17-16,0 18 0,0 0 16,0-18-16,0 0 0,0 17 0,0-17 15,0 18-15,0-1 0,0-17 16,0 18-16,0-18 0,0 0 0,0 18 15,0-18-15,0 17 0,0 1 16,0-18-16,0 0 0,0 18 0,0-18 16,0 17-16,0 1 15,18-18-15,-18 0 0,0 18 16,0-18-1,0 0 95,0 0-95,0 0-15,0 0 0,0-18 0,0 0 16,0 18-16,-18-35 0,18 35 0,0-18 0,-18 1 15,18-1-15,0 18 0,0-18 0,0 1 0,0-1 0,-17 1 16,17 17-16,0-18 0,0 0 0,0 1 0,0 17 16,-18-18-16,18 0 0,0 18 0,0-17 0,-18 17 0,18-18 15,0 0-15,0 18 0,0-17 0,0 17 16,0-18-16,0 18 0,0-18 15,0 1-15,0 17 0,0-18 16,0 18 15,0 0-31,18 0 16,-18-17-16,0 17 0,0-18 15,18 18-15,-18 0 0,0 0 0,17 0 16,-17 0-16,0-18 0,18 18 0,0 0 16,-18 0-16,0 0 0,17 0 15,-17 0-15,18 0 0,0 0 16,-18 0-16,17 0 15,-17 0-15,0 0 0,18 0 0,-18 0 16,0 0-16,17 0 0,-17 0 0,18 0 16,-18 0-16,0 18 0,18-18 0,-18 18 0,0-18 15,0 0-15,17 0 0,-17 17 0,18-17 16,-18 0-16,0 18 0,0-18 15,0 17-15,0-17 0,0 18 0,0-18 16,0 18 0,0-18-16,0 17 31,0 1-31,0-18 0,0 0 15,0 0-15,-18 0 0,18 18 16,0-18-16,-17 0 0,17 0 16,0 0-16,-18 0 0,0 0 15,18 0-15,-17 17 0,17-17 16,-18 0-16,18 0 15,0 18-15,-17-18 0,17 0 110</inkml:trace>
+  <inkml:trace contextRef="#ctx0" brushRef="#br0" timeOffset="122593.0119">23001 1746 0,'0'0'31,"0"0"-15,0 0-16,0 18 0,0-18 0,0 18 0,0-18 16,0 35-16,0-35 0,18 0 0,-18 17 0,17 1 0,-17-18 15,0 35-15,0-17 0,18 0 0,-18-1 0,0 1 0,0-18 16,18 18-16,-18 17 0,0-35 0,17 35 0,-17-35 0,0 18 15,0-1-15,0 1 0,0-18 0,0 18 0,0-1 0,0 1 16,0-18-16,0 18 0,0-18 0,0 17 0,0-17 16,0 18-16,0 0 0,0-18 0,0 17 15,18-17-15,-18 0 125,18 0-125</inkml:trace>
+  <inkml:trace contextRef="#ctx0" brushRef="#br0" timeOffset="123848.0837">23336 1993 0,'0'0'0,"0"0"16,0-17-16,0 17 0,0-18 15,0 18-15,0 0 16,-17 0-16,-1 0 62,18 0-46,0 0-16,0 0 16,-18 0-16,18 18 0,0-18 15,0 0-15,-17 0 0,17 17 0,-18-17 16,18 0-16,0 0 0,0 18 15,-18-18-15,18 17 0,0-17 16,0 18-16,0-18 16,0 0-16,0 18 0,0-18 15,0 17-15,0-17 16,0 18-16,0-18 0,0 0 15,0 0-15,0 18 0,18-18 16,0 0 0,-18 0-16,0 0 15,17 0-15,-17 0 32,0 0-32,18 0 0,-18 0 15,18 0-15,-18 0 0,0 0 16,17 0-16,-17-18 15,0 18-15,0-18 0,18 18 16,-18 0-16,0-17 0,0 17 16,0-18-16,0 18 15,0 0-15,0-18 0,0 1 16,0 17-16,0 0 15,0-18-15,0 18 0,0 0 16,0 0-16,0-17 16,0 17 62,0 0-63,0 17 1,0-17-16,0 0 15,0 18-15,0-1 0,0-17 0,0 0 0,0 18 16,0-18-16,0 0 0,18 0 0,-18 18 0,17-18 0,-17 0 16,0 17-16,18-17 0,-18 18 0,0-18 15,0 18-15,17-18 0,-17 0 0,18 17 0,-18-17 0,0 18 16,18-18-16,-18 0 0,0 0 0,17 18 0,-17-18 15,0 0-15,18 0 16</inkml:trace>
+  <inkml:trace contextRef="#ctx0" brushRef="#br0" timeOffset="125000.1496">23548 2011 0,'0'0'47,"0"0"-31,0 17-16,0-17 15,0 18-15,18-18 0,-18 0 0,0 18 16,0-18-16,0 0 0,0 17 0,17-17 0,-17 18 0,0-18 16,0 0-16,18 18 0,-18-18 0,0 0 0,0 17 15,17-17-15,-17 18 0,18-18 0,-18 0 0,0 0 16,0 18-16,18-18 0,-18 0 0,0 0 15,17 0-15,-17 17 0,18-17 16,-18 0-16,18 0 31,-18 0-15,0 0-1,0-17-15,17 17 16,-17-18-16,0 18 0,0-18 0,18 18 0,-18-17 16,18 17-16,-18 0 0,0-18 0,0 0 0,17 18 0,-17-17 15,0 17-15,0-18 0,0 0 0,0 18 0,18-17 16,-18 17-16,0-18 0,18 18 15,-18-17-15,0-1 16,0 18 109,0 0-110,0 18-15,0-18 16,0 17-16,0-17 16,0 18-16,0-18 0,0 17 0,0 1 15,0-18-15,0 18 0,0-18 0,0 17 0,0 1 16,0-18-16,0 0 0,0 18 0,0-18 0,0 0 0,0 17 15,0-17-15,17 18 0,-17 0 0,0-18 0,0 17 16,0-17-16,0 0 0,0 18 0,0 0 0,0-18 16,18 0-16,-18 17 0,0-17 0,0 18 0,0-18 15,0 17-15,0 1 16,0-18-16,0 0 0,0 18 0,0-18 15,0 17-15,0 1 0,0-18 0,0 0 16,0 18-16,0-18 0,0 0 0,0 17 0,0-17 0,0 0 16,-18 18-16,18-18 0,0 18 0,-17-18 0,17 0 15,-18 0-15,18 17 0,0-17 0,-18 0 0,18 0 16,0 18-16,-17-18 0,-1 0 0,18 17 0,-18-17 0,18 0 15,-17 0-15,17 0 0,-18 0 0,0 18 16,18-18-16,-17 0 0,17 0 0,-18 0 16,18 0-16,-18 0 0,18 0 15,-17 0 1,17 0-16,-18 0 15,18 0-15</inkml:trace>
+  <inkml:trace contextRef="#ctx0" brushRef="#br0" timeOffset="125953.2041">24077 1940 0,'0'-17'46,"0"17"-46,18 0 16,-18 0-16,17 0 16,-17 0-16,0 0 15,18 0-15,-18 0 0,18 0 16,-1 0-1,-17 0-15,18 0 16,-18 0 0,18 0-1</inkml:trace>
+  <inkml:trace contextRef="#ctx0" brushRef="#br0" timeOffset="126578.2399">24148 1976 0,'0'0'0,"0"0"15,0 0 1,17 0-1,-17 0 1,18 0-16,-18 0 16,18 0-16,-1 0 15,-17 0-15,18 0 0,-18 0 16,17 0-16,-17 0 0</inkml:trace>
+  <inkml:trace contextRef="#ctx0" brushRef="#br0" timeOffset="135097.7272">24589 1711 0,'0'0'32,"0"0"-17,0 0-15,0 0 0,-18 0 16,18 18-16,-18-18 0,18 0 15,0 17-15,-17-17 0,17 18 0,0-18 0,0 18 16,-18-18-16,18 0 0,-18 17 0,18-17 0,0 0 0,0 18 16,0-1-16,-17-17 0,17 0 0,0 18 0,0-18 0,-18 0 15,18 18-15,0-18 0,0 0 0,0 17 0,0 1 16,-17-18-16,17 0 0,0 18 0,-18-18 15,18 17-15,0 1 0,0-18 0,0 0 16,0 18-16,0-18 0,-18 0 16,18 17-16,0-17 0,0 18 15,0-1-15,0-17 16,0 18-16,0-18 15,0 0-15,0 18 0,0-1 0,0-17 16,0 0-16,0 18 0,18-18 0,-18 0 16,18 0-16,-18 0 0,0 18 15,17-18-15,-17 0 0,0 0 16,18 0-16,-18 0 31,17 0-15,1 0-1,-18 0 1,0 0-16,0 0 15,18 0-15,-18 0 16,17 0-16,-17 0 16,0 0-16,18 0 0,-18-18 15,18 18 1,-18 0 15,0 0 0,0-18-31,0 1 16,0 17-1,0-18-15,0 18 16,0-18-16,0 1 16,0 17-16,0 0 0,0-18 15,0 18 1,0 0-16,0-17 0,0 17 15,-18 0-15,18 0 16,-18 0 15,18 0-31,-17 0 31,17 0-15,-18 0 15,0 0-15,18 0-1,0 0 1,-17 0-16,17 0 16</inkml:trace>
+  <inkml:trace contextRef="#ctx0" brushRef="#br0" timeOffset="136937.8324">22366 2840 0,'0'0'15,"0"0"1,0 18-16,0-18 15,0 17-15,-18-17 0,18 0 0,0 18 16,0-1-16,0-17 0,0 18 16,0-18-1,0 0 48,0 0-63,0 0 15,0 0-15,0-18 0,0 18 0,0-17 0,0-1 16,18 18-16,-18-17 0,0-1 0,0 18 0,0-35 15,0 17-15,18 18 0,-18-35 0,17 35 0,-17-18 0,0 0 16,18 1-16,-18-1 0,18 0 0,-1 18 0,-17 0 16,0 0-16,0-17 0,18 17 0,-18 0 0,0 0 15,0-18-15,18 18 16,-18 0-1,17 0 1,-17 0-16,18 0 0,-18 0 16,0 0-16,0 18 0,18-18 0,-18 17 15,0 1-15,0-18 0,17 18 0,-17-18 0,0 17 16,18 1-16,-18-18 0,0 18 0,0-18 15,0 17-15,0-17 0,0 18 0,0 0 16,0-18-16,0 17 0,0-17 16,0 18-1,17-18 141</inkml:trace>
+  <inkml:trace contextRef="#ctx0" brushRef="#br0" timeOffset="137548.8674">22842 2769 0,'-17'0'0,"-1"0"0,18 18 0,0-18 16,0 18-16,-18-18 0,18 0 0,0 0 15,0 17-15,-17-17 0,17 0 0,-18 0 16,18 18-16,0-18 0,0 18 15,-17-18-15,17 0 0,0 17 0,0-17 16,0 18 0,0-18-1,0 0 1,0 0-1,17 0 1,1 0 0,-18 0-1,0 0-15,17 0 0,-17 0 0,0 0 0,0 0 0,18 0 16,-18-18-16,18 18 0,-18 0 0,0-17 0,17 17 15,-17-18-15,0 18 0,0-18 0,18 18 0,-18 0 0,0 0 16,0-17-16,18 17 0,-18-18 0,0 18 0,17 0 0,-17-18 0,0 18 16,0 0-16,0-17 0,0 17 15,18 0-15,-18-18 0,0 0 16,0 18-1,0 0 1,0 0 0,-18 0-1,1 0 1</inkml:trace>
+  <inkml:trace contextRef="#ctx0" brushRef="#br0" timeOffset="138393.9157">23266 2858 0,'0'0'16,"0"17"-16,0-17 0,0 0 15,0 18-15,0-1 0,0-17 0,0 18 0,-18-18 0,18 18 16,0-18-16,0 17 0,-18 1 0,18-18 0,0 18 16,0-18-16,-17 17 0,17 1 0,-18-18 0,18 18 0,0-1 15,0 1-15,0-18 0,-17 17 0,17-17 0,0 18 16,0-18-16,0 18 0,0-18 0,-18 17 0,0-17 15,18 18-15,0-18 0,0 0 0,0 18 0,0-18 63,0 0-63,0-18 0,0 18 0,0-18 15,0 18-15,-17-17 0,17-1 0,0 18 0,0-18 0,0 1 0,0-1 16,0 1-16,0-1 0,0 0 0,0 1 0,0-1 0,0 0 16,0-17-16,0 35 0,0-35 0,0-18 0,17 35 15,-17-17-15,0 0 0,18 35 0,0-36 0,-18 19 16,17 17-16,-17-18 0,0 0 0,18 18 0,-18 0 0,0-17 15,17 17-15,-17 0 0,18 0 0,-18 0 16,0-18-16,18 18 0,-18-17 0,0 17 16,17 0-16,1 0 15,-18 0 1,18 0-16,-18 0 15,0 0-15,17 0 0,-17 17 0,0-17 16,0 0-16,0 18 0,18-18 0,-18 0 0,0 17 16,0 1-16,18-18 0,-18 18 0,0-18 0,0 17 15,0-17-15,0 18 0,0 0 0,0-18 16,0 17-16,0-17 0,0 18 0,0 0 0,0-18 15,0 17-15,0-17 0,-18 0 0,18 18 16,0-18-16,0 0 0,-18 0 16,18 0 15,-17 0-16</inkml:trace>
+  <inkml:trace contextRef="#ctx0" brushRef="#br0" timeOffset="138831.9408">23548 2558 0,'0'0'0,"0"17"0,-18-17 0,18 0 16,0 18-16,0-18 0,-17 0 0,17 18 0,0-1 0,0-17 15,0 18-15,0-18 0,0 17 0,-18 1 16,18-18-16,0 18 0,-18-18 0,18 17 0,0-17 0,0 18 15,0 0-15,0-18 0,0 17 0,0-17 0,0 18 0,-17 0 16,17-18-16,0 17 0,0-17 16,0 18-16,0-18 15</inkml:trace>
+  <inkml:trace contextRef="#ctx0" brushRef="#br0" timeOffset="139791.9957">23724 2805 0,'0'-18'0,"-17"18"15,17 0 48,-18 0-48,18 0 1,-18 0-16,18 18 0,-17-18 15,17 0-15,0 0 0,-18 17 0,18-17 16,0 0-16,-18 0 0,1 0 0,17 18 16,0-18-16,0 0 0,-18 0 0,18 18 15,0-18-15,0 17 0,0-17 16,0 18-1,0-18-15,0 17 16,0-17 0,0 0-1,0 0 16,18 0-31,-18 0 0,17 0 16,-17 0-16,0 0 0,18-17 0,-18 17 16,0 0-16,18 0 0,-18-18 0,17 18 0,-17-17 0,0 17 15,0 0-15,18 0 0,-18-18 0,0 18 16,0-18-16,18 18 0,-18 0 0,0 0 0,0-17 15,17 17-15,-17-18 0,0 18 0,18 0 16,-18-18-16,0 18 0,0 0 16,0 0 46,0 0-46,0 0-16,0 0 0,0 18 0,0-18 0,0 18 15,0-18-15,0 17 0,0-17 0,-18 0 0,18 18 16,0-18-16,0 18 0,0-1 0,0-17 0,0 18 0,0-18 15,0 17-15,0 1 0,0-18 0,0 18 0,0-18 16,0 17-16,0-17 0,0 0 0,0 18 0,0 0 16,0-18-16,0 17 15,0-17 79,0 0-79,0-17 1</inkml:trace>
+  <inkml:trace contextRef="#ctx0" brushRef="#br0" timeOffset="140584.041">23883 2822 0,'0'0'16,"0"0"-1,0 0-15,0 18 0,0-18 0,0 18 16,0-1-16,0-17 0,0 18 0,0-18 0,0 17 16,0-17-16,0 18 0,-18-18 0,18 18 15,0-18-15,0 17 0,0-17 0,0 18 16,0 0-16,0-18 0,0 17 0,0-17 15,0 0-15,0 18 0,0-18 0,0 0 16,0 18-16,18-18 0,-18 0 31,18 0-15,-18 0-16,17 0 15,-17 0-15,0-18 0,0 18 0,18-18 0,-18 1 0,0 17 16,0-18-16,18 18 0,-18-18 0,17 1 0,-17 17 0,0-18 16,18 0-16,-18 1 0,18-18 0,-18 17 15,17 0-15,-17 1 0,0-1 0,0 18 0,0 0 16,0-18-16,0 18 62,0 0-62,0 0 0,0 0 16,0 18-16,0 0 0,0-18 0,0 0 0,-17 0 15,17 17-15,0-17 0,-18 0 0,18 18 0,0 0 16,0-18-16,-18 17 0,18-17 0,0 18 0,0-1 16,0-17-16,0 18 0,0-18 0,0 18 0,0-1 0,-17-17 15,17 18-15,0-18 0,0 18 0,0-18 0,0 17 16,-18 1-16,18 0 0,0-18 0,-18 17 0,18 1 0,0-18 15,0 17-15,-17 1 0,17 0 0,-18-1 0,18-17 0,0 18 16,-18 0-16,18-1 0,0-17 0,-17 18 0,17 0 0,0-18 16,-18 35-16,1-35 0,17 0 0,0 17 0,-18-17 0,18 18 15,0-18-15,-18 0 0,18 18 0,-17-18 0,17 17 0,-18-17 16,18 0-16,0 0 0,-18 0 0,1 0 15,17 0-15,-18 0 16,18 0 0,-18 0-1,18 0-15,0 0 0,0 0 16,-17-17-16,17 17 0,0-18 15,0 18-15,0-18 0,0 18 16,0-17-16,0-1 0</inkml:trace>
+  <inkml:trace contextRef="#ctx0" brushRef="#br0" timeOffset="141106.0708">24201 2611 0,'0'0'0,"0"0"16,0 0-1,17 0 1,1 0-16,-18 0 0,17 0 15,-17 0-15,18 0 0,0 0 16,-18 0-16,17 0 0,-17 0 0,18 0 16,-18 0-16,18 0 0</inkml:trace>
+  <inkml:trace contextRef="#ctx0" brushRef="#br0" timeOffset="141560.0968">24236 2769 0,'0'0'16,"0"0"-1,17 0 17,-17 0-17,18 0 1,0 0-1,-18 0 1,0 0-16,17 0 0,-17 0 16,18 0-16,-18 0 0,18 0 0,-1 0 0,-17 0 15,18 0-15,-18 0 0,18 0 16,-1 0-16</inkml:trace>
+  <inkml:trace contextRef="#ctx0" brushRef="#br0" timeOffset="142646.1589">24571 2540 0,'0'0'78,"0"0"-78,0-18 0,18 18 0,-1 0 0,-17 0 16,18 0-16,-18 0 0,0 0 0,18 0 0,-1 0 15,-17 0-15,18 0 0,-18 0 0,17 0 0,-17 0 16,18 0-16,0 0 0,-18 0 15,17 0-15,-17 0 32,0 0-17,18 0-15,-18 0 0,0 0 0,0 18 16,0 0-16,0-18 0,0 17 15,0-17-15,0 18 0,0-18 0,0 18 16,0-1-16,0-17 0,0 18 0,0-18 0,0 17 0,0 1 16,0-18-16,-18 0 0,18 18 0,0-18 0,0 17 0,-17-17 15,17 0-15,0 18 0,-18 0 0,18-18 16,0 17-16,-18-17 0,18 0 0,0 0 0,0 18 15,-17-18-15,17 18 0,0-18 0,-18 0 0,1 0 16,17 17-16,0-17 0,0 0 16,-18 0-16,18 0 15,0 18-15,0-18 109,0 0-109,0 0 16,18 0-16,-1 0 0,-17 0 0,18 0 0,-18 0 0,17 0 16,1 0-16,0 18 0,-1-18 0,1 0 0,17 17 0,-35-17 15,18 0-15,0 0 0,-1 0 0,1 0 0,-1 18 16,19-18-16,-36 0 0,17 0 0,1 17 0,0-17 0,-1 0 15,-17 0-15</inkml:trace>
+  <inkml:trace contextRef="#ctx0" brushRef="#br0" timeOffset="148698.5051">15169 13705 0,'0'0'47,"0"0"-47,0 0 0,18 0 0,-18-17 16,0 17-16,0-18 0,0 1 0,0 17 0,0-18 15,0 18-15,0-18 0,0 1 0,18-1 0,-18 18 0,0-18 16,17 1-16,-17 17 0,0-18 0,0 0 0,0 1 0,0 17 16,18-18-16,-18 18 0,0-18 0,0 1 0,0 17 0,0-18 15,0 18-15,0-17 0,0 17 0,0-18 0,0 0 16,18 18-16,-18 0 0,0-17 0,0 17 0,0-18 15,0 0-15,0 18 0,0-17 0,0 17 16,0-18-16,0 18 0,0-18 0,0 1 0,0 17 16,0-18-16,0 18 0,0-17 15,0-1-15,0 18 0,0-18 16,0 18-1,0-17-15,0 17 16,0 0-16,0-18 0,0 0 0,0 18 16,0-17-16,0 17 0,0-18 15,0 18-15,0 0 0,0-18 0,0 1 16,0 17-16,0-18 15,0 18 17,0 0 30,0 0-46,0-17-16,0-1 15,0 18-15,0 0 16,17 0-1,1 0 48,-18 0-63,18 0 0,-18 0 15,17 0-15,1 0 0,-18 0 0,17 0 16,-17 0-16,18 0 0,-18 0 0,18 0 0,-1 0 0,-17 0 16,18 0-16,-18 0 0,35 0 0,-35 0 0,18 0 0,-18 0 15,35 0-15,-35 0 0,18 0 0,0 0 0,-1 0 0,-17 0 16,18 0-16,-18 0 0,17 0 0,-17 0 0,18 0 0,-18-18 15,18 18-15,-18 0 16,0 0-16,17 0 0,-17 0 31,18 0-15,-18-17-1,18 17-15,-18 0 16,0 0 93,0 0-109,0 17 0,0-17 16,0 18-16,0 0 0,0-18 0,0 17 15,0-17-15,0 18 0,-18-1 0,18-17 0,0 18 0,0 0 16,-18-18-16,18 17 0,0 19 0,0-36 0,0 17 0,-17 1 16,17 0-16,0-18 0,-18 17 0,18 1 0,0-1 0,0 1 15,0-18-15,-18 35 0,18-17 0,0 0 0,-17-1 0,17-17 16,0 18-16,0 0 0,0-1 0,0-17 0,-18 18 0,18-1 15,0-17-15,0 18 0,0-18 0,0 18 0,0-1 16,-17 1-16,17-18 0,0 18 0,-18-18 0,18 17 16,0 1-16,0-18 0,0 0 0,0 18 0,0-1 0,0 1 15,-18-18-15,18 0 0,0 18 0,0-1 16,0-17-16,0 18 0,0-18 15,0 17-15,0-17 0,0 18 16,0 0-16,0-18 31,-17 0 110,-1 0-141,18 0 0,0 0 15,-18 0-15,18 0 0,0 0 0,-17 0 0,17 0 0,-18-18 16,0 18-16,18 0 0,-17-18 0,17 18 0,-18 0 0,-17-17 15,35 17-15,-35-18 0,35 18 0,-36 0 16,19-17-16,-1 17 0,18 0 0,-18-18 0,1 18 0,-1 0 16,18 0-16,-18 0 0,18 0 0,-35 0 0,35 0 0,-17 0 15,17 0-15,0 0 125,0 0-109</inkml:trace>
+  <inkml:trace contextRef="#ctx0" brushRef="#br0" timeOffset="150739.6218">18327 13776 0,'-18'0'0,"18"0"16,0 0-16,-17 0 15,-1 0 32,18 0-31,0 0-16,0 0 0,0-18 0,-18 18 15,18-17-15,0-1 0,0 18 0,0-18 0,0 1 0,-17-1 16,17 1-16,0-1 0,0 0 0,0 1 0,-18-19 0,18 36 15,0-53-15,0 36 0,0-1 0,0-35 0,0 53 0,-18-35 16,18-18-16,0 53 0,0-35 0,0 17 0,0 0 0,0 1 16,0-18-16,0 35 0,0-18 0,0-17 0,0 35 0,0-18 15,0 0-15,0 18 0,0-17 0,0 17 0,0-18 0,0 0 16,0 18-16,0-17 0,0 17 0,0-18 15,0 18-15,0-17 0,0-1 0,0 18 16,0-18-16,0 18 0,0-17 0,0-1 16,0 18-16,0-18 0,0 18 0,0-17 15,0 17-15,0-18 16,0 0-1,0 18 63,18 0-62,-18 0 0,0 0-16,18 0 0,-1 0 0,-17 0 15,18 18-15,-18-18 0,18 0 0,-1 0 0,-17 0 0,18 18 16,-18-18-16,17 0 0,-17 0 0,18 0 0,0 0 0,-18 0 15,17 17-15,-17-17 0,18 0 0,0 0 0,-1 0 0,-17 0 16,18 0-16,0 0 0,-18 0 0,17 0 0,-17 0 0,18 0 16,-18 0-16,17 18 0,1-18 0,-18 0 0,18 0 15,-18 0-15,17 0 0,1 0 0,-18 0 16,18 0-16,-18 0 0,17 0 0,-17 0 15,18 0-15,-18 18 0,18-18 0,-18 0 16,0 0-16,0 17 16,17-17-16,-17 0 15,0 18-15,0 0 16,0-18-16,0 17 15,0-17-15,0 18 0,0-18 0,0 17 0,0 1 16,0-18-16,0 18 0,0-1 0,0 1 0,0-18 0,0 18 16,0-1-16,0 1 0,0 17 0,0-35 0,0 18 0,0 17 15,0-17-15,0-1 0,0 1 0,0 0 0,0-1 0,0 1 16,0 0-16,0-1 0,0 1 0,0-1 0,0-17 15,0 36-15,0-36 0,0 17 0,-17 1 0,17 0 0,0-18 16,0 17-16,0 1 0,0 0 0,0-18 0,0 0 0,0 17 16,0 1-16,0 0 0,0-18 0,0 17 0,-18-17 15,18 0-15,0 18 0,0-1 0,0-17 0,0 18 0,0-18 16,-18 0-16,18 18 0,0-18 0,0 17 0,0 1 15,-17-18-15,17 18 0,0-18 0,0 17 16,0 1 0,0-18 46,-18 0-62,18 0 16,0 0-16,-18 0 0,18-18 0,0 18 0,-35 0 0,35 0 15,-18 0-15,1-17 0,-1 17 0,18 0 0,-35 0 0,17-18 16,18 18-16,-35-18 0,17 18 0,1 0 0,-19 0 15,36 0-15,-17-17 0,-18 17 0,35-18 0,-36 18 0,19 0 16,17 0-16,-18 0 0,0 0 0,1 0 0,17 0 16,-18 0-16,0 0 0,18 0 0,-17 0 0,17 0 15,0 0 32</inkml:trace>
+  <inkml:trace contextRef="#ctx0" brushRef="#br0" timeOffset="152751.7369">13494 13723 0,'-18'0'31,"18"0"-31,0 0 16,0 0-16,0-18 0,0 1 0,0-1 0,0 18 16,0-35-16,0 35 0,0-18 0,0-17 0,0 17 0,-18 1 15,18-19-15,-17 19 0,17-1 0,0 0 0,0-17 0,0 35 16,0-35-16,0 35 0,0-18 0,0 18 0,0-17 15,0-1-15,0 18 0,0-18 0,0 18 16,0-17-16,0 17 0,0-18 0,0 0 16,0 18-16,0-17 0,0 17 0,0-18 0,0 18 15,0-17-15,0-1 0,0 18 0,0-18 0,0 1 0,17 17 16,-17 0-16,0-18 0,0 18 0,0-18 0,18 1 15,-18-1-15,0 18 0,0-18 0,0 1 0,0 17 16,0-18-16,0 18 0,0-17 0,0 17 16,0-18-16,0 0 15,0 18-15,0-17 16,18 17-16,-18 0 0,0-18 15,0 18-15,0-18 0,0 18 16,17 0-16,1 0 94,-18 0-94,18 0 0,-18 0 15,17 0-15,1 0 0,-18 0 0,18 0 0,-1 0 0,1 0 16,17 0-16,-35 0 0,18 0 0,17 0 0,-17 0 15,-1 0-15,1 0 0,0 0 0,-1 0 0,19 0 0,-36 0 16,17 0-16,18 0 0,-17 0 0,0 0 0,17 0 0,-35 0 16,18 0-16,17-17 0,-35 17 0,18 0 0,-1 0 0,-17-18 15,0 18-15,18 0 0,-18 0 0,17 0 0,-17 0 78,0 0-78,0 0 0,0 0 16,0 18-16,0-18 0,0 17 0,0 1 0,0-18 15,0 18-15,0-1 0,0 1 0,0 17 0,-17-35 0,17 18 16,-18 17-16,18-17 0,0-1 0,0 19 0,0-19 0,0 36 16,0-35-16,-17-1 0,17 19 0,0-19 0,0-17 15,0 36-15,0-19 0,-18-17 0,18 18 0,0 0 0,0-1 16,-18 1-16,18-1 0,0-17 0,0 18 0,0-18 0,0 18 15,0-18-15,0 0 0,0 17 0,0 1 0,0-18 16,0 18-16,0-18 0,0 17 16,0 1-16,0-18 15,0 18-15,-17-18 0,17 0 16,0 0-16,0 17 15,-18-17-15,18 0 16,-18 0 78,18 0-79,-17 0-15,17 0 16,-18 0-16,0 0 0,18 0 0,-17 0 15,17 0-15,-18 18 0,18-18 0,-35 0 0,17 0 0,1 0 16,-19 0-16,36 0 0,-17 0 0,-36 0 0,35 0 0,1 0 16,-36 0-16,17 0 0,1 0 0,-18 0 0,35 0 0,1 0 15,-36 0-15,35 0 0,1 18 0,-19-18 0,36 0 0,-17 0 16,-1 0-16,0 0 0</inkml:trace>
+  <inkml:trace contextRef="#ctx0" brushRef="#br0" timeOffset="154735.8504">10513 13864 0,'0'0'32,"0"0"-32,-18 0 0,18-17 0,0 17 15,0 0-15,0-18 0,-17 18 0,17 0 16,0-18-16,-18 18 0,18-17 0,-18 17 0,18-18 15,0 18-15,0 0 0,0-35 0,-17 35 0,17-18 0,0 18 16,0-18-16,-18 1 0,18-1 0,-18 18 0,18-17 0,0-1 16,0 18-16,0-18 0,-17 18 0,17 0 0,0-17 0,0-1 15,0 18-15,0-18 0,0 18 0,-18-17 0,18 17 0,0-18 16,0 0-16,0 18 0,0-17 0,0 17 0,-18 0 15,18-18-15,0 0 0,0 18 0,0-17 0,0 17 0,0-18 16,-17 18-16,17 0 0,0-17 0,0-1 0,0 18 16,0-18-16,0 18 0,0-17 0,0-1 15,0 18-15,0-18 0,0 18 0,0-17 0,0 17 16,17 0-16,-17-18 0,0 0 0,0 18 0,0 0 15,0-17-15,0 17 0,0-18 0,18 1 0,-18 17 16,0-18-16,0 18 0,0 0 0,0-18 0,0 18 16,18 0-16,-18-17 0,0-1 0,0 18 15,0 0-15,0-18 0,0 18 16,0-17-1,17 17-15,1 0 94,-18 0-94,18 0 16,-18 0-16,17 0 0,1 0 0,-18 0 15,18 0-15,-18-18 0,17 18 0,-17 0 0,18 0 16,-1 0-16,-17 0 0,18 0 0,0 0 15,-1 0-15,-17 0 0,18 0 0,0 0 0,-18-18 0,17 18 16,-17 0-16,18 0 0,-18 0 0,0 0 0,18 0 0,-18-17 16,17 17-16,-17 0 0,18 0 0,-18 0 0,17-18 0,-17 18 15,18-17-15,0 17 0,-18 0 0,0 0 0,17 0 16,-17 0 46,0 0-46,0 17-16,0-17 0,0 18 15,0-18-15,0 17 0,0-17 0,0 18 0,0 0 16,0-18-16,0 17 0,0 1 0,0 0 0,0-18 0,0 17 16,0-17-16,0 36 0,0-36 0,0 17 0,0 1 0,0-1 15,0-17-15,-17 18 0,17 0 0,0-1 0,0-17 0,0 18 16,0-18-16,0 18 0,-18-1 0,18-17 0,0 18 15,0 0-15,0-1 0,0 1 0,0-18 0,0 17 0,0 1 16,0-18-16,0 18 0,0-1 0,0 1 0,0-18 0,0 18 16,0-18-16,0 17 0,0-17 0,0 18 0,0 0 0,0-18 15,0 17-15,0-17 0,0 18 0,0 0 0,0-18 0,0 0 16,0 17-16,0-17 0,0 0 16,0 18-16,0-18 62,0 0-62,0 0 16,0 0-1,-18 0-15,18 17 16,0-17-16,-17 18 0,-1-18 0,18 0 15,-17 0-15,17 0 0,-18 0 0,0 0 16,18 0-16,-17 18 0,17-18 16,-18 0-16,18 0 0,-18 0 0,1 0 15,17 0 94,0 0-93</inkml:trace>
+  <inkml:trace contextRef="#ctx0" brushRef="#br0" timeOffset="156928.9758">24218 1393 0,'0'0'46,"0"0"-46,18 0 0,-18 0 0,0 18 16,17-18-16,-17 0 0,18 0 0,-18 18 0,18-18 16,-1 0-16,-17 0 0,18 0 0,-18 0 0,18 0 15,-1 0-15,-17 0 0,18 0 0,-18 0 16,18 0-16,-18 0 15,17 0-15,1 0 0,-18 0 0,18 0 16,-18 0-16,17 0 16,1 0-16,-18 0 0,17 0 15,-17 0-15,18 0 0,-18 0 16,18 0-16,-1 0 0,-17 0 15,18 0-15,-18 0 0,18 0 0,-1 0 16,-17 0-16,18 0 0,-18 0 16,0 0-16,18 0 0,-18 0 0,17 0 15,-17 0-15,18 0 0,-18 0 0,17 0 16,-17 0-16,0-18 0,18 18 15,0 0-15,-18 0 0,17 0 16,-17 0-16,0 0 0,18 0 0,-18 0 16,18 0-16,-1 0 0,-17-18 0,0 18 15,18 0-15,-18 0 0,18 0 0,-1 0 16,-17 0-16,0 0 0,18 0 15,-18 0-15</inkml:trace>
+  <inkml:trace contextRef="#ctx0" brushRef="#br0" timeOffset="158744.0797">24306 2240 0,'0'-17'31,"0"17"0,0-18-31,0 18 0,0-18 16,0 1-16,0 17 0,0-18 0,0 18 0,0-18 15,0 18-15,0-17 0,0-1 0,0 18 0,0-35 0,0 35 16,0-18-16,-17 0 0,17 1 0,0 17 0,0-18 0,0 1 15,0-1-15,0 0 0,0 18 0,0-17 16,0-1-16,0 18 0,0-18 0,0 18 16,0 0-16,0-17 0,0 17 0,0-18 15,0 0-15,0 18 16,0-17-16,0 17 0,0-18 15,0 1-15,0 17 16,0-18-16,0 18 0,0-18 16,0 18-1,0-17 1,0-1-16,0 18 15,0 0-15,0-18 63,0 18-48,0 0-15,0 0 16,17 0-16,1 0 16,-18 0-16,0 0 0,18 0 0,-1 0 0,1 0 15,-18 0-15,18 0 0,-18 0 0,0-17 0,35 17 0,-35 0 16,18 0-16,-18 0 0,17-18 0,-17 18 0,18 0 0,-1 0 15,-17 0-15,18 0 0,-18 0 0,18 0 0,-1 0 16,-17 0-16,18-18 0,-18 18 0,18 0 0,-18 0 16,0 0-16,17 0 0,1 0 0,-18 0 15,18 0-15,-18 0 0,17 0 16,1 0-16,-18-17 0,0 17 15,17 0-15,-17 0 16,18 0-16,-18 0 0,0 0 16,0 0 46,0 0-62,0 0 0,0 17 16,0-17-16,0 18 0,0 0 0,0-18 0,0 17 0,0-17 15,0 18-15,0 0 0,0-18 0,18 17 0,-18-17 0,0 18 16,0 0-16,0-1 0,17-17 0,-17 18 0,0-1 0,0-17 15,0 18-15,0 0 0,0-1 0,0 1 0,0-18 16,0 18-16,0-1 0,0 19 0,0-36 0,0 17 0,0 1 16,0-18-16,0 35 0,0-35 0,0 18 0,0-1 0,0 1 15,0-18-15,0 18 0,0-18 0,0 17 0,0 1 0,0-18 16,0 18-16,0-18 0,0 17 0,0 1 15,0-18 1,0 0 62,0 0-78,-17 0 16,17 0-16,-18 0 0,18 0 0,-18 0 15,18 0-15,-17 0 0,-1 0 0,1 0 0,17 0 0,-18 0 16,0 0-16,18 0 0,-17 0 0,17 0 0,-18 0 0,0 0 15,18 0-15,-17 0 0,17-18 0,0 18 0,-18 0 0,18 0 16,-18 0-16,1 0 16,17 0-16,-18 0 15,18 0-15,-17 0 16,17 0-16,-18 0 0,18 0 15,-18 0 1,18 0-16,-17 0 0,17 0 16,0 0 62</inkml:trace>
+  <inkml:trace contextRef="#ctx0" brushRef="#br0" timeOffset="160744.1941">24553 2399 0,'0'0'32,"0"18"-17,0-18-15,0 17 0,0 1 16,0-18-16,0 17 0,0-17 0,0 18 15,0 0-15,0-18 0,0 17 0,0-17 16,18 18-16,-18 0 0,0-1 0,0-17 0,0 18 0,0 0 16,0-1-16,0 18 0,0-35 0,0 18 0,0 0 0,18-1 15,-18-17-15,0 18 0,0-18 0,0 18 0,0-1 0,0 1 16,0-18-16,0 18 0,0-1 0,0 1 0,0-18 0,0 18 15,17-18-15,-17 17 0,0-17 0,0 18 16,0-18-16,0 17 0,0-17 0,0 18 16,0 0-16,0-18 0,0 17 0,0-17 15,0 18-15,0 0 0,0-18 16,0 17-16,0-17 15,0 18-15,0-18 16,0 0 62,0 0-62,0 0-16,0-18 15,0 18-15,0-17 0,0-1 0,0 0 0,-17 18 16,17 0-16,0-35 0,0 17 0,-18 1 0,18-1 0,0 18 15,0-17-15,-18-19 0,18 19 0,-17 17 0,17-18 16,0-17-16,0 35 0,0-36 0,0 19 0,0-1 0,0 18 16,0-18-16,0 18 0,0-17 0,0 17 0,0-18 0,0 1 15,0 17-15,0-18 0,0 18 0,0-18 0,0 1 16,0 17-16,0-18 0,0 18 0,-18 0 15,18-18-15,0 18 0,-18 0 16,18-17-16,0-1 0,0 18 0,0 0 16,0-18-16,0 18 0,0-17 15,-17 17-15,17-18 0,0 18 16,0 0-16,0-17 0,0 17 0,-18 0 0,18-18 15,0 18-15,0-18 0,0 18 0,0-17 0,0 17 16,0-18-16,-17 18 0,17 0 0,0-18 0,0 1 16,0 17-16,0-18 0,0 18 62,0 0-62,0 0 0,17 0 16,-17 0-16,18 0 0,-18 0 15,0 18-15,17-18 0,1 17 0,-18-17 0,18 0 16,-18 0-16,0 0 0,17 0 0,-17 18 0,18-18 15,0 0-15,-18 0 0,17 0 0,-17 18 0,18-18 16,0 0-16,-18 0 0,17 17 0,-17-17 0,18 0 0,-18 0 16,17 0-16,1 0 0,0 0 0,-18 0 0,17 0 0,1 0 15,-18 0-15,18 0 0,-1 0 0,1 0 0,-18 0 0,18 0 16,-18 0-16,17 0 0,1 0 0,-18 0 0,17 0 0,-17 0 15,18 0-15,-18 0 0,0 0 0,18 0 0,-1 0 16,-17 0-16,18 0 0,-18 0 0,18 0 16,-1 0-16,-17 0 0,18 0 0,-18-17 15,0 17-15,18 0 0,-18 0 0,17 0 0,1 0 16,-18 0-16,18 0 0,-18 0 0,17 0 15,1 0-15,-18 0 0,17 0 16,-17 0 46,0 0-62,0 17 16,0-17-16,0 18 16,0-18-16,0 18 0,0-18 0,0 17 15,0 1-15,0-18 0,0 17 0,0-17 0,0 18 16,0 0-16,0-1 0,0-17 0,0 18 0,0 17 15,0-35-15,0 36 0,0-36 0,0 17 0,0 1 16,0-1-16,0 1 0,0 0 0,0 17 0,0-35 0,0 18 16,0 17-16,0-35 0,0 35 0,0-17 0,0-18 0,0 35 15,0-35-15,0 18 0,0-1 0,0 1 0,0-18 0,0 18 16,0-18-16,0 17 0,0 1 0,0-18 0,18 0 0,-18 18 15,0-1-15,0 1 0,0-18 0,0 18 16,0-18-16,0 0 0,0 17 0,0-17 16,0 18-16,0-18 93,0 0-93,0 0 0,0 0 16,-18 0-16,18 0 0,0 0 0,-17 0 0,-1 0 0,18 0 15,-17-18-15,17 18 0,-18 0 0,0 0 0,18 0 16,-35-17-16,17 17 0,18 0 0,-35-18 0,35 18 0,-18 0 16,-17 0-16,35 0 0,-18-18 0,18 18 0,-35 0 0,18 0 15,-1 0-15,0 0 0,18 0 0,-17 0 0,-1 0 0,0 0 16,18 0-16,-35 0 0,35 0 0,-18 0 0,18 0 0,-17 0 15,-1 0-15,18 0 0,-17 0 0,17 0 0,-18 0 16,18 0-16,-18 0 0,18 0 0,-17 0 0,17 0 16,-18 0-16,18 0 0,-18 0 15</inkml:trace>
+  <inkml:trace contextRef="#ctx0" brushRef="#br0" timeOffset="172032.8397">20249 5415 0,'0'0'31,"0"0"-31,18 0 16,-18 0-16,18 0 15,-18 0-15,17 0 0,-17 0 16,18 0-16,-18 0 0,18 0 0,-18 0 16,17 0-16,1 0 0,-18 0 15,18 0-15,-18 0 0,17 0 16,-17 0-16,18 0 15,-1 0 1,-17-17-16,0 17 16,18 0-16,-18 0 31,18 0-16,-1 0 1,-17 0 0,18 0-1,-18 0 16,18 0-15,-18 0 0,17 0-16,1 0 15,-18 0-15,18 0 16,-18 0-1,17 0 17,1 0-17,-18 0 141,0 0-156,-18 0 0,18 0 16,-17 17-1,17-17-15,-18 0 16,0 0 0,18 0-1,0 0-15,-17 0 16,17 0-16,-18 0 15,18 0-15,-18 0 16,1 0-16,17 0 0,-18 0 16,18 0-16,-18 0 0,1 0 15,17 0-15,-18 0 16,18 0-16,-17 0 0,17 0 15,-18 0-15,0 18 0,18-18 16,-17 0-16,17 0 16,-18 0-16,0 0 0,18 17 15,0-17-15,-17 0 0,17 0 16,-18 0-16,18 0 15,-18 0-15,18 18 0,-17-18 16,17 0 0,-18 0-1,18 0 1,-17 0-1,-1 0-15,18 0 16,-18 0 0,18 0 77,0 0-77</inkml:trace>
+  <inkml:trace contextRef="#ctx0" brushRef="#br0" timeOffset="195641.1901">21078 5186 0,'0'0'62,"0"0"-46,0 17-16,0-17 0,0 18 0,0 0 15,0-18-15,0 0 0,0 17 0,0-17 0,18 0 0,-18 18 16,0 0-16,0-18 0,0 0 0,0 17 0,0 1 0,0 0 16,18-18-16,-18 17 0,0-17 0,0 18 0,0-18 0,0 18 15,0-1-15,0-17 0,17 0 0,-17 18 0,0-1 16,18-17-16,-18 18 0,0-18 0,0 18 0,0-18 0,0 17 15,0-17-15,0 0 0,18 0 32,-18 0 30,17 0-62,-17 0 16,18 0-16,-18 0 0,0 0 0,18-35 15,-18 35-15,0 0 0,17-18 0,-17 1 0,18-1 16,-18 1-16,18-1 0,-1-17 0,-17 17 0,0 0 15,0 1-15,18 17 0,-18-18 0,0 0 0,0 18 0,0-17 16,17-1-16,-17 0 0,0 18 0,18-17 0,-18 17 16,0-18-16,0 18 0,0 0 0,0-17 0,0-1 15,18 18-15,-18 0 0,0 0 78,0 0-78,0 18 0,0-18 16,0 17-16,0-17 0,0 18 0,0-18 0,0 35 0,0-17 15,0-1-15,0 19 0,0-36 0,0 17 0,0 19 0,0-19 16,0 1-16,0 17 0,0-17 0,0-1 0,0 19 16,-18-1-16,18-35 0,0 35 0,0-17 0,0 0 0,0 17 0,0-18 15,0-17-15,0 36 0,0-19 0,0 1 0,0 0 16,0-1-16,0-17 0,18 18 0,-18 0 0,0-1 0,17-17 15,1 0-15,-18 0 0,0 0 0,18 0 0,-18 0 0,17 0 16,-17 0-16,18 0 16,-18 0-16,18 0 0,-18 0 15,17-17-15,-17-1 0,18 18 0,-1-18 0,-17 1 16,0 17-16,18-18 0,-18-17 0,18 35 0,-18-18 15,17 0-15,-17 1 0,0 17 0,18-35 0,-18 17 0,0 0 16,18-17-16,-1 17 0,-17 1 0,18-19 0,-18 19 0,0-1 16,18-17-16,-18 17 0,17 1 0,-17-19 0,0 1 0,0 17 15,18-17-15,-18 0 0,0 17 0,0-17 0,0 17 0,0 1 16,17-36-16,-17 53 0,0-36 0,0 1 0,0 35 0,0-35 15,0 0-15,0 17 0,0 0 0,0-17 0,0 35 16,18-18-16,-18 1 0,0-1 0,0 18 0,0-17 0,18 17 0,-18-18 16,0 18-16,0 0 46,0 0-30,0 18-16,0-18 0,0 17 0,0-17 0,0 18 16,0-1-16,0 19 0,0-36 0,0 35 0,0-17 0,0-1 15,0 1-15,0 17 0,0-17 0,0 17 0,0-17 16,0-1-16,0 19 0,0-19 0,0 19 0,0-36 0,0 52 15,0-34-15,0 17 0,0 1 0,-18-19 0,18-17 0,0 53 16,0-35-16,0 17 0,0 18 0,0-35 0,0 17 0,0 18 16,0 0-16,0-36 0,18 36 0,-18-35 0,17 17 0,-17 18 15,18-35-15,-18-1 0,18 1 0,-18 0 0,17-18 16,1 35-16,-18-35 0,18 18 0,-18-18 0,0 17 15,17-17-15,1 0 0,-18 0 32,0 0-17,18 0-15,-18-17 0,0 17 0,0 0 0,0-18 16,0 0-16,17 1 0,-17 17 0,18-36 0,-18 19 0,0 17 15,0-53-15,0 35 0,0 1 0,17-36 0,1-18 16,0 1-16,-18 52 0,0 0 0,0-35 0,0 1 0,0 34 16,0-53-16,0 54 0,0-19 0,0-34 0,0 35 0,0 17 15,0-53-15,0 54 0,0-19 0,0-34 0,0 52 16,0-17-16,-18-18 0,18 53 0,0-35 0,-18 0 0,18 17 15,0 0-15,0-17 0,0 35 0,0-18 0,0 1 0,0-1 16,0 18-16,0-18 0,-17 18 0,17 0 0,0 0 31,0 0-15,0 0-16,0 18 0,0-18 0,0 18 15,0-1-15,0 1 0,-18 17 0,18-17 0,0 17 0,-17 18 16,17-35-16,-18 17 0,18 36 0,-18-54 0,1 18 0,-1 71 16,18-88-16,0 17 0,-35 53 0,35-35 0,-18-17 0,0 52 15,1-35-15,17 35 0,-18-70 0,18 17 0,-18 71 16,1-89-16,17 19 0,-18 52 0,18-71 0,0 1 0,0 53 15,0-36-15,0-17 0,-17 17 0,17-18 0,0-17 0,0 18 16,0 0-16,0-1 0,0-17 0,0 18 0,0-18 16,17 0-16,-17 0 0,0 18 0,18-18 0,-18 0 15,17 0-15,1 0 16,-18 0-16,0 0 15,18 0-15,-18 0 0,17-18 0,1 18 0,-18 0 16,18-35-16,-18 35 0,17-18 0,1-17 0,-18 17 16,53-52-16,-35 52 0,-18 0 0,17-35 0,1 36 0,-1-1 15,19-52-15,-19 52 0,-17-17 0,18-18 0,0 35 16,-1-17-16,-17-36 0,18 36 0,0 17 0,-1-52 0,-17 35 15,18-36-15,-1 53 0,-17-17 0,18-53 0,-18 70 16,18-35-16,-18 36 0,0-1 0,0-17 0,0 17 0,0 0 16,0 18-16,17-17 0,-17-1 0,0 1 0,0 17 62,0 17-62,0-17 16,0 18-16,0-18 0,0 17 0,0 1 0,0 0 0,18 17 15,-18-35-15,0 35 0,0 18 0,18-53 0,-18 18 16,17 52-16,-17-70 0,0 18 0,36 53 0,-36-54 0,17 1 15,-17 17-15,18 0 0,-18-35 0,17 53 0,-17-35 0,18 0 16,-18 35-16,18-36 0,-18 1 0,35 35 0,-35-36 0,0 1 16,18 35-16,-18-35 0,0-1 0,17 18 0,1 1 0,-18-19 15,0 19-15,18-1 0,-1-35 0,-17 35 0,18-17 0,-18 0 16,18 17-16,-1-35 0,-17 35 0,18-17 0,-1-1 0,-17-17 15,0 0-15,18 18 0,0-18 0,-18 0 0,17 0 0,-17 0 16,18 0 0,-18 0-16,0 0 0,0 0 0,18 0 0,-18 0 15,17-18-15,-17 1 0,0 17 0,18 0 0,-18-18 16,0 18-16,18-35 0,-18 35 0,17-18 0,-17-17 0,18 35 15,-1-35-15,-17 17 0,18 0 0,-18 1 0,18-19 0,-1 19 16,-17-1-16,36-35 0,-36 53 0,0-35 0,35 0 0,-17 17 16,-18 0-16,17-35 0,1 36 0,-18-18 0,17-1 0,-17 19 15,18-1-15,-18-17 0,0 35 0,0-18 0,18-17 16,-18 35-16,17 0 0,-17-35 0,0 35 0,0 0 47,0 0-47,0 0 15,0 17-15,0 1 0,0-18 0,0 17 16,18 19-16,-18-19 0,18 1 0,-18 17 0,0-17 0,0 0 15,17 17-15,1-35 0,-18 17 0,0 36 0,18-35 0,-18 0 16,17 17-16,-17-17 0,0-1 0,0 18 0,18 1 0,0-36 16,-18 53-16,0-36 0,17 1 0,1 17 0,-18-17 0,0 0 15,17 17-15,1 0 0,-18-17 0,35 17 0,-35 0 0,18-35 16,0 36-16,-18-19 0,0 1 0,35 17 0,-35-35 0,0 0 15,35 18-15,-35-18 0,0 0 0,18 17 0,-1-17 16,-17 0 0,0 0-16,0 0 15,0-17-15,0 17 0,0-18 0,18 18 16,-18-18-16,0 1 0,0 17 0,0-18 0,0-17 0,0 17 15,0 1-15,0-19 0,0 19 0,0-1 0,-18-17 0,18 0 16,0 35-16,-17-36 0,-1 1 0,18 17 0,-17-17 0,-1 0 16,0 35-16,1-36 0,-1 1 0,18 35 0,-18-35 0,18 35 15,-17-18-15,-1 1 0,-17-1 0,35 18 0,-35-18 16,35 1-16,-18 17 0,-17-18 0,17 0 0,0 18 0,-17 0 15,17-17-15,1 17 0,-36-18 0,35 18 0,1 0 0,-54 0 16,36 0-16,17 0 0,-52 0 0,52 0 0,-17 0 0,-36 0 16,53 0-16,1 0 0,-54 0 0,54 0 0,-19 0 0,-17 0 15,18 0-15,17 0 0,-17 18 0,0-1 0,35-17 16,-35 0-16,-1 18 0,36-18 0,-17 18 0,-1-18 15,0 0-15,18 17 0,-17-17 0,17 0 0,0 0 16,0 18-16,-18-18 0,18 0 0,0 0 16,-17 0-1,17 0 48,0 0-63,0 0 0,0-18 0,-18 18 0,18 0 15,0-35-15,0 35 0,0-18 0,0 1 0,0-1 16,-18 18-16,18-35 0,0 0 0,0 35 0,-17-36 0,17 19 15,-18-19-15,0-16 0,18 34 0,0-17 0,-17-18 16,17 35-16,-18-35 0,0 18 0,18 17 16,0 18-16,-17-17 0,17-1 0,0 0 0,0 18 0,0-17 15,0 17-15,-18 0 31,18 0-15,0 0-16,0 0 0,-17 0 16,17 17-16,-18 1 0,18 0 0,-35-1 0,35 36 15,-18-53-15,0 18 0,1 35 0,-1-53 0,18 35 16,-35-17-16,17-1 0,18 1 0,-18 17 0,1-17 0,17-18 15,-18 17-15,18 1 0,-17 0 0,-1-1 0,18 1 0,0 0 16,-18-18-16,18 17 0,0 1 0,0-18 0,0 18 0,-17-18 16,17 17-16,0-17 0,0 18 0,0-18 0,-18 0 15,18 17-15,0-17 0,0 0 63,0 0-63,0 0 0,0-17 0,0-1 15,0 18-15,0-17 0,0 17 0,0-18 0,0 0 16,-18 18-16,18-53 0,0 53 0,0-35 0,0 17 15,0 1-15,0-18 0,-17 17 0,17 0 0,-18-17 0,18 35 16,0-18-16,0 1 0,0-1 0,-18 0 0,18 1 0,0-1 16,0 18-16,0 0 0,0-18 0,-17 18 0,17-17 15,-18 17-15,18 0 31,0 0-31,-17 0 16,17 0-16,0 17 0,-18-17 0,0 18 0,18-18 0,-17 18 16,-1-1-16,0-17 0,1 36 0,17-36 0,0 17 15,-53 19-15,53-36 0,-18 17 0,18 1 0,-17-18 16,-1 35-16,0-35 0,18 18 0,-17-18 0,-1 17 0,18 1 15,-18 0-15,18-18 0,-17 0 0,-1 35 0,18-35 0,0 18 16,-18-18-16,18 17 0,-17 1 0,-1 0 0,18-18 16,0 0-16,0 17 0,-18-17 0,18 18 0,0-18 15,0 0 32,0 0-47,0-18 16,0 18-16,0-17 0,0 17 15,0-18-15,0 18 0,0-18 0,0 1 0,0 17 16,0-18-16,0 0 0,0 1 0,0 17 0,0-18 0,0 0 15,0 1-15,0-1 0,0 18 0,0-17 0,0-1 0,0 0 16,0 18-16,0-35 0,0 35 0,0-18 0,0 1 0,0-1 16,0 18-16,0-18 0,0 18 0,0-17 0,0-1 15,18 18-15,-18 0 0,0-18 0,0 18 16,18 0-16,-18-17 0,0 17 15,0 0 63,0 0-62,0 0-16,0 0 0,17 17 0,-17-17 0,0 18 0,0 0 16,0-18-16,0 17 0,18-17 0,-18 18 0,18 0 0,-18-1 15,0 1-15,0 0 0,17 17 0,1-17 0,-18-1 0,0-17 16,18 35-16,-18-17 0,0 0 0,17 17 0,-17-35 0,0 18 15,18-1-15,-18-17 0,0 18 0,18 0 0,-18-18 0,0 0 16,0 17-16,17-17 0,1 0 16,-18 0-1,0 0-15,17 0 0,-17 0 16,18-17-16,-18 17 0,18 0 0,-18-18 15,0 18-15,17-18 0,-17 1 0,18 17 0,0-36 0,-18 36 16,0-17-16,17-1 0,-17 0 0,18 18 0,0-35 0,-1 0 16,36-18-16,-53 35 0,18-17 0,-1 17 15,-17 1-15,18-19 0,0 36 0,-18-17 0,17-18 16,-17 17-16,18 0 0,-18 1 0,18-1 0,-18 18 0,0-18 15,17 1-15,-17-1 0,18 18 0,-18 0 0,0-18 16,0 18 15,0 0-31,0 0 16,0 18-16,0 0 0,0-18 0,0 17 0,0 1 0,0 0 15,0-1-15,0 1 0,0 0 0,0 17 0,0 0 0,0-35 16,0 53-16,0-35 0,0-1 0,0 36 0,0-35 0,0 0 16,0 34-16,0-34 0,0 0 0,0 35 0,0-53 0,-18 17 15,18 36-15,0-53 0,0 18 0,0-1 0,0 1 0,0-18 16,0 18-16,0-18 47,0 0-47,0 0 0,0-18 15,0 0-15,18 18 0,-18-17 0,0 17 16,17-18-16,-17 1 0,0-1 0,0 18 0,18-35 0,-18 35 15,0-18-15,0 0 0,18 1 0,-18-1 0,17-17 0,-17 17 16,0-17-16,18 0 0,0 17 0,-18 0 0,0-17 0,17 17 16,-17 1-16,36-36 0,-36 53 0,0-35 0,0 35 15,0-18-15,17 0 0,-17 1 0,0 17 16,0-18-16,18 18 31,-18 0-15,0 0-16,0 18 0,0-18 0,0 17 0,0 1 15,0-18-15,0 18 0,0-1 0,18 1 0,-18 17 16,0-17-16,0-18 0,0 53 0,0-36 0,0 1 0,0 35 15,0-35-15,0-1 0,0 18 0,0 18 0,0-35 0,0 0 16,0 17-16,0-17 0,0-1 0,0 1 0,0-1 0,0 1 16,0 0-16,0-18 0,0 17 0,0 1 0,0-18 15,0 18-15,0-18 0,0 0 63,17 0-63,-17 0 0,0-18 15,0 18-15,0-18 0,0 18 0,18-17 0,-1 17 16,-17-18-16,0-17 0,0 35 0,18-18 0,-18-17 0,0 17 15,0 1-15,35-19 0,-35 19 0,18-1 0,-18-17 0,18 17 16,-1 1-16,-17-19 0,18 1 0,0 35 0,-18-35 0,17 17 16,-17 0-16,18 1 0,-18 17 0,0-18 0,17 0 0,-17 18 15,0 0-15,0-17 0,18 17 31,-18 0-31,0 0 16,0 0-16,0 17 0,18 1 0,-18-18 0,17 18 16,-17-1-16,0 1 0,0 17 0,0-17 0,0-18 0,0 53 15,0-35-15,0-1 0,0 36 0,0-35 0,0 17 16,0 18-16,0-35 0,0-1 0,0 54 0,0-36 0,0-17 15,0 52-15,0-52 0,0 17 0,0 18 0,0-35 0,-17 17 16,17 0-16,0-35 0,0 36 0,0-19 0,0 1 0,0-1 16,0-17-16,0 18 0,0 0 0,0-18 0,0 17 15,0-17-15,0 0 31,0 0-31,0 0 16,17 0-16,-17-17 0,0-1 0,18 18 0,-18-18 16,0 18-16,18-17 0,-18-1 0,0-17 0,17 35 0,-17-18 15,18-17-15,-18 35 0,0-35 0,35-1 0,-35 19 16,35-36-16,-17 0 0,0 18 0,-1 17 15,-17 0-15,18-17 0,0 17 0,-1-17 0,-17 35 16,0-17-16,18-1 0,0 18 0,-18-18 0,0 18 0,0-17 16,17 17-16,-17-18 0,0 18 0,0 0 46,0 18-30,0-18-16,0 17 0,0-17 0,0 36 0,18-36 16,-18 17-16,0 1 0,0 17 0,0-17 0,0 17 0,0 0 15,0-17-15,0 0 0,0 34 0,0-16 0,0-19 16,0 36-16,0-35 0,0 0 0,0 35 0,0-36 15,0 36-15,0-53 0,0 18 0,0-1 0,0 1 0,0-18 16,0 18-16,0-18 0,0 17 16,0-17-1,0 0 1,0 0-16,0 0 15,0 0-15,0-17 0,18 17 0,-18 0 0,0-18 16,17 0-16,1 18 0,-18-17 0,17-1 0,-17 0 0,18 18 16,0-35-16,-18 18 0,0 17 0,17-36 0,1 19 0,-18-1 15,35-17-15,-35 35 0,18-36 0,0 19 0,-18-1 16,17 18-16,1-18 0,-1 1 0,-17-1 0,18 1 0,-18 17 15,18 0-15,-1-18 0,-17 0 0,0 18 0,18 0 0,-18-17 16,18 17-16,-18 0 0,17 0 0,-17 0 31,0 0-31,0 0 0,18 0 16,-18 17-16,0 1 0,0 0 0,0-18 0,0 17 0,18 1 15,-18 17-15,0-17 0,17 17 0,-17-17 0,0-1 0,0 36 16,0-35-16,0 0 0,0 17 0,0-18 0,0 1 0,0 17 16,0-17-16,0 0 0,0 17 0,0-17 0,0-1 0,0 1 15,0-1-15,18-17 0,-18 18 0,17-18 0,-17 0 16,0 18-16,0-18 0,18 0 31,-18 0-15,0 0-16,0 0 0,18-18 15,-1 18-15,-17-18 0,0 1 0,18 17 0,-18-18 0,0 18 16,18-35-16,-18 35 0,0-18 0,35-17 0,-17 35 0,-18-35 15,17 17-15,1-17 0,0-36 0,-1 71 16,1-35-16,-18 0 0,17 35 0,1-36 0,0 19 0,-18 17 16,35-36-16,-35 19 0,0-1 0,18 1 0,-1 17 0,-17-18 15,0 18-15,0-18 0,18 18 0,-18 0 0,0 0 16,18 0-1,-18 0-15,0 0 16,0 0-16,17 0 0,-17 18 0,0-18 0,18 18 0,-18-18 16,0 17-16,0 1 0,0-18 0,0 35 0,0-17 0,0-1 15,0 1-15,17 17 0,-17-35 0,0 36 0,0-19 16,0 1-16,0 0 0,0 17 0,0-35 0,0 17 0,0 1 15,0 0-15,0-18 0,0 17 0,0-17 0,0 18 0,0-18 16,0 18-16,0-18 62,0 0-46,0-18-16,0 18 0,18 0 16,-18-18-16,0 18 0,0-17 0,0-1 0,18 18 0,-18-18 15,0 1-15,0-1 0,35-17 0,-35 35 0,0-18 16,18 1-16,-18-1 0,0 18 0,17-18 0,-17 18 0,18-17 15,-18-1-15,0 18 0,18 0 0,-18-18 0,0 18 16,0 0-16,17 0 0,-17 0 47,0 0-47,0 0 0,18 18 15,-18 0-15,0-18 0,0 17 0,0-17 0,0 36 0,0-36 16,0 17-16,0 19 0,0-36 0,0 17 0,0 18 0,0-35 16,0 36-16,0-19 0,0-17 0,0 18 0,0 0 0,0-1 15,0-17-15,0 18 0,0-18 63,0 0-48,0-18-15,0 18 0,0-17 16,0 17-16,0-18 0,17 0 15</inkml:trace>
+  <inkml:trace contextRef="#ctx0" brushRef="#br0" timeOffset="218024.4703">22031 7938 0,'0'0'62,"0"17"-62,0-17 16,0 0-16,0 18 0,0-18 16,18 0-16,-18 17 0,0-17 0,0 18 15,0 0-15,0-18 0,0 17 0,0-17 0,0 18 16,0 0-16,17-18 0,-17 17 0,0-17 0,0 18 0,0-18 15,0 18-15,0-1 0,18 1 0,-18-18 0,0 35 0,0-17 16,18-18-16,-18 17 0,0 1 0,0-18 0,0 18 0,0-1 16,0-17-16,0 18 0,0-18 0,0 18 15,0-1-15,0-17 16,0 18-1,0-18 1,0 17 0,0 1-1</inkml:trace>
+  <inkml:trace contextRef="#ctx0" brushRef="#br0" timeOffset="218496.4973">21908 8202 0,'0'-18'15,"0"18"-15,0 0 0,17 0 0,-17 0 16,0 0-16,18 0 0,-18 0 0,17 0 15,-17-17-15,0 17 0,18 0 0,0 0 0,-18 0 16,0-18-16,17 18 0,-17 0 0,18 0 0,0 0 0,-18 0 16,17 0-16,-17 0 0,18 0 0,0 0 0,-1 0 15,-17 0-15,18 0 0,-18 0 0,17 0 0,1-17 0,-18 17 16,18 0-16,-18 0 0,17 0 0,1 0 0,-18 0 15,18-18-15,-18 18 0</inkml:trace>
+  <inkml:trace contextRef="#ctx0" brushRef="#br0" timeOffset="219288.5426">22313 8255 0,'18'0'16,"-1"0"-1,-17 0-15,0 0 16,18 0-16,-18 0 15,0 0-15,0-18 16,18 18-16,-18-17 0,0 17 16,0 0-1,0-18-15,17 18 0,-17 0 16,18 0-16,-18-18 0,0 18 15,0 0-15,0-17 0,18 17 0,-18-18 16,0 18-16,0 0 0,0-17 16,0 17-16,0-18 15,0 0 1,0 18-1,0 0-15,0 0 0,0 0 0,-18 0 16,0 0-16,18 0 16,-17 0-16,17 0 15,-18 0-15,18 0 16,0 0-1,0 0-15,0 18 0,0-18 0,-18 0 16,18 18-16,0-18 0,0 17 16,-17-17-16,17 18 0,0-18 0,0 17 15,0-17-15,0 0 16,0 18-16,0-18 0,0 18 0,0-1 15,0-17-15,0 18 16,0-18-16,0 18 16,0-1-16,0-17 0,0 0 0,0 18 15,0-18-15,0 0 0,0 18 16,17-18-16,-17 0 0,0 0 0,18 17 0,-18-17 15,0 18-15,18-18 0,-18 0 0,0 0 0,17 0 16,-17 17-16,18-17 0,-18 0 16,0 0-16,18 0 0,-18 0 46,0 0-30,17 0-16,-17 0 16</inkml:trace>
+  <inkml:trace contextRef="#ctx0" brushRef="#br0" timeOffset="220136.5911">22560 8149 0,'0'0'15,"0"0"-15,0 18 16,0-18-16,0 17 15,0-17-15,0 0 0,0 18 16,0-18-16,18 18 16,-18-1-16,0-17 15,0 18-15,0-18 16,0 18-1,0-18 79,0 0-78,0-18-16,0 18 0,0-18 15,0 1-15,0 17 0,0-18 0,0 18 16,0-18-16,0 18 0,0-17 0,0-1 15,0 18-15,0 0 0,0-17 16,0 17-16,17 0 0,-17-18 16,0 18-16,18 0 15,-18 0 63,0 0-78,0 0 0,0 18 0,18-18 16,-18 0-16,0 17 0,0-17 0,0 18 0,0-18 0,17 17 15,-17-17-15,0 18 0,18-18 0,-18 18 0,0-1 0,18-17 16,-18 18-16,0-18 0,0 18 0,17-18 0,-17 17 0,0-17 16,18 0-16,-18 18 0,0-18 15,0 18 63</inkml:trace>
+  <inkml:trace contextRef="#ctx0" brushRef="#br0" timeOffset="220539.6142">22842 8132 0,'0'0'32,"0"0"-32,0 17 15,0 1-15,0-18 0,0 17 0,0-17 16,0 18-16,0-18 0,0 18 0,0-1 15,0-17-15,0 18 0,0-18 0,0 18 0,0-1 0,0-17 16,0 18-16,0-18 0,0 18 0,0-18 16,0 17-16,0 1 0,0-18 62,0-18-62,0 18 16,0-17-16,0 17 15</inkml:trace>
+  <inkml:trace contextRef="#ctx0" brushRef="#br0" timeOffset="221018.6416">22878 7867 0,'0'0'110</inkml:trace>
+  <inkml:trace contextRef="#ctx0" brushRef="#br0" timeOffset="221839.6885">23266 8061 0,'-18'0'0,"0"0"15,18 0-15,-17 0 0,17 0 16,-18 0-16,1 0 0,17 0 15,-18 0-15,18 0 0,-18 0 0,18 0 0,-17 0 16,-1 0-16,0 0 0,18 0 0,-17 0 0,-1 0 0,18 0 16,-18 18-16,18-18 0,-17 0 0,17 0 0,-18 0 0,0 0 15,18 0-15,-17 0 0,17 17 16,0-17-16,0 0 0,0 18 15,-18-18-15,18 18 0,0-18 16,0 17 0,0-17-16,0 0 0,0 0 15,0 18-15,18-18 16,-18 0-16,17 0 0,1 0 0,-18 0 15,18 0-15,-18 0 0,17 0 0,-17 0 0,18 0 16,0 0-16,-18 0 0,17 0 0,-17 0 0,18 0 16,0 0-16,-18 0 0,17 0 0,-17 0 0,18 0 0,-18 0 15,18 0-15,-1 0 0,-17 0 16,0 17-16,0-17 15,18 0-15,-18 18 0,0-18 0,0 0 0,0 18 16,17-18-16,-17 0 0,0 17 0,0-17 0,0 18 16,0-18-16,0 18 0,18-18 0,-18 0 0,0 17 15,0 1-15,0-18 16,0 18 15,0-18-15,0 0-1,0 0-15,-18 0 0,18 0 16,-17 17-16,17-17 0,-18 0 15,18 0-15,-17 0 0,17 0 0,0 18 0,-18-18 0,18 0 16</inkml:trace>
+  <inkml:trace contextRef="#ctx0" brushRef="#br0" timeOffset="222264.7128">23495 8096 0,'0'0'15,"18"0"1,-1 0-16,-17 0 15,18 0-15,-18 0 0,18 0 16,-1 0-16,-17 0 16,18 0-16,-18 0 0,17 0 0,-17 0 15,18 0-15,0 0 0,-18 0 0,17 0 16,-17 0-16,18 0 15</inkml:trace>
+  <inkml:trace contextRef="#ctx0" brushRef="#br0" timeOffset="222608.7325">23636 8167 0,'0'0'78,"18"0"-78,-18 0 16,17 0-16,-17 0 0,18 0 0,0 0 0,-18 0 16,17 0-16,1 0 0,0 0 0,-18 0 0,17 0 0,-17 0 15,36 0-15,-36 0 0,17 0 0,-17 0 0,18 0 16,-18 0-16,17 0 0,-17 0 15,18 0-15</inkml:trace>
+  <inkml:trace contextRef="#ctx0" brushRef="#br0" timeOffset="223064.7586">24218 7938 0,'0'0'16,"0"17"-16,0-17 16,0 18-16,0-18 0,0 17 0,0-17 0,0 18 15,0-18-15,0 18 0,0-18 0,-17 17 0,17-17 0,0 18 16,0 0-16,0-1 0,0-17 0,0 18 0,0 0 0,0-18 15,-18 35-15,18-18 0,0-17 0,0 36 0,0-36 0,0 17 16,0 19-16,0-36 0,0 17 0,0 1 0,0 0 16,0-18-16,0 35 0,0-18 0,0-17 0,0 36 0,0-36 15,0 53-15,0-36 0,0-17 0,0 18 0,0 0 16,0-1-16,0-17 0,0 0 0,18 0 62,-18 0-62,0-17 16,0 17-16,0-18 15</inkml:trace>
+  <inkml:trace contextRef="#ctx0" brushRef="#br0" timeOffset="223519.7846">24553 8008 0,'0'0'0,"0"0"15,0 0-15,0 0 0,0 0 0,0 18 16,0-1-16,-17-17 0,17 0 0,0 18 0,0-18 16,0 18-16,0-18 0,0 17 0,-18-17 0,18 18 0,0 0 15,-18-18-15,18 17 0,0 1 0,0-18 0,0 17 0,0 1 16,0 0-16,0-1 0,0-17 0,0 18 0,-17 0 0,17 17 15,0-35-15,0 18 0,0 17 0,0-35 0,0 35 0,0-35 16,0 18-16,0-18 0,0 17 0,0-17 0,0 18 16,0 0-16,0-1 0,0-17 0,0 18 0,0 0 15,0-18-15,0 0 94</inkml:trace>
+  <inkml:trace contextRef="#ctx0" brushRef="#br0" timeOffset="224319.8304">24500 7973 0,'0'0'16,"0"0"-16,0 0 0,0 0 0,0 17 15,0-17-15,-17 0 0,17 18 16,0-18-16,0 18 0,-18-18 0,18 0 16,0 17-16,-17-17 0,17 0 0,0 0 15,0 18-15,-18-18 0,18 18 16,0-18-16,0 0 0,-18 17 0,18-17 15,-17 18-15,17-18 16,-18 0-16,18 18 0,0-18 0,0 17 16,-18-17-16,18 0 0,0 0 0,-17 18 0,-1-18 15,18 0-15,0 17 0,-18-17 0,18 0 0,-17 18 16,17-18-16,0 0 0,-18 0 0,18 18 0,-18-18 15,18 0-15,0 0 0,0 17 0,0-17 78,0 0-62,18 0 0,-18 0-16,18 0 0,-18 0 15,17 0-15,-17 0 0,18 0 0,0 0 16,-18 0-16,17 0 0,-17 0 0,18 0 0,0 0 0,-18 0 15,17 0-15,-17 0 0,18 18 0,-18-18 0,18 0 0,-1 0 16,-17 0-16,18 0 16</inkml:trace>
+  <inkml:trace contextRef="#ctx0" brushRef="#br0" timeOffset="225376.8908">21872 8978 0,'18'0'0,"-18"0"0,0 18 15,0-18-15,0 17 0,0-17 0,0 0 16,0 18-16,0 0 0,-18-18 0,18 17 16,0-17-16,-17 36 0,17-19 0,0 1 0,0 0 15,0-18-15,-18 35 0,18-35 0,0 18 0,-18-1 0,18 1 16,0-18-16,0 17 0,-17 1 0,17 0 0,0-1 0,0-17 15,0 18-15,-18 0 0,18-1 0,0-17 0,-18 18 0,18 0 16,0-18-16,0 17 0,0-17 0,0 18 16,0-18 15,0 0-31,0-18 15,0 18-15,0-17 0,0-1 0,0 18 16,0-18-16,0 18 0,0-35 0,0 35 0,0-18 16,0-17-16,0 35 0,0-35 0,0 0 0,0 35 0,0-36 15,0 1-15,0 17 0,0 1 0,0-36 0,0 35 0,0 0 16,0-17-16,0 18 0,0-1 0,0 0 0,0 18 0,0-35 15,0 35-15,0-18 0,0 18 0,0 0 0,0-17 16,0-1-16,0 18 0,0 0 0,18 0 16,-18-18-16,18 18 0,-18 0 15,17 0-15,-17 0 16,18 0-16,-18 0 0,18 0 0,-1 0 15,-17 0-15,18 0 0,-18 0 16,18 0-16,-1 0 0,-17 0 16,0 0-16,18 0 0,-18 18 0,0-18 0,0 18 0,17-18 15,-17 0-15,0 0 0,0 17 0,18-17 0,-18 0 0,18 0 16,-18 18-16,0-18 0,0 0 0,0 18 15,0-1-15,0-17 16,0 18-16,0-18 0,0 18 16,0-1-16,0-17 0,0 18 0,0-18 15,0 0-15,0 17 0,0-17 0,0 0 16,0 18-16,0 0 0,-18-18 47,18 0-32,0 0 1,-18 0-16,18 0 0,0-18 15,0 18 1,0-18-16,0 18 16</inkml:trace>
+  <inkml:trace contextRef="#ctx0" brushRef="#br0" timeOffset="225822.9164">22419 8678 0,'0'0'16,"0"0"-1,0 0-15,0 0 0,-18 0 0,18 18 0,0-18 16,0 18-16,0-18 0,-17 0 0,17 17 0,0-17 0,0 18 15,-18 0-15,18-18 0,0 17 0,-18-17 0,18 18 0,0-18 16,0 17-16,0 1 0,0-18 0,0 18 0,0-18 0,0 17 16,-17 1-16,17 0 0,0-18 0,0 17 0,0 1 0,0-18 15,0 18-15,0-18 0,0 17 0,0 1 0,0-1 0,0-17 16,-18 18-16,18-18 0,0 18 0,0-1 0,0-17 0,0 18 15,0-18-15,0 18 0,-17-18 0,17 17 16,0-17 46,0 0-62,17 0 16</inkml:trace>
+  <inkml:trace contextRef="#ctx0" brushRef="#br0" timeOffset="226831.9741">22631 8890 0,'0'0'16,"-18"0"-16,18 0 16,0 0-16,-18 0 0,18 0 0,0 0 15,0 18-15,-17-18 0,17 0 16,-18 0-16,18 17 0,0 1 15,0-18-15,0 0 0,0 18 32,-17-18-32,17 0 0,0 17 15,0-17-15,0 18 16,0-1-16,0-17 15,0 18-15,0-18 0,0 18 16,0-18-16,0 17 16,17-17-16,1 0 15,-18 0-15,17 0 16,-17 0-1,18 0-15,-18 0 0,0 0 16,0-17-16,18 17 0,-18 0 0,17 0 0,-17-18 16,0 18-16,0 0 0,0-18 0,18 18 0,-18-17 0,0 17 15,0-18-15,0 18 0,0-17 16,18 17-16,-18 0 0,0-18 0,17 18 0,-17-18 0,0 18 0,0 0 0,0-17 15,0 17-15,0 0 78,0 0-78,0 0 16,0 17-16,0 1 0,0-18 16,0 18-16,0-18 0,0 17 0,0-17 0,0 18 15,0-1-15,0-17 0,0 18 0,0-18 0,0 18 0,0-1 16,0-17-16,0 18 0,0-18 0,0 18 0,0-18 0,0 17 15,0 1-15,0-18 0,0 18 0,0-18 16,0 17-16,0 1 0,0-18 0,0 18 16,0-18-16,0 17 15,0-17-15,0 0 16,0 18-16,0-1 15,0-17-15,0 0 156,0 0-140</inkml:trace>
+  <inkml:trace contextRef="#ctx0" brushRef="#br0" timeOffset="227601.0181">22842 8996 0,'18'0'15,"-18"0"1,0 0-16,0 0 15,0 17-15,0 1 16,0-18-16,0 18 0,0-18 16,0 17-16,0 1 0,0-18 15,0 18-15,18-18 0,-18 0 0,0 17 16,0-17-16,0 0 0,0 18 15,0 0-15,17-18 0,-17 0 0,0 0 32,0 0-1,18 0-31,-18 0 0,0-18 0,18 18 15,-18 0-15,0-18 0,0 18 0,17-17 0,-17 17 0,0-18 16,18 0-16,-18 1 0,0 17 0,17-18 0,-17 0 0,0 18 16,0-17-16,18-1 0,-18 1 0,0 17 0,0-18 0,0 18 15,0-18-15,0 1 0,0 17 0,18 0 0,-18-18 16,0 18-16,0 0 47,0 0-47,0 0 0,0 0 15,0 18-15,0-1 0,0 1 0,0-18 0,-18 35 0,18-35 16,0 18-16,-18-1 0,18 1 0,0 0 0,0 17 0,-17-17 15,17-1-15,-18 19 0,18-1 0,0 0 0,0-17 16,0-1-16,0 19 0,-17-19 0,17-17 0,-18 36 16,18-19-16,0 1 0,0 17 0,0-17 0,0-1 0,0 19 15,0-36-15,0 17 0,-18 1 0,18 0 0,-17-18 0,17 35 16,0-17-16,-18-1 0,18 1 0,-18-18 0,18 35 15,0-35-15,-17 18 0,17-1 0,0 1 0,-18-18 0,18 18 16,0-18-16,-18 17 0,1 1 0,17-18 0,-18 0 16,18 0-16,0 18 0,-17-18 0,-1 0 0,0 0 0,18 0 15,-17 0-15,-1 17 0,18-17 0,-18 0 0,18 0 0,-17 0 16,-1 0-16,18 0 0,-18 0 0,18 0 0,-17 0 0,17 0 15,-18 0-15,1 0 0,17-17 0,0 17 0,-18 0 0,18 0 16,-18 0-16,18-18 0,0 18 0,0 0 0,-17 0 0,17-18 16,-18 18-16,18-17 15,0 17-15,0-18 0,0 18 16,0-18-16,0 18 0,0-17 0,18 17 15,-1-18-15</inkml:trace>
+  <inkml:trace contextRef="#ctx0" brushRef="#br0" timeOffset="228181.0512">23301 8925 0,'0'0'31,"0"0"0,18 0-15,-18 0-16,17 0 15,1 0-15,-18 0 0,18 0 16,-18 0-16,17 0 0,-17 0 15</inkml:trace>
+  <inkml:trace contextRef="#ctx0" brushRef="#br0" timeOffset="228576.0738">23301 9013 0,'0'0'31,"0"0"-15,18 0-1,-18 0 1,17 0-16,1 0 16,-18 0-16,18 0 0,-18 0 0,17 0 15,1 0-15,-18 0 16,0 0-16,17 0 0,-17 0 0</inkml:trace>
+  <inkml:trace contextRef="#ctx0" brushRef="#br0" timeOffset="230496.1837">24183 8802 0,'0'0'156,"0"0"-156,0-18 16,0 18-1,0-17-15,-18 17 0,18 0 16,0 0-16,0-18 0,-17 18 15,17 0-15,0 0 16,0-18-16,-18 18 0,0 0 16,18 0-1,0 0-15,-17 0 0,17 0 16,-18 0-1,0 0 1,18 0-16,0 0 0,-17 0 16,17 0-16,0 0 0,0 0 0,0 18 15,-18-18-15,18 0 0,0 0 0,0 18 0,-17-18 16,17 17-16,-18-17 0,18 18 0,0-18 15,0 0-15,0 17 0,0 1 16,0-18-16,0 18 0,0-18 16,0 17-16,0-17 0,0 0 15,0 18-15,0-18 0,0 18 0,18-18 16,-18 0-16,0 0 15,17 0 17,-17 0-1,0 0-16,18 0 1,-18 0-16,0-18 0,0 18 16,0 0-16,17 0 0,-17-18 0,0 18 15,18-17-15,-18 17 0,0-18 0,0 18 16,0-18-16,0 18 0,18 0 0,-18-17 15,0 17-15,0 0 94,0 0-63,0 0-31,17 0 16,-17 0-16,18 17 0,-18 1 15,0-18-15,0 0 16,0 18-16,18-18 0,-18 0 16,0 17-16,0-17 15,0 18-15,0-18 0,0 18 0,0-18 0,17 0 16,-17 17-16,0-17 0,0 18 0,0 0 15,0-18-15,0 17 0,0-17 0,18 0 16,-18 18-16,0-18 0,0 17 0,0 1 0,0-18 0,0 18 16,0-18-16,0 17 0,0 1 0,0-18 0,0 18 0,0-18 15,0 17-15,0-17 0,0 18 0,0 0 0,0-18 16,18 0-16,-18 17 0,0-17 15,0 18-15</inkml:trace>
+  <inkml:trace contextRef="#ctx0" brushRef="#br0" timeOffset="231622.2481">21608 9878 0,'0'0'16,"0"17"-1,0-17-15,-18 0 0,18 18 16,0-18-16,0 18 0,0-1 0,0-17 15,0 18-15,0-18 0,0 18 0,0-18 16,0 17-16,0-17 0,0 18 0,0-18 16,-18 0-16,18 18 15,0-18 32,0 0-31,0 0-16,0-18 0,0 18 0,0-18 15,0 1-15,-4074 17 0,8166 0 0,-4092-18 0,18 0 0,-18-17 16,17 17-16,-17 1 0,0-1 0,18-17 0,-18 35 15,35-35-15,-35 17 0,0 18 0,18-35 0,-1 35 0,1-18 16,-18 18-16,18 0 0,-18-18 16,0 18-16,17 0 31,-17 0-31,0 0 15,0 18-15,18-18 0,-18 18 0,18-18 16,-18 17-16,0 1 0,17-18 0,-17 18 0,0-1 0,18 1 16,-18 0-16,18-18 0,-18 17 0,0 18 0,0-35 15,17 18-15,-17-18 0,0 18 0,0-1 0,0-17 0,0 18 16,0-18-16,0 18 15,0-1 1,0-17-16,0 0 0,0 18 16,0-18-1,0 0 1</inkml:trace>
+  <inkml:trace contextRef="#ctx0" brushRef="#br0" timeOffset="234534.4146">22137 9895 0,'-18'0'16,"18"0"15,0 0-31,-17 0 0,17 0 16,0 0-16,-18 0 0,0 0 0,18 0 15,0 0-15,0 18 0,-17-18 0,17 0 16,0 0-16,0 18 0,-18-18 0,18 17 0,0-17 16,0 18-16,0-18 0,-18 0 0,18 18 15,0-1-15,-17-17 0,17 0 16,0 18-16,0-18 0,0 18 15,0-18 1,0 0-16,0 17 0,17-17 0,-17 0 16,18 0-1,-18 0-15,18 0 16,-18 0-16,0 0 0,17 0 15,-17 0-15,18 0 0,-18-17 16,18 17-16,-18 0 0,0 0 0,0-18 0,17 18 0,-17 0 16,18 0-16,-18-18 0,0 1 0,17 17 0,-17 0 15,0-18-15,0 18 0,0 0 0,0-18 0,18 18 0,-18-17 16,0 17-16,0-18 0,0 18 0,0-18 15,0 18-15,0-17 0,0-1 0,0 18 0,0-17 16,0 17-16,0-18 0,0 0 0,0 18 16,0 0-16,0-17 0,0 17 0,0 0 15,-18 0 16,18 0-15,0 0-16,0 0 0,-17 0 16,17 0-16,0 17 0,-18 1 15,18-18-15,0 18 16,0-18-1</inkml:trace>
+  <inkml:trace contextRef="#ctx0" brushRef="#br0" timeOffset="235480.4687">22490 10001 0,'0'0'0,"0"0"16,0 0-16,0 18 0,0-18 0,-18 0 15,18 18-15,0-1 0,0-17 0,0 0 0,0 18 16,-18-18-16,18 0 0,0 17 0,-17-17 0,17 18 15,0 0-15,0-18 0,0 17 0,-18 1 0,18-18 16,0 18-16,0-1 0,-18-17 0,18 18 0,-17 17 16,17-35-16,0 35 0,0-17 0,0-18 0,-18 18 15,18-18-15,0 17 0,0 1 0,0-18 0,0 18 0,-18-18 16,18 17-16,0 1 0,0-18 0,-17 0 15,17 0 32,0 0-47,0-18 0,0 18 0,0 0 16,0-17-16,0-1 0,0 0 0,0 1 0,17 17 0,-17-18 15,0-17-15,0 17 0,0 1 0,0-19 0,0 19 0,0-1 16,0-17-16,0 35 0,18-36 0,-18 1 0,0 35 0,0-17 16,18-19-16,-18 19 0,0 17 0,17-18 0,-17 0 15,18 1-15,0-1 0,-18 18 0,0 0 0,17-18 0,-17 1 16,0 17-16,0 0 0,18 0 0,-18-18 15,18 18-15,-1 0 0,-17 0 0,0 0 16,18 0-16,-18 0 0,18 0 16,-1 0-16,-17 0 15,18 0-15,-18 0 0,0 0 16,0 0-16,17 0 0,-17 0 0,0 0 15,0 18-15,0-1 16,18-17-16,-18 18 0,0-18 0,0 18 0,0-18 0,0 17 16,0 1-16,0-18 0,0 18 0,0-18 15,0 17-15,0 1 0,0-18 0,0 18 16,0-18-16,0 0 0,0 17 0,0-17 0,0 0 0,-18 0 15,18 18-15,0-18 0,0 17 0,-17-17 16,17 0-16,0 0 0,0 18 0,-18-18 16,18 0-16,-17 0 15,17 0 63,0 0-62,0 0-1,0-18-15</inkml:trace>
+  <inkml:trace contextRef="#ctx0" brushRef="#br0" timeOffset="235947.4954">22754 9790 0,'0'0'16,"0"0"-1,0 0-15,0 17 0,0-17 0,0 0 16,0 18-16,0 0 0,-17-18 0,17 0 0,0 17 0,0-17 16,0 0-16,0 18 0,-18-18 0,18 17 0,0 1 0,0-18 15,0 0-15,0 35 0,-18-35 0,18 18 0,0-18 0,0 18 16,0-1-16,0-17 0,0 18 0,0-18 15,0 18-15,0-18 0,0 17 0,0 1 16,0-18-16,0 17 16,0-17-1,0 0-15,0 0 109</inkml:trace>
+  <inkml:trace contextRef="#ctx0" brushRef="#br0" timeOffset="236882.5489">22913 9966 0,'0'0'31,"0"0"-31,0 0 0,-18 0 15,18 0-15,0 0 0,-17 0 0,17 18 16,-18-18-16,18 17 0,0-17 0,0 0 0,-18 18 16,18-18-1,0 0-15,0 18 0,0-18 0,-17 0 0,17 17 0,0 1 16,0-18-16,0 0 0,0 17 15,0-17-15,0 18 0,0 0 16,0-18-16,0 0 16,0 0 15,0 0-16,17 0 1,-17 0-16,0 0 0,0 0 0,18 0 0,0 0 16,-18-18-16,0 18 0,17 0 0,-17-18 15,0 18-15,18-17 0,0-1 0,-18 18 0,0 0 0,0-17 16,17 17-16,-17-18 0,0 18 0,18-18 0,-18 1 0,0 17 15,0-18-15,0 18 0,17-18 0,-17 1 0,0 17 0,0 0 78,0 0-78,0 17 16,0-17-16,0 0 0,0 18 16,0-18-16,0 18 0,0-1 15,0-17-15,0 18 0,0-18 16,0 18-16,0-18 0,0 17 15,0-17-15,0 18 0,0-18 16,18 17-16,-18-17 16,0 18-16,0 0 15,0-18-15,0 0 0,0 17 0,0-17 16,18 0-16,-18 18 0,0-18 0,0 18 15,0-18-15,0 0 156</inkml:trace>
+  <inkml:trace contextRef="#ctx0" brushRef="#br0" timeOffset="237618.591">23142 9984 0,'0'0'0,"0"0"0,0 17 15,0-17-15,0 18 16,0-18-16,0 0 0,0 18 0,0-18 15,0 17-15,0 1 16,0-18-16,0 17 16,0-17-16,0 0 15,0 0-15,0 18 16,0-18-1,18 0 17,-18 0-32,0 0 0,0-18 15,18 18-15,-18 0 0,17-17 0,-17-1 0,0 18 16,0-17-16,18 17 0,-18 0 0,0-36 0,17 36 0,-17 0 15,18-35-15,-18 35 0,0 0 0,0-18 0,0 1 0,0-1 16,0 18-16,18 0 0,-18-18 0,0 18 0,0-17 16,0 17 30,0 0-46,0 17 16,0-17-16,0 18 0,0 0 0,0-18 16,0 17-16,0-17 0,0 0 0,0 18 0,0 0 15,-18-18-15,18 17 0,0-17 0,0 18 0,0-18 0,-18 35 16,18-35-16,0 18 0,-17-1 0,17 1 0,0-18 0,0 35 15,0-35-15,0 18 0,-18 17 0,18-35 0,-17 18 0,17 17 16,0-17-16,-18-1 0,18-17 0,0 18 0,-18 0 0,18-1 16,0 1-16,-17 0 0,17 17 0,-18-17 15,0-1-15,18-17 0,0 18 0,-17 0 0,-1-18 0,18 17 16,-18-17-16,18 0 0,0 18 0,-35-1 0,35-17 0,0 0 15,-18 0-15,1 18 0,-1-18 0,18 0 0,-17 0 0,17 0 16,-18 18-16,18-18 0,-18 0 0,1 0 0,17 0 16,-18 0-16,18 0 0,-18 0 0,1 0 15,17 0 1,0 0-16,0 0 15,0-18-15,0 18 0,0-18 0,0 1 16,0 17-16,0 0 0,0-18 0,17 18 0,-17-17 0,0-1 16,18 18-16,-18-18 0,35 1 0</inkml:trace>
+  <inkml:trace contextRef="#ctx0" brushRef="#br0" timeOffset="238128.6202">23530 9772 0,'0'0'47,"0"0"-16,18 0-31,0 0 0,-18 0 15,17 0-15,-17 0 0,18 0 0,-1 0 16,-17 0-16,18 0 0,-18 0 0,18 0 16,-18 0-16</inkml:trace>
+  <inkml:trace contextRef="#ctx0" brushRef="#br0" timeOffset="238536.6435">23548 9878 0,'0'0'78,"0"17"-78,0-17 15,18 0-15,-18 0 16,17 0-16,-17 0 0,18 0 0,-18 0 15,17 0-15,1 0 0,-18 0 0,18 0 0,-18 0 16,17 0-16,1 0 0,-18 0 0,18 0 0,-18 0 16,17 0-16,-17 0 0,18 0 0,0 0 15,-18 0-15,0 0 16,17 0-16</inkml:trace>
+  <inkml:trace contextRef="#ctx0" brushRef="#br0" timeOffset="239575.703">24148 9631 0,'0'0'62,"0"0"-46,0 0-1,17 0-15,1 0 16,-18 0-16,18 0 16,-18 0-16,0 0 15</inkml:trace>
+  <inkml:trace contextRef="#ctx0" brushRef="#br0" timeOffset="241271.8">24148 9648 0,'0'0'63,"0"0"-63,-18 0 0,18 0 0,-18 0 15,1 0-15,17 0 0,-18 0 0,18 0 0,-18 0 0,1 0 16,17 0-16,-18 0 0,18 0 0,-17 0 0,-1 0 16,0 0-16,1 0 0,17 0 0,-36 0 0,36 0 15,-17 0-15,17 0 0,-18 0 0,0 0 0,18 0 16,0 18-16,-17-18 0,17 0 0,-18 0 0,18 0 203,0 18-203,0-18 15,0 17 1,0 1-16,0-18 15,0 18-15,0-18 0,0 17 0,0-17 0,0 18 0,0 0 16,0-18-16,0 17 0,0-17 0,0 36 0,0-36 16,-17 17-16,17 1 0,0-1 0,0 1 0,0-18 0,0 18 15,0-1-15,0 1 0,0-18 0,0 18 0,0-1 16,-18-17-16,18 0 0,0 0 62,0 0-46,0 0-16,0-17 15,0 17-15,0 0 16,18 0-16,-1-18 0,-17 18 16,0 0-16,18 0 0,-18 0 15,0-18-15,17 18 0,1 0 16,-18 0-16,0 0 0,18 0 0,-18-17 0,0 17 15,17 0-15,-17 0 0,18 0 0,0 0 16,-18 0 0,17 0-1,-17 0-15,18 0 16,-18 0-16,18 0 0,-18 0 0,0 0 15,0 17-15,17-17 0,-17 0 0,0 0 0,18 0 16,-18 18-16,0-18 0,0 0 0,17 0 0,-17 18 16,18-18-16,-18 17 0,0-17 15,0 0-15,0 18 0,0-18 16,0 18-1,0-1-15,0-17 0,0 0 16,0 18-16,0-18 0,0 0 0,-18 0 16,18 17-16,0-17 0,0 0 0,-17 0 0,17 0 0,0 18 15,-18-18-15,18 0 0,-17 18 0,-1-18 0,18 0 0,0 0 16,-18 0-16,18 0 0,-17 17 0,-1-17 0,18 0 0,-18 0 15,18 0-15,0 0 0,-17 0 0,17 0 0,-18 0 0,0 0 16,18 18-16,0-18 0,-17 0 0,17 0 16</inkml:trace>
+  <inkml:trace contextRef="#ctx0" brushRef="#br0" timeOffset="244266.9713">13229 11430 0,'0'0'31,"0"0"-31,0-18 16,-17 1-16,17 17 16,0-18-16,0 18 0,0-18 0,0 18 15,0-17-15,0-1 0,0 18 0,0-17 0,0 17 0,0-36 16,0 36-16,0-17 0,0-19 0,0 36 0,0-35 0,0 0 15,0 35-15,0-35 0,0-1 0,0 36 0,0-35 0,0 17 16,0 1-16,0-1 0,0-17 0,-18 35 0,18-18 16,0 0-16,0 1 0,0 17 0,0-18 0,0 1 0,0 17 15,0-18-15,0 18 0,0-18 0,0 18 0,0-17 16,0-1-16,0 18 0,0-18 0,0 18 0,0 0 15,0-17-15,0-1 0,0 18 16,0-18-16,0 18 16,0-17-1,0 17 1,0 0-16,0 0 78,18 0-63,-18 0-15,17 0 16,-17 0-16,18 0 16,-1 0-16,-17 0 0,0-18 15,18 18-15,-18 0 0,18 0 0,-18 0 0,17 0 16,1 0-16,-18-17 0,18 17 0,-18 0 0,17 0 0,1 0 15,-18 0-15,0-18 0,18 18 0,-1 0 0,-17 0 0,0 0 16,18 0-16,-18-18 0,17 18 0,-17 0 0,18 0 16,-18-17-16,0 17 0,18 0 15,-18 0 48,17 0-63,-17 17 15,0-17-15,0 18 0,0-18 16,0 0-16,0 18 0,0-1 0,0-17 0,0 18 15,0-18-15,0 17 0,0-17 0,0 18 0,0 0 16,0-18-16,0 17 0,0-17 0,0 18 16,0 0-16,0-18 0,0 17 0,0-17 15,0 18-15,0-18 0,0 18 0,0-1 0,0-17 16,18 18-16,-18-18 0,0 17 0,0 1 0,0-18 15,0 18-15,0-18 0,0 17 16,0-17-16,0 18 0,0 0 0,0-18 0,0 17 16,0-17-16,0 18 0,0 0 0,0-18 0,0 17 15,0-17-15,0 0 0,0 18 0,0-18 0,0 18 16,0-1-16,0-17 0,0 18 15,0-18-15,0 17 0,0 1 0,0-18 0,0 18 110,0-18-64,0 17-14,0-17 92,-18 0-77,1 0-47,17 0 0,0 0 0,0 18 16,-18-18-16,18 0 0,0 18 0,-18-18 0,1 0 0,17 0 15,-18 0-15,18 17 0,0-17 0,0 0 0,-17 0 0,17 0 16,0 18-16,-18-18 0,0 0 0,18 18 16,0-18-1,0 0 126,0 0-141,18 0 15,-18 0-15,0 0 0,18 0 0,-18 0 16</inkml:trace>
+  <inkml:trace contextRef="#ctx0" brushRef="#br0" timeOffset="246024.0718">15998 11218 0,'0'0'31,"0"0"-31,0 0 0,0-17 0,0 17 16,-17-18-16,17 18 0,0-18 0,0 1 16,-18-18-16,18 35 0,0-18 0,-17 0 0,17 1 0,0-1 15,0 0-15,-18-17 0,18 17 0,-18 1 16,18-1-16,0 18 0,0-35 0,0 35 0,0-18 0,0 1 15,-17-1-15,17 0 0,0 1 0,0 17 0,0-18 16,0 18-16,0-18 0,0 18 0,-18 0 16,18-17-16,0-1 0,0 18 0,0-18 0,0 18 15,0-17-15,0-1 0,0 18 0,0-17 0,0 17 16,0-18-16,0 18 0,0-18 0,0 1 15,0 17-15,0-18 0,0 18 0,0-18 16,0 1-16,0 17 0,0-18 16,0 18-1,0 0 32,0 0-47,0-18 16,18 18-16,-18 0 0,17 0 0,-17 0 15,18 0-15,0 0 0,-18 0 0,17 0 0,-17 0 16,18 0-16,-1 0 0,1 0 0,-18 0 0,18 0 0,-1 0 15,-17 0-15,18 0 0,-18 0 16,18 0-16,-18 0 16,17 0-16,1 0 15,-18 0-15,18 0 16,-18 0 15,0 0 0,0 0-31,0 18 0,0-18 0,0 18 16,0-1-16,0-17 0,0 18 0,0-18 0,0 18 15,0-1-15,0 1 0,0-18 0,0 35 0,0-35 0,0 18 16,0 17-16,0-35 0,0 18 0,0 17 0,0-35 0,0 18 16,0 17-16,0-17 0,0-18 0,0 35 0,0-18 0,0-17 15,0 36-15,0-36 0,0 17 0,0 1 0,0 0 0,0-18 16,0 17-16,0-17 0,0 18 0,0 0 0,0-1 0,0-17 15,17 0-15,-17 18 0,0-18 0,0 18 0,0-1 0,0-17 16,18 0-16,-18 18 0,0-18 0,0 17 16,0-17-16,0 18 0,0-18 15,0 18-15,0-18 0,0 17 16,0-17 109,0 0-110,-18 0 1,18 0-16,0 0 0,-17 0 0,17 18 15,0-18-15,-18 0 0,0 0 0,18 18 0,0-18 0,-17 0 16,17 0-16,-18 0 16,18 0-16,0 17 15</inkml:trace>
+  <inkml:trace contextRef="#ctx0" brushRef="#br0" timeOffset="246537.1011">16633 11307 0,'18'0'94,"-18"0"-79,18 0-15,-18 0 0,17 0 16,1 0-16,-18 0 0,18 0 0,-18 0 0,17 0 16,-17 0-16,18 0 0,0 0 0,-1 0 0,-17 0 0,36 0 15,-19 0-15,1 0 0,-1 0 0,-17 0 16,18 0-16,0 0 0,-1 0 15,1 0-15,-18 0 0,18 0 0,-18 0 63</inkml:trace>
+  <inkml:trace contextRef="#ctx0" brushRef="#br0" timeOffset="247400.1505">14393 11359 0,'-17'0'0,"-1"0"16,18 0-1,-18 0 1,18 0-16,-17 0 0,17 0 16,-18 0-16,1 0 0,17 0 0,-18 0 0,18 0 15,-18 0-15,1 0 0,17 0 0,-18 0 0,0 0 0,1 0 16,-1 0-16,18 0 0,-35 0 0,17 18 0,0-18 0,18 0 15,-17 0-15,17 0 0,-18 0 0,1 0 0,-1 0 16,18 0-16,-18 0 0,1 0 0,-1 0 0,18 0 16,-18 0-16,18 0 0,-17 0 0,-1 0 15,18 0 63</inkml:trace>
+  <inkml:trace contextRef="#ctx0" brushRef="#br0" timeOffset="248186.1955">12665 11430 0,'0'0'15,"0"0"-15,0 0 0,0 0 0,-18 0 16,18 0-16,-18 0 0,1 0 0,17 0 0,-18 0 0,18 0 15,-17 0-15,-1 0 0,18 0 0,-18 0 0,18 0 16,-17 0-16,17 0 0,-18 0 0,0 0 0,18 0 16,-17 0-16,17 0 0,-18 0 15,0 0-15,18 0 0,-17 0 16,17 0-16,-18 0 0,18 0 0,-17 0 16,-1 0-16,18 0 0,-18 0 15,18 0-15,-17 0 16,-1 0-16,18 0 0,-18 0 15,18 0-15,-17 0 16,17 0-16,-18 0 16,18 0-1,0 0 16</inkml:trace>
+  <inkml:trace contextRef="#ctx0" brushRef="#br0" timeOffset="249184.2525">9878 11254 0,'-18'0'63,"18"0"-63,-17 0 0,17 0 15,-18 0-15,18 0 0,-18 0 0,18 0 0,-17 17 0,-1-17 16,18 0-16,-18 0 0,1 0 0,-19 0 0,19 0 16,-1 0-16,0 0 0,18 0 0,-35 0 0,18 0 0,-1 18 15,0-18-15,-17 0 0,35 0 0,-18 0 0,1 0 16,-1 0-16,18 0 0,-18 0 0,18 0 0,-17 0 0</inkml:trace>
+  <inkml:trace contextRef="#ctx0" brushRef="#br0" timeOffset="250347.3191">8749 11377 0,'-18'0'0,"18"-18"16,0 18-16,0 0 0,-17 0 0,17-17 0,0 17 0,0-18 16,-18 18-16,18-17 0,0 17 0,-18-18 0,18 18 15,0-18-15,-17 1 0,17 17 0,0-18 0,0 18 0,0 0 16,0-18-16,0 1 0,0 17 15,0-18-15,0-17 0,0 17 0,-18 18 0,18-17 0,0-1 0,0 0 16,0 1-16,0 17 0,0-18 0,0 0 0,0 1 0,0 17 16,0-36-16,0 1 15,0 0-15,0 35 0,0-18 0,0 1 16,0 17-16,0-18 0,0 18 0,0-18 15,0 18-15,0-17 0,0-1 0,0 18 0,0-18 16,0 18-16,0 0 62,18 0-62,-18 0 16,17 0-16,1 0 0,-18 0 0,18 0 16,-18-17-16,0 17 0,17 0 0,1 0 0,-18 0 15,0-18-15,18 18 0,-18 0 0,17 0 0,-17 0 0,18 0 16,-1 0-16,-17 0 0,18 0 0,-18 0 0,18 0 15,-1-18-15,-17 18 0,18 0 0,-18 0 0,18 0 0,-18 0 16,35-17-16,-35 17 0,18 0 0,-1-18 0,1 18 0,-18 0 16,17 0-16,1 0 0,-18 0 0,0-17 0,18 17 15,-18 0 32,0 0-47,0 17 16,0 1-16,0-18 0,0 17 0,0-17 15,0 18-15,0 0 0,0-18 0,0 17 0,0-17 0,0 18 16,0-18-16,0 35 0,0-35 0,0 18 0,0 0 0,0-1 15,0-17-15,0 35 0,0-17 0,0-18 0,0 35 0,0-35 16,0 18-16,0 0 0,0-1 0,0-17 0,0 18 0,0 0 16,0-1-16,0 1 0,0-18 0,0 18 0,0-1 15,0-17-15,0 18 0,0-18 0,0 17 0,0-17 0,0 0 16,0 18-16,0 0 0,0-18 15,-18 0-15,18 17 0,0-17 16,0 18-16,0 0 0,0-18 16,0 17-1,0-17-15,0 18 16,-18-18 46,18 0-46,-17 0-16,17 0 0,0 0 15,-18 0-15</inkml:trace>
+  <inkml:trace contextRef="#ctx0" brushRef="#br0" timeOffset="251805.4025">11395 11165 0,'0'0'63,"-18"0"-63,18 0 0,0-17 0,-18-1 15,18 18-15,0-17 0,0 17 0,0-18 0,-17 0 16,17 18-16,0-17 0,0-19 0,0 36 0,-18-35 0,18 17 16,-17 18-16,17-35 0,0 0 0,0 17 0,0 1 15,0-19-15,0 1 0,0 35 0,0-35 0,0-1 0,0 36 16,0-17-16,0-18 0,0 35 0,0-18 0,0 0 15,0 18-15,0-17 16,0 17 46,0 0-46,17 0 0,-17 0-1,18 0-15,-18 0 0,17 0 0,-17 0 0,18 0 16,0 0-16,-1 0 0,-17 0 0,36 0 0,-36 0 0,17 0 15,-17 0-15,18 0 0,-18-18 0,18 18 0,-1 0 0,-17 0 16,18 0-16,-18 0 0,17 0 0,-17 0 0,18 0 16,-18 0-16,0-18 0,18 18 0,-1 0 15,-17 0-15,0-17 0,18 17 0,-18 0 16,18 0-1,-18 0 1,0 17-16,0-17 16,0 0-16,0 18 0,0-18 15,17 18-15,-17-18 0,0 17 0,0 1 0,0-18 0,0 18 16,0-1-16,0 1 0,0-18 0,0 17 0,0 1 0,0 0 15,0 17-15,0-17 0,0-18 0,0 35 0,0-35 0,0 18 16,0-1-16,0 1 0,0-18 0,0 35 0,0-17 0,0-18 16,0 35-16,0-35 0,0 18 0,0-1 0,0 1 0,0-18 15,0 18-15,0-1 0,0 1 0,0-18 0,0 18 16,0-18-16,0 17 0,0 1 0,0-18 0,0 17 0,0-17 15,0 18-15,0-18 63,0 0-63,0 0 0,-17 0 0,-1 0 15,0 0-15,1 0 0,17 0 0,-18 0 0,0 0 16,1 0-16,-1 0 0,1 0 0,-1 0 0,0 0 0,-17 0 16,35 0-16,-35 0 0,17 0 0,18 0 0,-35 0 15,35 0-15,-18 0 0,1 0 0,-1 0 0,18 0 16,-18 0-16,18 0 0,0 0 47,0 0-47,0 0 15,36 0-15,-36 0 0,88 0 0</inkml:trace>
+  <inkml:trace contextRef="#ctx0" brushRef="#br0" timeOffset="253244.4848">23936 8555 0,'0'0'31,"0"0"-31,0 0 0,18 0 0,-1 0 16,-17 0-16,18 0 0,-18 0 0,18 0 15,-18 18-15,17-18 0,1 0 0,-1 17 0,1-17 0,17 0 16,-35 0-16,18 18 0,0-18 0,17 17 0,-17-17 0,-1 0 16,36 18-16,-35-18 0,-1 0 0,54 18 0,-53-18 0,-1 0 15,36 17-15,-18-17 0,-17 0 0,35 18 0,-35-18 0,17 0 16,0 18-16,-17-18 0,-1 0 0,19 0 0,-19 0 0,1 0 15,17 0-15,-35 0 0,18 0 0,0 0 0,-18 0 0,17 0 16,-17 0-16,0 17 78</inkml:trace>
+  <inkml:trace contextRef="#ctx0" brushRef="#br0" timeOffset="254512.5573">23848 9349 0,'0'0'46,"-18"0"-46,18 0 16,0-18-16,0 0 0,-17 18 0,17-17 0,-18-19 0,18 36 16,0-35-16,0 35 0,-18-17 0,1-19 0,17 19 0,0-1 15,0-17-15,-18 35 0,18-36 0,0 19 0,0-1 0,0 0 16,0-17-16,0 35 0,0-88 15,0 88-15,0-18 0,0 1 16,0-1-16,0 0 0,0 1 16,0-1-16,0 18 93,0 0-93,0 0 16,18 0-16,-1 0 0,-17 0 15,18 0-15,-18 0 0,18 0 0,-18 0 0,17 0 0,1 0 16,-1 0-16,-17 0 0,36 0 0,-36 0 0,35 0 0,-17 0 16,-1 0-16,1 0 0,0 0 0,-1 0 0,1 0 0,-1 0 15,1 0-15,0 0 0,17 0 0,-17 0 0,-1 0 16,1 0-16,0 0 0,-1 0 0,-17 0 0,18 0 15,-1 0-15,-17 0 0,18 0 0,0 0 0,-1 0 0,-17 0 16,18 0-16,-18 0 0,18 0 0,-18 18 16,17-18-16,-17 0 0,18 0 78,-18 0-78,0 0 15,0 17-15,0-17 0,0 18 0,18-18 16,-18 18-16,0-1 0,0-17 0,0 0 0,0 18 15,0 0-15,17-18 0,-17 17 0,0-17 0,18 18 0,-18-18 16,0 18-16,0-1 0,0 1 0,0-18 0,18 17 0,-18 1 16,0-18-16,0 18 0,0-18 0,0 17 0,0 1 0,0-18 15,17 0-15,-17 18 0,0 17 0,0-35 0,18 0 16,-18 18-16,0-1 0,0 1 0,0-18 0,0 18 15,0-18-15,0 17 0,0-17 0,0 18 0,0-1 0,0-17 16,0 18-16,0-18 0,0 18 16,0-1-16,0-17 46,-18 0-46,18 0 16,-17 0-16,17 0 0,-18 0 0,0 0 0,1 0 16,-1 0-16,0-17 0,-17 17 0,-18-18 0,35 18 0,-17 0 15,-18-18-15,36 1 0,-19 17 0,-34-18 0,17 18 0,35 0 16,-52-17-16,34 17 0,1 0 0,-35-18 0,52 18 0,-17 0 15,-18 0-15,53 0 0,-18 0 0,-35 0 0,53 0 0,-17 0 16,-1 0-16,0 0 0,18 0 0,-17 0 0,17 0 16</inkml:trace>
+  <inkml:trace contextRef="#ctx0" brushRef="#br0" timeOffset="256162.6517">23813 9490 0,'0'0'0,"0"17"0,0-17 15,0 0-15,0 18 0,0 0 16,0-18-16,0 17 0,0-17 0,0 18 16,0 0-16,0-18 0,0 17 0,0-17 0,0 18 15,0-1-15,0 1 0,0-18 0,17 35 0,-17-35 0,0 18 16,0 17-16,0-35 0,18 18 0,-18 17 0,0 1 15,0-1-15,0-18 0,0-17 0,0 36 0,0-19 16,0 1-16,0 0 0,0-1 0,0 1 0,0 17 0,0-17 16,0-1-16,0 19 0,0-19 0,0 1 0,-18 17 0,18-35 15,0 18-15,0 17 0,-17-35 0,17 18 0,0 17 0,0-35 16,0 18-16,-18-1 0,18 1 0,0-18 0,-18 35 15,18-35-15,0 18 0,0 0 0,0-18 0,-17 17 0,17-17 16,0 18-16,0-18 78,0 0-78,0-18 0,0 18 16,0-17-16,0-1 0,0 18 0,-18-35 0,18 35 0,0-18 15,0-17-15,0 17 0,0 0 0,0-17 0,0 35 0,0-17 16,0-19-16,0 19 0,0-1 0,0 0 0,0 18 0,0-17 15,0-19-15,0 19 0,0 17 0,0-18 0,0 18 0,0-17 16,0-1-16,0 0 0,0 18 0,0-17 0,0 17 0,0-18 16,0 0-16,0 1 0,0 17 0,0-18 15,0 0-15,0 1 0,0 17 0,0-18 0,0 1 0,0 17 16,0-18-16,0 0 0,0 1 0,0 17 0,0-18 0,0 0 15,0 1-15,0 17 0,0-18 0,0 18 0,0-35 0,0 35 16,0-18-16,0 0 0,0 1 0,0 17 0,-18-18 0,18 18 16,0-17-16,0 17 0,0-18 0,0 0 0,0 18 15,0-17-15,0 17 16,0-18-1,0 18 17,0 0-17,18 0-15,-18 0 16,18 0-16,-18 0 0,17 0 0,-17 0 0,0 0 15,36 0-15,-36 0 0,17 18 0,-17-18 0,18 0 0,-18 0 16,35 0-16,-35 0 0,18 0 0,-1 0 0,1 0 0,-18 0 16,35 0-16,-35 0 0,18 0 0,-18 0 0,18 0 0,-18 0 15,35 0-15,-35 0 0,17 0 0,-17 0 0,0 0 0,18 0 16,0 0-16,-1 0 0,-17 0 0,18 0 0,0 0 0,-18 0 15,17 0-15,1 0 0,0 0 0,-18 0 0,17 0 0,-17 0 16,18 0-16,-1 0 0,-17 0 0,18 0 0,0 0 0,-18 0 16,17 0-16,1 0 0,-18 0 0,18 0 15,-18 0 63,0 0-78,17 0 0,-17 0 0,0 0 16,18 0-16,-18 17 0,0 1 15,0-18-15,0 18 0,0-18 0,18 17 16,-18-17-16,0 18 0,0-1 0,0-17 0,0 18 16,0 0-16,0-1 0,0-17 0,0 18 0,0 17 0,0-35 0,0 36 15,0-19-15,0 1 0,0 17 0,0-17 0,0-1 0,0 19 16,0-1-16,0-35 0,0 35 0,-18 1 0,18-36 15,0 35-15,0-18 0,0 1 0,-18 0 0,18 17 0,0-35 16,-17 35-16,17-17 0,0-18 0,0 35 0,0-17 0,0-1 16,0-17-16,0 18 0,0-18 0,0 35 0,0-35 15,0 18-15,0-18 0,0 18 0,0-18 78,0 0-78,0 0 0,-18 0 0,18-18 0,0 18 0,-18 0 0,1-18 16,-1 1-16,0-1 0,1 0 15,-1 1-15,1-1 0,-1 18 0,0 0 0,-17-17 0,35 17 16,-18 0-16,-17-18 0,35 0 0,-18 18 0,-17 0 0,18 0 16,-1 0-16,0-17 0,1 17 0,-1 0 0,0-18 0,1 18 15,-1 0-15,0 0 0,18 0 0,-17 0 0,-1 0 0,1 0 16,17 0-16</inkml:trace>
+</inkml:ink>
+</file>
+
+<file path=ppt/ink/ink4.xml><?xml version="1.0" encoding="utf-8"?>
 <inkml:ink xmlns:inkml="http://www.w3.org/2003/InkML">
   <inkml:definitions>
     <inkml:context xml:id="ctx0">
@@ -288,7 +502,120 @@
 </inkml:ink>
 </file>
 
-<file path=ppt/ink/ink4.xml><?xml version="1.0" encoding="utf-8"?>
+<file path=ppt/ink/ink5.xml><?xml version="1.0" encoding="utf-8"?>
+<inkml:ink xmlns:inkml="http://www.w3.org/2003/InkML">
+  <inkml:definitions>
+    <inkml:context xml:id="ctx0">
+      <inkml:inkSource xml:id="inkSrc0">
+        <inkml:traceFormat>
+          <inkml:channel name="X" type="integer" max="3840" units="cm"/>
+          <inkml:channel name="Y" type="integer" max="1080" units="cm"/>
+          <inkml:channel name="T" type="integer" max="2.14748E9" units="dev"/>
+        </inkml:traceFormat>
+        <inkml:channelProperties>
+          <inkml:channelProperty channel="X" name="resolution" value="56.72083" units="1/cm"/>
+          <inkml:channelProperty channel="Y" name="resolution" value="28.34646" units="1/cm"/>
+          <inkml:channelProperty channel="T" name="resolution" value="1" units="1/dev"/>
+        </inkml:channelProperties>
+      </inkml:inkSource>
+      <inkml:timestamp xml:id="ts0" timeString="2018-07-16T05:32:41.040"/>
+    </inkml:context>
+    <inkml:brush xml:id="br0">
+      <inkml:brushProperty name="width" value="0.05292" units="cm"/>
+      <inkml:brushProperty name="height" value="0.05292" units="cm"/>
+      <inkml:brushProperty name="color" value="#FF0000"/>
+    </inkml:brush>
+  </inkml:definitions>
+  <inkml:trace contextRef="#ctx0" brushRef="#br0">10513 13406 0,'0'17'16,"0"-17"15,0 18 0,0-18 1,0 17-17,0-17-15,0 18 16,0-18-16,0 18 15,0-18-15,0 0 16,-18 0-16,18 17 0,0 1 16,-17-18-16,17 0 0,0 0 15,0 18-15,-18-18 0,18 0 0,0 0 16,0 17-16,-18-17 0,18 0 15,-17 0-15,17 0 0,0 18 0,-18-18 16,18 0-16,0 18 0,-18-18 0,18 0 16,-17 0-1,-1 0-15,0 0 0,18 17 0,0-17 0,-17 0 0,17 0 16,-18 0-16,0 0 0,18 0 15,-17 0-15,17 0 0,-18 0 0,1 0 16,17 18-16,0-18 16,-18 0-1,18 0-15,0 18 0,-18-18 0,18 0 16,-17 0-16,-1 0 15,18 0-15,0 0 0,-18 0 16,18 17-16,0-17 0,-17 0 0,-1 0 16,18 0-16,0 0 0,-18 0 0,18 0 15,-17 0-15,17 18 0,0-18 0,-18 0 0,1 0 16,17 0-16,0 0 0,-18 0 0,18 0 15,-18 0-15,1 0 0,17 17 0,0-17 0,-18 0 16,18 0-16,-18 0 0,18 0 0,-17 0 16,-1 18-16,18-18 0,-18 0 0,18 0 15,-17 0-15,-1 0 0,1 0 0,17 0 16,-18 0-16,0 0 0,1 0 0,17 0 0,-18 0 15,0-18-15,-17 18 0,35 0 0,-18 0 0,1 0 16,-1 0-16,0-17 0,-17 17 0,35-18 0,-17 18 16,-1 0-16,0 0 0,18 0 0,-17 0 0,17 0 0,0-17 15,-36 17-15,36 0 0,0 0 0,-17 0 0,17 0 16,-18-18-16,18 18 0,-18 0 0,1 0 15,17-18 1,0 18-16,0-17 16,-18 17-16,18 0 0,0 0 15,0-18-15,0 18 0,-17 0 16,17-18-16,-18 18 0,18-17 0,0 17 0,0 0 15,-18 0-15,18-18 0,0 18 0,0 0 0,-17-18 0,17 18 16,0 0-16,0-17 0,0-1 0,0 18 16,-18 0-16,18-18 0,0 18 0,0-17 0,0-1 15,-18 18-15,18-17 0,0 17 0,0 0 16,0-18-16,0 18 0,0-18 0,-17 18 0,17-17 15,0-1-15,0 18 0,0 0 0,0-18 0,0 1 16,-18 17-16,18-18 0,0 18 0,0-18 0,0 1 16,0 17-16,0-18 15,0 18-15,0-17 0,-18 17 16,18 0-16,0-18 0,0 0 0,0 18 15,0-17-15,0 17 0,0 0 0,0-18 16,0 18-16,18 0 0,-18-18 0,0 1 0,0 17 0,0-18 16,18 18-16,-18 0 0,0-18 0,0 1 0,17 17 0,-17 0 15,18-18-15,-18 18 0,18 0 0,-18-17 0,0 17 16,0 0-16,17 0 0,-17-18 0,0 18 0,0-18 0,18 18 15,0 0-15,-18 0 0,0-17 0,17 17 0,-17 0 0,18 0 16,-1-18-16,-17 18 0,0-18 0,18 18 0,0 0 0,-1 0 16,-17-17-16,18 17 0,-18 0 0,35-18 0,-35 18 15,18-18-15,17 18 0,-35 0 0,18-17 0,-1 17 0,1 0 16,-18 0-16,35-18 0,-35 0 0,18 18 0,0 0 0,-1-17 15,-17 17-15,36-18 0,-36 18 0,17 0 0,1 0 0,0 0 16,-18 0-16,17-17 0,1 17 0,-1 0 0,1-18 0,-18 18 16,18-18-16,-1 18 0,1 0 0,-18 0 0,35 0 15,-35 0-15,18-17 0,-18 17 0,18 0 0,-1 0 0,1 0 16,-18 0-16,17-18 0,1 18 0,-18 0 0,18 0 15,-18 0-15,0-18 0,17 18 0,1 0 0,-18 0 16,18 0-16,-18 0 0,17 0 0,-17 0 16,18 0-16,0 0 0,-18 0 15,17 0-15,-17 0 0,18 0 16,-1 0-16,-17 0 0,18 0 15,-18 0-15,0 18 0,18-18 0,-18 0 16,0 0-16,17 0 0,1 0 16,-18 18-16,0-18 0,0 0 0,18 0 15,-18 17-15,0-17 0,0 18 0,17-18 16,-17 0-16,18 18 0,-18-18 0,0 0 15,0 17-15,18-17 0,-18 18 0,0-18 0,0 17 0,17-17 16,-17 0-16,0 18 0,18-18 0,-18 18 0,18-18 16,-18 0-16,0 0 0,0 17 0,17 1 0,-17-18 0,0 0 15,0 18-15,18-18 0,-18 0 0,0 17 0,0-17 0,0 18 16,0-18-16,0 18 0,17-18 0,-17 17 0,18 1 15,-18-18-15,0 18 0,0-18 0,0 0 0,0 17 16,18-17-16,-18 0 0,0 18 0,0-1 0,0-17 0,0 0 16,0 18-16,0-18 0,17 0 0,-17 18 15,0-1-15,0-17 0,0 18 0,0-18 16,18 0-16,-18 18 0,0-18 0,0 17 15,0 1-15,0-18 0,0 18 0,0-18 16,0 0-16,0 17 0,0 1 0,18-18 16,-18 0-16,0 17 0,0-17 15,0 18-15,0-18 0,0 0 16,0 18-16,0-1 15,0-17-15,0 18 16,0-18-16,0 0 16,0 18-16,0-1 0,0-17 0,0 0 0,0 18 15,0-18-15,0 0 0,0 18 0,-18-18 16,18 0-16,0 17 0,-18-17 15,18 18-15,0-18 0,0 0 0,-17 0 0,17 17 16,0-17-16,0 0 0,-18 0 16,18 18-16,-18-18 15,18 18-15,0-18 0,0 0 0,-17 0 16,17 0-16,0 17 0,-18-17 0,18 0 15,0 0-15,-17 0 16,-1 0-16,18 18 16,0-18-1</inkml:trace>
+  <inkml:trace contextRef="#ctx0" brushRef="#br0" timeOffset="2372.1357">14746 13564 0,'0'0'16,"0"0"-16,0 0 15,-18 0-15,18 18 16,0-18-16,-17 0 0,-1 0 0,18 18 16,-17-18-16,17 0 0,0 0 0,-18 0 15,18 0-15,-18 0 0,1 0 0,17 17 0,-18-17 0,18 0 16,-18 0-16,1 0 0,17 0 0,0 0 0,-18 0 0,18 0 15,-18 0-15,18 0 0,-17 0 0,-1 18 0,18-18 0,-17 0 16,17 0-16,-18 0 0,0 0 0,1 0 0,17 0 0,-18 0 16,0 0-16,18 0 0,-17 18 0,-1-18 0,0 0 0,18 0 15,-17 0-15,-1 0 0,18 0 0,-17 0 0,-1 0 0,18 0 16,-18 0-16,1 0 0,-1 0 0,0 0 0,18 0 0,-17 0 15,-1 0-15,0 0 0,18 0 0,-35 0 0,17 0 0,1 0 16,-18 0-16,35 0 0,-18 0 0,0 0 0,1 0 0,-1 0 16,0 0-16,1 0 0,-1 0 0,-17-18 15,17 18-15,1-18 0,-1 18 0,18 0 0,-18 0 0,1 0 16,-1 0-16,18-17 0,-18 17 0,18 0 0,-35 0 15,35 0-15,-18 0 0,1 0 0,-1 0 0,18-18 0,-17 18 32,-89-35-32,88 35 0,18 0 15,-18 0-15,1 0 0,17 0 0,0-18 0,-18 18 0,0 0 16,1 0-16,17-18 0,0 18 0,-18 0 0,18 0 0,-17 0 15,-1 0-15,18 0 0,-18-17 0,18 17 0,-17 0 16,17 0-16,0 0 0,-18 0 0,0-18 0,18 18 16,-17 0-16,17 0 0,-18 0 0,0 0 15,18-18-15,0 18 0,-17-17 0,17 17 0,0 0 0,-18 0 16,18 0-16,-17 0 0,17-18 0,-18 18 0,18 0 0,-18 0 15,18 0-15,0-17 0,-17 17 0,-1-18 0,18 18 0,0 0 16,-18 0-16,18 0 0,0-18 0,-35 18 0,35 0 0,-18 0 16,1 0-16,-1-17 0,18 17 0,-17-18 0,-1 18 0,18 0 15,-18 0-15,18 0 0,-17 0 0,17-18 0,-18 18 16,18 0-16,0 0 0,-18-17 0,1 17 0,17 0 15,0 0-15,-18 0 0,18-18 0,0 18 16,0-18-16,-18 18 0,18 0 0,0-17 16,0 17-16,0-18 15,-17 18-15,17-17 0,0 17 0,0-18 16,0 18-16,0-18 0,0 18 15,0 0-15,0-17 0,0-1 0,17 18 0,-17 0 0,0 0 16,0-18-16,0 18 0,18 0 0,-18-17 0,0-1 0,0 18 16,18 0-16,-18-18 0,17 18 0,-17-17 0,0 17 15,0 0-15,18-18 0,-18 1 0,18 17 0,-18 0 0,0-18 16,17 18-16,-17 0 0,18-18 0,-18 1 0,18 17 0,-18-18 15,17 18-15,1-18 0,-18 1 0,17 17 0,-17-18 16,18 18-16,-18 0 0,18-18 0,-1 18 0,-17 0 16,18-17-16,-18 17 0,18-18 0,-1 18 0,-17 0 15,18-18-15,-18 18 0,18 0 0,-1-17 0,1 17 0,-18-18 16,17 18-16,-17 0 0,18 0 0,0-17 0,-1 17 0,1 0 15,17-18-15,-35 18 0,18-18 0,0 18 0,-1 0 0,1-17 16,-1-1-16,1 18 0,-18 0 0,35 0 0,-17-18 0,0 18 16,-1 0-16,-17 0 0,18 0 0,17 0 15,-17 0-15,0-17 0,-18 17 0,35 0 0,-35 0 0,17 0 16,-17 0-16,18 0 0,0 0 0,-18 0 0,17 0 0,-17 0 0,18 0 15,0 0-15,-18 0 0,17 0 0,-17 0 16,18 0-16,-18 0 0,18 0 0,-1 0 16,-17 0-16,18 0 15,-18 0-15,0 0 0,17 0 0,1 0 0,-18 0 0,18 0 16,-18 0-16,17 17 0,-17-17 0,18 0 0,0 0 15,-18 18-15,17-18 0,1 0 0,0 35 0,-1-35 16,1 0-16,-18 18 0,17-18 0,-17 18 0,18-18 0,-18 17 16,18-17-16,-1 0 0,-17 18 0,0-18 0,18 0 15,-18 0-15,0 17 0,18 1 0,-1-18 0,-17 0 0,0 0 16,0 18-16,18-18 0,-18 17 0,0-17 0,0 18 15,18-18-15,-18 0 0,0 0 0,0 18 0,17-18 0,1 0 16,-18 17-16,0-17 0,0 0 0,18 0 0,-18 18 16,0 0-16,0-18 0,17 0 0,1 17 15,-18-17-15,0 0 0,0 18 0,17-18 0,-17 18 16,0-18-16,0 0 0,0 17 0,18-17 0,-18 0 15,0 0-15,0 18 0,18-18 0,-18 0 0,17 17 0,-17-17 16,0 18-16,18-18 0,-18 0 0,0 18 0,18-18 0,-18 0 16,0 17-16,17-17 0,-17 18 0,0-18 0,18 0 0,-18 18 15,0-18-15,0 0 0,18 0 0,-18 17 0,0-17 16,0 18-16,17-18 0,-17 18 15,0-18-15,18 0 0,-18 17 0,0-17 0,0 0 0,0 18 16,0-1-16,17-17 0,-17 0 0,0 18 16,0-18-16,0 18 15,18-18-15,-18 0 0,0 17 16,0 1-16,0-18 0,0 0 0,0 18 15,18-18-15,-18 0 0,0 17 16,0-17-16,0 18 0,17-18 0,-17 18 16,0-18-16,0 17 0,0-17 15,0 0-15,0 18 0,18-18 16,-18 17-16,0-17 0,0 0 15,0 18-15,0-18 16,18 0-16,-18 18 16,0-18-16,0 17 0,17-17 15,-17 18-15,0-18 16,0 18-16,0-18 15,0 17 17,0 1-32,0-18 15,0 18-15,0-18 16,0 0-16,0 17 15</inkml:trace>
+  <inkml:trace contextRef="#ctx0" brushRef="#br0" timeOffset="4856.2778">17762 13511 0,'0'0'0,"0"18"0,-17-18 16,17 0-1,-18 0-15,18 0 16,-18 0-16,18 18 0,0-18 0,-17 0 16,-1 0-16,18 0 0,-17 0 0,17 17 15,-18-17-15,18 0 0,-18 18 0,1-18 16,17 0-16,-18 0 0,18 0 0,-18 0 0,18 18 0,-17-18 15,17 0-15,-18 0 0,18 0 0,0 0 0,-18 0 0,18 0 16,0 17-16,-17-17 0,-1 0 0,18 0 0,-17 0 16,17 0-16,-18 0 0,0 0 15,18 0-15,-17 0 0,17 0 0,-18 0 16,18 0-16,-18 0 0,1 0 15,17 0-15,-18 0 0,18 0 16,0 0-16,-18 0 0,1 0 0,17 0 16,0 0-16,-18 0 0,18 0 0,-18 0 15,18-17-15,0 17 0,-17 0 0,-1 0 0,18 0 16,-17-18-16,17 18 0,-18 0 15,0 0-15,18-18 0,0 18 0,-17 0 0,17 0 0,-18 0 16,18 0-16,0-17 0,-18 17 0,1 0 0,17 0 16,0 0-16,-18 0 0,18-18 0,0 18 15,0 0-15,-18 0 0,18-18 16,0 18-16,0-17 0,-17 17 0,-1 0 15,18 0-15,0-18 0,-17 18 0,17 0 0,0 0 0,-18 0 16,18-18-16,-18 18 0,18-17 0,0 17 0,-17 0 0,17-18 16,-18 18-16,18 0 0,0-17 0,0 17 0,-18 0 15,18-18-15,0 0 0,-17 18 0,17 0 0,0-17 16,0 17-16,0 0 0,0-18 15,-18 18-15,18-18 0,0 18 0,0 0 0,0-17 16,0 17-16,-18 0 0,18-18 0,0 18 0,-17 0 16,17-18-16,0 1 0,0 17 0,0-18 15,0 18-15,0-17 0,0-1 0,-18 18 0,18 0 0,0-18 16,0 18-16,0-17 0,0 17 0,0-18 15,0 0-15,0 18 0,0-17 0,0 17 0,0-18 16,0 0-16,0 18 0,0-17 0,0 17 0,0-18 16,0 18-16,0-17 0,0-1 0,0 18 0,0-18 0,0 18 15,0-17-15,0-1 0,0 0 0,0 18 16,0-17-16,0-1 0,18 18 0,-18 0 0,17-18 0,-17 18 15,0-17-15,0 17 0,18 0 0,-18-18 0,0 0 0,0 18 16,18 0-16,-18-17 0,17 17 0,-17-18 0,0 1 0,18 17 16,-18 0-16,0-18 0,18 18 0,-1-18 0,-17 18 0,18-17 15,-18 17-15,0 0 0,18-18 0,-18 18 0,0 0 16,17 0-16,-17-18 0,18 18 0,-18 0 0,17 0 0,-17 0 15,18-17-15,0 17 0,-18-18 0,0 18 0,17 0 16,-17 0-16,0-18 0,18 18 0,-18 0 0,0 0 16,18 0-16,-1 0 0,-17-17 0,0 17 0,18 0 0,-18-18 15,0 18-15,18 0 0,-1 0 0,-17 0 0,0 0 0,18 0 16,-18 0-16,17 0 0,-17-17 0,18 17 15,0 0-15,-18 0 0,17 0 0,-17 0 0,18 0 16,0 0-16,-18 0 0,17 0 0,-17 0 16,18 0-16,-18 0 0,18 0 0,-1 0 15,-17 0-15,18 0 0,-18 0 0,18 0 16,-1 0-16,-17 0 0,18 0 0,-18 0 15,0 0-15,17 17 0,-17-17 0,0 18 0,18-18 0,0 0 16,-18 0-16,17 17 0,-17-17 0,0 0 0,18 0 0,-18 18 16,18-18-16,-18 18 0,17-18 0,-17 0 0,18 17 15,-18-17-15,0 0 0,18 0 0,-18 18 0,17-18 16,-17 0-16,0 0 0,0 18 15,18-18-15,-18 17 0,0-17 0,0 0 0,0 18 0,17-18 16,-17 0-16,0 18 0,0-18 0,0 17 0,18-17 16,-18 0-16,0 18 0,18-18 0,-18 0 0,0 0 0,0 17 15,0-17-15,17 0 0,-17 18 0,0 0 0,0-18 0,0 0 16,18 0-16,-18 17 0,0-17 0,18 0 0,-18 18 0,0 0 15,0-18-15,0 0 0,0 17 0,0-17 16,0 18-16,0-18 0,0 18 16,0-1-16,0-17 0,0 18 0,0-18 15,0 18-15,0-1 0,0-17 0,0 18 0,0-18 16,0 17-16,0-17 0,0 18 0,0 0 0,0-18 15,0 17-15,0-17 0,0 18 0,0-18 0,0 0 16,0 18-16,0-1 0,0-17 0,0 0 0,0 18 0,0-18 16,0 18-16,-18-18 0,18 17 0,0-17 0,0 18 0,0-18 15,0 17-15,-18-17 0,18 0 0,0 18 0,0 0 0,0-18 16,0 17-16,-17-17 0,17 18 0,-18 0 0,18-18 15,0 17-15,0-17 0,0 18 0,-18-18 16,18 18-16,0-18 0,0 17 0,0-17 0,0 18 16,-17-18-16,17 0 15,0 17-15,0-17 0,0 18 0,-18-18 16,18 0-16,0 18 0,-17-18 15,17 0-15,0 17 0,0-17 16,0 0-16,0 18 0,-18-18 0,18 18 16,0-18-16,0 0 15,0 17-15,0-17 16,-18 0-1</inkml:trace>
+  <inkml:trace contextRef="#ctx0" brushRef="#br0" timeOffset="11256.6439">13000 7726 0,'0'0'0,"-18"0"15,18 0-15,-17 0 16,-1 0-16,18 0 0,0 17 16,-18-17-16,18 0 0,-17 0 0,17 0 0,-18 0 15,0 0-15,18 0 0,-17 0 16,17 0-16,-18 0 0,0 0 0,18 0 15,-35-17-15,35 17 16,-17 0-16,-1 0 0,18-18 0,0 18 0,-18 0 16,18 0-16,0 0 0,-17-17 0,-1 17 0,18-18 0,-18 18 15,18 0-15,0 0 0,0-18 0,-17 18 0,17 0 0,-18 0 16,0-17-16,18-1 0,-17 18 0,17-18 0,0 18 15,-18-17-15,18-1 0,-17 18 0,17 0 0,0-18 0,0 18 16,0-17-16,0 17 0,-18 0 0,18-35 0,0 35 0,0-18 16,0 18-16,0-18 0,0 1 0,-18 17 0,18-18 15,0 0-15,0 1 0,0 17 0,0-18 16,0 18-16,0-18 0,0 1 0,0 17 0,0-18 0,0 18 15,0-17-15,0 17 0,0-18 0,0 0 0,0 18 0,0-17 16,0 17-16,0-36 0,0 36 0,0-17 0,0 17 0,18-18 16,-18 0-16,0 1 0,0 17 0,0-18 0,0 0 0,18 18 15,-18-17-15,17-1 0,-17 1 0,0-1 0,0 18 16,0-18-16,18 1 0,-18 17 0,0-18 0,17 0 0,-17 1 15,18 17-15,-18-18 0,0 18 0,18-18 0,-18 18 0,0-17 16,17-1-16,-17 18 0,18 0 0,-18-17 0,0 17 0,18-18 16,-18 18-16,0-18 0,17 18 0,-17-17 0,0 17 0,18 0 15,-18-18-15,18 18 0,-18 0 0,0-18 0,17 18 16,-17-17-16,0 17 0,18-18 0,-1 18 0,1 0 0,-18-18 15,18 1-15,-1 17 0,-17 0 0,36-18 0,-36 18 0,17-17 16,1-1-16,0 18 0,-1 0 0,-17 0 0,18-18 0,0 18 16,-1-17-16,-17 17 0,18 0 0,-1 0 0,-17-18 0,18 18 15,0 0-15,-1 0 0,-17 0 0,18-18 0,-18 18 0,18 0 16,-1-17-16,1 17 0,-18 0 0,18 0 0,-1 0 0,-17 0 15,18 0-15,-1 0 0,1 0 0,17-18 0,-35 18 0,18 0 16,17 0-16,-35 0 0,18 0 0,17 0 0,-35 0 0,35 0 16,-17-18-16,0 18 0,-1 0 0,19 0 0,-19 0 0,1 0 15,17 0-15,-35 0 0,18 0 0,35 0 16,-53 0-16,35 0 0,-35 0 0,18 0 0,-1 0 0,1 0 15,-18 18-15,18-18 0,-1 0 0,1 0 0,-18 0 0,18 18 16,-18-18-16,17 0 0,-17 0 0,18 0 0,-1 17 0,-17-17 16,18 18-16,-18-18 0,18 0 0,-1 0 0,-17 18 0,18-18 15,-18 0-15,18 0 0,-18 0 0,17 0 0,1 17 16,-18-17-16,18 0 0,-18 0 0,17 0 0,1 18 0,-18-18 15,17 0-15,-17 18 0,18-18 0,-18 0 0,0 0 0,18 17 16,-1-17-16,-17 0 0,0 0 0,18 18 0,-18-18 0,0 17 16,18-17-16,-1 0 0,-17 0 0,18 18 0,-18-18 0,0 0 15,18 0-15,-18 18 0,17-18 0,1 0 0,-18 17 16,18-17-16,-18 18 0,0-18 0,17 0 0,1 18 0,-18-18 15,0 0-15,17 0 0,-17 17 0,0-17 0,18 18 16,-18-18-16,0 18 0,18-18 0,-18 0 16,17 0-16,-17 17 0,0-17 15,0 0-15,18 0 0,-18 18 0,0-1 16,0-17-16,0 0 0,18 0 0,-18 18 15,0-18-15,0 18 0,0-18 0,0 17 16,17-17-16,-17 18 0,18-18 0,-18 0 16,0 18-16,0-18 0,0 17 0,0-17 0,18 0 15,-18 18-15,0-18 0,0 18 0,0-18 0,0 17 16,0 1-16,0-18 0,0 17 0,0-17 15,0 18-15,17-18 0,-17 18 0,0-18 0,0 17 16,0-17-16,0 18 0,0-18 0,0 18 16,0-1-16,0-17 0,0 18 0,0-18 15,0 18-15,0-1 0,0-17 0,0 18 16,0-18-16,0 0 0,0 18 0,0-18 0,0 17 15,0 1-15,-17-18 0,17 17 0,0-17 0,0 18 16,-18-18-16,18 18 0,0-18 0,-18 0 0,18 17 0,0-17 16,0 0-16,0 18 0,0-18 0,-17 0 0,17 18 15,0-18-15,0 17 0,-18-17 16,18 0-16,0 0 0,0 18 0,-18-18 15,18 0-15,-17 0 0,17 18 0,0-18 0,-18 0 0,18 17 16,0-17-16,-18 0 0,18 0 0,0 18 16,-17-18-16,-1 0 0,1 0 0,17 17 0,-18-17 15,0 0-15,18 0 0,-17 18 0,17-18 0,-18 0 0,0 0 16,18 18-16,-17-18 0,17 0 0,-36 0 0,36 0 0,-17 0 15,-1 17-15,0-17 0,18 0 0,-35 18 0,18-18 0,17 0 16,-36 0-16,1 0 0,35 18 0,-35-18 0,17 0 0,18 0 16,-35 0-16,0 0 0,17 0 0,-17 0 0,17 17 0,0-17 15,-17 0-15,17 0 0,18 0 0,-35 18 0,35-18 16,-17 0-16,-1 0 0,18 0 0,-18 0 0,1 0 0,17 18 15,-18-18-15,0 0 0,1 0 0,17 0 0,-18 0 0,0 0 16,18 0-16,-17 0 0,17 0 0,-18 0 0,18 0 16,-18 0-16,1 17 0,17-17 0,-18 0 0,18 0 0,-17 0 15,-1 0-15,18 0 0,-18 0 0,18 0 16,-17 0-16,17 0 0,-18 0 0,0 0 15,18 0-15,-17 0 0,17 0 0,-18 0 16,0 0-16,18 0 16,-17 0-16,17 0 0,-18 0 15,18 0-15,-17 0 16,-1 0-16,18 0 0,-18 0 0,18 0 15,-17 0-15,-1 0 0,18 0 0,-18 0 16,18 0-16,-17 0 0,17 0 0,-18 0 0,0 0 16,18 0-16,-17 18 0,17-18 0,-18 0 15,1 0-15,17 0 0,0 0 0,-18 0 0,18 0 16,-18 0-16,18 0 0,0 17 0,-17-17 0,-1 0 0,18 0 15,-18 0-15,18 0 0,-17 0 0,-1 0 0,18 0 16,0 18 0,-18-18-16,18 0 15,-17 0 1,17 0-1</inkml:trace>
+  <inkml:trace contextRef="#ctx0" brushRef="#br0" timeOffset="13559.7756">7885 7708 0,'17'18'0,"1"-18"0,-18 0 0,18 0 16,-1 0-16,-17 17 0,18-17 0,-1 0 0,1 0 0,0 0 16,-1 0-16,1 0 0,-18 0 0,18 0 0,17 18 0,-35-18 15,35 0-15,-35 0 0,18 0 0,17 18 0,-35-18 16,35 0-16,-17 0 0,0 0 0,-1 0 0,19 0 0,-36 0 15,35 0-15,0 17 0,-17-17 0,17 0 16,-17 0-16,-1 0 0,19 0 0,-19 0 0,1 0 0,17 0 0,-17 0 16,-18 0-16,35 0 0,-17 0 0,-1 0 0,19 0 0,-19 0 15,36 0-15,-35 0 0,52 0 16,1 0-1,-36 0-15,-17 0 0,-18 0 0,35 0 0,-17 0 0,-1 0 0,19 0 16,-19 0-16,1 0 0,17 0 0,-17 0 0,0 0 0,34 0 16,-34 0-16,0 0 0,17 0 0,-17 0 0,-1 0 0,19 0 15,-19 0-15,1 0 0,17 0 0,-17 0 0,-1 0 16,1 0-16,0 0 0,-1 0 0,19-17 0,-36 17 0,35 0 15,-18 0-15,-17 0 0,36 0 0,-36 0 0,17 0 0,1 0 16,0 0-16,-18 0 0,17 0 0,19 0 0,-36 0 0,17 0 16,1 0-16,0 0 0,-18 0 0,35 0 0,-35 0 0,17 0 15,1 0-15,0 0 0,-18 0 0,17 0 0,19 0 0,-36 0 16,35 0-16,-35 0 0,18 0 0,-1 0 0,-17 0 0,35 0 15,-17 0-15,0 0 0,-18 0 0,35 0 0,-17 0 0,-18 0 16,35 0-16,-17 0 0,-18 0 0,35-18 0,-35 18 0,35 0 16,-17 0-16,-18 0 0,17 0 0,19 0 0,-19 0 0,-17 0 15,36 0-15,-19 0 0,-17 0 0,36 0 0,-19 0 16,-17 0-16,35 0 0,-35 0 0,18 0 0,0 0 0,-1 0 15,-17 0-15,18 0 0,0 0 0,-1 0 0,1 0 0,0 0 16,-18 0-16,17 0 0,-17 0 0,18 0 0,-1 0 0,1 0 16,-18 0-16,18 0 0,-1 0 0,1 0 0,-18 0 0,18 0 15,-18 0-15,35 0 0,-17 0 0,-1 0 0,1 0 16,-18 0-16,35 0 0,-17 0 0,-18 0 0,35 0 0,0 0 15,-35 0-15,18 0 0,17 0 0,-17 0 0,-18 0 0,35 0 16,-17 0-16,-1 0 0,1 0 0,17 0 0,-35 0 0,18 0 16,0 0-16,-1 0 0,1 0 0,-18 0 0,18 0 0,-1 0 15,-17 0-15,18 0 0,-18 0 16,17 0-16,1 0 15,-18 0-15,18 0 16,-18 0-16,17 0 0,-17 0 16,18 0-16,0 0 0,-18 0 0,17 0 0,-17 0 15,18 0-15,0 0 0,-18 0 0,17 0 0,-17 0 16,18 0-16,-18 0 0,17 0 0,1 0 0,0 0 0,-18 0 15,17 0-15,1 0 0,-18 0 0,18 0 0,-18-18 0,17 18 16,1 0-16,-18 0 0,18 0 0,-18-17 0,17 17 0,-17 0 0,18 0 16,0 0-16,-18 0 0,17 0 0,1 0 0,-1 0 0,-17 0 15,18 0-15,-18 0 0,18 0 0,-1 0 0,-17 0 16,18 0-16,-18 0 0,0-18 0,18 18 0,-18 0 0,17 0 15,1 0-15,-18 0 0,18 0 0,-18 0 0,17 0 16,1 0-16,-18 0 0,17 0 0,-17 0 0,18 0 0,-18 0 16,0 0-16,35 0 0,-35 0 0,18 0 0,-18 0 15,18 0-15,-1 0 0,-17 0 0,18 0 0,-18 0 16,18 0-16,-1 0 0,-17 0 0,18 0 0,-18 0 0,0 0 15,17 0-15,-17 0 0</inkml:trace>
+  <inkml:trace contextRef="#ctx0" brushRef="#br0" timeOffset="18947.0838">13335 7867 0,'0'0'47,"0"0"-47,0 0 15,-18 0-15,18 18 16,0-1-16,0-17 16,0 18-16,0-18 15,0 18-15,0-18 16,0 0-16,0 17 15,0-17-15,0 18 16,18-18-16,-18 0 0,0 0 0,18 0 0,-18 0 0,17 17 16,-17-17-16,0 0 0,36 0 0,-36 18 0,0-18 15,35 18-15,-35-18 0,17 0 0,-17 0 0,18 0 0,-18 17 16,18-17-16,-1 0 0,-17 0 0,18 0 0,0 18 0,-18-18 16,17 18-16,-17-18 0,18 0 0,0 0 0,-1 0 0,-17 0 15,18 0-15,-18 17 0,35-17 0,-17 0 0,-18 0 16,17 0-16,1 0 0,-18 0 0,35 18 0,-35-18 0,18 0 15,0 0-15,-1 0 0,-17 0 0,36 0 0,-36 0 16,17 18-16,1-18 0,-1 0 0,19 0 0,-36 0 0,17 0 16,19 0-16,-36 0 0,17 0 0,19 0 0,-36 0 0,17 0 0,1 0 15,17 0-15,-17 0 0,-18 17 0,35-17 0,0 0 0,-35 0 16,36 0-16,-19 0 0,1 0 0,17 0 0,0 0 15,-17 0-15,35 0 0,-35 0 0,-1 0 0,19 0 0,-19 0 16,1 0-16,-1 0 0,1 0 0,-18 0 0,35 0 0,-35 0 16,18 18-16,-18-18 0,18 0 0,-18 0 0,35 0 0,-35 0 15,18 0-15,-1 0 0,1 0 0,-1 0 0,1 0 16,0 0-16,-1 0 0,1 17 0,0-17 0,-1 0 15,1 0-15,-18 0 0,35 0 0,-17 0 0,-18 0 0,35 0 16,-17 0-16,-1 0 0,1 0 0,0 0 0,-1 0 0,19 0 16,-36 0-16,17 0 0,19 0 0,-36 0 0,35 0 0,-18 0 15,-17 0-15,36 0 0,-19 0 0,1 0 0,0 0 0,17 0 16,-35 0-16,18 0 0,17 0 0,-18 0 0,-17 0 15,36 0-15,-19 0 0,-17 0 0,36 0 0,-36 0 0,17 0 16,19 0-16,-36 0 0,17 0 0,19 0 0,-36 0 0,17 0 16,1 0-16,17 18 0,-35-18 0,18 0 0,17 0 0,-35 0 15,35 18-15,-17-18 0,-18 0 0,35 0 0,-17 0 0,-1 0 16,19 0-16,-36 0 0,17 0 0,1 0 0,0 0 0,-1 0 15,1 0-15,0 0 0,-1 0 0,18 17 0,-17-17 0,0 0 16,-1 0-16,19 0 0,-36 0 0,35 18 0,-17-18 0,-18 0 16,35 0-16,-17 0 0,-18 18 0,35-18 0,-18 0 0,1 0 15,0 17-15,-18-17 0,17 0 0,19 18 0,-19-18 0,-17 0 16,36 18-16,-19-18 0,-17 17 0,35-17 0,-17 0 15,-18 0-15,35 18 0,-17-1 0,0-17 0,17 0 0,-35 0 16,35 18-16,-17 0 0,-1-18 0,19 0 0,-36 17 0,17-17 16,1 0-16,0 18 0,-18-18 0,35 18 0,-17-18 0,-1 0 15,19 17-15,-19-17 0,-17 18 0,18-18 0,-1 18 0,1-18 16,0 17-16,-1-17 0,-17 18 0,18-18 0,17 18 15,-35-1-15,18-17 0,0 18 0,-1-18 0,1 0 0,-1 17 16,-17 1-16,18-18 0,0 18 0,-1-18 0,-17 17 0,18 1 16,0-18-16,-18 0 0,17 35 0,-17-35 0,0 18 0,18-18 15,-18 18-15,18-18 0,-18 17 0,0 1 0,17-18 0,-17 17 16,0-17-16,0 0 0,0 18 0,18 0 0,-18-18 15,0 17-15,17-17 0,-17 18 0,0 0 0,0-18 0,0 17 16,0-17-16,0 18 0,18-18 0,-18 0 0,0 18 0,0-1 16,0-17-16,0 18 0,0-18 0,0 17 0,0 1 15,0-18-15,0 18 0,0-18 0,0 17 0,0-17 16,0 18-16,0 0 0,0-1 0,0-17 0,0 18 15,-18 0-15,18-1 0,-17 1 0,17 0 0,0-1 0,-18 1 16,18-1-16,-17-17 0,17 18 0,0 0 0,-18-1 0,18-17 0,-18 18 16,1 0-16,17-1 0,0-17 0,-18 36 0,0-36 0,18 17 15,-17 1-15,-1-1 0,0-17 0,18 36 0,-17-36 0,17 0 16,-18 17-16,18-17 0,-17 18 0,-1 0 0,18-18 15,-18 17-15,18-17 0,-17 18 0,-1-18 0,0 18 0,18-18 16,-17 17-16,-1-17 0,18 18 0,-18-1 0,18-17 0,-17 0 16,-1 0-16,1 18 0,17-18 0,-18 0 0,0 18 0,18-18 15,-17 0-15,-1 17 0,0-17 0,1 18 0,-1-18 0,0 0 16,-17 18-16,35-1 0,-18-17 0,1 0 15,-1 0-15,18 18 0,-35-18 0,17 0 0,1 18 0,-1-1 16,18-17-16,-18 0 0,1 0 0,-1 18 0,18-18 0,-35 18 16,35-18-16,-35 0 0,17 17 0,0-17 0,18 0 0,-17 0 15,-1 18-15,18-18 0,-35 17 0,17-17 0,0 0 0,-17 0 16,35 18-16,-17-18 0,-19 18 0,36-18 0,-17 0 15,-19 17-15,19-17 0,-1 0 0,0 18 0,-17-18 0,35 0 16,-35 18-16,17-18 0,1 0 0,-19 0 0,19 17 0,17-17 16,-36 18-16,19-18 0,17 0 0,-36 0 0,19 18 0,-1-18 15,-17 17-15,17-17 0,18 0 0,-53 18 0,36-18 16,-19 0-16,36 0 0,-17 17 0,-18-17 0,35 18 0,-36-18 15,1 0-15,17 0 0,18 18 0,-35-18 0,17 0 0,1 17 16,-19-17-16,19 0 0,-1 0 0,-17 0 0,17 0 0,-17 18 16,-18-18-16,53 0 0,-18 0 0,-52 18 0,52-18 0,1 0 15,-19 0-15,19 0 0,-1 0 0,-35 17 0,18-17 0,35 0 16,-53 0-16,35 0 0,1 0 0,-19 0 0,19 0 15,-1 0-15,0 0 0,-17 18 0,35-18 0,-17 0 0,-1 0 16,0 0-16,-17 18 0,35-18 0,-18 0 0,1 0 0,-1 0 16,-17 17-16,35-17 0,-18 0 0,18 0 0,-17 0 15,17 0-15,-18 0 0,0 0 0,18 0 0,-17 0 0,17 0 16,-18 0-16,0 0 0,18 18 0,-17-18 0,-1 0 15,0 0-15,18 0 0,-17 0 0,17 0 0,-18 0 0,1 0 16,-1 0-16,18 0 0,-35 0 0,35 0 0,-18 0 0,18 0 16,-18 0-16,18 0 0,-35 0 0,35 0 0,-18 17 0,1-17 15,-1 0-15,18 0 0,-18 0 0,1 0 0,-1 0 0,18 0 16,-17 0-16,17 0 0,-18 18 0,0-18 0,18 0 15,-17 0-15,-1 0 0,0 18 0,18-18 0,-17 0 0,17 17 16,-18-17-16,18 0 0,-18 0 0,1 18 0,17-18 0,0 0 16,-35 0-16,35 18 0,-18-1 0,0-17 0,1 0 0,17 18 15,-18-18-15,18 0 0,-18 18 0,1-1 0,-1-17 0,18 18 16,-35-18-16,35 18 0,-18-1 0,1-17 0,-1 18 0,0-18 15,-17 35-15,35-35 0,-18 0 0,1 18 0,-1-1 0,18-17 16,-18 18-16,18-18 0,-17 18 0,-1-1 0,0-17 0,18 18 16,-17 0-16,-1-18 0,18 17 0,-17 1 0,17-1 0,-18-17 15,18 18-15,-18 0 0,18-1 0,-17-17 0,17 18 0,-18-18 16,18 35-16,-18-35 0,18 18 0,-17 0 0,17-1 15,-18-17-15,18 35 0,0-35 0,0 18 0,-18 0 0,1-1 16,17-17-16,0 18 0,0 0 0,-18-1 0,18 1 0,0-18 16,0 18-16,-17-1 0,17-17 0,-18 18 0,18 0 0,0-1 15,0-17-15,0 18 0,0-1 0,-18 1 0,18-18 0,0 18 16,0 17-16,0-35 0,0 18 0,0-1 15,0 1-15,0-18 0,0 18 0,0-1 0,-17-17 0,17 18 16,0-1-16,0 1 0,0-18 0,0 18 0,0-18 0,0 35 16,0-35-16,0 18 0,-18-18 0,18 17 0,0 1 0,0 0 15,0-18-15,0 17 0,0 1 0,0-1 0,0-17 0,0 18 16,0-18-16,0 18 0,-18-1 0,18-17 0,0 18 15,0-18-15,0 18 0,0-1 0,0-17 0,0 18 0,0-18 16,0 18-16,0-18 0,0 0 0,0 35 0,0-35 0,0 18 16,0-18-16,0 17 0,0 1 0,0-18 0,0 17 15,0-17-15,0 18 0,0 0 0,0-18 0,0 17 0,0-17 16,0 18-16,0-18 0,0 18 0,0-1 0,0-17 15,0 18-15,0-18 0,0 18 0,0-1 0,0-17 0,-17 0 16,17 18-16,0-18 0,0 17 0,0-17 0,0 18 0,0 0 16,0-18-16,0 17 0,0-17 0,0 18 0,0 0 0,0-18 15,0 17-15,0-17 0,0 18 0,0-18 0,0 18 0,0-1 16,0-17-16,0 0 0,0 18 0,0-18 0,0 17 15,0 1-15,0-18 0,0 18 0,0-18 0,0 17 0,0-17 16,0 18-16,0 0 0,0-18 0,0 17 0,0-17 16,0 18-16,0-18 0,0 18 0,0-1 0,0-17 15,0 18-15,0-18 0,0 18 0,0-1 0,0-17 0,0 18 16,0-18-16,0 17 0,0-17 0,0 18 15,0 0-15,0-18 0,0 17 0,0-17 16,0 18 0,0 0-16,0-18 15,0 17-15,0-17 0,0 18 16,0-18-16,0 18 15,0-1-15,0-17 16,0 18-16,0-18 16,0 17-1,0 1-15,0-18 16,0 18-16,0-18 0,0 17 15,0-17 1,0 0-16,0 0 140,0 0-140,0 0 0,-18 0 16,18 0-16,0-17 0,-18 17 16,18 0-16,0-18 0,-17 0 0,17 18 0,-18-17 15,18 17-15,0-18 0,-17 1 0,-1 17 0,18-18 0,0 18 16,-18-18-16,18 18 0,0-17 0,-17 17 0,17-18 15,0 18-15,0-18 0,-18 18 0,18-17 0,-18 17 0,18-18 16,0 18-16,0-18 0,0 18 0,-17-17 0,17 17 0,0-18 16,0 18-16,0-17 0,0 17 0,-18-18 0,18 18 15,-18 0-15,18-18 0,0 1 0,0 17 0,-17 0 16,17-18-16,0 18 0,0 0 0,0-18 0,-18 18 15,18-17-15,0 17 0,-18 0 0,18-18 16,-17 18-16,17 0 0,0 0 0,0-18 0,0 18 0,-18 0 16,18-17-16,0 17 0,0-18 0,0 18 0,-17 0 0,17-18 15,-18 18-15,18 0 0,0-17 0,0 17 16,0-18-16,-18 18 0,18 0 0,0-17 0,0 17 15,0 0-15,-17 0 0,17 0 94,0 0-78,0 0-16,0 0 15,0 0-15,17 17 0,-17 1 0,0-18 16,0 17-16,18-17 0,0 18 0,-18 0 15,0-18-15,0 0 0,17 17 0,-17-17 0,0 18 0,18-18 16,-1 18-16,-17-1 0,0-17 0,0 0 0,18 18 0,-18-18 16,0 18-16,0-1 0,18-17 0,-18 0 0,17 18 0,-17-18 15,18 18-15,-18-1 0,0-17 0,0 0 0,18 18 0,-18-18 16,0 0-16,17 17 0,-17-17 0,18 0 0,-18 18 0,0-18 15,0 18-15,0-18 0,18 0 0,-18 17 0,0-17 16,0 0-16,0 18 0,0 0 0,17-18 16,-17 0-16,0 17 0,18-17 15,-18 0-15,0 18 0,0-18 0,18 0 16,-18 18-16,0-1 0,0-17 0,0 0 15,0 18-15,17-18 0,-17 0 0,0 17 16,0-17-16,0 18 0,0-18 16,0 18-1,18-18-15,-18 0 16,17 0-1,-17 17-15,0-17 16,18 0 187,-18 0-188,0 0 1,0 0-16,18 0 0,-18-17 0,0 17 16,0-18-16,17 18 0,1-18 0,-18 18 15,18-17-15,-18 17 0,17-18 0,-17 1 0,18 17 0,0-18 16,-18 18-16,35-35 0,-35 35 0,17 0 0,1-36 15,0 36-15,-18-17 0,17-1 0,1 0 0,0 18 0,-1-17 16,-17 17-16,0 0 0,36-18 0,-36 1 0,0 17 0,17 0 16,-17-18-16,0 18 0,0 0 0,18-18 0,-18 18 0,0-17 15,17 17-15,-17-18 0,18 18 0,-18-18 16,18 1-16,-18 17 0,0-18 0,17 18 0,-17 0 0,18 0 15,-18-18-15,0 18 0,0 0 0,18 0 0,-18-17 0,0 17 16,0-18-16,17 18 0,-17-18 0,0 18 0,18 0 0,-18 0 16,18-17-16,-18 17 0,17-18 0,-17 18 0,18 0 15,0-17-15,-18 17 0,0 0 0,17 0 0,-17-18 0,18 18 16,-18 0-16,17 0 0,1 0 0,-18-18 0,0 18 0,0-17 15,18 17-15,-18 0 0,0 0 0,17 0 16,-17-18-16,18 18 0,-18 0 0,0-18 31</inkml:trace>
+  <inkml:trace contextRef="#ctx0" brushRef="#br0" timeOffset="21416.225">21749 7638 0,'0'17'16,"0"-17"-16,0 0 15,0 0-15,0 0 0,-18 0 16,0 18-16,18-18 0,-17 0 0,-1 0 0,1 0 16,17 0-16,-18 0 0,18 0 0,-35 0 0,17 0 0,18 0 15,-35 0-15,17 0 0,0 0 0,-17 0 0,18 0 0,-1 0 16,-17 0-16,17 0 0,18 0 0,-35 0 0,35 0 0,-18 0 15,-17 0-15,35 0 0,-18 0 0,1 0 0,17 0 0,-18 0 16,0 0-16,1 0 0,17 0 0,0 0 0,-18 0 0,18 0 16,-18 0-16,18 0 0,0 0 0,-17 0 15,-1 0-15,18 0 0,0 0 0,-18 0 16,18-18-16,0 18 0,-17 0 0,17-17 0,-18 17 15,18 0-15,-18 0 0,18 0 0,0-18 0,-17 18 0,17 0 16,-18 0-16,1-18 0,-1 1 0,0 17 0,18 0 0,-17 0 16,17-18-16,0 18 0,-18 0 0,18-18 0,0 18 0,-18-17 15,1 17-15,17-18 0,-18 18 0,18-17 16,-18 17-16,1-18 0,17 0 0,0 18 0,-18 0 15,18-17-15,0 17 0,0 0 0,-17 0 0,17-18 0,0 0 16,0 18-16,0 0 16,0-17-16,0 17 0,0-18 15,0 18-15,0-18 0,0 1 0,0 17 16,0-18-16,0 18 0,0-17 15,0-1-15,0 18 0,0 0 0,0-18 0,0 18 0,0-17 16,0 17-16,17 0 0,-17-18 0,0 0 0,18 18 0,-18-17 16,17 17-16,-17 0 0,0-18 0,18 0 0,-18 18 0,18-17 15,-1 17-15,-17-18 0,18 18 0,-18-18 0,18 18 0,-1-17 16,1 17-16,-18-18 0,0 18 0,35-17 0,-35 17 0,18-18 15,-1 0-15,1 18 0,-18-17 0,35 17 0,-35-18 0,36 0 16,-19 18-16,1-17 0,0-1 0,-1 18 0,19-18 0,-36 18 16,17-17-16,1 17 0,-18 0 0,17 0 0,1 0 0,-18-18 15,35 18-15,-35 0 0,0 0 0,36 0 0,-36 0 0,17 0 16,-17 0-16,18 0 0,-18 0 0,35 0 0,-35 0 0,18 0 15,-18 0-15,35 0 0,0 0 0,-35 0 16,18 0-16,0 0 0,-1 0 0,-17 0 0,36 0 0,-36 18 16,17-18-16,1 17 0,-1-17 0,-17 0 0,18 18 0,0 0 15,-1-18-15,-17 0 0,18 17 0,-18-17 0,35 36 0,-35-36 16,18 0-16,0 17 0,-1 1 0,-17 0 0,36 17 15,-36-35-15,0 17 0,35 1 0,-35 0 0,0-18 0,17 35 16,-17-35-16,18 18 0,0-1 0,-18 1 0,0-18 0,17 18 16,-17-1-16,0 1 0,0-18 0,0 18 0,18-18 0,-18 35 15,0-18-15,0 1 0,18 0 0,-18-18 0,0 17 0,0 19 16,0-19-16,0-17 0,0 36 0,0-19 0,0-17 0,0 35 15,0-17-15,0-18 0,0 35 0,0-35 0,0 18 16,0 0-16,0-1 0,0-17 0,-18 18 0,18-18 0,0 0 16,0 18-16,-18-18 0,18 17 0,0-17 0,-17 0 0,17 18 15,-18-18-15,0 0 0,18 17 0,-17 1 0,-1-18 0,18 0 16,-17 18-16,-1-18 0,18 0 0,-35 17 0,17 1 0,18-18 15,-18 0-15,1 18 0,-1-18 0,-17 17 0,35 1 0,-18-18 16,-17 18-16,35-1 0,-18-17 0,1 0 0,-1 0 0,18 18 16,-35-18-16,35 0 0,-18 0 0,18 0 0,-18 0 0,1 0 15,17 0-15,-18 0 0,18 0 0,-18 0 16,18 0-1,0 0-15,-17 0 16,17 0-16,0 0 16,-18 0-16</inkml:trace>
+  <inkml:trace contextRef="#ctx0" brushRef="#br0" timeOffset="24072.3769">20814 7955 0,'0'0'0,"-18"0"0,18 0 15,-17 0-15,17 0 16,-18 0-16,0 0 0,18 0 0,0-17 16,-17 17-16,17 0 0,-18 0 0,0 0 0,18 0 15,-17 0-15,17 0 0,-35 0 0,35 0 0,-18 0 0,0 0 16,18 0-16,-35 0 0,35 0 0,-35 0 0,-1 0 0,36 0 15,-35 0-15,17 0 0,1 0 0,-18 0 0,-1 0 0,36 0 16,-35 0-16,17 0 0,1 0 0,-19 17 0,19-17 0,17 0 16,-35 0-16,17 0 0,0 0 0,1 18 0,17-18 0,-18 0 15,0 0-15,1 17 0,17-17 0,-36 18 0,36-18 0,-17 18 16,-18-18-16,35 17 0,-36 1 0,36-18 0,-17 0 15,-19 18-15,36-1 0,-17-17 0,-1 18 0,0-18 0,18 18 16,-35-1-16,17-17 0,1 18 0,-18-1 16,35 1-16,-36 0 0,19-1 0,17-17 0,-36 18 0,19 0 15,-1-18-15,0 35 0,1-35 0,-1 18 0,18-18 0,-17 17 16,-1 1-16,0-1 0,1-17 0,-1 36 0,18-36 15,-35 35-15,35-35 0,-18 18 0,18-18 0,-53 35 16,53-35-16,-17 35 0,-1-17 0,0 0 0,18-18 0,-35 35 16,17-18-16,1-17 0,-1 36 0,18-36 0,-18 17 0,1 19 15,-1-19-15,18 1 0,-18 0 0,1-1 0,-1-17 0,18 35 16,-17-17-16,17 0 0,-18-1 0,0-17 0,18 18 0,-17 0 15,17-1-15,0-17 0,-18 36 0,0-36 0,18 17 0,0 1 16,-17-1-16,17-17 0,-18 36 0,18-36 0,0 17 16,0 1-16,0 0 0,0-18 0,-18 35 0,18-35 0,0 18 15,0-1-15,-17 1 0,17-18 0,-18 35 0,18-17 0,0-18 16,0 35-16,0-35 0,0 18 0,-17 17 0,17-35 0,0 18 15,0 17-15,0-35 0,-18 35 0,18 0 0,0-17 0,0 0 16,0 17-16,0-17 0,0-1 0,-18 54 0,18-54 16,0 19-16,0-19 0,-17 1 0,17 35 0,0-18 0,0-17 15,0 17-15,0-17 0,0-1 0,0 36 0,0-53 0,0 18 16,0 35-16,0-35 0,0-1 0,-18 36 0,18-35 0,0-1 15,0 19-15,0-1 0,0-35 0,0 35 0,0 0 0,0-17 16,0 17-16,0-17 0,0 0 0,0 17 0,0-17 16,0-1-16,0 19 0,0-19 0,0 1 0,0 17 0,0-35 15,0 35-15,0-17 0,0-18 0,0 35 0,0-17 0,0 0 16,0-1-16,0 1 0,0-1 0,-18 1 0,18 17 0,0-17 15,0-18-15,0 35 0,-17-17 0,17-18 0,0 35 0,-18-17 16,18-1-16,0 1 0,0-18 0,-18 35 0,1-17 16,17 0-16,0-1 0,-18 1 0,18 0 0,-17-18 0,17 35 15,-18-17-15,18-1 0,-18 18 0,18-35 0,-17 18 0,17 17 16,-18-35-16,18 18 0,-18 0 0,1-1 0,17-17 0,-36 36 15,36-36-15,-17 35 0,-1-18 0,0 1 0,18-18 0,-35 35 16,18-17-16,-1 0 0,-17-1 0,35-17 0,-18 0 16,-17 53-16,17-53 0,0 18 0,1-18 0,-1 17 0,18 1 15,-35-18-15,35 18 0,-18-18 0,1 17 0,-1-17 0,18 18 16,0-18-16,-18 0 0,1 0 0,17 18 0,0-18 0,-18 0 15,18 0-15,0 0 0,0 17 0,-18-17 0,18 18 16,0-18-16,0 0 0,-17 0 0,-1 18 0,18-18 16,0 0-16,-17 0 0,17 17 0,0-17 15,-18 0-15,18 18 0,-18-18 0,18 18 16,0-18-16,-17 0 0,17 17 0,0-17 15,0 0-15,-18 0 0,18 18 0,0-1 16,-18-17-16,1 18 0,17-18 0,0 18 16,-18-18-16,18 0 0,0 0 0,-18 0 0,18 17 0,0 1 15,-17-18-15,-1 0 0,18 0 0,-18 18 0,18-18 16,-17 17-16,17 1 0,-18-18 15,18 0-15,0 18 0,-17-18 0,17 0 0,0 17 0,-18-17 0,0 18 16,18-18-16,0 0 0,0 17 0,-17-17 16,17 0-16,0 18 0,0-18 0,-18 0 0,18 18 0,0-18 15,0 17-15,-18-17 0,1 18 0,17-18 0,0 0 16,0 18-16,-18-18 0,18 17 0,0 1 0,-18-18 15,1 0-15,17 18 0,0-1 0,-18-17 0,18 18 0,0-18 16,0 0-16,-17 0 0,17 17 0,-18-17 0,18 18 16,0-18-16,0 18 0,0-18 0,0 0 0,-18 0 0,18 17 15,0-17-15,0 0 0,0 18 0,-17 0 0,17-18 0,0 17 16,0-17-16,0 18 0,-18-18 0,18 18 0,-18-18 15,18 17-15,0-17 0,0 18 0,0-18 0,0 0 0,0 18 16,-17-18-16,17 17 0,0-17 0,0 0 0,0 18 0,0-18 16,-18 0-16,18 17 0,0-17 0,0 18 15,0 0-15,0-18 16,-18 0-16,18 17 0,0-17 0,-17 0 15,17 18-15,0 0 0,0-18 16,0 0 0,0 0 62,0 0-78,0 0 15,0-18-15,0 18 0,0-18 16,0 18-16,0-17 0,0-1 0,0 18 0,0-35 15,0 17-15,0 18 0,0-17 0,0 17 0,0-18 16,0 0-16,0 18 0,0-17 0,0 17 0,0-18 16,0 0-16,0 1 0,-18 17 0,18-18 0,0 18 15,0-18-15,0 1 0,0 17 0,-17 0 0,17-18 0,0 18 16,-18 0-16,18-18 0,0 1 0,0 17 0,0 0 0,0-18 15,-18 18-15,18 0 0,0-17 0,0 17 0,0-18 16,0 18-16,0-18 0,0 18 0,0-17 16,0 17-16,0-18 0,0 0 0,0 18 15,0-17-15,0 17 0,0-18 0,0 18 16,0-18-16,0 1 0,0 17 0,0-18 15,0 18-15,0 0 78,0 0-62,0 0-16,0 18 16,0-1-16,0-17 0,0 18 0,0-18 0,0 18 15,0-18-15,0 17 0,0 1 0,0-18 0,0 18 0,0-18 16,0 17-16,0 1 0,0-18 0,0 18 0,0-18 0,0 17 15,0-17-15,0 18 0,0-1 0,0-17 0,0 18 16,0-18-16,0 18 0,0-1 0,0-17 16,0 18-16,0-18 0,0 18 0,0-18 15,0 17-15,0 1 0,0-18 0,0 18 16,0-18-16,0 17 0,0 1 15,0-18-15,0 18 0,0-18 16,0 17-16,0-17 16,0 18-16,0-1 0,0-17 15,0 0-15,0 18 0,0-18 16,0 0-16,0 18 0,0-1 15,0-17-15,0 0 16,0 18-16,0-18 0,0 18 16,18-18-16,-18 0 15,18 0 110,-18 0-109,0 0-16,17 0 0,-17 0 0,18 0 15,-1 0-15,-17 0 0,0 0 0,18 0 0,0 0 0,-18 0 16,35-18-16,-35 18 0,18-18 0,17 18 0,-17 0 0,17-17 15,-18-1-15,1 18 0,17 0 0,1-18 0,-19 18 0,36-35 16,-18 35-16,-17 0 0,35-17 0,-18 17 0,-17-18 0,0 0 16,35 18-16,-18 0 0,-18-17 0,36 17 0,-17-18 0,-19 18 15,19 0-15,-19-18 0,1 1 0,35 17 0,-36 0 0,1 0 16,17-18-16,1 0 0,-19 18 0,18-17 0,1 17 0,-36-18 15,35 0-15,0 18 0,-35-17 0,36-1 0,-1 1 0,-35 17 16,35-18-16,-17 18 0,35-35 0,-53 35 16,35-18-16,0 0 0,-35 18 0,36 0 0,-1-17 0,-35-1 15,17 18-15,19 0 0,-19 0 0,-17-18 0,18 18 0,0-17 16,-1 17-16,1 0 0,-18 0 0,18 0 0,-18 0 93,0-18-93,0 18 32,0-17-17</inkml:trace>
+  <inkml:trace contextRef="#ctx0" brushRef="#br0" timeOffset="26282.5033">19914 7585 0,'0'0'47,"0"0"-47,0 0 16,0 0-16,0 0 0,-17 0 0,-1 0 0,18 17 0,0-17 15,0 18-15,-18-18 0,18 0 0,0 18 0,-17-18 0,-1 0 16,18 0-16,-18 17 0,18-17 0,0 18 0,-17-18 16,-1 0-16,18 18 0,-17-18 0,-1 0 0,0 17 15,1 1-15,-1-18 0,0 0 0,1 17 0,-19 1 0,36-18 16,-17 0-16,-18 18 0,35-18 0,-18 0 0,-17 17 0,17-17 15,0 0-15,-17 18 0,35-18 0,-35 0 0,35 0 0,-35 18 16,-1-1-16,-17-17 0,36 0 0,-1 0 16,0 0-16,18 0 0,-35 0 0,17 18 0,1-18 0,-1 0 15,1 0-15,-1 0 0,18 18 0,-35-18 0,17 0 0,18 0 16,-35 0-16,35 0 0,-18 0 0,-17 17 0,35-17 0,-18 0 15,-17 18-15,17-18 0,1 0 0,-1 0 0,-17 18 0,17-18 16,-17 17-16,0-17 0,17 0 0,-17 0 0,17 0 16,-17 0-16,-36 35 0,36-35 0,-18 0 0,35 0 0,-17 0 15,-88 18-15,105-18 0,-53 0 0,54 0 0,-19 18 16,-34-18-16,35 0 0,-1 0 0,-17 0 0,18 0 0,0 0 15,-53 0-15,52 0 0,1 0 16,-194 0-16,194 0 0,-18 0 0,-18 0 16,0 0-16,36 0 0,0 0 0,-18 0 0,35 0 15,-17 0-15,0 0 0,17 0 0,1 0 0,-54 0 0,71 0 16,-18 0-16,-52-18 0,35 18 0,-1-18 0,19 18 15,-1 0-15,-35-17 0,53 17 0,-35-18 0,-18 18 0,35 0 16,1 0-16,-19 0 0,1-17 0,17 17 0,-35-18 16,36 18-16,-18 0 0,-1-18 0,19 18 0,-1 0 0,-35 0 15,35 0-15,18 0 0,-52 0 0,34-17 0,0 17 0,-17 0 16,17 0-16,1 0 0,-1 0 0,-17 0 0,35 0 0,-36-18 15,19 18-15,-18 0 0,17 0 0,18-18 0,-35 18 16,17 0-16,18 0 0,-18 0 0,1 0 0,-1 0 16,18-17-16,-18 17 0,18 0 0,-35 0 0,18 0 15,-1-18-15,0 18 0,1 0 0,17-18 0,-18 18 0,18 0 16,0 0-16,-18 0 0,18-17 0,0 17 0,-17 0 0,17 0 15,-18 0-15,18-18 0,0 18 0,0-18 0,-18 18 16,18 0-16,0-17 0,0 17 16,0 0-16,0-18 0,-17 18 0,17-17 0,0 17 0,0-18 15,0 18-15,0-18 0,0 18 0,0-17 16,0-1-16,0 18 0,0-18 0,0 18 0,0-17 15,0-1-15,0 18 0,0-18 0,17 1 0,-17-1 0,0 18 16,18-17-16,-18-1 0,18 0 0,-18 1 0,17 17 16,-17-18-16,18 0 0,-18 1 0,18-1 0,-1 0 0,-17 18 15,18-17-15,0-1 0,-1 1 0,1-1 0,-1 0 16,-17 18-16,18-17 0,-18-1 0,18 18 0,-1-18 0,-17 18 15,0-17-15,18-1 0,0 18 0,-1-18 0,-17 18 0,0-17 16,18-1-16,-18 18 0,0-18 0,35 1 0,-35-1 16,0 18-16,35-35 0,-35 35 0,0 0 0,0-18 0,18 1 15,0 17-15,-1-18 0,-17 0 0,18 18 0,-18 0 0,18-35 16,17 35-16,-35-18 0,18 1 0,-1 17 0,1-18 15,-18 18-15,18-17 0,17 17 0,-35-18 0,35 18 0,-17 0 16,-1-18-16,1 18 0,17-17 0,-17 17 0,-18 0 16,35-18-16,-17 0 0,-1 18 0,19 0 0,-19 0 0,-17-17 15,36 17-15,-19-18 0,1 18 0,17 0 0,-35 0 0,35-18 16,1 18-16,-36-17 0,35 17 0,18 0 0,-53 0 0,18 0 15,52-18-15,-52 18 0,-1 0 0,36-17 0,0 17 0,-35-18 16,35 18-16,-18 0 0,0 0 0,18 0 0,-17 0 0,-19 0 16,54 0-16,-36 0 0,0 0 0,54 0 0,-72 0 0,18 0 15,54 0-15,-72 0 0,19 0 0,69 0 0,-52 0 16,0 0-16,-18 0 0,-17 18 0,53-18 0,-36 0 0,0 0 15,18 0-15,-35 0 0,17 0 0,53 17 0,-70-17 0,0 0 16,52 0-16,-52 0 0,-1 0 0,54 0 0,-36 0 16,-17 0-16,35 0 0,-36 0 0,19 0 0,17 0 0,-18 0 15,-17 0-15,17 0 0,0 0 0,-17 0 0,35 0 0,-36 0 16,19 0-16,16 0 0,-34 0 0,0 0 0,35 0 0,-36 0 15,1 0-15,70 0 0,-70 0 0,35 0 0,-36 0 16,36 0-16,-35 0 0,17 18 0,18-18 16,-53 0-16,35 17 0,-17-17 0,0 0 0,17 0 15,-17 18-15,-1-18 0,1 0 0,-18 0 0,17 0 0,19 0 16,-19 0-16,-17 0 0,18 0 0,-18 18 0,18-18 0,-1 0 15,-17 0-15,18 0 0,-18 0 0,18 0 0,-18 17 0,0-17 16,17 0-16,1 0 0,-18 0 16,0 18-16,17-18 0,-17 18 15,0-18-15,0 0 0,0 17 0,18-17 0,-18 0 16,0 18-16,18 0 0,-18-18 0,17 0 0,-17 17 15,0-17-15,18 0 0,-18 18 0,0-18 0,0 17 16,18 1-16,-18-18 0,0 18 0,17-18 0,-17 17 16,0 1-16,0-18 0,0 0 0,0 18 0,0-1 0,0 1 15,0-18-15,0 18 0,0-1 0,0-17 0,0 18 16,0-1-16,0-17 0,0 18 0,0 0 0,0-1 0,0-17 15,0 18-15,0-18 0,0 18 0,0-1 0,0-17 0,0 18 16,0 0-16,-17-18 0,17 17 0,0 1 0,0-18 16,0 18-16,0-1 0,-18-17 0,18 18 0,0-18 0,-18 17 15,18-17-15,-17 18 0,17 0 0,0-1 0,-18-17 0,18 18 16,-18 0-16,1-1 0,17 1 0,0-18 0,-18 18 0,18-18 15,0 17-15,-35 1 0,35-1 0,0-17 0,-18 36 0,18-36 16,-17 17-16,17-17 0,-18 0 16,18 18-16,0-18 0,-18 18 0,18-18 0,0 0 15,0 17-15,-17-17 0,-1 0 0,18 0 0,0 0 0,-18 0 16,18 18-16,-17-18 0,17 0 0,0 18 0,-18-18 15,1 0-15,17 0 0,0 0 0,-18 0 16</inkml:trace>
+  <inkml:trace contextRef="#ctx0" brushRef="#br0" timeOffset="32559.8624">4286 10354 0,'18'0'109,"-18"0"-78,0 0-15,18 0 0,-18 0-16,17 0 31,-17 0-16,0 18-15,18-18 16,-18 0-16,0 0 16,17 0-16,1 0 15,-18 17-15,0-17 0,18 0 16,-18 0-1,17 0 32,-17 0-31,18 0-1,0 0-15,-18 0 0,0 0 16,0 0-16,17 0 0,-17-17 16,0 17-16,18 0 15,-18-18-15,18 18 0,-18 0 16,0 0-16,0-18 15,0 18-15,17 0 16,-17-17-16,0-1 16,0 18-1,0-18-15,0 18 31,0 0 32,0 0-48,-17 0 1,-1 0-16,18 0 31,-18 0-31,18 0 31,-17 0-15,-1 0 0,18 0-16,-18 0 15,18 0-15,-17 0 16,17 0-16,-18 0 15,0 0 1,18 0-16,-17 0 16,17 0-1,0 0 1,-18 0-16,1 0 15,17 0-15,-18 0 16,18 0-16,0 0 16,-18 0-16,18 0 15,0 0-15,-17 0 0,-1 0 16,18 18-16,0-18 0,-18 0 15,18 18-15,0-18 16,0 0 0,0 17-16,0-17 0,0 18 15,-17-18-15,17 18 0,0-18 16,0 17-16,0-17 15,0 18-15,0-18 16,0 18-16,0-1 0,0-17 16,0 0-16,0 18 0,0-18 15,0 0-15,17 0 0,-17 18 0,0-18 16,0 17-16,18-17 0,-18 0 0,18 0 15,-18 18-15,0-18 0,17 0 16,-17 0-16,0 0 0,18 17 0,-18-17 16,0 0-16,18 0 0,-1 0 0,-17 18 15,18-18-15,-18 0 0,0 18 0,17-18 0,1 0 0,-18 0 16,0 0-16,18 0 0,-18 0 0,17 0 0,-17 17 0,18-17 15,0 0-15,-18 0 0,17 0 0,-17 0 0,18 0 16,0 18-16,-18-18 0,17 0 0,-17 0 16,18 0-16,-18 0 0,17 0 0,1 0 15,-18 0-15,18 0 0,-18 0 16,17 0-16,-17 0 31,0 0-31,0 0 94</inkml:trace>
+  <inkml:trace contextRef="#ctx0" brushRef="#br0" timeOffset="33647.9246">4727 10407 0,'0'0'0,"0"0"16,0 18-16,0-1 16,0-17-16,0 18 0,0-18 15,0 18-15,0-1 16,0-17-16,0 18 15,0-18-15,0 17 0,0-17 16,18 0-16,-18 18 0,0 0 0,0-18 16,0 17-16,0-17 156,0 0-141,0-17-15,0-1 0,0 18 16,0-18-16,0 18 0,0-17 0,0 17 15,0-18-15,0 1 0,0 17 0,18 0 0,-18-18 0,0 18 16,17-18-16,-17 1 0,0 17 0,0-18 0,18 18 0,-18 0 16,0-18-16,0 18 0,0 0 0,17-17 0,1-1 15,-18 18-15,0 0 0,0-18 0,18 18 16,-18-17-16,17-1 0,-17 18 15,0-18-15,18 18 0,-18 0 0,18 0 0,-18 0 16,0-17-16,17 17 0,-17 0 0,0 0 0,18 0 16,0 0-16,-18 0 0,17 0 15,-17 0 1,0 0-16,18 0 15,-18 0-15,0 0 0,0 0 0,17 0 16,-17 17-16,18-17 0,-18 0 0,0 0 0,0 18 0,18-18 16,-18 18-16,0-18 0,0 17 0,0-17 0,17 0 15,-17 18-15,18-18 0,-18 18 0,0-18 0,0 0 0,0 17 16,0-17-16,18 0 0,-18 18 0,0-18 0,0 18 0,0-1 15,0-17-15,0 18 16,0-18-16,0 18 0,0-1 0,0-17 16,0 18-16,0-18 0,0 17 0,0-17 15,0 18-15,0 0 0,0-18 0,0 17 16,0-17-16,0 18 0,0 0 15,0-18-15,0 17 16,0-17-16,0 18 16,0-18-16,0 18 31,0-18 78,0 0-93</inkml:trace>
+  <inkml:trace contextRef="#ctx0" brushRef="#br0" timeOffset="34327.9635">5433 10037 0,'0'0'15,"0"0"-15,0 0 0,0 0 0,0 17 16,0 1-16,0-18 0,0 17 15,0-17-15,0 18 0,0 0 0,0-18 16,17 17-16,-17 1 0,0 0 0,0-18 0,0 17 16,0-17-16,0 18 0,0-18 0,0 35 0,0-35 0,0 18 15,0-1-15,0 1 0,0-18 0,0 18 0,0-1 0,0 1 16,0 0-16,0-18 0,0 17 0,0 1 0,0 0 0,0-18 15,0 17-15,18 1 0,-18-18 0,0 18 0,0-18 16,0 17-16,0 1 0,0-18 0,0 17 0,0-17 16,0 18-16,18-18 0,-18 0 15,0 18-15,0-1 0,0-17 16,0 18-16,0-18 31,0 18 16</inkml:trace>
+  <inkml:trace contextRef="#ctx0" brushRef="#br0" timeOffset="35202.0135">5380 10354 0,'0'0'31,"0"-18"-31,0 18 0,18 0 16,-18 0-16,17 0 15,1 0-15,-18-17 0,0 17 0,17 0 0,-17 0 16,18 0-16,0 0 0,-18 0 0,17 0 0,-17 0 15,0-18-15,18 18 0,0 0 16,-1 0-16,-17 0 0,18 0 0,-18 0 0,18 0 0,-18 0 0,17 0 16,1 0-16,-18 0 0,17 0 0,-17 0 15,18 0-15,0 0 0,-18 0 16,17 0-16,-17-18 15</inkml:trace>
+  <inkml:trace contextRef="#ctx0" brushRef="#br0" timeOffset="36005.0594">5750 10495 0,'0'18'15,"0"-18"-15,0 17 0,0-17 16,0 18-16,0-18 15,0 18-15,0-1 0,0-17 16,0 18-16,0-18 0,0 18 16,0-1-16,0-17 0,0 0 15,0 18-15,0-18 0,0 18 16,0-18 77,0 0-93,0 0 0,0-18 16,0 18-16,-17 0 0,17-18 0,0 1 0,0 17 16,0-18-16,0 18 0,0-18 0,0 1 0,0 17 0,0-18 15,0 0-15,0 1 0,0 17 0,0-18 0,0 18 0,0-17 16,0 17-16,0-18 0,0 0 0,0 18 15,0-17-15,0 17 0,0 0 16,0-18-16,0 18 0,0-18 0,0 18 16,17 0-16,-17-17 0,0 17 0,0 0 0,18-18 15,-18 18-15,0 0 0,0-18 16,18 18-16,-1 0 15,-17-17-15,0 17 0,18 0 16,-18 0 0,17 0-16,-17 0 15,18 0 1,0 0-16,-18 0 15,17 0-15,-17 0 0,0 0 0,0 17 16,18-17-16,-18 0 47,0 18-32,18-18-15,-18 0 0,0 18 16,0-18-16,0 0 0,0 17 16,17-17-1</inkml:trace>
+  <inkml:trace contextRef="#ctx0" brushRef="#br0" timeOffset="37168.1259">6015 10460 0,'0'18'0,"0"-18"0,0 0 15,0 17-15,0-17 0,0 0 0,0 18 16,0-1-16,0-17 0,-18 18 0,18-18 15,0 18-15,0-1 0,-17-17 0,17 0 16,0 18-16,0-18 16,0 0-16,0 18 0,0-18 0,0 17 15,0 1 1,0-18-1,0 0 1,0 18-16,0-18 0,0 0 16,17 0-16,-17 0 15,0 17-15,18-17 16,-18 0-1,18 0 1,-18 0-16,17 0 16,-17 0-16,0 0 0,0-17 15,18 17-15,-18 0 0,0 0 0,0-18 0,17 18 16,-17-18-16,0 18 0,0 0 0,0-17 0,18 17 0,-18-18 15,18 18-15,-18-18 0,0 1 0,0 17 16,0 0-16,0-18 0,0 18 0,0-18 16,0 1-16,17 17 0,-17 0 15,0-18-15,0 18 31,0 0 1,-17 0-32,-1 0 31,18 0 16,-18 0-32,18 0 32,-17 0 0,17 0 78</inkml:trace>
+  <inkml:trace contextRef="#ctx0" brushRef="#br0" timeOffset="40202.2995">6332 10442 0,'0'0'0,"0"0"0,0 18 16,0-18-16,0 18 0,0-1 15,0-17-15,0 18 0,0-18 0,0 0 16,0 17-16,0-17 0,-17 0 0,17 18 0,0 0 15,0-18-15,0 17 0,0-17 0,0 18 0,0 0 0,-18-18 16,18 17-16,0-17 0,0 18 0,0 0 0,0-1 0,0-17 16,0 35-16,0-35 0,0 18 0,0-18 0,0 18 0,0-1 15,0 1-15,-18-18 0,18 35 0,0-17 0,0-18 0,0 18 16,0-1-16,0-17 0,0 18 0,0-18 0,0 17 0,0 1 15,0-18-15,0 18 0,0-18 0,0 17 16,0-17-16,0 18 0,0 0 0,0-18 16,0 17-1,0-17-15,0 0 63,0 0-48,0 0-15,0-17 0,0-1 16,0 18-16,-17-18 0,17 18 0,-18-35 15,18 17-15,0 18 0,0-35 0,-17 18 0,17-1 0,-18-17 0,18 17 16,0 0-16,0-17 0,0 17 0,-18 1 0,1-54 16,17 36-16,0 0 0,0 17 0,0 0 0,0-17 15,0 18-15,0-1 0,0 0 0,0 1 0,0 17 0,0-18 16,0 18-16,0-18 0,0 1 0,0 17 15,0-18-15,0 18 0,0-18 0,0 18 16,0-17-16,0-1 16,0 18-16,0 0 15,0 0-15,17-18 16,-17 18-16,18 0 15,0 0 1,-18 0-16,0 0 16,17 0-16,-17 0 0,18 0 15,-1 0-15,-17 0 31,0 0-31,18 0 0,-18 0 16,0 0-16,0 0 0,0 18 16,18-18-16,-18 18 0,0-18 0,0 17 15,17-17-15,-17 18 0,18-18 0,-18 18 0,0-1 16,0-17-16,0 0 0,18 18 0,-18-18 0,0 18 0,0-1 15,17-17-15,-17 0 0,18 18 0,-18-18 0,0 0 16,0 18-16,0-18 0,0 17 47,0 1-32,0-18 1,0 17-16,0-17 16,0 18-1,0-18-15,0 0 16,0 18-16,0-1 15,0-17-15,0 0 16,-18 0-16,18 18 16,-17-18-16,17 0 0,-18 0 15,0 0-15,18 18 0,0-18 0,-17 0 0,17 0 16,0 17-16,-18-17 0,18 0 0,0 0 0,-18 0 15,1 0-15,17 0 0,0 18 0,-18-18 16,18 0 78</inkml:trace>
+  <inkml:trace contextRef="#ctx0" brushRef="#br0" timeOffset="41448.3708">6526 10336 0,'0'0'0,"0"0"16,0 18-16,0-18 16,0 18-16,0-1 0,0-17 15,0 0-15,0 18 0,0-18 0,-17 0 16,17 18-16,0-1 0,0-17 0,0 18 15,0-18-15,0 18 0,0-18 16,0 17-16,0-17 0,0 18 0,0-18 0,17 0 16,-17 17-16,0-17 0,0 0 0,0 18 0,0-18 0,18 0 15,-18 18-15,0-18 0,0 17 0,18-17 0,-18 18 0,0-18 16,0 0-16,17 0 0,-17 18 0,18-18 0,-18 17 15,0-17-15,0 0 16,18 0-16,-18 0 31,17 0 0,-17 0-15,0 0-16,18 0 16,-18-17-16,18 17 0,-18 0 0,0 0 15,0-18-15,17 18 0,-17 0 16,0-18-16,0 18 0,0-17 0,0 17 0,18 0 15,-18-18-15,0 18 0,17 0 0,-17-18 0,0 18 16,0-17-16,0 17 0,0-18 16,0 18-16,0-17 0,0 17 15,18 0-15,-18-18 0,0 18 16,0-18-1,0 1-15,0 17 125,0 17-125,0-17 16,0 18-16,0-18 0,0 18 15,0-18-15,0 17 0,0 1 0,0-18 0,0 17 0,0-17 16,0 0-16,0 18 0,18-18 0,-18 35 0,0-35 16,0 18-16,0-18 0,0 18 0,0-1 0,17 1 0,-17 0 15,0-1-15,0-17 0,18 35 0,-18-35 0,0 36 0,0-19 16,0-17-16,18 18 0,-18 0 0,0 17 0,17-35 0,-17 18 15,0-1-15,0 1 0,0-1 0,0-17 0,0 18 0,0 0 16,0-1-16,0 1 0,0 0 0,0-1 0,18 1 16,-18 17-16,0-35 0,0 18 0,0 0 0,0-1 0,0-17 15,0 18-15,0-1 0,0 1 0,-18 0 0,18-18 0,-17 17 16,17 1-16,0-18 0,0 18 0,-18-18 0,18 0 0,0 17 15,-18-17-15,1 0 0,17 18 0,0-18 0,-18 0 0,18 0 16,-18 18-16,1-18 0,17 0 0,-18 0 0,18 0 16,-17 17-16,17-17 0,-18 0 0,0 0 0,18 0 0,-17 0 15,-1 0-15,0 0 0,18 18 0,0-18 0,-17 0 0,17 0 16,-36 17-16,36-17 0,-17 0 0,17 0 0,-18 0 0,0 0 15,18 0-15,-17 0 0,17 0 0,-18 0 0,18 0 0,0 0 16,-17 0-16,-1 0 0,18-17 0,0 17 16,-18 0-16,18-18 0,-17 18 0,-1 0 0,18 0 15,0-17-15,-18 17 0,18 0 0,0 0 0,-17 0 0,17-18 16,0 18-16,0-18 0,-18 18 15,18 0-15,0-17 16</inkml:trace>
+  <inkml:trace contextRef="#ctx0" brushRef="#br0" timeOffset="43104.4655">7408 10407 0,'0'0'16,"0"0"-16,-17 0 16,17 0-16,0 0 0,-18 0 0,18 0 15,-18 0-15,18 0 0,0 0 0,-17 0 16,17 18-16,-18-18 0,18 0 0,-17 0 15,17 0-15,0 0 0,-18 0 0,18 17 0,-18-17 16,18 0-16,0 0 0,-17 0 0,17 18 0,0-18 16,0 0-16,0 18 0,-18-18 0,18 17 15,0-17-15,0 0 0,-18 0 0,18 18 0,-17-18 0,17 0 16,0 17-16,0-17 0,0 18 15,0-18-15,-18 0 0,18 18 0,0-18 0,0 17 16,0-17-16,0 18 16,0 0-16,0-18 15,0 0-15,0 17 16,0-17-16,18 0 0,-1 0 15,-17 18-15,0-18 0,0 18 0,18-18 0,-18 0 16,0 0-16,18 0 0,-18 0 16,0 17-16,17-17 0,1 0 15,-18 0-15,18 0 16,-18 0-16,17 0 15,-17 0-15,18 0 0,-18 0 0,0 0 16,17 0-16,-17 0 0,0-17 0,18 17 0,-18 0 16,0-18-16,18 18 0,-1 0 0,-17 0 15,0-18-15,18 18 0,-18 0 0,0 0 0,18 0 16,-18-17-16,17 17 0,-17-18 0,0 18 15,0 0-15,0-18 0,0 18 16,18 0-16,-18-17 0,0 17 16,0-18-16,0 0 0,0 18 15,0-17-15,0 17 16,0-18-16,0 1 15,0 17-15,0 0 0,0 0 0,0-18 0,-18 18 16,18 0-16,-17 0 16,17-18-16,0 18 15,0 0-15,-18 0 0,18 0 31,-18 0-31,1 0 16,17 0-16,0-17 0,-18 17 16,18 0-16,-18 0 31,18-18 31</inkml:trace>
+  <inkml:trace contextRef="#ctx0" brushRef="#br0" timeOffset="44070.5207">7902 10231 0,'-17'0'31,"17"0"-15,-18 0-16,18-18 0,0 18 0,0-18 0,-18 18 15,18 0-15,0 0 0,0-17 0,-17 17 16,17 0-16,-18 0 0,18 0 0,0-18 0,-18 18 15,18 0-15,0-18 0,-17 18 0,17-17 0,0 17 16,0 0-16,-18-18 0,18 18 16,-18 0-16,18-18 0,0 18 15,-17 0-15,17 0 31,-18 0-15,18 0 0,-17 0-16,17 0 0,0 0 0,0 18 0,-18-18 15,18 0-15,0 18 0,0-1 0,-18-17 16,18 0-16,0 0 0,0 18 0,-17-18 0,17 18 0,-18-18 15,18 17-15,0-17 0,0 18 0,-18 0 0,18-1 0,0-17 16,0 18-16,-17-18 0,17 17 0,-18 1 0,18-18 0,0 18 16,0-18-16,0 17 0,0-17 0,0 18 0,-18-18 0,18 18 15,0-1-15,0-17 0,0 18 0,0 0 0,0-18 16,0 17-16,0-17 0,0 18 0,0 0 0,0-1 0,0-17 15,0 0-15,0 18 0,0-1 0,0-17 0,0 18 0,0-18 16,18 18-16,-18-18 0,18 17 0,-18-17 16,0 18-16,17-18 0,-17 18 0,0-18 0,0 0 15,0 17-15,18-17 0,-18 18 0,0-18 16,0 18-16,0-18 0,0 0 15,18 0 17,-18 17-32,0-17 109</inkml:trace>
+  <inkml:trace contextRef="#ctx0" brushRef="#br0" timeOffset="44635.5531">7532 10442 0,'0'0'31,"0"0"0,0 0-15,17 0-16,-17 0 15,18 0-15,0 0 16,-18 0-16,0-17 0,17 17 0,-17 0 16,18 0-16,-18 0 0,18 0 0,-1 0 0,-17 0 15,18 0-15,-18-18 0,18 18 0,-1 0 0,-17 0 0,0-18 16,18 18-16,-18 0 0,17 0 0,-17 0 15,0 0-15</inkml:trace>
+  <inkml:trace contextRef="#ctx0" brushRef="#br0" timeOffset="45826.6212">8343 10089 0,'0'0'15,"-17"0"1,17 0-16,0 18 0,0-18 15,0 18-15,0-18 0,0 17 0,0 1 0,0-18 16,0 18-16,0-18 0,-18 35 0,18-35 0,0 18 16,0-1-16,0 1 0,-18-1 0,18 1 0,0-18 15,0 35-15,0-17 0,0-18 0,0 35 0,0-35 0,0 18 16,0 17-16,0-35 0,0 18 0,0 17 0,0-35 0,0 18 15,0-1-15,0-17 0,0 18 0,0 0 0,0-1 0,0-17 16,0 0-16,0 18 0,0-18 0,0 18 16,18-18-16,-18 0 0,0 17 0,0 1 0,0-18 15,0 18-15,0-18 16,0 0 77,0 0-93,-18 0 16,18 0-16,0 0 0,-17-18 0,17 18 16,-18-18-16,0 18 0,18-17 0,-17 17 0,17 0 15,-18-18-15,18 18 0,0 0 0,-35-18 0,35 1 0,0 17 16,-18 0-16,1-18 0,-1 18 0,18 0 0,-18-18 15,1 18-15,17 0 0,-18-17 0,18 17 16,0 0-16,-18 0 0,18-18 0,-17 18 16,-1 0-16,18 0 15,-18 0 1,18 0-16,-17 0 15,17 0-15,0 0 0,-18 0 0,18 18 16,-17-1-16,17-17 0,0 0 0,-18 0 16,18 18-16,0-18 0,0 0 0,-18 18 0,18-18 15,0 17-15,0 1 16,0-18-16,0 18 15,0-18-15,0 0 0,0 0 16,0 17-16,18-17 16,-18 0-16,18 0 0,-18 18 15,17-18-15,-17 0 0,18 0 0,-18 0 16,17 0-16,-17 0 0,18 0 0,0 0 15,-18 0-15,17 0 0,-17 0 0,18 0 16,-18 0-16,18 0 16,-1 0-16,-17 0 15,18 0-15,-18 18 0,0-18 16,18 0 93,-1 0-15</inkml:trace>
+  <inkml:trace contextRef="#ctx0" brushRef="#br0" timeOffset="47081.693">8590 10513 0,'0'0'0,"0"0"15,-17 0 1,17-18-16,0 18 16,0-17-16,-18 17 0,18 0 15,0 0-15,0-18 0,-18 18 16,18 0-16,0 0 15,-17 0 1,-1 0 15,18 0-31,-18 0 16,18 0-16,0 0 0,-17 0 15,17 0-15,-18 0 0,18 0 0,0 0 0,-18 0 16,18 18-16,0-1 0,-17-17 16,17 0-16,0 0 0,0 18 15,-18-18-15,18 0 16,0 17-16,-18-17 0,18 18 15,0-18-15,0 18 0,0-18 16,0 17 0,0-17-16,0 0 15,0 18-15,18-18 16,-18 0-1,18 0 17,-18 0-32,17 0 15,-17 0-15,0 0 16,18 0-16,0 0 0,-18 0 0,0 0 0,17 0 15,-17-18-15,0 18 0,18 0 0,-18 0 16,18 0-16,-18-17 0,0 17 16,0 0-16,17 0 0,-17-18 15,0 0-15,0 18 0,0 0 0,18 0 0,-18-17 16,0 17-16,18 0 0,-18 0 0,17 0 0,-17-18 15,0 18-15,18 0 16,-18-17-16,0 17 125,0 17-125,0-17 16,0 18-16,0-18 15,0 17-15,0 1 0,0-18 16,0 18-16,0-18 0,0 17 0,0-17 15,0 18-15,0 0 0,0-18 0,0 17 16,0-17-16,0 18 16,0 0-16,0-18 31,17 0-31,-17 0 140,0 0-124,0-18-16,18 18 15</inkml:trace>
+  <inkml:trace contextRef="#ctx0" brushRef="#br0" timeOffset="47658.726">8714 10142 0,'0'0'0,"0"0"0,0 18 0,0-18 15,0 0-15,0 18 0,0-18 0,0 17 0,0 1 16,0-18-16,0 18 0,0-18 0,0 17 0,0-17 15,0 18-15,0-1 0,0-17 0,0 18 0,0-18 16,0 18-16,0-1 0,0-17 0,0 18 0,0-18 16,0 18-16,0-18 0,0 35 0,0-35 0,0 18 15,0-18-15,0 17 0,0 1 0,0 0 0,17-18 0,-17 0 16,0 35-16,0-35 0,0 17 0,0 1 0,0 0 0,0-18 15,18 17-15,-18-17 0,0 18 0,0 0 0,18-18 0,-18 17 16,0 1-16,0-18 0,0 18 0,0-18 0,0 17 0,0-17 16,17 18-16,-17-18 0,0 17 15,0 1-15,0-18 0,0 0 0,0 18 16,0-18 77,0 0-77,0-18-16,0 0 0</inkml:trace>
+  <inkml:trace contextRef="#ctx0" brushRef="#br0" timeOffset="48185.7561">8608 10425 0,'0'-18'31,"0"18"-31,0 0 16,0 0-1,17 0-15,1 0 16,-18 0-16,0-18 0,18 18 0,-18 0 15,17 0-15,-17 0 0,18 0 0,0 0 0,-18 0 16,17 0-16,-17-17 0,18 17 0,0 0 0,-18-18 16,17 18-16,-17 0 0,18 0 0,-18 0 0,17 0 15,1 0-15,-18-18 0,18 18 0,-18 0 0,17 0 0,1 0 16,-18 0-16,18 0 0,-18 0 0,17 0 15,1 0-15</inkml:trace>
+  <inkml:trace contextRef="#ctx0" brushRef="#br0" timeOffset="49392.8252">9102 10460 0,'0'0'47,"0"0"-31,0 0-16,-18 0 0,18 0 15,-18 0 1,1 0-1,17 0-15,0 0 0,-18 0 16,18 0-16,0 18 0,-18-18 0,1 0 16,17 17-16,0-17 0,-18 0 0,18 0 15,0 0-15,-17 18 0,17-18 0,0 0 0,-18 0 0,0 0 16,18 17-16,-17-17 0,17 18 0,0-18 15,-18 0-15,0 18 0,18-18 16,0 0-16,0 17 0,0-17 16,0 18-16,0 0 15,0-18-15,0 17 16,0-17-16,0 18 0,0 0 15,0-18-15,0 0 0,0 17 16,18-17-16,-18 0 16,0 0-16,18 0 15,-18 0 1,17 0-1,1 0-15,-18 0 16,0 0-16,18 0 0,-18 0 0,0 0 0,17 0 16,-17 0-16,0 0 0,0-17 15,18 17-15,-1 0 0,-17-18 0,0 18 0,18 0 16,-18 0-16,0-18 0,18 18 15,-18 0-15,17 0 0,-17-17 0,0-1 16,18 18-16,-18 0 0,0 0 16,0-18-16,18 18 0,-18 0 15,0-17 1,0 17-16,0 0 0,0 0 140,0 0-140,0 0 16,0 17-16,0-17 0,0 18 15,17 0-15,-17-18 0,0 17 0,0-17 16,0 18-16,0 0 0,0-18 0,18 17 0,-18-17 16,0 18-16,0-18 0,0 17 0,0 1 15,0 0-15,0-1 0,18 1 0,-18-18 0,0 18 0,0-18 16,0 17-16,0 1 0,0-18 0,0 18 0,0-18 15,17 0-15,-17 17 0,0 1 0,0-18 16,0 17-16,18-17 0,-18 0 16</inkml:trace>
+  <inkml:trace contextRef="#ctx0" brushRef="#br0" timeOffset="50567.8924">4498 11324 0,'0'0'62,"0"0"-62,0 18 16,0-18-16,0 0 0,0 17 16,0-17-1,0 0-15,0 18 0,0 0 0,-18-18 16,18 0-16,0 17 0,0-17 0,0 0 15,0 18-15,0-18 0,0 18 16,0-1-16,0-17 0,0 18 0,0-18 16,0 18-16,0-1 15,0-17-15,0 18 0,0-18 16,0 17-16,0-17 15,0 0-15,0 18 0,0 0 16,0-18-16,0 0 0,0 0 16,18 0-16,-18 17 15,18-17-15,-18 0 0,17 0 16,-17 0-16,18 0 15,-1 0-15,-17 0 16,18 0-16,-18 0 16,0 0-16,18 0 15,-18 0-15,0 0 16,17 0-16,1 0 0,-18-17 15,0 17-15,18 0 16,-18-18-16,0 18 16,17 0-1,-17 0-15,18 0 0,-18 0 47,0-18-47,0 18 31</inkml:trace>
+  <inkml:trace contextRef="#ctx0" brushRef="#br0" timeOffset="51015.918">4692 11113 0</inkml:trace>
+  <inkml:trace contextRef="#ctx0" brushRef="#br0" timeOffset="52215.9866">4904 11377 0,'0'0'16,"0"0"-16,17 0 31,-17 0-31,18 0 15,-18 0-15,0 0 0,18 0 16,-18 0-16,17 0 0,1 0 16,-18 0-16,17 0 0,-17 0 15,0 0-15,18 0 0,0 0 0,-18 0 16,0 0-16,17 0 0,-17 0 15,0 0-15,18 0 0,-18-18 16,0 18-16,0-17 0,18 17 16,-18-18-16,17 18 0,-17 0 15,0-17 1,0 17-16,0 0 0,0-18 15,0 0 1,0 18 0,0 0-16,0 0 31,-17 0-16,17 0 1,-18 0-16,18 0 16,-18 0-16,18 0 15,-17 0-15,-1 0 0,18 0 16,-18 0-16,18 0 0,-17 0 0,-1 0 15,18 0-15,0 0 0,-17 0 0,17 18 0,0-18 16,0 0-16,-18 0 0,18 18 16,0-18-16,0 0 0,-18 0 0,1 17 0,17-17 15,0 18-15,-18-18 0,18 0 0,0 0 0,0 17 16,-18-17-16,18 0 0,0 18 0,-17-18 0,17 0 0,0 0 15,0 18-15,-18-18 0,18 17 0,0-17 16,0 0-16,0 18 0,0-18 16,0 18-16,-18-18 0,18 0 0,0 17 15,0 1-15,0-18 16,0 18-16,0-18 0,0 0 15,0 0-15,0 17 0,18 1 16,-18-18-16,18 0 0,-18 0 16,17 0-16,-17 0 0,18 0 0,-18 17 15,0-17-15,18 0 0,-1 0 0,-17 0 16,0 0-16,18 0 0,-18 0 0,18 0 0,-18 18 15,17-18-15,1 0 0,-18 0 0,17 0 0,-17 0 0,0 0 16,18 0-16,0 0 0,-18 0 0,17 0 0,-17 0 0,18 0 16,-18 18-16,18-18 0,-1 0 15,-17 0-15,18 0 0</inkml:trace>
+  <inkml:trace contextRef="#ctx0" brushRef="#br0" timeOffset="53472.0585">5697 11465 0,'0'0'15,"0"0"1,0 0-1,0 0-15,0 18 16,0-18-16,-17 0 0,17 18 0,0-18 0,0 17 16,0 1-16,0-18 0,0 17 0,-18-17 15,18 18-15,0-18 0,0 18 0,0-1 0,0-17 0,-18 18 16,18-18-16,0 18 0,0-1 0,0-17 0,0 18 0,0 0 15,-17-18-15,17 17 0,0 1 0,0-18 0,0 35 0,0-35 16,0 18-16,0-18 0,0 17 0,0 1 0,0-18 0,0 18 16,0-18-16,0 17 0,0-17 0,0 18 15,0 0-15,0-18 16,0 17-1,0-17 32,0 0-31,0-17-16,0-1 0,0 18 0,0-18 15,0 18-15,0-17 0,0 17 0,0-18 0,0 0 0,-18 18 16,18-17-16,0 17 0,0-18 0,0-17 0,0 17 0,0 18 16,0-17-16,0-1 0,0 0 0,0 1 0,0 17 15,0-18-15,0 0 0,0 18 0,0-17 0,0 17 16,0-18-16,0 0 0,0 1 0,0 17 0,0 0 0,0-18 15,0 1-15,18-1 0,-18 18 0,17-18 0,-17 1 16,0 17-16,0 0 0,0-18 0,0 18 16,18 0-16,-18-18 0,0 18 15,0-17-15,18 17 16,-18 0-16,17 0 15,-17 0-15,0-18 0,18 18 16,-18 0-16,18 0 16,-1 0 15,-17 0-31,18 0 15,-18 0 1,0 0-16,18 0 0,-18 0 16,0 0-16,17 0 0,-17 18 15,0-1-15,0-17 0,18 0 0,-18 18 16,0-18-16,0 18 15,0-1-15,0-17 0,0 18 16,0-18-16,0 18 16,0-18-16,0 0 0,0 17 0,0 1 15,0-18-15,-18 17 0,18-17 0,0 18 16,0 0-1,0-18-15,0 0 47,-17 0-47,17 0 16,-18 0-16,18 0 15,-18 0-15,1 0 16,17 17-16,0-17 16,-18 0-1,18 0 79</inkml:trace>
+  <inkml:trace contextRef="#ctx0" brushRef="#br0" timeOffset="54081.0933">5891 11201 0,'0'0'16,"0"0"-16,0 17 15,0-17-15,0 18 0,0-18 16,0 18-16,0-18 0,0 17 0,0 1 0,0-18 16,0 18-16,0-18 0,0 17 0,0 1 0,0-18 15,0 17-15,0-17 0,0 18 0,0-18 0,18 18 0,-18-1 16,0-17-16,0 18 0,0-18 0,0 18 0,0-1 0,0-17 15,0 18-15,0-18 0,0 18 0,0-18 0,0 17 16,0 1-16,18-18 0,-18 0 0,0 17 0,0-17 16,17 0-16,-17 18 0,0 0 15,0-18-15,0 0 0,0 17 16,18-17-16,-18 0 125,0 0-125,18 0 0,-1 0 15,-17 0-15</inkml:trace>
+  <inkml:trace contextRef="#ctx0" brushRef="#br0" timeOffset="55592.1797">6227 11430 0,'-18'0'15,"0"0"-15,18 0 16,-17 0-16,17 0 15,-18 0-15,0 0 16,18 0-16,0 0 0,-17 0 0,17 0 0,0 18 16,-18-18-16,18 17 0,-18-17 15,18 0-15,-17 0 0,17 18 0,0-18 0,0 0 16,-18 0-16,18 18 0,0-18 0,0 17 15,0 1-15,0-18 0,0 17 16,0-17-16,0 18 16,0-18-1,0 0 16,18 0-15,-1 0-16,-17 0 16,18 0-16,-18 0 15,0 0-15,18 0 0,-18 0 0,0 0 16,17 0-16,1 0 0,-18-18 0,0 18 0,0 0 0,18 0 15,-18-17-15,17 17 0,-17-18 0,18 18 0,-18 0 16,0 0-16,0-17 0,18 17 0,-18 0 16,0 0-16,0-18 0,0 18 15,17 0-15,-17-18 0,0 18 31,0-17-31,0 17 125,0 17-125,0-17 0,0 18 16,0-18-16,0 18 0,0-18 15,0 17-15,0 1 0,0-18 16,0 17-16,18-17 0,-18 18 0,0 0 16,17-18-16,-17 17 0,0-17 15,0 0-15,18 18 0,-18-18 16,0 0-16,18 0 0,-1 0 31,-17 0 0,0 0-15,18 0-1,-18 0-15,0 0 0,0 0 0,18 0 16,-18-18-16,0 18 0,0 0 0,17 0 16,-17-17-16,18 17 0,-18-18 0,0 18 15,0 0-15,0-18 0,18 18 0,-18 0 0,0 0 16,0-17-16,0-1 0,17 18 0,-17 0 0,18 0 15,-18-17-15,0 17 16,0-18-16,0 18 16,0 0 93,0 0-109,0 0 15,0 18-15,0-18 0,0 0 0,0 17 0,-18-17 16,18 18-16,0-18 0,0 17 0,0-17 0,0 0 16,0 18-16,0 0 0,-17-18 0,17 17 0,0-17 15,0 18-15,0-18 0,0 18 0,0-1 0,0-17 16,0 18-16,-18-18 0,18 0 0,0 18 0,0-1 15,-18-17-15,18 0 0,0 18 0,0-18 0,0 0 0,0 18 16,0-18-16,-17 17 0,17 1 0,0-18 16,0 0-16,0 17 0,-18-17 0,18 0 0,0 18 15,0-18-15,0 18 0,-18-18 0,18 0 0,-17 17 16,17-17-16,0 0 0,0 18 0,-18-18 0,18 0 15,0 0-15,-18 18 0,1-1 0,17-17 0,0 0 16,-18 0-16,18 0 0,0 18 16,-17-18-16,17 0 0,-18 0 15,0 0 1,18 0-16,-17 0 15,17 0 17,0 0-1,0 0-16</inkml:trace>
+  <inkml:trace contextRef="#ctx0" brushRef="#br0" timeOffset="56317.2212">6738 11465 0,'0'0'0,"0"0"0,0 0 16,0 18-16,0-18 0,0 18 15,0-18-15,-18 0 0,18 17 16,0-17-16,0 0 0,0 18 0,0-18 15,0 17-15,-17-17 0,17 18 16,0-18-16,0 0 0,0 18 16,0-18-16,-18 17 0,18 1 0,0-18 15,-17 18-15,17-18 0,0 17 16,0-17-16,0 18 0,0 0 15,-18-18-15,18 0 32,0 0 77,0 0-94,0 0-15,0-18 0,0 18 16,0-18-16</inkml:trace>
+  <inkml:trace contextRef="#ctx0" brushRef="#br0" timeOffset="56624.2388">6756 11324 0,'0'0'16,"0"0"62</inkml:trace>
+  <inkml:trace contextRef="#ctx0" brushRef="#br0" timeOffset="57505.2892">6879 11536 0,'0'0'0,"0"17"0,0-17 15,0 18-15,0-18 0,-17 0 0,17 18 0,0-18 16,0 17-16,0-17 0,0 18 0,-18-18 15,18 18-15,0-18 0,0 0 16,0 17-16,-18-17 0,18 0 0,0 18 16,-17-18-16,17 18 0,0-18 0,0 17 15,0-17-15,0 18 0,-18-18 0,18 0 0,0 18 16,0-18-16,0 17 0,0-17 15,0 18-15,0-18 78,0 0-78,0-18 0,0 1 16,0 17-16,0-18 0,0 18 0,0-18 16,0 18-16,0-17 0,0-1 0,0 18 15,0-18-15,18 18 0,-18-17 0,17-1 0,-17 0 0,0 18 0,0-17 16,18 17-16,-18-18 0,0 18 0,0 0 15,0-18-15,18 18 0,-18 0 0,17-17 0,-17 17 16,0 0-16,0-18 0,18 18 0,-18-17 0,0 17 16,0 0-16,17 0 0,-17-18 0,18 18 15,-18 0-15,18 0 0,-18 0 16,0-18-16,17 18 0,-17 0 31,0 0-15,18 0-16,0 0 0,-18 0 15,0 0-15,0 18 0,0-18 0,17 0 0,-17 18 16,0-1-16,0-17 0,0 0 0,18 18 15,-18-18-15,0 17 0,18-17 0,-18 18 0,0 0 0,0-18 16,0 0-16,0 17 0,17-17 0,-17 0 0,0 18 0,0 0 16,0-18-16,0 0 0,0 17 0,0-17 15,0 18-15,0-18 16,0 18-16,0-18 15,0 17-15,0-17 0,0 18 0,0-18 16,0 0-16,0 18 0,0-18 0,0 17 16,0-17 62,0 0-78,0-17 15,0 17-15</inkml:trace>
+  <inkml:trace contextRef="#ctx0" brushRef="#br0" timeOffset="58744.36">7532 11518 0,'0'0'78,"-18"0"-62,18 0-16,0 0 0,-17 0 15,17-17-15,-18 17 0,18 0 0,0 0 0,-18 0 16,18-18-16,0 18 0,-17 0 0,17 0 0,-18 0 0,18 0 16,-18 0-16,18-18 0,-17 18 0,17 0 0,-18 0 15,0 0-15,18 0 0,-17 0 0,17 0 16,-18 0-16,18 0 0,-17 0 0,17 0 0,0 0 15,-18 0-15,18 18 0,0-18 0,-18 0 0,18 18 0,0-18 16,0 0-16,-17 17 0,-1 1 0,18-18 0,0 0 16,0 17-16,-18-17 0,18 18 0,0-18 0,0 18 15,0-18-15,0 17 0,-17-17 0,17 0 0,0 18 16,-18-18-16,18 0 0,0 18 0,0-1 0,0-17 15,0 18-15,0-18 0,0 0 0,0 18 16,0-1-16,0-17 0,0 18 16,0-18-16,0 0 0,18 0 15,-18 0-15,17 0 16,-17 18-16,0-18 15,18 0 1,0 0-16,-18 0 16,17 0-16,-17 0 0,18 0 0,-18 0 15,0 0-15,18 0 0,-1 0 0,-17 0 0,0 0 16,18-18-16,-18 18 0,0 0 0,17 0 0,-17-18 15,18 18-15,-18-17 0,0 17 0,0 0 0,18 0 0,-18-18 16,0 18-16,0 0 0,17 0 0,-17-18 0,0 18 16,0-17-16,18 17 0,-18 0 0,18 0 0,-18-18 15,0 18-15,0 0 0,17 0 0,-17-18 0,0 18 16,0 0-16,18 0 0,-18-17 15,18 17-15,-18-18 16,0 18 140,0 18-140,0-18-16,0 17 15,0-17-15,0 18 0,0-18 0,0 18 16,0-1-16,0-17 0,0 18 0,0-18 15,0 18-15,0-1 0,0-17 0,0 18 0,17-18 16,-17 18-16,0-1 0,0-17 0,18 18 0,-18-18 0,0 17 0,0-17 16,0 18-16,0 0 0,0-18 0,17 35 0,-17-35 0,0 18 15,18-1-15,-18 1 0,0-18 0,0 18 0,0-18 0,0 17 16,0 1-16,0-1 0,0-17 0,0 18 0,0 0 15,0-18-15,0 17 0,0 1 0,0-18 0,0 18 16,0-1-16,0-17 0,0 18 0,0-18 0,0 18 0,0-1 16,-18 1-16,1 17 0,-1-35 15,18 0-15,0 0 0,-17 18 0,-1-18 0,18 0 0,-18 0 16,18 0-16,-17 17 0,-1-17 0,18 0 0,-18 0 15,18 0-15,-17 0 0,17 0 0,-18 0 0,0 0 0,18 0 16,-17 0-16,17 0 0,-35 0 0,35 0 0,-18 0 0,18 0 16,-18 0-16,1 0 0,17 0 0,-18 0 0,18 0 0,-18 0 15,18 0-15,0 0 0,-17 0 0,-1 0 0,18 0 0,0 0 16,-18 0-16,18 0 0,0-17 15,0 17 1,0-18 0</inkml:trace>
+  <inkml:trace contextRef="#ctx0" brushRef="#br0" timeOffset="59424.3989">7849 11130 0,'0'0'15,"0"0"1,0 18-16,0-18 15,0 17-15,0 1 0,0-18 0,0 18 16,0-18-16,0 17 0,0-17 0,0 18 16,0 0-16,0-18 0,0 17 0,0-17 0,0 18 0,0 0 15,0-18-15,0 17 0,0 1 0,0-1 0,0 1 16,0 0-16,0-1 0,0 19 0,0-36 0,0 17 0,0 19 15,18-36-15,-18 17 0,0 18 0,0-35 0,0 18 0,0 17 16,0-17-16,0-18 0,0 18 0,0-18 0,18 17 0,-18 1 16,0 0-16,0-18 0,0 17 0,0 1 0,0-18 15,0 0-15,0 18 16,0-18 46,0 0-31,0-18-15</inkml:trace>
+  <inkml:trace contextRef="#ctx0" brushRef="#br0" timeOffset="59984.431">7673 11465 0,'0'0'31,"18"0"-16,-1 0-15,-17 0 16,0 0-16,18 0 16,-18 0-16,17 0 0,1 0 0,-18 0 15,0 0-15,18 0 0,-18 0 0,17 0 0,-17 0 16,18 0-16,0 0 0,-18 0 0,17 0 0,-17 0 0,18 0 15,0 0-15,-1 0 0,-17 0 0,18 0 0,0 0 0,-1 0 16,-17 0-16,18 0 0,-1 0 0,-17 0 0,18 0 0,-18 0 16,18 0-16,-18 0 0,0 0 15,17 0-15,-17 0 0,18 0 16,-18-17-16,0 17 0,0-18 0,18 18 15,-18 0-15,0 0 0,17 0 0,-17-18 0,18 18 0,-18 0 16,0 0-16,18 0 0,-18 0 0,17 0 16,-17-17-16,0 17 0,18 0 15</inkml:trace>
+  <inkml:trace contextRef="#ctx0" brushRef="#br0" timeOffset="60777.4763">8220 11536 0,'0'0'0,"0"17"15,0 1 1,0-18 62,0 0-62,0 0-1,0-18-15,17 18 0,-17-17 16,0 17-16,0 0 0,0-18 0,18 18 0,-18 0 15,0-17-15,0 17 0,0-18 16,0 18-16,18 0 0,-18-18 16,0 18-16,0-17 15,0 17 1,0-18-16,0 18 15,-18 0 1,18 0-16,0 0 0,-18 0 0,1 0 16,17 0-16,-18 0 0,18 0 0,0 0 15,-18 0-15,1 0 0,17 0 0,-18 0 16,18 0-16,0 18 0,-17-18 0,17 0 0,-18 0 15,18 17-15,-18-17 0,18 0 16,0 0-16,0 18 0,-17-18 0,17 18 16,0-18-16,0 0 0,-18 0 0,18 17 15,-18-17-15,18 0 0,0 0 16,0 18-16,0-18 0,0 17 15,-17 1-15,17-18 0,0 18 16,0-18-16,0 17 0,0 1 16,0-18-16,0 18 0,0-18 0,0 0 15,0 17-15,0-17 0,17 0 0,-17 18 0,18-18 16,-18 18-16,0-18 0,18 0 0,-18 0 0,0 0 15,17 0-15,1 0 16,-18 17-16,0-17 16,18 0-16,-18 0 0,17 0 15,-17 0-15,18 0 16,-1 0-16,-17 0 15,18 0-15,-18 0 0,18 0 16,-1 0-16,-17 0 0,0 0 16,18 0-16,-18-17 0</inkml:trace>
+  <inkml:trace contextRef="#ctx0" brushRef="#br0" timeOffset="61680.528">8361 11483 0,'0'0'16,"0"0"-1,0 18 1,0-18-16,0 17 15,0-17-15,0 0 0,0 18 16,0-18-16,0 17 0,0 1 16,0-18-16,0 18 0,0-18 15,0 17-15,0 1 0,0-18 16,0 18-16,0-18 15,0 0 63,0 0-62,0 0-16,0-18 0,0 0 16,0 18-16,0-17 0,0 17 15,0-18-15,0 0 0,0 18 0,0-17 0,0 17 16,0 0-16,0-18 0,17 18 0,-17-17 0,0 17 15,0-18-15,18 18 0,-18-18 16,18 18-16,-18 0 16,17 0-16,-17-17 15,0 17 63,0 0-62,0 0-16,0 17 0,0-17 15,18 0-15,-18 18 0,0-18 0,0 18 16,0-18-16,0 17 0,18-17 0,-18 0 16,0 18-16,17-18 0,-17 0 15,0 17 1,0 1-16,0-18 0,0 18 15,0-18-15,0 0 0,0 17 0,0 1 16,0-18-16,-17 0 0,17 18 0,0-18 16,0 17-16,0-17 0,0 18 15,0 0-15,-18-18 0,18 0 0,0 0 94,0-18-79</inkml:trace>
+  <inkml:trace contextRef="#ctx0" brushRef="#br0" timeOffset="62176.5563">8608 11377 0,'0'0'16,"0"18"-16,0-18 15,0 17-15,0-17 16,0 18-16,0-18 16,0 18-16,0-18 0,0 17 15,0-17-15,0 18 0,0-18 16,0 18-16,0-1 0,0-17 0,0 18 15,0-18-15,0 17 0,0-17 0,0 18 16,0 0-16,0-18 0,0 17 0,0-17 16,0 18-16,0 0 0,0-18 15,0 0 48,0 0-63</inkml:trace>
+  <inkml:trace contextRef="#ctx0" brushRef="#br0" timeOffset="62480.5737">8643 11165 0</inkml:trace>
+  <inkml:trace contextRef="#ctx0" brushRef="#br0" timeOffset="63409.6269">8996 11324 0,'-18'18'0,"18"-18"15,-17 0-15,17 17 0,0-17 16,-18 0-16,0 0 0,18 0 0,0 0 15,-17 0-15,17 0 0,-18 0 16,18 18-16,-18-18 0,18 0 16,-17 0-16,17 0 0,0 0 0,-18 0 15,18 0-15,0 18 0,-18-18 0,1 0 16,17 0-16,0 0 0,-18 0 15,18 17-15,0-17 0,0 18 16,-17-18-16,-1 0 0,18 0 0,0 18 16,0-18-16,0 0 0,0 17 15,0-17-15,0 18 16,0 0-16,0-18 15,0 17-15,0-17 32,0 0-17,18 0-15,-18 0 0,17 0 16,-17 0-16,0 0 0,18 0 0,-1 0 0,1 0 0,-18 0 15,18 0-15,-1 0 0,-17 0 0,18 0 0,0 0 0,-18 0 16,35 18-16,-35-18 0,18 0 0,-1 0 0,-17 0 0,18 17 16,-18-17-16,17 0 0,-17 0 0,0 0 0,18 0 15,-18 18-15,18-18 16,-18 0-16,0 0 0,0 18 31,0-1-15,0-17-16,0 0 0,0 18 15,0-18-15,0 0 0,0 18 16,-18-18-16,18 17 0,0 1 0,0-18 0,0 0 15,0 18-15,-18-18 0,18 0 0,0 0 16,0 17-16,-17-17 0,17 0 16,-18 0-1,1 0-15,17 0 16,-18 0-16,18 0 0,-18 0 15,1 0-15,17 0 0,-18 0 0,18 0 0,-18 0 0,18 0 16,-17 0-16,-1 0 0,18 0 0,0 0 0,-18 0 0,18 0 16,-17 0-16,17 0 46,0 0-30,0-17-16</inkml:trace>
+  <inkml:trace contextRef="#ctx0" brushRef="#br0" timeOffset="65680.7568">9296 11307 0,'0'0'62,"0"-18"-62,17 18 0,-17-18 0,0 18 16,18 0-16,-18 0 0,0-17 0,18 17 0,-1 0 15,-17 0-15,18 0 0,-18 0 0,18 0 0,-1-18 16,1 18-16,-18 0 0,35-18 0,-35 18 0,18 0 0,-1 0 15,1 0-15,-18 0 0,18 0 0,17 0 0,-17 0 16,-1 0-16,-17 0 0,18 0 0,-18 0 0,17 0 0,1 0 16,-18 0-16,18 0 0,-18 0 0,17 0 0,-17 0 0,18 0 15,0 0-15,-18 0 0,17 0 0,-17 0 16,18 0-16,0 0 0,-18 0 0,17 0 0,1 0 0,-18 0 15,18 0-15,-1 0 0,-17 0 0,35 0 0,-35 0 0,18 0 16,-18 0-16,18 18 0,-18-18 0,17 0 0,1 0 0,-18 0 16,0 0-16,18 0 0,-18 0 0,17 18 0,1-18 0,-18 0 15,0 0-15,18 0 0,-18 0 0,0 17 0,17-17 16,-17 0-16,0 0 0,18 0 0,-18 18 15,17-18-15,-17 18 0,0-18 0,0 0 16,18 0-16,-18 17 0,0-17 0,0 0 16,0 18-16,0-1 0,0-17 15,18 18-15,-18-18 0,0 18 0,0-18 0,0 17 16,0 1-16,0-18 0,0 18 0,17-18 0,-17 17 15,0 1-15,0-18 0,0 18 0,0-18 0,0 17 0,0 1 16,0-1-16,0 1 0,0-18 0,0 18 0,0-1 0,0 1 16,0-18-16,0 35 0,0-35 0,0 18 0,0-18 0,0 18 15,0-1-15,0-17 0,0 0 0,0 18 0,0-18 16,0 18-16,-17-1 0,17-17 0,0 18 15,0-18-15,0 17 0,0-17 0,0 18 16,0-18-16,0 18 0,0-18 0,0 17 16,0-17-16,0 18 0,-18-18 0,18 18 15,0-18-15,0 17 0,0-17 16,0 18-16,0-18 0,0 18 0,0-1 0,0-17 15,0 18-15,0-18 0,0 17 0,0 1 0,0-18 0,0 18 16,0-1-16,0-17 0,0 18 0,0 17 0,0-17 0,0-18 16,0 18-16,0-1 0,0 1 0,0-1 0,0-17 0,0 18 15,0 0-15,0-18 0,0 0 0,0 17 0,0-17 0,0 18 16,0 0-16,0-18 0,0 17 0,0-17 15,0 18-15,0-18 0,0 18 0,0-1 0,18-17 16,-18 0-16,0 18 0,0-18 0,0 18 0,0-1 0,0 1 16,0-18-16,0 17 0,0-17 0,0 18 15,0 0-15,0-18 0,0 17 0,0-17 0,0 18 16,0 0-16,0-18 0,0 17 15,0-17-15,0 0 0,0 18 16,0-18 0,0 18-1,0-1 1,0-17-16,0 0 15,0 0 63,-18 0-78,18-17 16,0 17-16,0 0 0,0-18 0,0 18 16,-18 0-16,18-18 0,0 18 0,-17-17 0,17 17 0,0-18 15,-18 18-15,18-18 0,0 18 0,-17-17 0,17-1 16,0 18-16,0 0 0,-18 0 0,18-18 0,-18 18 0,18-17 15,0 17-15,0 0 0,-17 0 0,17-18 0,0 18 0,0-17 16,-18 17-16,0 0 0,18 0 0,0-18 0,-17 18 0,17 0 16,0-18-16,-18 1 0,18 17 15,0 0-15,-18-18 0,18 18 16,-17 0-16,17-18 15,0 18 1,0 0-16,0-17 16,-18 17-16,18-18 0,0 18 0,0 0 15,0-18-15,0 18 16,0 0 93,0 0-93,0-17-16,0 17 0,18 0 15,-1 0-15,-17 0 0,0 0 0,18 0 0,-18 0 16,35 0-16,-35 0 0,18 0 0,-18-18 0,35 18 0,-35 0 15,18 0-15,0 0 0,-1 0 0,1 0 0,17 0 0,-35 0 16,35 0-16,-17 0 0,0 0 0,17-18 0,-35 18 0,18 0 16,17 0-16,-35 0 0,17 0 0,1 0 0,0 0 0,-1 0 15,1 0-15,-18 0 0,18 0 0,-18 0 0,17 0 16,-17 0-16,0-17 0,18 17 0,-18 0 15,18 0-15,-18 0 16,0-18-16,17 18 0,-17 0 234,0 0-218,0 18-16,0-18 15,0 0-15,0 17 0,0-17 0,0 0 16,0 18-16,-17-18 0,17 18 0,-18-18 0,18 0 0,0 17 15,-18-17-15,18 18 0,0-18 0,-17 18 0,17-1 16,-18-17-16,18 18 0,-18-18 0,18 0 0,0 18 0,-17-1 16,17-17-16,0 18 0,-18-18 0,18 18 0,-18-1 0,18-17 15,-17 18-15,17-18 0,0 17 0,-18-17 16,18 0-16,-17 0 0,17 18 0,0 0 0,0-18 15,-18 0 1,18 17-16,0-17 16,0 0-16,0 18 15,-18-18 1,18 0 93,0 0-93</inkml:trace>
+  <inkml:trace contextRef="#ctx0" brushRef="#br0" timeOffset="70768.0477">11077 13864 0,'0'0'93,"0"0"-77,0-17-16,0 17 16,0-18-16,0 0 0,0 18 15,0-17-15,0 17 0,0-18 16,0 0-16,0 18 0,0-17 0,0 17 15,-17-18-15,17 18 0,0-18 0,0 1 0,0 17 16,0 0-16,0-18 0,0 18 0,0-17 0,-18 17 0,18-18 16,0 18-16,0-18 0,0 18 0,0-17 15,-18 17-15,18 0 0,0-18 0,0 0 16,0 18-16,0-17 15,0 17-15,0-18 16,0 18-16,0-18 0,0 18 16,0-17-1,0 17-15,-17-18 0,17 18 16,0-18-16,0 1 0,0 17 15,0-18-15,0 18 0,0 0 0,0-17 0,0-1 16,0 18-16,0-18 0,0 18 0,0-17 0,-18 17 16,18 0-16,0-18 0,0 0 0,0 18 0,0-17 15,0 17-15,0 0 0,0-18 0,0 18 0,0-18 16,0 1-16,0 17 0,0-18 0,0 18 15,0-17-15,0-1 0,0 18 16,-18 0-16,18-18 0,0 18 0,0-17 16,0 17-16,0-18 0,0 0 0,0 18 15,0-17-15,0 17 0,0-18 16,0 0-16,0 18 0,0-17 0,0 17 15,0-18-15,0 18 0,0-17 16,0-1-16,0 18 0,0-18 0,0 18 16,0-17-16,0-1 15,0 18-15,0 0 0,0-18 16,0 18-16,0-17 0,0 17 15,0 0-15,0-18 0,0 0 16,0 18-16,0-17 16,0 17-1,18 0-15,-18-18 0,0 0 16,0 18-16,0-17 15,0 17 1,0 0-16,0-18 16,0 18-16,0-17 15,18 17 63,-18 0-62,17 0-1,1 0-15,-18 0 16,18 0-16,-18 0 0,17 0 0,1 0 16,-18 0-16,18 0 0,-18 0 0,17 0 15,-17 0-15,18 0 0,-1 0 0,-17 0 0,18 0 0,-18 0 16,18 0-16,-1 0 0,1 0 0,-18 0 0,18 0 0,17 0 15,-17 0-15,-18 0 0,17 0 0,1 0 0,-18 0 0,35 0 16,-35 0-16,18 0 0,-1 0 0,1 0 0,-18 0 0,35 0 16,-35 0-16,18 0 0,-18-18 0,0 18 0,18 0 15,-1 0-15,1 0 0,-18 0 0,17 0 0,-17 0 16,18 0-16,0 0 0,-18 0 0,0-18 15,17 18-15,-17 0 0,18 0 16,0 0 109,-18 0-125,0 0 0,0 18 15,0-18-15,0 18 0,0-18 0,0 17 0,0-17 0,0 18 16,0-18-16,17 17 0,-17 1 0,0-18 0,0 18 0,0-18 16,0 17-16,0 1 0,0 0 0,0-18 0,0 35 15,0-35-15,0 18 0,0-18 0,0 17 0,0 1 0,0 0 16,0-1-16,0 1 0,0-18 0,0 35 0,0 0 15,0-35-15,0 18 0,0 0 0,0-1 0,0-17 0,0 18 16,0 0-16,0-1 0,0 18 0,0-35 0,0 18 0,0 35 16,0-53-16,0 18 0,0 17 0,0-35 15,0 35-15,-17-35 0,17 18 0,0 17 0,0-35 0,0 18 16,0-1-16,0 1 0,0 0 0,0-1 0,-18 1 0,18-18 15,0 35-15,0-35 0,0 18 0,0-18 0,0 18 0,0-1 16,0-17-16,0 18 0,0-18 0,0 17 0,0 1 0,0-18 16,0 18-16,0-18 0,0 0 0,0 17 0,0-17 0,0 18 15,0 0-15,0-18 0,0 17 31,0-17 110,0 0-126,-18 0-15,18 0 0,-17 0 0,17 0 0,-18 0 16,18 0-16,-18 0 0,1 0 0,17 18 0,-18-18 0,1 0 16,-1 0-16,18 0 0,-18 0 0,1 0 0,17 0 15,-36 0-15,36 18 0,-17-18 0,-1 0 0,0 0 0,18 0 16,-17 0-16,17 0 0,-18 0 0,1 0 0,17 0 0,-18 17 15,18-17-15,-18 0 0,1 0 0,17 0 0,-18 0 0,18 0 16,-18 0-16,18 18 0,0-18 0,-17 0 0,-1 0 16,18 0-16,-18 0 15,18 0-15,0 0 0,-17 0 16,17 0 109,0 0-125,17 0 15,1 0-15</inkml:trace>
+  <inkml:trace contextRef="#ctx0" brushRef="#br0" timeOffset="73456.2015">15328 13811 0,'-17'0'16,"17"0"-16,0 0 15,0 0-15,0-17 0,0 17 16,-18 0-16,18-18 0,0 18 16,-18 0-16,18-18 0,0 1 0,0 17 0,0-18 15,0 18-15,-17 0 0,17-18 0,0 1 16,0-1-16,0 18 0,0-17 0,-18 17 0,18-18 15,0 0-15,0 18 0,-18-17 0,18 17 0,0-18 0,0 0 16,0 1-16,0 17 0,0-18 0,0 0 0,-17 18 0,17-17 16,0-1-16,0 0 0,0 1 0,0 17 0,0-18 15,0 1-15,0 17 0,0 0 0,0-18 0,0 18 0,0-18 16,0 18-16,0-17 0,0-1 0,-18 18 0,18 0 15,0-18-15,0 18 0,0-17 0,0-1 0,0 0 16,0 18-16,0-17 0,0 17 0,0-18 0,0 1 16,0 17-16,0-18 0,0 18 0,0-18 0,0 1 15,0 17-15,0-18 0,0 18 0,0-18 0,0 18 16,0-17-16,0-1 0,0 18 0,0-18 0,0 18 15,0-17-15,0-1 0,0 18 0,0-17 0,0 17 0,0-18 16,-18 18-16,18-18 0,0 1 0,0 17 0,0-18 0,0 18 16,0-35-16,0 35 0,0-18 0,0 18 0,0-18 15,0 1-15,0 17 0,0-18 0,0 18 0,0-18 16,0 18-16,0-17 0,0-1 0,0 18 15,0-17-15,0 17 16,0-18-16,0 0 0,0 18 16,0-17-16,0 17 15,0-18-15,0 18 16,0 0 93,18 0-93,-18 0-16,18 0 15,-18 0-15,17 0 0,1 0 0,-18 0 16,18 0-16,-18 0 0,17 0 0,-17-18 0,0 18 15,18 0-15,0 0 0,-18 0 16,17 0-16,-17 0 16,0-17-1,18 17-15,-1 0 109,-17 0-93,0 0-16,18 0 0,-18 0 16,0-18-16,18 18 0,-18 0 15,17 0-15,1 0 0,-18 0 16,0 0-16,18 0 0,-18-18 0,0 18 15,17 0-15,1 0 0,-18 0 16,0-17-16,18 17 0,-18 0 0,17 0 16,-17 0-16,0 0 15,18 0 1,0 0-1,-18 0-15,0-18 0,17 18 16,-17 0-16,18 0 0,-18 0 0,17 0 16,-17 0-16,18 0 15,-18-17-15,0 17 141,0 0-126,0 0-15,0 17 0,0-17 0,0 18 16,0-1-16,0-17 0,0 18 0,0-18 0,0 18 15,0-1-15,18-17 0,-18 0 0,0 18 0,0-18 0,0 18 16,0-18-16,0 17 0,0 1 0,0 0 0,0-18 0,0 17 16,0 1-16,0-1 0,0-17 0,0 18 0,0 0 0,0-18 15,0 17-15,0 1 0,0 0 0,0-1 0,0-17 0,0 18 16,0 0-16,0-1 0,0-17 0,0 18 0,0 0 0,0-1 15,0 1-15,0-1 0,0-17 0,0 18 0,0 0 0,0-1 16,17 1-16,-17-18 0,0 18 0,0-1 0,0 1 0,0-18 16,0 18-16,0-1 0,0-17 0,18 18 0,-18-18 15,0 17-15,0 1 0,0-18 0,0 18 0,0-18 16,0 17-16,0-17 0,0 18 0,0 0 0,0-18 15,0 0-15,0 17 0,0-17 0,0 18 0,0 0 0,18-18 16,-18 17-16,0-17 0,0 18 0,0-1 0,0-17 16,0 18-16,0-18 0,0 18 0,0-18 0,0 17 15,0 1-15,17-18 0,-17 18 0,0-18 16,0 17-16,0 1 0,0-18 0,0 18 15,0-18-15,0 17 0,0-17 0,0 18 0,0 0 0,0-18 16,0 17-16,18-17 0,-18 18 0,0-18 16,0 17-16,0 1 0,0-18 0,0 18 15,0-18-15,0 17 0,0 1 0,0-18 0,0 18 0,0-18 16,0 17-16,0 1 0,0-18 0,0 18 0,0-18 15,0 17-15,18-17 0,-18 0 0,0 18 0,0-1 0,0-17 16,0 18-16,0-18 0,0 0 0,0 18 16,0-1-16,0-17 78,0 0-63,0 0-15,-18 0 16,18 0-16,-18 0 0,18 0 0,-17 0 0,17-17 0,0 17 15,-18 0-15,0 0 0,1 0 0,-1 0 0,0-18 0,1 18 16,-1 0-16,-17-18 0,35 18 0,-18 0 0,1 0 0,-1 0 16,18 0-16,-18 0 0,1 0 0,17 0 0,-36 0 15,36 0-15,-17 0 0,17 0 0,-18 0 0,0 0 0,1 0 16,17 0-16,-18 0 0,1 0 0,17 0 0,-18 0 15,18 0-15,0 0 0,-18 0 0,1 0 16,17 0 93,17 0-93,-17 0-1,18 0-15</inkml:trace>
+  <inkml:trace contextRef="#ctx0" brushRef="#br0" timeOffset="75440.315">16016 13670 0,'0'0'47,"0"0"-16,0 0-16,0 0-15,0 0 16,18 0-16,-1 0 0,-17 0 0,18 0 16,-18 0-16,18 0 0,-1 0 0,-17 0 0,18 0 15,-18 0-15,18 0 0,-18 0 0,0 18 0,17-18 0,1 0 16,-18 0-16,18 0 0,-1 0 0,1 0 0,-18 0 0,17 0 15,-17 0-15,18 0 0,0 0 0,-1 0 0,-17 0 0,18 0 16,-18 17-16,18-17 0,-18 0 0,35 0 16,-35 0 15,18 0-16,-1 0-15,-17 0 0,18 0 16,-18 0-16,0 0 0,17 0 0,1 0 16,-18 0-16,18 0 0,-18 0 0,17 0 15,-17 0-15,18 0 0,0 0 78,-18 0-62,17 0-16,-17 0 0,18 0 15,-18 0-15,18 0 16,-18 0 15,0 0 47,0 0-47,-18 0-31,18 0 16,0 0-16,-18 0 0,18 0 16,0 0-1,-17 0-15,-1 0 0,18 0 0,-18 0 0,18 0 16,-17 0-16,17 0 0,-18 0 0,0 0 0,18 0 0,-17 0 15,17 0-15,-18 0 0,1 0 0,17 0 0,-18 0 0,18 0 16,-35 0-16,35 0 0,-18 0 0,18 0 16,-18 0-16,1 0 0,-1 0 0,18 0 15,-18 0-15,18 0 0,-17 0 0,17 0 0,-18 0 16,18 0-16,-17 0 0,17 0 15,-18 0 1,0 0 0,18 0-16,-17 0 15,17 0-15,0 0 0,-18 0 16,18 0-1,0 0-15,-18 0 16,1 0 0,17 0-16,0 0 15,-18 0 63,18 0-62,0 0 77,0 0-93,0 0 0,18 0 16,-1 0-16,-17 0 0,18 0 16,-18 0-16,18 0 0,-18 0 0,17 0 0,1 0 15,-18 0-15,18 0 0,-18 0 0,17 0 0,1 0 16,-1 0-16,-17 0 0,36 0 0,-36 0 0,17 0 0,-17 0 15,18 0-15,-18 0 0,35 18 0,-35-18 0,18 0 0,0 0 16,-18 0-16,17 0 0,-17 0 0,18 0 0,-18 0 0,35 0 16,-35 0-16,18 0 0,-18 18 0,17-18 0,1 0 0,-18 0 15,18 0-15,-18 0 0,17 0 0,-17 0 0,18 0 0,0 0 16,-18 0-16,17 0 15,-17 0-15,18 0 0,-1 0 0,-17 0 0,18 0 16,-18 0-16,18 0 0,-18 0 16,17 0-16,1 0 0,-18 0 15,0 0-15,18 0 0,-18 0 16,17 0-1</inkml:trace>
+  <inkml:trace contextRef="#ctx0" brushRef="#br0" timeOffset="77112.4106">11924 13758 0,'0'0'0,"18"0"0,-18 0 0,17 0 0,-17 0 16,18 0-16,-1 0 0,-17 0 0,18 0 16,-18 0-16,18 0 0,-1 0 0,19 0 0,-36 0 0,17 0 0,1 0 15,0 0-15,-1 0 0,1 0 0,-1 0 0,-17 0 0,18 0 16,-18 0-16,18 0 0,-1 0 0,1 0 0,-18 0 15,18 0-15,-1 0 0,-17 0 0,18 0 0,-18 0 16,18 0-16,-18 0 0,17 0 0,1 0 16,-18 0-16,18 0 0,-18 0 0,17 0 15,-17 0-15,18 0 0,-18 0 0,17 0 16,-17 0-16,18 0 0,-18 0 15,18 0-15,-1 0 0,-17 0 0,18 0 16,-18 0-16,18 0 0,-1 0 16,-17 0-16,18 0 0,-18 0 0,18 0 15,-18 0-15,17 0 0,1 0 16,-18 0-16,17 0 15,-17 0-15,0 0 110,0 0-110,0 0 0,0 0 15,-17 0-15,-1 0 0,18 0 0,-17 0 0,17 18 16,0-18-16,-36 0 0,36 0 0,-17 0 0,-1 0 15,0 0-15,18 0 0,-17 0 0,-1 0 0,0 0 0,18 0 16,-35 0-16,18 0 0,-1 0 0,18 0 0,-18 0 0,1 0 16,-1 0-16,18 0 0,-35 0 0,35 0 0,-18 0 0,18 0 15,-18 0-15,1 0 0,17 0 0,-18 0 0,18 0 16,-18 0-16,1 0 0,17 0 0,0 0 15,-18 0-15,18 0 0,-17 0 16,17 0-16,-18 0 0,0 0 0,18 0 16,-17 0-16,17 0 0,-18 0 0,0 0 15,18 0-15,-17 0 0,17 0 0</inkml:trace>
+  <inkml:trace contextRef="#ctx0" brushRef="#br0" timeOffset="79025.52">6544 14623 0,'0'0'31,"0"0"-15,0 0-1,0 0-15,0 17 0,0 1 16,0-18-16,0 18 0,0-18 0,0 17 15,0-17-15,0 0 0,0 18 0,0-1 16,0-17-16,0 18 0,0-18 16,0 18-16,0-1 0,0-17 15,0 18-15,0-18 0,0 18 16,0-18-16,0 17 15,0-17 1,0 18-16,0-18 31,0 0-31,18 0 94</inkml:trace>
+  <inkml:trace contextRef="#ctx0" brushRef="#br0" timeOffset="79546.5498">6791 14640 0,'0'0'47,"0"0"-47,0 18 16,0-18-16,0 18 0,0-18 15,0 17-15,0-17 0,0 18 16,0-1-16,0-17 0,0 0 0,0 18 16,0-18-16,0 18 0,0-1 0,0-17 15,0 18-15,0-18 0,0 18 0,0-18 16,0 17-16,0 1 0,0-18 0,0 18 15</inkml:trace>
+  <inkml:trace contextRef="#ctx0" brushRef="#br0" timeOffset="80312.5937">6421 14746 0,'0'0'15,"0"0"-15,0 0 16,17 0-16,1 0 0,-18 0 0,17 0 16,-17 0-16,18 0 0,-18 0 0,18 0 0,-1 0 0,-17 0 15,18 0-15,17 0 0,-35 0 0,18 0 0,17 0 16,-35 0-16,18 0 0,0 0 0,17 0 0,-35 0 0,35 0 0,-17 0 15,-18-18-15,35 18 0,-35 0 0,18 0 0,-1 0 16,1 0-16,-18 0 0,18 0 0,-18 0 16,17 0-16,-17-17 15,0 17 16,18 0-31,-1 0 16,-17 0-16,18 0 0,-18 0 16,18 0-16,-18 0 0,17 0 15,1 0-15,-18 0 16,0 0-16,0 17 47</inkml:trace>
+  <inkml:trace contextRef="#ctx0" brushRef="#br0" timeOffset="80904.6275">6438 14887 0,'0'18'15,"0"-18"-15,0 0 16,18 18-16,-1-18 0,-17 0 0,18 0 0,-18 0 15,18 0-15,-18 17 0,17-17 0,1 0 0,0 0 16,-18 0-16,35 0 0,-17 0 0,-1 0 0,1 0 0,0 18 16,-1-18-16,18 0 0,-17 0 0,0 0 0,17 0 0,-35 0 15,18 0-15,17 0 0,-17 17 0,-1-17 0,18 0 0,-35 0 16,18 0-16,0 0 0,-1 0 0,-17 0 0,36 0 0,-36 0 15,17 0-15,-17 0 0</inkml:trace>
+  <inkml:trace contextRef="#ctx0" brushRef="#br0" timeOffset="81901.6846">7673 14870 0,'0'0'16,"-18"0"-16,18 0 16,-17 0-16,17 0 0,-18 0 15,0 0-15,18 0 0,-17 0 0,17 0 16,-18 0-16,18 0 15,-18 0-15,18 0 0,0 17 0,-17-17 16,17 18-16,0-18 0,0 0 16,-18 18-16,18-1 0,0-17 15,0 0-15,0 18 0,0-18 0,0 17 16,0-17-16,0 18 0,0 0 0,0-18 15,0 17-15,0-17 16,0 18-16,0 0 16,0-18-16,0 0 0,0 0 15,0 17-15,0-17 0,18 0 16,-18 0-16,17 0 0,1 0 0,-18 0 15,18 0-15,-18 0 0,17 0 0,-17 18 0,18-18 16,0 0-16,-18 0 0,17 0 0,1 0 0,0 0 0,-18 0 16,17 0-16,1 0 0,-18 0 0,17 0 0,1 0 0,0 0 15,-1 0-15,-17 0 0,18 0 0,0 0 0,-18 0 0,17 0 16,-17 0-16,0 0 0,18 0 0,-18 0 0,0-18 15,18 18-15,-1 0 0,-17 0 0,0-17 0,18 17 16,-18-18-16,0 18 0,0 0 0,0-18 16,0 18-16,18 0 0,-18-17 0,0-1 15,0 18-15,0 0 0,0-18 16,0 18-16,0-17 0,0 17 15,0-18-15,0 1 16,0 17-16,0 0 16,0 0-16,0 0 15,0-18-15,-18 18 0,18 0 16,0 0-16,-18 0 0,1 0 15,17 0-15,0-18 16,-18 18-16,18 0 16,0-17-16,-18 17 0,18 0 0,-17 0 15,-1 0-15,18 0 16,-18 0-16,18 0 0,-17 0 15,-1 0-15,18 0 0,-18 0 16,18 0-16,-17 0 0,17 0 16,-18 0-16,1 0 0,17 0 0,0 0 15,-18 0-15</inkml:trace>
+  <inkml:trace contextRef="#ctx0" brushRef="#br0" timeOffset="82728.7319">8361 14711 0,'0'-18'0,"0"18"15,0 0-15,0-17 16,-18 17-16,18 0 16,0 0-16,0-18 0,-17 18 15,17 0-15,0-18 0,-18 1 0,18 17 16,-18 0-16,18-18 0,0 18 0,0 0 0,-17-18 0,17 1 15,-18 17-15,18 0 0,0-18 0,-18 18 0,18 0 16,0-18-16,-35 1 0,35 17 0,0 0 16,-18 0-16,18-18 0,0 18 0,-17 0 46,17 0-30,0 0-16,0 18 0,-18-18 0,1 17 16,17-17-16,0 0 0,-18 0 0,18 18 0,0-18 0,0 0 15,0 18-15,0-1 0,-18-17 0,18 0 0,0 18 0,0-18 16,-17 18-16,17-18 0,0 17 0,0 1 0,0-18 15,0 18-15,0-18 0,-18 0 0,18 17 0,0 1 16,0-18-16,0 17 0,0-17 0,0 18 0,0-18 16,0 18-16,0-1 0,0-17 0,0 18 0,0-18 15,0 18-15,0-1 0,-18-17 0,18 0 0,0 18 0,0-18 16,0 18-16,0-18 0,0 17 0,0 1 0,0-18 0,0 18 15,0-18-15,0 17 0,0 1 16,0-18-16,0 17 0,0-17 16,0 18-16,0-18 0,0 18 15,0-18-15,0 17 0,0-17 16,0 0-16,0 0 15,18 0 48,-18 0-48,18 0 1,-18 0-16,17 0 16,-17 0-16</inkml:trace>
+  <inkml:trace contextRef="#ctx0" brushRef="#br0" timeOffset="83367.7684">8043 14852 0,'0'18'47,"0"-18"-32,0 0 32,0 0-47,0 0 16,18 0-16,-18 0 15,18 0-15,-1 0 0,-17 17 0,0-17 16,18 0-16,-18 0 0,18 0 0,-1 0 0,1 0 0,-18 0 16,17 0-16,1 0 0,0 0 0,-18 0 0,35 18 0,-35-18 15,18 0-15,17 0 0,-35 0 0,18 0 0,-1 0 0,1 0 16,-1 0-16,1 0 0,0 0 0,-18 0 0,35 0 0,-35 0 15,18 0-15,-18 0 0,17 0 16,1 0-16</inkml:trace>
+  <inkml:trace contextRef="#ctx0" brushRef="#br0" timeOffset="84517.8342">9296 14764 0,'0'0'15,"0"0"1,-18 0-16,18 0 15,-18 0-15,18 0 16,-17 0-16,-1 0 0,18 0 16,-17 0-16,17 0 0,-18 0 0,0 0 0,18 0 15,-17 0-15,17 0 0,-18 0 0,18 0 0,-18 0 0,18 0 16,-17 0-16,-1 0 0,18 0 0,-18 0 0,18 0 15,-17 0-15,17 0 0,-18 0 0,18 0 0,0 0 0,-18 17 16,1-17-16,17 18 0,0-18 16,0 0-16,0 18 15,-18-18-15,18 17 0,0 1 16,0-18 31,0 0-32,53 0 1,-35 0-16,-1 0 0,-17 0 0,18 0 0,-18 0 0,35 0 0,-35 0 15,18 0-15,0 0 0,-1 0 0,-17 0 0,18 18 16,-18-18-16,18 0 0,-18 0 0,17 0 0,-17 17 16,18-17-16,-18 18 0,0-18 0,0 0 15,0 18-15,17-18 16,-17 0-16,0 0 15,0 17-15,18-17 16,-18 0-16,0 18 16,0-1 15,0-17-31,0 0 15,0 0-15,-18 0 0,18 18 0,0-18 16,-17 0-16,17 0 0,-18 0 0,18 18 0,0-18 16,0 17-16,-17-17 0,17 0 15,0 0-15,-18 0 0,18 18 0,0-18 0,-18 0 16,18 0-16,-17 0 0,17 0 15,-18 0-15,18 0 16,-18 18-16,18-18 0,-17 0 0,-1 0 16,18 0-16,-18 0 15,18 0-15</inkml:trace>
+  <inkml:trace contextRef="#ctx0" brushRef="#br0" timeOffset="85767.9057">9578 14887 0,'0'0'0,"0"18"16,0 0 0,0-18-1,0 17-15,0-17 0,0 18 16,0-18-16,0 0 0,0 17 15,0 1-15,0-18 16,0 18-16,0-18 0,0 17 0,0-17 16,0 18-16,0 0 0,0-18 0,0 17 15,0-17-15,-18 0 0,18 18 0,0 0 0,0-18 0,0 17 16,0-17-16,0 18 0,0-18 0,0 17 15,0-17-15,0 18 0,0-18 16,0 18-16,-17-18 0,17 0 16,0 17-16,0-17 78,0 0-63,0-17-15,0 17 16,0-18-16,0 0 0,0 18 0,0-17 15,0 17-15,0-18 0,0 18 0,0-17 16,0-1-16,0 18 0,0-18 0,-18 18 0,18 0 0,0-17 16,0-1-16,0 18 0,0-18 0,0 18 0,0-17 15,0 17-15,0-18 0,0 18 0,0-18 0,0 18 0,0-17 16,0 17-16,0-18 0,0 18 15,0-17-15,0-1 16,0 18-16,0-18 0,0 18 16,0-17-16,0-1 0,18 18 0,-18 0 0,0-18 15,0 18-15,0 0 0,0-17 16,0 17-16,17 0 0,-17-18 15,0 18-15,0-18 0,18 18 0,-18 0 16,0 0-16,0-17 0,18 17 16,-18 0-16,17 0 0,-17 0 0,0-18 15,18 18-15,-18 0 0,17-18 0,1 18 16,-18 0-16,18 0 15,-18 0-15,17 0 16,-17 0 0,18 0-16,0 0 0,-18 0 0,17 0 15,-17 0-15,0 18 0,18-18 0,0 0 16,-18 0-16,0 0 0,17 0 0,-17 18 15,0-18-15,18 0 0,-18 0 16,0 0-16,0 17 0,0 1 0,18-18 16,-18 0-16,0 18 0,17-18 0,-17 0 15,0 17-15,0-17 0,0 18 16,0 0-16,0-18 0,0 0 15,0 17-15,0-17 0,-17 0 16,17 18-16,0-18 0,0 18 16,-18-18-16,18 0 0,0 0 15,0 17-15,-18-17 0,18 0 16,0 0-16,-17 0 15,-1 0 17,18 18-32,0-18 0,-18 0 15,18 0-15,0 0 16,-17 0-16,-1 0 15,18 17 1</inkml:trace>
+  <inkml:trace contextRef="#ctx0" brushRef="#br0" timeOffset="86433.9438">10019 14482 0,'-18'0'0,"18"17"15,0-17-15,0 18 16,0-18-16,0 0 0,0 17 0,0-17 16,0 18-16,0 0 0,-17-18 0,17 0 0,0 17 15,0-17-15,0 18 0,0 0 0,0-18 0,0 17 16,0-17-16,0 18 0,0-18 0,0 18 0,0-1 15,0-17-15,0 18 0,0-18 0,0 17 0,0 1 16,0 0-16,0-18 0,0 17 0,0 1 0,0 0 0,0-18 16,0 17-16,0 1 0,0-18 0,0 18 0,0-18 0,0 17 0,0-17 15,0 18-15,17-18 0,-17 18 0,0-18 0,0 17 16,0-17-16,0 18 15,0-1-15,0-17 32</inkml:trace>
+  <inkml:trace contextRef="#ctx0" brushRef="#br0" timeOffset="86943.973">10195 14711 0,'0'0'0,"0"0"0,0 17 16,0-17-16,0 18 0,0-18 0,0 18 16,0-18-16,-17 0 0,17 17 0,0 1 15,0-18-15,0 18 0,0-18 16,0 17-1,0-17-15,0 18 16,0 0-16,0-18 16,0 17-16,0-17 0,0 0 15,0 18-15,0 0 0,0-18 0,0 17 16,0-17-16,0 18 15,0-18-15,0 17 16,-18-17 15,18 0 16,0 0-31,0-17-16</inkml:trace>
+  <inkml:trace contextRef="#ctx0" brushRef="#br0" timeOffset="87287.9926">10248 14482 0,'0'0'31</inkml:trace>
+  <inkml:trace contextRef="#ctx0" brushRef="#br0" timeOffset="87824.0233">10478 14446 0,'0'0'16,"0"0"-16,0 18 0,-18-18 0,18 18 16,0-1-16,-18-17 0,18 0 0,0 18 0,0-18 0,0 0 15,0 17-15,0 1 0,-17-18 0,17 0 0,0 18 0,0-18 16,0 0-16,0 17 0,0-17 0,0 18 0,-18 0 15,18-18-15,-18 17 0,18-17 0,0 18 0,0 0 0,0-1 16,0-17-16,-17 18 0,17-1 0,0 1 0,0-18 0,0 18 16,0-18-16,0 17 0,0 1 0,0-18 0,0 18 0,0-1 15,0 1-15,0-18 0,0 18 0,0-1 0,0 1 0,0-18 16,0 18-16,0-18 0,0 35 0,0-35 0,0 17 15,0 1-15,0 0 0,0-18 0,0 17 0,0-17 0,0 18 16,0 0-16,0-18 0,0 17 0,0-17 16,0 18-1</inkml:trace>
+  <inkml:trace contextRef="#ctx0" brushRef="#br0" timeOffset="88772.0775">10248 14764 0,'18'0'62,"-1"0"-46,-17 0-16,18 0 15,-18 0-15,18 0 0,-1 0 16,-17 0-16,18 0 15,-18 0-15,18 0 0,-18 0 16,17 0-16,1 0 0,-18 0 16,0 0-16,18 0 0,-18 0 0,17 0 15,1 0 16,-18 0 1,18 0-17,-18 0-15,17 0 0,-17 0 16,18 0-16</inkml:trace>
+  <inkml:trace contextRef="#ctx0" brushRef="#br0" timeOffset="89934.144">10936 14799 0,'0'0'46,"0"0"-46,-18 0 16,18 0-16,-17 0 0,17 0 0,-18 0 16,18 0-16,-17 0 0,17 0 0,-18 0 0,18 18 15,0-18-15,-18 0 0,18 0 0,-17 0 16,17 17-16,-18-17 0,18 0 15,-18 0-15,18 0 0,0 18 0,-17-18 16,-1 0-16,18 0 0,0 0 0,-18 0 0,18 18 0,0-18 16,-17 0-16,17 17 0,0-17 0,-18 0 15,18 0 1,0 0 62,0 18-78,0-18 0,18 0 15,-18 0-15,17 0 0,-17 0 0,18 0 16,0 0-16,-18 0 0,0 18 0,17-18 0,1 0 0,0 0 16,-1 0-16,-17 17 0,18-17 0,0 0 0,-18 18 15,17-18-15,-17 0 0,18 0 0,-1 17 0,1-17 0,-18 0 16,18 0-16,-18 0 0,0 18 0,17-18 0,-17 18 0,0-18 15,18 0-15,-18 17 0,0-17 16,0 18-16,0 0 16,0-18-1,0 17-15,0-17 0,0 0 0,0 0 16,-18 0-16,18 18 15,0-18-15,-17 0 0,-1 0 16,18 0-16,-18 0 16,18 0-16,-17 0 0,-1 0 0,18 0 15,-17 0-15,17 0 0,-18 0 0,18 0 0,-18 0 16,1 0-16,17 0 0,-18 0 15,18 0-15,-18 0 16,18 0 15,0 0-31,0 0 0</inkml:trace>
+  <inkml:trace contextRef="#ctx0" brushRef="#br0" timeOffset="91432.2297">11183 14111 0,'0'0'31,"0"0"-15,0 0-16,0 18 0,0-18 15,0 17-15,0-17 16,0 0-16,0 18 0,0-18 15,0 18-15,0-18 0,0 17 16,0-17-16,0 18 0,0-18 16,-18 0-16,18 18 0,0-1 0,0-17 15,0 18-15,0-18 0,0 18 16,0-18-16,0 17 0,0 1 15,0-18-15,0 0 0,0 17 0,0-17 16,0 18-16,0-18 16,18 0-16,-18 18 31,0-1 0,0-17-31,0 18 16,0-18-16,18 0 0,-18 18 15,0-1-15,0-17 16,0 0-16,0 18 0,0-18 15,0 18-15,0-18 16,0 17-16,17-17 16,-17 18-16,0-18 0,0 17 0,0-17 15,0 18-15,0 0 16,0-18-16,0 17 15,0-17-15,0 18 16,0-18-16,0 0 0,0 18 16,0-1-16,0-17 15,0 0-15,0 18 0,0-18 16,-17 0-16,17 18 0,0-1 0,0-17 15,0 0-15,0 18 0,-18-18 16,18 0-16,0 0 16,0 17-16,0-17 15,-18 0-15,18 18 16,-17-18-16,17 18 15,0-18-15,0 0 0,0 17 16,-18-17-16,18 0 0,0 18 16,0-18 108</inkml:trace>
+  <inkml:trace contextRef="#ctx0" brushRef="#br0" timeOffset="93032.3212">11236 14093 0,'0'0'0,"0"0"31,0 0-15,0 18-16,0-18 16,-18 0-16,18 18 0,0-1 15,-17-17-15,17 0 0,0 0 0,0 18 16,-18-18-16,18 18 15,0-18-15,0 0 0,0 17 0,-18-17 0,18 18 0,0-18 16,-17 0-16,17 18 0,0-18 0,0 17 16,-18 1-16,18-18 0,0 0 0,-17 18 0,17-18 15,0 0-15,0 17 0,-18-17 0,18 0 0,-18 0 0,18 18 16,0-18-16,0 17 0,-17-17 0,17 0 0,0 0 15,0 18-15,-18-18 0,18 0 0,-18 0 0,18 18 16,0-18-16,-17 0 0,17 0 0,0 17 16,0-17-16,0 18 0,-18-18 0,18 0 15,0 0-15,0 18 16,-18-18-16,18 0 0,0 0 140,0 0-124,0 0-16,0 0 15,0 0-15,0-18 0,0 0 0,18 18 0,-18 0 0,0-17 16,0 17-16,0 0 0,18-18 0,-18 18 0,0-18 16,0 1-16,17 17 0,-17 0 0,0-18 0,18 18 15,-18 0-15,0-17 0,0 17 0,0 0 0,18 0 0,-18-18 16,0 0-16,0 18 0,0 0 0,17 0 0,-17-17 0,0 17 15,18 0-15,-18-18 0,0 0 0,0 18 16,0 0-16,0-17 0,18 17 0,-18 0 0,0-18 16,0 18-16,17 0 0,-17-18 0,0 18 15,0-17-15,18 17 0,-18 0 0,17 0 16,-17-18-16,0 18 0,0 0 0,0-18 15,18 18 1,-18 0 109,18 0-110,-18 0 1,17 0-16,-17 0 16,0 0-16,0 18 15,18-18-15,-18 0 0,0 0 0,0 18 0,18-18 16,-18 17-16,0-17 0,0 0 0,0 18 0,17-18 15,1 0-15,-18 18 0,0-18 0,0 0 0,18 17 16,-18-17-16,0 18 0,17-18 0,-17 0 0,18 0 16,-18 18-16,0-18 0,0 0 0,17 0 0,-17 17 15,0-17-15,0 18 0,18-18 16,-18 0 31,0 0-47,18 0 15,-18 18-15,17-18 0,-17 0 16,0 0-16,0 17 15,18-17 95</inkml:trace>
+  <inkml:trace contextRef="#ctx0" brushRef="#br0" timeOffset="97450.5739">11395 15046 0,'0'0'15,"0"0"-15,0 0 16,0 0-16,0-18 0,0 1 0,0 17 15,0 0-15,0-18 0,0 18 0,17 0 16,-17-18-16,0 18 0,0-17 0,18 17 16,-18-18-16,0 18 0,0 0 0,0-17 0,18 17 15,-18 0-15,0-18 0,0 0 0,17 18 16,-17 0-16,18 0 0,-18-17 0,0 17 15,0 0-15,18 0 0,-18-18 0,0 18 0,0 0 16,17 0-16,1 0 0,-18-18 0,0 1 0,17 17 16,-17 0-16,18 0 0,-18-18 0,0 18 0,18 0 0,-1 0 15,-17 0-15,18-18 0,-18 18 0,18 0 0,-1-17 0,-17 17 16,18 0-16,0 0 0,-1 0 0,-17 0 0,18 0 0,-18 0 15,18 0-15,-18 0 0,17 0 0,1 0 0,-1 0 0,-17-18 16,36 18-16,-36 0 0,17 0 0,1 0 0,0 0 16,-18 0-16,35 0 0,-17 0 0,-18 0 0,35 0 0,-18 0 15,1 0-15,17 0 0,-17 0 0,-18 0 0,35 0 0,1 0 16,-19 0-16,18 0 0,-17 0 0,0 0 0,17 0 0,0 0 15,-35 0-15,53 0 0,-53 0 0,36 0 0,-1 0 0,-18 18 16,1-18-16,17 0 0,-35 0 0,36 0 0,-1 0 16,-35 0-16,18 17 0,-1-17 0,18 0 0,-35 0 0,36 0 15,-19 0-15,1 0 0,17 0 0,-17 0 0,0 18 0,17-18 16,-18 0-16,1 0 0,17 18 0,-17-18 0,0 0 15,35 0-15,-36 0 0,1 0 0,17 0 0,-17 0 0,-1 0 0,1 0 16,0 0-16,-18 0 0,35 17 0,-35-17 0,18 0 16,-18 0-16,17 0 0,1 0 0,-18 0 0,18 18 0,-18-18 15,17 0-15,1 0 0,-1 0 0,-17 18 0,18-18 0,0 0 16,17 17-16,-17-17 0,-1 0 0,19 0 0,-19 18 0,1-18 15,-1 0-15,19 18 0,-36-18 0,35 17 0,-17-17 0,-18 0 16,35 18-16,-17-18 0,-18 17 0,35-17 0,-17 0 0,-1 0 16,1 18-16,-18-18 0,17 0 0,1 18 0,0-18 0,-1 0 15,1 17-15,-18-17 0,18 0 0,-1 0 0,-17 0 0,18 0 16,-18 0-16,18 0 0,-18 0 0,17 0 0,1 0 0,-18 0 15,0 18-15,17-18 0,-17 0 0,36 0 0,-36 0 0,17 0 16,-17 0-16,18 0 0,0 0 0,-18 0 16,17 0-16,-17 0 0,18 0 0,-18 0 0,18 0 15,-1 0-15,-17 0 0,18 0 0,-18 0 16,17 0-16,-17 0 0,18 0 0,-18 0 15,18 0-15,-18 0 0,0 0 0,17 0 0,-17 0 0,0-18 16,18 18-16,0 0 0,-18 0 0,17 0 16,-17 0-16,18-17 0,0 17 0,-18-18 0,17 18 0,-17 0 15,18 0-15,-18 0 0,18-18 0,-1 18 0,-17 0 0,18-17 16,-18 17-16,17-18 0,1 18 0,0 0 0,-18-17 0,17 17 15,-17 0-15,18 0 0,-18-18 0,18 0 0,-18 18 0,17 0 16,1 0-16,-18-17 0,0 17 0,0 0 0,18 0 16,-18-18-16,0 18 0,17 0 0,-17-18 0,0 1 15,18 17-15,-1 0 0,-17-18 0,0 18 0,18 0 0,-18 0 16,0-18-16,18 18 0,-18-17 0,17 17 0,-17 0 0,0-18 15,18 18-15,-18 0 0,0-18 0,18 18 0,-18 0 0,0-17 16,35-1-16,-35 18 0,0 0 0,0-17 0,18 17 0,-18-18 16,0 0-16,0 18 0,17 0 0,1-35 0,-18 35 15,0-18-15,17 18 0,-17-17 0,0 17 0,18-18 0,-18 0 16,18 18-16,-18 0 0,0 0 0,17-17 0,-17 17 15,0-18-15,0 18 0,18 0 0,-18-17 16,18 17-16,-18-18 0,0 18 16,0-18-16,17 18 0,-17 0 0,0 0 15,0-17-15,0-1 0,18 18 0,-18 0 16,0 0-16,0-18 0,0 18 0,18 0 0,-18-17 15,17 17-15,-17 0 0,0 0 0,0-18 16,18 18-16,-18-18 0,0 18 0,0 0 16,0-17-16,18 17 0,-18 0 15,17 0-15,-17-18 0,0 18 16,0-17-16,18 17 0,-18 0 15,0-18-15,0 18 0,0 0 16,17 0-16,-17-18 16,0 18-16,0 0 0,0-17 15,18 17-15,0 0 16,-18-18-16,0 18 15,0 0-15,17 0 16,-17-18 0,0 18-16,18 0 46,-18 0 313,18 0-343,-18-17-16,0-1 0,0 18 15,0 0-15,17 0 0,-17-18 16,0 18-16,0 0 16,0-17-1,0 17 1,18 0-16,-18-18 47,0 18 155,0 0-202,0 0 0,0 0 0,0 18 16,-18-18-16,18 0 0,0 0 16,-17 0-16,-1 0 0,18 17 0,0-17 15,0 0-15,-18 0 0,18 0 0,0 18 16,-17-18-16,-1 18 0,18-18 0,0 0 15,-18 0-15,18 0 0,0 17 0,-17-17 0,17 0 0,0 0 16,-18 0-16,1 0 0,17 18 0,0-18 0,-18 0 16,18 0-16,0 18 0,-18-18 0,1 0 0,17 0 15,0 0-15,-18 0 0,18 0 0,-18 0 0,18 17 16,0-17-16,-17 0 0,17 0 0,-18 0 15,18 0-15,0 18 0,-18-18 0,18 0 0,0 0 16,-17 0-16,17 18 0,-18-18 0,18 17 0,-18-17 16,18 0-16,0 0 0,0 18 0,-17-18 0,17 0 0,-18 0 15,18 17-15,-17-17 0,17 18 0,0-18 0,-18 0 16,18 0-16,0 18 0,-18-18 0,18 0 0,-17 0 0,17 17 15,0-17-15,0 0 250,0 0-234,0 0-16,17 0 15,-17 0-15,18 0 0,-18-17 16,0 17-16,18 0 0,-18 0 0,17 0 0,-17-18 15,0 18-15,18 0 0,-18-18 0,0 18 0,0 0 0,17 0 16,-17-17-16,0 17 0,18 0 16,-18 0-16,18 0 0,-18-18 0,0 18 15,17 0-15,-17 0 0,0-17 0,18 17 16,0 0-16,-18 0 0,0 0 0,17 0 0,-17 0 15,0-18-15,36 18 0,-36 0 0,0 0 0,17 0 0,-17 0 16,18 0-16,-18 0 0,0-18 0,18 18 16,-1 0-16,-17 0 0,0 0 15,0-17-15,18 17 0,-18 0 16,0-18-16,17 18 0,1 0 15,-18 0-15,0 0 0,18 0 16,-18-18-16,0 18 0,0 0 16,17 0-16,-17 0 0,0-17 0,18 17 31,-18-18-31,18 18 15,-18 0 1,0 0-16,17 0 16,-17-18-16,0 18 15,0 0-15,18 0 0,-18-17 16,18 17-1,-18 0 1,0 0-16,0 0 187,0 0-187,0 0 16,0 17-16,0-17 0,0 18 0,0 0 15,0-18-15,0 17 0,0-17 0,0 18 16,0 0-16,17-18 0,-17 0 0,0 17 16,0-17-16,0 18 0,0-18 0,0 18 15,0-1-15,0-17 0,0 18 0,0-18 16,18 0-16,-18 17 0,0 1 0,0-18 0,0 0 15,0 18-15,0-18 0,17 0 0,-17 17 0,0-17 16,0 18-16,18-18 0,-18 18 16,0-18-1,0 0-15,0 17 0,0-17 47,18 0-31,-18 18-1</inkml:trace>
+  <inkml:trace contextRef="#ctx0" brushRef="#br0" timeOffset="98778.6499">16034 14799 0,'0'0'15,"0"18"1,0-18 0,0 17-1,0-17-15,0 18 0,0-18 0,0 18 16,0-1-16,0-17 0,0 18 0,0-18 15,0 18-15,0-1 0,0-17 0,0 18 0,0-18 16,17 17-16,-17-17 0,0 18 0,0 0 0,0-18 16,0 17-16,0-17 0,0 18 0,0 0 0,0-18 15,0 0-15,0 17 0,0-17 0,0 18 16,0-18-16,18 0 62,-18 0-31,0 0-31,18 0 16</inkml:trace>
+  <inkml:trace contextRef="#ctx0" brushRef="#br0" timeOffset="99242.6764">16334 14764 0,'0'0'47,"0"0"-47,0 17 16,0 1-16,0-18 0,0 18 15,0-18-15,0 17 0,0 1 16,0-18-16,0 18 0,0-18 0,0 17 15,0-17-15,0 18 0,0 0 0,0-18 0,0 17 16,0-17-16,0 18 0,17-18 0,-17 17 0,0-17 0,0 18 16,0-18-16,0 18 0,18-18 0,-18 17 0,18 1 0,-18-18 15,0 18-15,0-18 0,0 17 0,0 1 0,17-18 16,-17 18-16,0-18 0,0 17 0,0-17 15,0 18-15,18-18 0,-18 0 47,0 0-31,0-18-1,0 18-15</inkml:trace>
+  <inkml:trace contextRef="#ctx0" brushRef="#br0" timeOffset="99720.7037">15787 14923 0,'0'0'0,"17"0"0,1 0 0,-18 0 0,18 0 16,-18 0-16,17 0 0,-17 0 0,18 0 0,0 0 15,-18 0-15,17 0 0,-17 0 0,18 0 0,0 0 16,-18 0-16,17 0 0,-17 0 0,18 0 0,-18 0 15,17 0-15,1 0 0,-18 0 0,18 0 0,-18 0 16,17 0-16,-17 0 0,18 0 0,0 0 0,-18 0 0,17 0 16,-17 0-16,18 0 0,0 0 0,-1 0 0,-17 0 0,18 0 15,0-18-15,17 18 0,-35 0 0,17 0 0,1 0 0,0 0 16,17-18-16,-17 18 0,-18 0 0,35 0 0,-17 0 0,-1 0 15,18 0-15,-35 0 0,18 0 0,17 0 0,-35 0 0,18 0 16,0 0-16,-1-17 0,-17 17 0,36 0 0,-36 0 0,17 0 16,-17-18-1</inkml:trace>
+  <inkml:trace contextRef="#ctx0" brushRef="#br0" timeOffset="100248.7339">16016 15117 0,'0'0'47,"0"0"-31,0 0-16,18 0 0,-18 0 0,17 0 15,1 0-15,-18 0 0,18 0 0,-18 0 16,17 0-16,-17 0 0,36 0 0,-19 0 0,1 0 0,0 0 16,-1 0-16,1 0 0,-1 0 0,1 0 0,-18 0 0,18 0 15,-1 0-15,-17 0 0,36 0 0,-36 0 0,17 0 0,19 0 16,-36 0-16,17 0 0,1 0 0,-1 0 0,-17 0 0,18 0 15,0 0-15,-18 0 0,17 0 0,-17 0 0,18 0 16,0 0-16,-18 0 0,0 0 16,17 0 30</inkml:trace>
+  <inkml:trace contextRef="#ctx0" brushRef="#br0" timeOffset="101167.7865">17216 14940 0,'0'0'94,"0"0"-94,0 0 0,-18 0 0,18 18 15,0-18-15,0 0 0,0 17 16,0 1-16,-18-18 0,18 0 0,0 18 0,0-18 16,-17 0-16,17 17 0,0 1 0,0-18 0,0 18 15,0-18-15,0 17 16,0-17-16,0 18 15,17-18 1,-17 18-16,18-18 16,-18 0-16,18 0 0,-1 0 15,-17 0-15,18 0 0,-18 0 16,17 0-16,-17 0 0,18 0 15,0 0-15,-18 0 0,17 0 0,-17-18 0,0 18 16,18 0-16,-18 0 0,18 0 0,-18-18 0,0 18 0,0 0 16,17 0-16,-17-17 0,0 17 0,0 0 0,0-18 0,0 0 15,0 18-15,18 0 0,-18-17 0,0 17 0,0-18 16,0 0-16,0 18 0,0-17 0,0 17 0,0-18 15,0 18-15,0-17 16,0 17-16,0-18 0,0 18 0,0 0 0,0-18 0,0 18 16,0-17-16,0-1 0,-18 18 15,18 0-15,0-18 16,0 18-16,-17 0 0,-1 0 15,18 0-15,-18 0 16,18 0-16,-17 0 0,-1 0 0,18 0 0,-18 0 16,18 0-16,-17 0 0,17 0 15,0 0 1,-18 0-16,1 0 15,17 0 1,0 0-16,0 18 16,-18-18-16</inkml:trace>
+  <inkml:trace contextRef="#ctx0" brushRef="#br0" timeOffset="101959.8318">17833 14605 0,'0'0'0,"0"0"0,0-18 0,0 18 16,0 0-16,-18 0 0,18-17 0,-17 17 15,17 0-15,0 0 0,-18 0 0,18-18 16,-18 18-16,18-18 0,0 18 47,-17 0-32,-1 0-15,18 18 0,0-18 16,0 0-16,-18 0 0,18 18 0,0-18 0,0 17 15,-17-17-15,17 0 0,-18 0 0,18 18 16,0 0-16,-17-18 0,17 17 0,0-17 0,-18 36 16,18-36-16,-18 0 0,18 17 0,0-17 0,0 18 0,0-1 15,0-17-15,0 18 0,0-18 0,0 18 16,0-1-16,0-17 0,0 18 15,0-18-15,0 18 0,0-18 16,0 17-16,0 1 0,0-18 0,0 18 0,0-18 16,0 17-16,0-17 0,0 18 0,0-18 0,0 18 0,0-18 15,0 17-15,0-17 0,0 18 0,18-1 0,-18-17 16,0 18-16,0-18 0,0 18 0,0-18 0,0 17 15,18-17-15,-18 18 0,0-18 0,0 18 0,0-18 16,0 0-16,0 17 0,17 1 0,-17-18 0,0 18 16,18-18-16,-18 0 0,0 17 0,0-17 15,0 0-15</inkml:trace>
+  <inkml:trace contextRef="#ctx0" brushRef="#br0" timeOffset="102399.857">17463 14905 0,'0'-18'15,"0"18"-15,17 0 0,-17 0 16,0 0-16,18 0 0,-1 0 16,-17-17-16,0 17 0,18 0 0,-18-18 0,18 18 15,-18 0-15,0 0 0,17 0 0,-17-18 16,18 18-16,-18 0 15,0 0-15,18 0 0,-18 0 0,0-17 16,17 17-16,1 0 0,-18 0 0,18 0 0,-18-18 16,17 18-16,-17 0 0,18 0 0,-1 0 0,-17 0 15,18 0-15,-18 0 0,18 0 0,-1 0 0,-17 0 0,18 0 16,-18 0-16,18 0 0,-18 0 0,17 0 15</inkml:trace>
+  <inkml:trace contextRef="#ctx0" brushRef="#br0" timeOffset="103311.9091">18803 14764 0,'0'0'15,"0"0"-15,0 17 16,0-17-16,0 0 0,-18 0 0,18 18 15,0-18-15,-17 0 0,17 18 16,0-18-16,0 17 0,-18-17 0,18 0 0,0 18 16,-17-18-16,17 18 0,0-18 0,0 17 0,-18-17 0,18 18 15,0-18-15,0 0 0,0 18 0,0-18 0,-18 0 0,18 17 16,0 1-16,0-18 0,-17 0 0,17 17 0,0-17 0,0 18 15,0 0-15,0-18 0,0 17 16,0-17-16,0 18 16,0-18-16,0 18 0,0-1 15,0-17-15,0 0 16,17 0-16,-17 0 15,18 0 1,-18 0-16,18 0 16,-18 0-1,17 0-15,-17 0 0,0 0 16,18-17-16,-18 17 0,0-18 0,0 18 0,17 0 15,-17-18-15,0 18 0,0 0 0,0-35 0,18 35 0,-18 0 16,18-18-16,-18 18 0,0-17 0,0-1 0,0 18 0,0-17 16,0 17-16,17 0 0,-17-18 0,0 18 0,0-18 15,0 1-15,0 17 16,0-18-16,0 18 15,0-18 1,0 18-16,0-17 16,0 17-16,-17 0 0,-1 0 15,18 0-15,0 0 0,-18 0 0,18 0 16,-17 0-16</inkml:trace>
+  <inkml:trace contextRef="#ctx0" brushRef="#br0" timeOffset="104511.9778">18979 14482 0,'0'0'16,"0"0"-16,0 0 0,0 17 16,0 1-16,0-18 0,0 17 15,0-17-15,0 0 0,0 18 0,0-18 0,0 18 0,0-1 16,0-17-16,0 18 0,0-18 0,0 18 0,0-1 0,0-17 15,0 18-15,0-18 0,0 18 0,0-1 0,0 1 0,0-18 16,0 17-16,0 1 0,0 0 0,0 17 0,0-35 0,0 18 16,0-1-16,0 1 0,0-18 0,0 18 0,0-1 0,0 1 15,0-18-15,18 18 0,-18-18 0,0 35 0,0-35 0,0 17 16,0-17-16,0 18 0,0-18 0,0 18 0,18-18 0,-18 17 15,0-17-15,0 18 0,0-18 0,0 18 16,0-1-16,0-17 0,0 18 16,0-18-1,0 0 126,0 0-126,0-18-15,0 1 0,0 17 16,0-18-16,0 18 0,0-18 0,0 1 15,0 17-15,0 0 0,0-18 0,0 18 0,0-18 0,0 18 16,0-17-16,0-1 0,0 18 0,0-17 0,0 17 16,0-18-16,0 18 0,0-18 0,0 1 15,0 17-15,0 0 0,0-18 0,0 18 0,0 0 16,0-18-16,17 18 15,-17-17-15,0 17 16,0 0-16,18 0 16,0 0-1,-18 0 1,17 0-1,-17 0 17,18 0-32,-18 0 15,0 0-15,18 0 0,-18 0 16,0 17-16,17-17 0,-17 0 15,0 18-15,0-18 0,0 18 0,0-1 16,18-17-16,-18 0 0,0 18 0,0-18 0,0 18 0,0-18 16,0 0-16,0 17 0,0 1 0,0-18 0,0 17 15,0-17-15,0 18 0,0-18 16,0 18-16,0-18 0,0 17 0,0-17 15,0 0-15,0 18 0,0-18 16,-18 0-16,18 0 0,0 0 0,-17 0 0,-1 0 16,18 18-16,0-18 0,-18 0 0,18 0 15,-17 0-15,17 17 0,-18-17 16,18 0-16,-18 0 31,18 0-31,0 0 94,0 0-79</inkml:trace>
+  <inkml:trace contextRef="#ctx0" brushRef="#br0" timeOffset="105720.0469">19332 14834 0,'0'0'421,"0"0"-374,-17 0-47,17 0 15,-18 0-15,18 0 0,0 0 16,-18 0-16,18 18 0,0-18 0,0 0 15,0 18-15,0-1 16,-17-17-16,17 0 0,0 18 31,0-18 0,0 0 1,17 0-17,-17 0-15,18 0 0,0 0 16,-18 0-16,17 0 0,-17 0 0,18 0 15,-18 0-15,18 0 0,-18 0 0,0 18 16,17-18-16,-17 0 0,0 0 0,18 0 0,-18 17 16,0-17-16,0 18 0,17-18 0,-17 0 0,0 17 15,18-17-15,-18 0 0,0 0 0,0 18 0,0-18 16,18 0-16,-18 18 0,0-1 15,0-17-15,0 0 0,0 18 32,0-18-17,0 0-15,0 0 0,0 0 16,-18 0-16,0 0 0,18 18 0,0-18 15,-17 0-15,17 0 0,-18 0 16,18 0-16,0 17 0,-17-17 0,-1 0 16,18 0-16,-18 0 0,18 0 0,-17 0 15,-1 0-15,18 0 0,0 0 0,-18 0 16</inkml:trace>
+  <inkml:trace contextRef="#ctx0" brushRef="#br0" timeOffset="106486.0907">19473 14817 0,'0'0'31,"18"0"-31,-18 0 16,0 0-16,0 17 15,0-17-15,18 18 0,-18-18 16,0 18-16,0-18 0,0 17 0,0-17 15,17 0-15,-17 18 0,0-18 0,0 0 16,0 18-16,18-18 0,-18 0 0,18 17 0,-18-17 16,0 18-16,17-18 0,-17 17 0,0-17 0,0 0 0,18 0 15,-18 18-15,17-18 0,-17 0 0,0 18 0,0-1 16,18-17-16,-18 0 0,0 0 15,0 18-15,18-18 94,-18 0-78,0 0-1,0-18-15,0 1 0,0 17 0,0-18 16,0 18-16,0-18 0,0 18 0,0-17 0,17-1 15,-17 18-15,0-17 0,0 17 0,0-18 0,0 0 0,18 1 16,-18 17-16,0-18 0,0 0 0,0 18 0,0-17 16,0 17-16,0-18 0,0 0 15</inkml:trace>
+  <inkml:trace contextRef="#ctx0" brushRef="#br0" timeOffset="109506.2634">16669 14605 0,'0'0'16,"-18"0"0,0 0-1,18 0 1,-17 0-16,17 0 15,0 0-15,-18 0 0,1 0 16,17 0-16,0 0 0,-18 0 31,18-18-31,0 18 0,0-17 16,-18 17-16,18 0 0,0 0 0,-17 0 15,17-18-15,-18 18 0,18 0 0,0 0 16,-18 0-16,18-18 0,0 18 0,0-17 16,-17 17-16,17 0 0,-18 0 15,18-18 1,0 18-16,0 0 15,0-17-15,0 17 16,-18 0-16,18-18 0,0 0 0,0 18 0,0 0 16,0-17-16,0 17 0,0-18 0,-17 18 0,17-18 15,0 18-15,0-17 0,0 17 0,0-18 16,0 18-16,0-18 15,0 1-15,0 17 0,0-18 16,0 18-16,0-17 16,0-1-16,0 18 0,0-18 15,0 18-15,0-17 0,0 17 0,0 0 0,0-18 16,0 0-16,0 18 15,0-17-15,0 17 0,0 0 0,0-18 16,17 0-16,-17 18 0,0-17 0,0 17 16,0 0-16,0-18 0,0 18 0,0-18 15,18 18-15,-18-17 0,0 17 16,0-18-16,0 18 15,0-17 17,0 17-17,18 0-15,-18-18 16,0 0-16,0 18 15,0 0-15,0-17 0,0 17 16,0-18 0,17 18-1,-17-18-15,0 18 16,0-17-1,0 17-15,0 0 0,0-18 16,0 18-16,0 0 250,0 0-235,0 0-15,0 0 0,0 18 16,0-18-16,0 0 0,0 17 15,0-17-15,0 18 0,0-18 0,-17 0 0,17 18 16,-18-18-16,18 0 0,0 17 0,0-17 0,0 18 16,0-18-16,-18 0 0,18 18 0,0-18 15,0 0-15,0 17 0,-17-17 0,17 0 16,0 18-16,0-18 0,0 17 15,0-17-15,-18 0 0,1 18 16,17-18-16,0 0 16,0 18-16,-18-18 15,18 0-15,0 0 187,0 0-171,0 0-16,0 0 0,0 0 16,18 0-16,-18-18 0,17 18 0,-17 0 0,0-18 15,0 18-15,0-17 0,18 17 0,-18-18 16,0 18-16,0 0 0,0-17 0,17 17 15,-17-18-15,0 18 0,0-18 0,18 18 0,-18 0 16,18 0-16,-18-17 0,0 17 0,17 0 16,-17-18-16,0 18 15,0-18-15,18 18 0,0 0 0,-18 0 0,0-17 0,17 17 0,-17 0 16,0 0-16,18-18 0,-18 18 0,18 0 0,-18 0 15,17 0-15,-17 0 0,0-18 0,18 18 16,-18 0 46,0-17-46,17 17 15,-17 0 16,18 0-47,-18 17 0,0-17 16,0 0-16,0 18 0,0-18 15,18 0-15,-18 18 0,0-18 0,0 0 0,17 0 0,-17 17 16,0 1-16,18-18 0,-18 18 0,18-18 15,-18 0-15,0 17 0,17 1 0,-17-18 0,0 0 0,0 18 16,18-18-16,0 17 0,-18-17 0,17 18 0,-17-18 16,0 0-16,0 17 0,18-17 0,-18 18 0,18-18 0,-18 0 15,0 0-15,0 18 0,17-18 0,-17 17 0,0-17 16,0 0-16,18 0 15,-18 18 1</inkml:trace>
+  <inkml:trace contextRef="#ctx0" brushRef="#br0" timeOffset="111736.391">16140 14623 0,'0'0'31,"0"-18"0,0 18-31,0-18 16,0 18-16,0 0 0,0 0 0,-18 0 15,18-17-15,-18 17 0,18 0 16,-17 0-16,17 0 0,0 0 0,-18 0 15,18 0-15,-18 0 0,1 0 0,17 0 16,-18 0-16,18 0 16,-18 0-16,1 0 0,17 0 0,-18 0 0,18 0 0,-17 0 15,17 0-15,-18 0 0,0 0 0,18 0 0,-17 0 16,17 0-16,-18 0 0,0 0 0,18 0 0,0 0 0,-17 0 15,17 0-15,-18 0 0,18 0 16,0 0-16,-18 0 0,18 0 0,-17 0 16,17 0-16,0 17 0,-18-17 15,18 0-15,0 18 0,-17-18 0,-1 0 16,18 0-16,-18 18 0,18-18 0,-17 0 15,17 0-15,-18 0 0,18 17 0,-18-17 0,18 0 0,-17 0 16,17 18-16,-18-18 0,18 18 0,-18-18 0,18 0 16,-17 0-16,-1 17 0,18-17 0,-17 0 0,17 0 0,-18 18 15,18-18-15,-18 17 0,18-17 0,-17 0 0,17 18 0,-18-18 16,18 0-16,-18 18 0,1-18 0,17 17 0,0-17 0,-18 0 15,18 0-15,0 18 0,-18-18 0,18 0 0,0 18 0,-17-18 16,-1 17-16,18 1 0,0-18 0,-18 18 16,18-18-16,0 0 0,-17 17 0,17 1 0,-18-18 0,18 0 15,0 0-15,0 18 0,0-18 0,-17 0 0,17 17 0,0-17 16,0 18-16,-18-18 0,18 0 0,0 17 0,-18-17 15,18 0-15,0 0 0,0 18 0,-17-18 0,17 0 0,0 18 16,0-1-16,0-17 0,-18 0 0,18 18 0,0-18 16,0 18-16,0-18 0,0 17 0,0-17 0,-18 0 0,18 18 15,0-18-15,-17 0 0,17 18 0,0-18 0,0 17 0,0 1 16,0-18-16,0 0 0,0 17 0,0-17 15,0 18-15,0 0 0,0-18 0,-18 0 16,18 17-16,0-17 0,0 18 0,0-18 16,0 18-16,0-1 0,0-17 15,0 0-15,0 18 0,0-18 16,0 18-1,0-1-15,0-17 16,0 18 0,0-18-16,0 17 15,0-17-15,-18 0 16,18 18-16,0 0 0,0-18 15,-17 0-15,17 17 0,0-17 16,0 18-16,0 0 0,-18-18 16,18 0-16,0 0 0,0 17 0,-17-17 15,17 0-15,0 18 0,-18-18 0,18 0 0,-18 0 0,18 0 16,0 18-16,-17-18 0,17 17 0,0-17 0,0 0 0,-36 0 15,36 18-15,0-18 0,-17 0 0,17 0 0,-18 18 0,0-18 16,1 17-16,17-17 0,-18 0 0,1 18 16,17-18-16,-18 0 0,18 0 0,-18 17 0,18-17 0,-17 0 15,-1 18-15,18 0 0,-18-18 0,1 0 0,-1 0 0,18 0 16,-18 17-16,18-17 0,-17 0 0,-1 18 0,0-18 0,1 0 15,-1 0-15,18 18 0,-17-18 0,-1 0 0,0 0 0,18 0 16,-35 35-16,17-35 0,1 0 0,-19 0 16,36 0-16,-17 18 0,17-18 0,-35 17 0,17-17 0,0 0 15,1 0-15,17 0 0,-18 0 0,0 0 0,1 0 0,17 0 16,-18 18-16,0-18 0,18 0 0,-17 0 0,-1 0 0,1 0 15,17 0-15,-18 0 0,18 0 0,-35 17 0,35-17 0,-18 0 16,0 0-16,1 0 0,17 0 0,-18 0 0,0 0 0,1 0 16,-1 0-16,18 0 0,-18 0 0,1 0 0,-1 0 15,18 0-15,-17 0 0,-1 0 0,18 0 0,-18 0 0,-17 0 16,35 0-16,-18 0 0,18 0 0,-17 0 0,-19-17 0,19 17 15,17 0-15,-18 0 0,1 0 0,-1-18 0,-17 18 0,35 0 16,-18 0-16,-17-17 0,17 17 0,0 0 0,-17 0 16,35 0-16,-17 0 0,-36-18 0,53 18 0,-36 0 0,1-18 0,17 18 15,1 0-15,-19 0 0,19 0 0,-1-17 0,-17 17 16,35-18-16,-18 18 0,-17 0 0,35 0 0,-35-18 0,-1 1 15,19 17-15,-1 0 0,18 0 0,-17 0 0,17-18 16,-18 18-16,18 0 0,-18 0 0,18-18 109,0 1-109,0 17 16,0-18-16,0 18 15,0-17-15,0-1 0,0 18 16,-17 0-16,17-18 0,0 18 0,0 0 0,0-17 0,-18 17 16,18 0-16,-18-18 0,18 0 0,0 18 15,0-17-15,-17 17 0,17 0 0,0-18 16,0 0-16,0 18 0,0-17 0,0 17 15,0-18-15,-18 18 0,18 0 0,0-18 16,0 1-16,0 17 16,0 0-16,0-18 0,0 18 31,-18 0-16,18-17-15,0-1 16,0 18 0,0-18 46,0 18-46,-17 0-1,17-17 1,0 17-16,0-18 15,0 18-15,0-18 0,0 18 16,0-17-16,0 17 0,0-18 16</inkml:trace>
+  <inkml:trace contextRef="#ctx0" brushRef="#br0" timeOffset="113880.5136">12947 14570 0,'0'-18'16,"0"18"0,0-18-16,-18 18 15,18 0-15,0-17 16,0 17-16,0 0 0,0-18 0,0 1 15,-17 17-15,17 0 0,0-18 16,-18 18-16,18 0 0,0 0 16,0-18-16,0 1 0,-18 17 0,18 0 15,0 0-15,0-18 0,0 18 0,-17 0 16,17-18-16,-18 18 0,18 0 0,0 0 0,0-17 15,-18 17-15,18-18 0,0 18 0,0 0 16,-17 0-16,17-18 0,0 18 16,0 0-16,-18 0 0,18-17 0,-17 17 15,17-18-15,0 18 16,0 0-16,-18 0 15,18-17-15,0 17 16,0 0-16,0-18 16,-18 18-16,18 0 15,0 0-15,0-18 16,-17 18-16,17-17 0,-18 17 0,18 0 0,0-18 15,0 18-15,0 0 0,-18 0 0,18-18 0,0 18 16,0-17-16,0 17 0,-17 0 16,17-18-16,0 18 15,0-18-15,-18 18 0,18 0 16,0-17-1,0 17-15,0-18 16,0 18-16,0-18 16,-18 18-1,18 0 48,0-17-48,0 17-15,0-18 0,0 18 16,-17 0-16,17-17 15,0 17-15,0-18 16,0 18-16,0-18 16,0 18-16,0-17 15,0 17 63,0-18-47,-18 18 32,18 0 30,0 0-93,0 18 16,0-1-16,0-17 0,0 18 0,0-18 16,-17 0-16,17 18 0,0-18 0,0 17 0,0 1 15,0-18-15,0 0 0,0 17 0,0-17 16,0 18-16,0 0 15,0-18-15,0 17 0,0-17 16,0 18-16,0-18 16,-18 0-16,18 18 0,0-1 15,0-17-15,0 18 16,0-18-16,0 0 0,0 18 15,0-1-15,0-17 16,0 18-16,0-18 16,0 0 93,0 0-109,0 0 15,0 0-15,0 0 0,0-18 0,0 1 0,0 17 16,0 0-16,18-18 0,-18 18 0,17 0 0,-17-18 0,0 1 16,0-1-16,18 18 0,-18-18 0,0 1 0,0 17 0,0-18 15,17 18-15,-17-18 0,0 18 0,0-17 0,18 17 16,0-18-16,-18 1 0,0-1 0,0 18 0,0-18 0,17 18 15,-17-17-15,0 17 0,0 0 0,0-18 0,0 0 0,18 18 0,-18 0 16,0-17-16,0 17 16,18 0-16,-18-18 0,0 0 31,0 18-16,0-17 1,0 17 0,0 0 15,17 0-31,-17 0 15,18 0 1,0 0 0,-18 0-16,17 0 15,-17 0-15,18 0 0,-18 0 16,0 0-16,17 0 0,1 0 0,-18 0 0,0 0 15,0 0-15,18 0 0,-18 0 0,0 17 0,17-17 0,1 18 16,-18-18-16,0 0 0,18 0 0,-18 18 0,0-18 0,17 0 16,-17 0-16,0 0 0,0 17 0,18-17 0,-18 18 15,18-18-15,-18 0 0,0 0 0,17 0 0,-17 18 0,0-18 16,0 0-16,18 0 0,-18 17 0,18-17 15,-18 0-15,0 0 0,0 18 16,0 0 109</inkml:trace>
+  <inkml:trace contextRef="#ctx0" brushRef="#br0" timeOffset="115184.5882">12771 14605 0,'0'0'16,"0"0"-1,0 0-15,0 0 16,0-18-16,0 18 16,0-17-16,0 17 15,0 0-15,0-18 0,17 18 16,-17 0-16,18 0 0,-18-18 0,0 18 15,0-17-15,17 17 0,-17-18 16,0 18-16,18 0 0,-18 0 16,18 0-16,-18 0 15,17 0-15,-17 0 31,18 0-31,-18 0 16,18 0-16,-1 0 16,-17 0-16,18 0 0,-18 0 15,18 0-15,-18 0 0,17 0 0,-17 0 16,0 0-16,18 0 0,-18 0 0,0 0 0,18 0 15,-18 18-15,0-18 0,17 0 0,-17 17 0,18-17 16,-18 0-16,0 0 0,17 0 0,-17 18 0,0-18 16,18 0-16,-18 0 0,18 0 0,-18 0 15,0 18-15,17-18 0,-17 17 0,0-17 0,0 0 16,18 0-16,-18 0 0,0 18 0,18-18 15,-18 0-15,17 0 0,-17 18 16,0-18-16,18 0 31,-18 0-15,18 0-16,-1 0 15,-17 0-15,0 0 0,18 0 0,-18 0 16,0 0-16,17-18 0,-17 18 0,0 0 0,18 0 16,0 0-16,-18-18 0,0 18 0,0-17 0,17 17 0,-17 0 15,18 0-15,-18-18 0,18 18 0,-18 0 0,0 0 16,17 0-16,-17-18 0,0 18 0,0-17 15</inkml:trace>
+  <inkml:trace contextRef="#ctx0" brushRef="#br0" timeOffset="116298.6519">12841 15258 0,'0'0'47,"0"0"-47,0 0 0,0-18 0,0 18 16,0-18-16,0 18 0,18 0 0,-18-17 0,0-1 0,17 18 15,-17 0-15,0 0 0,0-18 0,18 18 0,-18 0 0,18 0 16,-18-17-16,0 17 0,17 0 0,-17-18 0,0 18 16,18 0-16,0 0 0,-18 0 0,17 0 0,-17 0 0,18 0 15,0 0-15,-18 0 0,0-17 0,17 17 0,1 0 16,-18 0-16,17 0 0,1 0 0,-18 0 15,0 0-15,18 0 0,-18 0 0,17 0 0,-17 0 16,18 0-16,-18 17 0,0-17 0,0 18 0,18-18 16,-18 0-16,0 0 0,17 0 15,-17 17-15,0-17 0,18 0 0,-18 0 16,18 0-16,-18 18 0,17-18 0,-17 18 0,0-18 0,18 0 15,-1 0-15,-17 0 0,18 17 0,-18-17 0,18 0 0,-18 0 16,17 0-16,-17 0 0,18 0 0,-18 18 0,0-18 16,18 0-16,-18 0 0,0 18 46,0-18-46,17 0 32,1 0-17,-18 0 1,18 0-1,-18 0-15,0 0 16,0 0-16,17 0 0,1 0 0,-18-18 0,0 18 16,17 0-16,-17 0 0,0 0 0,18 0 0,-18-18 15,0 18-15,18 0 0,-1 0 16,-17 0-16</inkml:trace>
+  <inkml:trace contextRef="#ctx0" brushRef="#br0" timeOffset="119327.8252">16140 14146 0,'0'0'78,"0"-17"-78,0 17 0,0-18 15,17 18-15,1 0 0,-18 0 0,0 0 0,18 0 16,-18-18-16,0 18 0,17 0 0,-17 0 0,18 0 15,-18 0-15,0-17 0,17 17 0,-17 0 0,0-18 16,18 18-16,-18 0 0,0 0 0,18 0 0,-1 0 16,-17-17-16,0 17 0,0 0 0,18 0 15,-18-18-15,0 18 0,18 0 0,-1 0 16,-17-18-16,0 18 0,0-17 15,18 17-15,-18 0 0,0 0 0,18 0 16,-18 0-16,0-18 0,17 18 16,-17 0-16,18 0 15,-18-18-15,0 18 16,0-17-16,17 17 15,-17 0-15,0 0 16,18 0-16,-18-18 16,18 18-16,-18 0 15,0 0 1,17 0 31,-17-18-47,0 18 46,0 0-46,18 0 16,-18-17 0,0 17 171,0-18-172,18 18-15,-1 0 32,-17 0-32</inkml:trace>
+  <inkml:trace contextRef="#ctx0" brushRef="#br0" timeOffset="123040.0375">12435 14252 0,'0'0'47,"0"0"-47,0 0 15,0-17-15,0 17 0,0 0 0,18 0 0,-18-18 16,0 0-16,0 18 0,18 0 0,-18-17 0,17 17 16,-17-18-16,0 0 0,18 18 0,-18 0 0,0 0 15,0-17-15,18 17 0,-18-18 0,17 18 0,-17 0 0,0 0 16,0-18-16,18 1 0,-18 17 0,18 0 15,-18-18-15,0 18 0,0-17 0,17 17 0,-17-18 16,18 18-16,-18 0 0,0 0 0,0-18 0,0 18 0,17 0 16,-17-17-16,0 17 0,0 0 0,0-18 0,18 18 0,-18-18 15,18 18-15,-18 0 0,0 0 0,0-17 16,17 17-16,-17 0 0,0 0 15,0-18-15,0 0 0,18 18 0,-18 0 16,0 0-16,0-17 0,18 17 16,-1 0-16,-17 0 15,0 0-15,18 0 16,-18-18-16,0 18 15,18 0 17,-18 0-32,0 0 15,0-17-15,17 17 16,1 0 109,-18 0-110,0 0-15,17 0 16,-17 0-16,0 0 0,0 17 15,18-17-15,0 0 0,-18 0 0,0 0 0,17 0 16,-17 18-16,0-18 0,18 0 0,-18 0 0,0 0 0,0 17 16,18-17-16,-18 18 0,17-18 15,-17 0 1,0 0-1,18 0 17,-18 18-17,0-18-15,18 0 0,-1 0 16,-17 0 15,0 0-31,18 0 31,-18 0-15,18 0-1,-18 0 1,17 0 0,1 0-16,-18 0 15,17 0-15,-17 0 16,0 0-16,18 0 0,-18 0 31,18 0-31,-18 0 31,0 0 125,0 0-140,0 0-16,-18 0 0,18 0 0,0 0 0,-18 0 15,18 17-15,0-17 0,-17 0 0,-1 18 0,1-18 16,17 18-16,-18-18 0,0 0 0,1 0 0,17 17 0,-18-17 16,0 18-16,18-18 0,-17 0 0,17 18 0,-36-18 15,19 17-15,-1-17 0,18 18 0,-18-18 0,18 0 16,-17 17-16,-1-17 0,18 0 0,0 0 0,-17 0 0,17 18 15,0-18-15,-18 0 0,18 18 0,0-18 0,0 0 16,-18 0-16,1 0 0,17 0 16,0 17-16,-18-17 0,18 0 15,0 0-15,-18 0 0,1 0 16,17 18-16,0-18 0,-18 0 15,18 0-15,0 0 16,-18 0-16,18 18 0,0-18 0,0 17 16,-17-17-16,-1 0 15,18 0-15,0 0 0,0 18 16,-17-18-16,17 0 0,0 0 15,-18 0-15,18 0 0,0 18 0,-18-18 16,1 0-16,17 17 0,0-17 0,0 0 16,-18 0-16,18 0 15,-18 0 16,18 18-31,-17-18 16,17 0 0,0 0-16,-18 0 15,18 18-15,0-18 63,0 0-63,0 0 15,0-18-15,0 18 0,0 0 0,18 0 16,-18-18-16,0 1 0,17 17 0,-17 0 0,0-18 0,0 18 15,18 0-15,-18-18 0,0 1 0,0 17 0,18-18 0,-1 18 16,-17-18-16,0 18 0,18-17 0,-18-1 0,0 18 0,0 0 16,18 0-16,-18-18 0,0 18 0,0-17 0,17 17 15,1-18-15,-18 18 0,0-17 0,17 17 0,-17 0 16,18 0-16,-18-18 0,0 18 0,18 0 0,-1-18 15,-17 18-15,18-17 0,-18 17 0,0 0 0,18 0 0,-1 0 16,-17-18-16,0 18 0,18 0 0,-18 0 0,35-18 16,-35 18-16,0-17 0,18 17 15,-18 0-15,0 0 0,17 0 16,-17-18-16,18 18 0,-18 0 15,0 0 79,0 0-78,0 0-1,0 18-15,0-18 0,0 17 0,0-17 16,-18 0-16,18 18 0,0-18 0,0 0 0,-17 18 0,17-1 15,0-17-15,0 0 0,0 18 0,-18-18 0,18 0 0,-17 18 16,17-18-16,0 0 0,0 17 0,0 1 0,-18-18 0,18 17 16,0-17-16,0 0 0,0 18 0,-18-18 15,18 0 32,0 0-47,0 0 0,0 0 16,18 0-16,-18-18 0,0 18 0,18 0 0,-18-17 15,17 17-15,-17-18 0,18 18 0,-18 0 0,0-17 16,17 17-16,1 0 0,-18-18 0,0 18 0,18 0 0,-18-18 15,0 1-15,17 17 0,-17 0 0,0-18 0,18 18 0,-18 0 16,18-18-16,-18 18 0,0-17 0,17 17 0,-17 0 16,0 0 46,0 0-46,0 0-16,0 0 0,-17 0 15,17 17-15,-18-17 0,18 0 0,0 0 0,-18 18 16,18-18-16,-17 0 0,17 18 0,0-18 0,0 17 15,-18-17-15,0 0 0,18 0 0,0 0 16,0 0 46,0 0-46,0 0-16,0 0 16,18 0-1,-18-17 1,0 17-16</inkml:trace>
+  <inkml:trace contextRef="#ctx0" brushRef="#br0" timeOffset="125320.1679">12506 14270 0,'-18'0'16,"1"0"-1,17 0-15,0 0 16,0 0 31,0 0-32,0 0-15,0 0 0,0-18 0,0 18 16,0-17-16,0 17 0,0-18 0,17 18 0,-17 0 0,0-18 16,0 1-16,0 17 0,0-18 0,0 18 0,18-18 15,-18 18-15,0-17 0,0 17 0,0-18 0,0 18 0,18 0 16,-18-18-16,0 18 0,0-17 0,0-1 0,0 18 0,17-17 15,-17 17-15,0-18 0,18 18 0,-18 0 0,0-18 16,0 1-16,0 17 0,0-18 0,0 18 0,0-18 16,0 18-16,0 0 0,0-17 0,0-1 15,0 18 1,0-18-16,18 18 15,-18 0-15,0-17 16,0 17-16,0-18 16,0 18 93,17 0-78,1 0 78,-18 0-93,17 0-1,-17 0-15,18 0 16,-18 0-16,18 0 0,-1 0 16,-17 0-16,18 0 0,-18 0 0,18 0 15,-1 0-15,-17 0 0,18 0 0,-18 0 0,18 0 16,-18 0-16,17 18 0,1-18 0,-18 0 0,17 0 0,-17 0 15,18 0-15,0 0 0,-1 0 0,-17 0 0,18 0 0,-18 17 16,0-17-16,18 0 0,-1 0 0,-17 0 0,18 0 16,-18 0-16,18 0 0,-1 0 15,-17 0-15,18 0 16,-18 0-16,18 0 15,-18 0-15,17 0 0,1 0 16,-18 0-16,0 0 0,17 0 16,-17 0-16,18 0 15,-18 0-15,18 0 0,-18 0 16,17 0-16,-17 0 15,18 0-15,-18 0 0,18 0 16,-1 0-16,-17 0 16,18 0-16,-18 0 15,0 0 94,0 0-93,0 0-16,0 0 0,0 0 16,0 0-16,-18 0 0,18 18 15,-17-18-15,17 0 0,0 18 0,-18-18 0,18 0 16,-18 0-16,18 0 0,0 17 0,-17-17 0,-1 0 15,18 0-15,-18 0 0,18 0 0,-17 0 0,-1 18 0,1-18 16,17 0-16,-18 0 0,0 0 0,18 0 0,-17 0 16,-1 0-16,18 18 0,0-18 0,-18 0 0,18 17 15,-17-17-15,17 0 0,0 0 16,-18 0-16,18 0 0,0 18 0,-18-18 15,1 0-15,17 0 0,0 0 0,-18 0 16,18 18-16,0-18 0,-18 0 0,18 0 0,0 0 0,-17 0 16,17 17-16,-18-17 0,18 0 0,-17 0 0,17 18 0,0-18 15,-18 0-15,0 0 0,18 0 0,0 0 0,-17 0 16,17 0-16,0 17 0,-18-17 0,18 0 0,0 0 15,-18 0-15,1 0 0,17 18 0,0-18 0,-18 0 16,18 18-16,-18-18 16,1 0-16,17 0 0,0 0 0,-18 0 15,18 17-15,0-17 0,-17 0 0,17 0 0,-18 0 16,18 18-16,-18-18 0,18 0 0,0 0 0,0 18 15,-17-18-15,17 17 0,-18-17 16,18 0-16,-18 0 0,18 0 0,0 18 16,-17-18-16,17 0 0,-18 0 15,18 18-15,0-18 0,-18 0 16,18 17-16,-17-17 0,17 0 15,0 0-15,-18 0 16,18 18 0,0-18-1,-17 0-15,17 0 16,-18 0-16,18 0 47,0 0-32,18 0-15,-18 0 16,0 0-16,0 0 0,17 0 0,-17-18 15,0 18-15,0-17 0,0 17 0,18 0 16,-18-18-16,17 18 0,-17 0 0,0-18 0,0 1 16,18 17-16,-18-18 0,0 18 0,0 0 0,0-18 15,18 18-15,-18-17 0,0-1 0,0 18 0,17-18 0,1 18 16,-18-17-16,0 17 0,0-18 0,18 18 15,-18-17-15,17 17 0,-17-18 0,18 18 0,-18 0 0,0-18 16,18 18-16,-18-17 0,0 17 0,0 0 0,0-18 0,17 18 16,-17 0-16,0-18 0,0 18 0,18 0 15,-18-17-15,17 17 0,-17-18 0,0 18 16,18 0-16,-18 0 0,0 0 0,0-18 0,18 18 0,-1 0 15,-17 0-15,0 0 0,18 0 16,-18-17-16,0 17 78,0 0-62,0 17-1,0-17-15,0 0 0,0 18 0,0 0 16</inkml:trace>
+  <inkml:trace contextRef="#ctx0" brushRef="#br0" timeOffset="127168.2737">16175 14182 0,'0'0'0,"-18"0"15,18 17-15,0-17 109,0 0-109,18 0 16,-18 0-16,18 0 0,-18 0 0,17 0 0,1 0 16,-18 0-16,17 0 0,-17 0 0,18 0 0,-18 0 0,18 0 15,-1 0-15,1 0 0,-18 0 0,35-17 0,-35 17 0,18 0 16,0 0-16,-18 0 0,17 0 0,-17 0 0,18 0 0,-18 0 15,17 0-15,1 0 0,-18 0 0,18 0 0,-18 0 16,17 0-16,1 0 0,-18 0 0,18 0 0,-18 0 16,17 0-16,-17 0 0,18 0 0,0 0 0,-18 0 15,17 0-15,-17 0 0,18 0 0,-18 0 0,17 0 0,1 0 16,-18 0-16,18 0 0,-18 0 0,35 0 0,-35 0 15,18 0-15,-18 0 0,17 0 0,1 0 0,-18 0 0,18 0 16,-18 0-16,17 0 0,1 0 16</inkml:trace>
+  <inkml:trace contextRef="#ctx0" brushRef="#br0" timeOffset="129178.3886">16581 14005 0,'0'0'47,"0"0"-47,0 18 15,0-18-15,0 18 0,-18-18 0,18 17 16,0-17-16,0 0 0,0 18 0,0-18 15,-18 0-15,18 17 0,0 1 16,0-18 62,0 0-62,0-18-16,0 18 0,0-17 15,0 17-15,0 0 0,0-18 0,18 18 0,-18-17 16,0 17-16,18 0 0,-18-18 0,0 18 0,0-18 15,0 18-15,17 0 0,-17-17 0,0-1 0,0 18 16,0 0-16,0-18 0,0 18 16,18 0-16,-18 0 78,0 0-78,0 0 0,0 18 15,0-18-15,0 18 0,0-18 16,0 17-16,0-17 0,0 0 0,0 18 0,0-18 15,-18 18-15,18-1 0,0-17 0,0 18 0,0-18 16,-17 0-16,17 17 0,0 1 0,0-18 16,0 18-1,0-18 16,0 0-15,0 0 0,0-18-16,0 0 15,0 18-15,0-17 16,0 17-16,0 0 0,0-18 15,0 1-15,17 17 0,-17 0 0,0-18 16,0 18-16,0 0 0,0-18 16,18 18-16,-18 0 93,0 0-77,0 18-1,0-18-15,0 0 0,17 0 16,-17 18-16,18-18 16,-18 0-16,0 17 0,18-17 0,-18 0 15,17 0 32,-17 0 15,18 0-62,-18 18 16,0-18-16,0 0 0,18 0 16,-18 17-16,0 1 15,0-18 1,0 0-16,0 18 15,17-18 32,-17 0-16,0 0 1,0 0-32,0 0 15,-17 0-15,17-18 0,0 18 0,-18 0 16,0 0-16,18 0 0,-17 0 0,17 0 15,-18 0-15,0 0 0,-17 0 0,35 0 0,-17 0 0,-19-18 16,36 18-16,-35 0 0,0 0 0,17 0 0,0 0 0,-17 0 16,0 0-16,35 0 0,-35 0 0,35 0 0,-18 0 31,-88 18-31,89-18 15,17 0-15,0 0 16,-18 0 0,18 18-16,0-18 93,0 0-93,0 0 0,18 0 16,-1 0-16,-17 0 0,0 0 15,18 0-15,-18 0 0,17 0 0,1 0 0,-18-18 16,0 18-16,18 0 0,-18 0 0,17 0 0,-17 0 16,18 0-16,0 0 0,-18 0 0,17 0 15,-17-18-15,18 18 0,0 0 0,-18 0 0,17 0 16,-17 0-16,18 0 0,-18 0 15,0 0 32,0 0-31,0 18-16,0-18 0,0 0 0,0 18 15,-18-18-15,18 0 0,0 0 0,-17 17 0,-1-17 0,18 0 16,-18 18-16,18-18 0,-17 18 0,-1-18 0,0 0 0,1 17 16,-19 1-16,36-18 0,-17 0 0,17 18 0,-35-18 0,35 0 15,-18 17-15,18-17 0,-18 18 0,18-18 0,0 0 16,0 0 46,0 0-62,0 0 16,0 0-16,0 0 0,0-18 15,18 18-15,-18 0 0,0 0 0,0-17 0,18 17 16,-1 0-16,-17 0 0,0 0 0,0-18 0,18 18 0,-18 0 16,0-18-16,17 18 0,1 0 0,-18-17 0,18 17 15,-18 0-15,17-18 0,-17 18 0,0 0 0,18-18 16,0 1-16,-18 17 0,0 0 15</inkml:trace>
+</inkml:ink>
+</file>
+
+<file path=ppt/ink/ink6.xml><?xml version="1.0" encoding="utf-8"?>
 <inkml:ink xmlns:inkml="http://www.w3.org/2003/InkML">
   <inkml:definitions>
     <inkml:context xml:id="ctx0">
@@ -314,9 +641,9 @@
   </inkml:definitions>
   <inkml:trace contextRef="#ctx0" brushRef="#br0">19894 7317 0,'25'0'15,"-1"0"1,1 0 15,0 25-31,0-25 0,0 0 16,-1 0 15,1 0-15,0 0-1,0 0 32,0 0-31,-25-25-16,24 25 16,-24-24 62,0-1-63,-24 25 1,-1-50-16,0 50 16,0-25-1,0 25 1,25-24-1,-24 24 1,-1 0 0,0 0 15,0 0-15,0 0-1,1 0 16,-1 0-31,0 0 47,0 0-31,25 24 0,-25-24-1,25 25-15,-25-25 16,25 25-16,0 0 15,0 0-15,0-1 16,0 1-16,0 0 16,0 0-1,0 24 1,0 1-16,50-25 16,-25 24-16,25-24 15,-26 25-15,1-25 16,25-1-16,-25-24 15,-1 0 1,1 0 15,0 0 1,0 0 14,-25-24-30,25 24-16,-25-25 16,24 25 15</inkml:trace>
   <inkml:trace contextRef="#ctx0" brushRef="#br0" timeOffset="1106.5279">20266 7367 0,'0'25'16,"0"0"-1,25-25-15,-25 24 16,0 26-16,0-25 16,0 0-1,0-1 1,0 1-16,0-50 140,0 1-124,0-1-16,0 0 16,0 0-16,0 0 15,0 1-15,0-1 16,0-25-16,24 1 16,1 49-1,-25-25 1,25 25-16,0 25 94,-25-1-79,0 1 1,25 0-1,-25 25-15,24-26 16,1 51-16,-25-50 16,25 24-1,-25-24 48,0 25-48,0-1 1,-25-24-16,25 0 16,-25 0-16,25-50 93</inkml:trace>
-  <inkml:trace contextRef="#ctx0" brushRef="#br0" timeOffset="1875.8814">20737 6722 0,'0'50'47,"0"-26"-47,0 1 16,0 0-16,25 50 15,-25-51-15,0 51 16,0-26-16,25 51 16,-1-26-1,-24 0-15,0 1 0,0-26 0,25 1 16,-25 0-16,0-26 16,0 26-1,0-25-15,0 0 0,0-1 16,25-24-1,-25 25 79,0 0-78,0 0 62,0-50-16</inkml:trace>
+  <inkml:trace contextRef="#ctx0" brushRef="#br0" timeOffset="1875.8813">20737 6722 0,'0'50'47,"0"-26"-47,0 1 16,0 0-16,25 50 15,-25-51-15,0 51 16,0-26-16,25 51 16,-1-26-1,-24 0-15,0 1 0,0-26 0,25 1 16,-25 0-16,0-26 16,0 26-1,0-25-15,0 0 0,0-1 16,25-24-1,-25 25 79,0 0-78,0 0 62,0-50-16</inkml:trace>
   <inkml:trace contextRef="#ctx0" brushRef="#br0" timeOffset="2515.5947">20588 7293 0,'25'0'31,"0"0"-16,0 0 1,-1 0 0,1 0-16,0 0 15,0 0-15,0 0 16,-1 0-16,1 0 16,25 0-16,-25 0 15,24 0-15,-24 0 16,0 0-1,25 0 1,-26 0 0</inkml:trace>
-  <inkml:trace contextRef="#ctx0" brushRef="#br0" timeOffset="4211.7053">21084 7466 0,'0'25'94,"0"0"-94,0 0 16,0-1-1,0 1 1,0 0-16,0-50 125,0 0-109,0 1-1,0-1 1,0 0-16,0 0 15,0 0-15,0 1 16,25-1 0,-25 0-1,0 0-15,25 25 16,0 0 15,-25-25-31,25 25 16,-25-24-1,24 24 32,1 0 47,0 0-94,-25 24 16,25-24-16</inkml:trace>
+  <inkml:trace contextRef="#ctx0" brushRef="#br0" timeOffset="4211.7052">21084 7466 0,'0'25'94,"0"0"-94,0 0 16,0-1-1,0 1 1,0 0-16,0-50 125,0 0-109,0 1-1,0-1 1,0 0-16,0 0 15,0 0-15,0 1 16,25-1 0,-25 0-1,0 0-15,25 25 16,0 0 15,-25-25-31,25 25 16,-25-24-1,24 24 32,1 0 47,0 0-94,-25 24 16,25-24-16</inkml:trace>
   <inkml:trace contextRef="#ctx0" brushRef="#br0" timeOffset="5418.8202">21357 7466 0,'0'0'0,"0"25"16,0 0-16,0 0 16,0-1-1,0 1 17,25-25-17,-25 25 1,25 0-1,0-25 1,-1 25 0,1-25-1,0 0 1,25 0 15,-26 0-15,1-25-16,0 0 15,0 0 1,-25 0 0,25 1-1,-25-1-15,24 25 16,-24-25-16,0 0 16,0 0-1,-24 1 16,-1 24 16,0 0 0,0 0-16,0 0 1,1 0-1,-1 0-15,0 0-1,0 0 1</inkml:trace>
   <inkml:trace contextRef="#ctx0" brushRef="#br0" timeOffset="7060.7893">21828 7417 0,'0'24'16,"0"1"-16,0 0 15,0 0 1,0 24 0,0-24-1,0 0 1,0 0 15,0 0-31,25-1 31,-25 1-31,0 0 16,0 0-16,0 0 16,0-1-1,0 1-15,0 0 16,0-50 140,0 0-140,-25 1-16,25-26 15,0 25-15,0-24 16,0-26-16,-24 26 16,24 24-16,0-25 15,-25 25-15,25 1 16,0-1-16,0 0 15,25 25 110,-25-25-125,24 25 47,1 0-31,0 25 0,0 0-16,-25 0 78,25-25-63,-25 24 1,0 1 31,0 0-32,0 0 17,0 0-1,0-1 0,-25-24-15,25 25-1,-25-25 1,0 0 0</inkml:trace>
   <inkml:trace contextRef="#ctx0" brushRef="#br0" timeOffset="8746.7441">22002 7367 0,'0'25'94,"0"0"-79,0-1 17,0 1-32,25 0 15,-25 0-15,25 0 16,-25-1-1,0 1-15,25-25 16,-25 25 0,24-25-1,-24 25 1,25-25 0,0 0-1,0 0 16,24 0-15,-24-25 0,0 0-1,0 0-15,24-24 0,-24 24 16,0 0-16,25-24 16,-50 24-16,0 0 15,24-49-15,1 49 16,-25 0-16,0-25 15,0 26 1,0 48 140,0 1-140,0 25 0,0-1-1,50 1-15,-50 0 16,49-1-16,-24 26 15,-25-1-15,25 0 16,0 26-16,0-76 16,-25 26-16,24 74 15,-24-99-15,0 0 16,0 24-16,0 1 16,-24 0-1,-1-26 1,-50 26-16,75-25 15,-49 0 1,-26-1-16,51 1 16,-26 0-1,25-25-15,0 0 0,1 0 16,-1 0-16,0 0 16,-25 0-16,26 0 15,-26 0-15,25 0 16,-24 0-16,24 0 15,-25 0-15,25 0 16,-49-25-16,49 25 16</inkml:trace>
@@ -328,7 +655,7 @@
 </inkml:ink>
 </file>
 
-<file path=ppt/ink/ink5.xml><?xml version="1.0" encoding="utf-8"?>
+<file path=ppt/ink/ink7.xml><?xml version="1.0" encoding="utf-8"?>
 <inkml:ink xmlns:inkml="http://www.w3.org/2003/InkML">
   <inkml:definitions>
     <inkml:context xml:id="ctx0">
@@ -353,7 +680,7 @@
     </inkml:brush>
   </inkml:definitions>
   <inkml:trace contextRef="#ctx0" brushRef="#br0">13395 5184 0,'25'0'265,"-1"25"-249,26 25 0,0-1-1,-25 1 1,-1-25-1,1 24 1,0-24 0,-25 0 31,25 0-16,0-25 94,-25-25-94,-25 0 0,-50-49-31,51 49 16,-1 0 0,25-25-1,-25 26 1,25-1-16,-25 0 15,25 0 1,0 0 0,0 1-1,0-1 1,0 0 0,50 25-1,-50-25 1,49 25-1,-49-25-15,25 25 16,25 0 15,-25 0 1,-1 0-17,-24 25 1,50-25-1,-25 0 1,0 25-16,-1-25 16,1 0-1,0 0 1,0 25 0,-25 0-1,0 24 1,0-24-1,-25 0 1,0 0 0,-24-1-1,24 1-15,-25 0 16,25-25 0,1 0-16,-1 0 15,0 0 1,0 0-1,0 0 17,1 0-17,-1 0 79</inkml:trace>
-  <inkml:trace contextRef="#ctx0" brushRef="#br0" timeOffset="1374.1901">14164 4614 0,'0'24'62,"0"1"-46,0 25-1,0-1 1,0 1 0,0-25-16,0 25 15,0-26 17,0 26-17,0-25 16,0 24-15,0-24 15,0 0-15,0 0 0,0 0 15,0-1-16,0 1 126</inkml:trace>
+  <inkml:trace contextRef="#ctx0" brushRef="#br0" timeOffset="1374.19">14164 4614 0,'0'24'62,"0"1"-46,0 25-1,0-1 1,0 1 0,0-25-16,0 25 15,0-26 17,0 26-17,0-25 16,0 24-15,0-24 15,0 0-15,0 0 0,0 0 15,0-1-16,0 1 126</inkml:trace>
   <inkml:trace contextRef="#ctx0" brushRef="#br0" timeOffset="3513.4702">14561 5060 0,'25'0'47,"-25"-25"-32,-25 25 64,25-24-64,-25 24 1,0 0-1,0 0 1,0 0 0,1 0-1,-1 0 32,0 0 0,0 0 16,25 24 15,0 26-47,0-25-31,0 0 16,0-1-1,0 26 1,0-25-1,0 0 17,0-1-17,25-24 1,-25 25-16,25-25 16,0 25-1,-1-25 1,1 25-1,0-25 1,0 0 0,0 0 31,0 0 15,-25-25-31,0 0-15,0 0 0,0 1-1,24-1 1,-24 0 15,0 0-31,0 0 47,25 25 172,-25 25-204,0 0-15,0 25 32,0-26-1,25-24-31,-25 25 15,0 0 1,0 0 31,0 0 31,0-1-47</inkml:trace>
   <inkml:trace contextRef="#ctx0" brushRef="#br0" timeOffset="5450.8567">14759 5159 0,'25'0'94,"-25"25"-47,0 0-31,0 0 15,0 0-15,25-1-1,-25 1 1,25 0 62,-1-25-62,1 0 15,0 0-16,0 0-15,24 0 16,-24-25 0,0 25-1,-25-25 1,25 25-16,-25-24 16,0-1 15,25 0-16,-25 0 32,0 0 0,0 1-16,0-1 16,0 74 203,24-24-250,-24 25 16,25-1 15,0-24-15,-25 0-1,0 0 1,0 0 0,0-1 15,0 1-15,0 0-1,0 0 16,0 0-15,-25-1 15,25 1-15,-25-25 0,-49 25-16,24 0 15,26-25 1,-26 25-1,0-1 1,26-24 0,-1 25 15,0-25-15</inkml:trace>
   <inkml:trace contextRef="#ctx0" brushRef="#br0" timeOffset="8075.5131">17215 5209 0,'0'25'15,"0"0"1,0-1 0,25 1-1,-25 25 1,0-25 15,0-1-15,0 1-1,0 0-15,0 0 16,0 0 15,0-1 0,0 1 16,-25-25 31,25-49-62,0 24-16,0 0 16,0-25-1,0-24 1,0 24 0,0 1-16,0-1 15,0 1 1,0 24-1,0-25 1,0 25 0,0 1 15,25 24 0,-1 0-31,1 0 47,0 0-16,25 0 1,-26 0-1,1 0-31,0 24 15,0 1 1,0 0 15,-1 0-31,-24 0 16,0-1-16,25-24 16,-25 25-1,0 0 16,0 0-15,-25 0 0,-24-25-1,24 0 1,-25 0 15,26 0-15,-1 0 31,0 0 0</inkml:trace>
@@ -368,7 +695,7 @@
 </inkml:ink>
 </file>
 
-<file path=ppt/ink/ink6.xml><?xml version="1.0" encoding="utf-8"?>
+<file path=ppt/ink/ink8.xml><?xml version="1.0" encoding="utf-8"?>
 <inkml:ink xmlns:inkml="http://www.w3.org/2003/InkML">
   <inkml:definitions>
     <inkml:context xml:id="ctx0">
@@ -393,9 +720,9 @@
     </inkml:brush>
   </inkml:definitions>
   <inkml:trace contextRef="#ctx0" brushRef="#br0">13172 6772 0,'0'24'250,"0"26"-250,0 0 16,0-1-16,0 1 16,0 0-1,0-1 1,0 1-1,0-1-15,0-24 16,0 0 0,0 0 15,0 0 0,0-1-15,0 1 15,0-74 157,0 24-173,0-50 1,0 1-16,0-25 15,0 24 1,24 51 0,-24-26-1,0 25-15,0 0 16,0 0 0,0-24 15,0 24-16,0 0 17,25 25-1,-25-25-31,0 1 16,25 24-1,25 0 1,-1 0-1,-24 0-15,25 0 16,-26 0 0,1 0-1,0 0 1,0 0 15,0 0 0,0 0-15,-25 24 0,0 1 15,24-25-15,-24 25-1,0 0 1,0 0-1,0-1 1,0 1 0,0 0-1,0 0 1,0 0 15,0 0-15,0-1-1,0 1 17,-24-25-1,-1 0-31,0 0 16,0 25-1,0-25 1,-24 0-1,24 0-15,0 0 16,0 0 0,0 0 15,1 0-31,-1 0 31</inkml:trace>
-  <inkml:trace contextRef="#ctx0" brushRef="#br0" timeOffset="954.4221">13866 6325 0,'0'25'94,"0"0"-78,0 24-1,0 51 1,0-26-1,0 25 1,0-24-16,0-26 16,0 1-1,0-25 1,0 0 0,0 24-16,0-24 46,0 0 48</inkml:trace>
+  <inkml:trace contextRef="#ctx0" brushRef="#br0" timeOffset="954.422">13866 6325 0,'0'25'94,"0"0"-78,0 24-1,0 51 1,0-26-1,0 25 1,0-24-16,0-26 16,0 1-1,0-25 1,0 0 0,0 24-16,0-24 46,0 0 48</inkml:trace>
   <inkml:trace contextRef="#ctx0" brushRef="#br0" timeOffset="2861.3206">14213 6796 0,'25'0'31,"-25"-24"-15,0-1 93,-25 0-62,-24 0-32,24 25 1,0 0 0,0 0-1,1 0 1,-1 0 0,25 25 15,-25 0-16,25 0-15,0-1 16,0 26 0,-25-50-1,25 25 1,0 0 0,0 0 15,0-1 0,0 1 0,0 0 16,0 0-47,25-25 31,0 0-15,0 0 15,-1 0-15,1 0 15,0-25-15,0 0 15,0 25-15,-1-25 15,-24 1 31,25 24-46,-25-25 15,0 50 172,25-1-187,-25 26 15,0-25-31,25 49 16,-25-49 0,25 0-16,-25 0 15,0-1 16,0 1-15</inkml:trace>
-  <inkml:trace contextRef="#ctx0" brushRef="#br0" timeOffset="4795.9038">14412 6796 0,'0'25'125,"0"0"-109,0 25-1,49 24 1,-24-24-16,0-1 15,0-24 1,-25 0 15,25 0-31,-25 0 32,25-25-17,-1 0 16,1 0-15,0 0 15,25 0-15,-1 0 0,-24 24-16,25-24 15,-26 0 16,-24-24 16,0-1-31,0 0 0,-24-25-1,24 26-15,-25-26 31,25 25 1,0 50 280,0 0-296,0 24-1,0 1 1,0 0-16,0-1 16,0 1-1,-25-1 1,25 1 0,0 24-16,0-49 15,-25 0 1,0 25-1,25-26 1,-24 1-16,-1 0 16,0 0 15,0 0-15,0-25-16,-24 0 15,24 0 1,0 0-1,-25 0 1,1 0 0,24 0-1,0 0 17,25-25-1,-25 25-31,1 0 15,24-25 1</inkml:trace>
+  <inkml:trace contextRef="#ctx0" brushRef="#br0" timeOffset="4795.9037">14412 6796 0,'0'25'125,"0"0"-109,0 25-1,49 24 1,-24-24-16,0-1 15,0-24 1,-25 0 15,25 0-31,-25 0 32,25-25-17,-1 0 16,1 0-15,0 0 15,25 0-15,-1 0 0,-24 24-16,25-24 15,-26 0 16,-24-24 16,0-1-31,0 0 0,-24-25-1,24 26-15,-25-26 31,25 25 1,0 50 280,0 0-296,0 24-1,0 1 1,0 0-16,0-1 16,0 1-1,-25-1 1,25 1 0,0 24-16,0-49 15,-25 0 1,0 25-1,25-26 1,-24 1-16,-1 0 16,0 0 15,0 0-15,0-25-16,-24 0 15,24 0 1,0 0-1,-25 0 1,1 0 0,24 0-1,0 0 17,25-25-1,-25 25-31,1 0 15,24-25 1</inkml:trace>
   <inkml:trace contextRef="#ctx0" brushRef="#br0" timeOffset="6936.5832">15280 6970 0,'-25'0'469,"0"-25"-454,1 25 1,-1-24 15,0 24 16,25-25-31,-25 25-1,0 0 204,1 25-203,-1-1 31,0-24-32,25 25-15,-25-25 31,25 25-15,0 0 31,0 0-16,25-1-15,0-24-16,-25 25 15,25-25 1,-25 25 0,24-25 15,1 0-31,-25 25 16,25 0 15,0-25-16,0 0 17,-1 0-17,1 0 17</inkml:trace>
   <inkml:trace contextRef="#ctx0" brushRef="#br0" timeOffset="8330.9372">15255 6995 0,'25'0'31,"-25"-25"-15,25 25 93,-25 25-31,0 0 16,-25 0-16,0-1-47,0-24 32,1 0-32,24 25 0,-25-25 16,0 0 0</inkml:trace>
   <inkml:trace contextRef="#ctx0" brushRef="#br0" timeOffset="15373.6762">8409 6722 0,'0'25'375,"0"0"-296,0-1-79,0 1 15,0 0 1,0 0-1,0 0 1,0 0 15,0-1-31,0 1 32,0 0-17,0 0 48,0 0-32,0-1 0,0 1-31,0 0 47,0 0 31,25-25-62,0 0-1,0 0 17,24 0-17,-24 0-15,0 0 16,0 0 0,24 0-1,-24 0 1,0 0-16,0 0 31,-1 0 0,1-25-31,0 0 32,0 25-32,0 0 15,-1-25 1,1 1 15,0-1 0,0 25-15,-25-25 0,0 0-16,0 0 15,0 1 1,0-1 15,0 0-15,0 0-16,0 0 15,0-24 17,0 24-17,-25 0-15,25 0 16,-25 0-1,25 1 1,-25-1 0,25 0-1,-24 0 1,-1 0 15,0 25-15,25-24-1,-50 24 1,26 0 15,-1 0-31,-25 0 16,25 0 0,-24 0 15,24 0-16,0 0 17,0 24-17,1-24 17,24 25-17,-25 0 32,25 0 109,-25-25-140,25 25 46</inkml:trace>
@@ -405,35 +732,35 @@
   <inkml:trace contextRef="#ctx0" brushRef="#br0" timeOffset="23424.1564">10170 6424 0,'0'25'62,"0"0"-15,0 0-16,0 0 16,0-1 0,0 1-31,0 0-1,0 0 1,0 0 31,0-1-32,0 1 439,0 0-439,0 25 1,0-1-16,-25 1 15,25-25 1,0 0 15,0-1-15,0 1 15,25-25 204,0 0-220,0 0 1,0-25-1,-1 1 1,-24-1 0,25 25-1,-25-25 1,25 25 31,25 0-32,-50 25 1,49 0 0,-24-25-1,0 24 1,0-24 15,0 0-15,-1 0-16,1 25 31,0-25 0,0 0-15,0 0 0,-25 25 30,24-25-30,1 25 15,0 0 1,-25-1 30,25-24-62,-25 25 16,0 0 15,0 0 0,0 0 0,0-1 16,-25-24-47,0 0 16,0 0 0,1 0-1,-1 0-15,0 0 16,0 0-1,0 25 1,-49-25 0,49 0-1,0 0 17,1 0 30,-1 0-31</inkml:trace>
   <inkml:trace contextRef="#ctx0" brushRef="#br0" timeOffset="25828.4514">10046 7243 0,'0'-25'281,"0"0"-281,0-24 31,0 24 0,0 0 1,0 50 61,0 0-77,0 0-16,0-1 47,0 1-16,0 0 0,-25-25 1,25 25 15,0-50 453,0 0-485,0 0-15,0 50 313</inkml:trace>
   <inkml:trace contextRef="#ctx0" brushRef="#br0" timeOffset="30827.5681">9798 6796 0,'-49'0'203,"24"0"-172,0 0 0,25-24-15,-25 24 78,0 0-47,1 0 46,24-25-77,0 0 0,-25-25-1,0 50 1,25-24-1,0-1 1,0 0 47,0 0-63,-25 25 15,25-25 79,-25 25-47,25-24-47,0-1 172,-24 25-141,24 25 203,0-1-234,24 1 16,-24 0 0,0 0-1,0 0 32,25-25-31,-25 24-1,0 1 32,25-25-16,0 0 1,-25 25 30,25-25 16,-1 0-62,1 0 31,0 0-47,0 0 62,0 0-46,-1 0 0,1 0 15,0 25 297,-25 0-297,0-1 0,0 1 344,0 0-281,-25 0-78,0-25 15,1 25 0,-1-25-15,0 0 15,0 25-15,0-25 15,25 24-15,0 1 15,-24-25-31,24 25 62,-25-25-15,25 25-31,0 0 0,0-1-1,-25-24 1,25 25 15,0 0 32,-25 0-17,25 0 33,-25-25-64,25 24 16</inkml:trace>
-  <inkml:trace contextRef="#ctx0" brushRef="#br0" timeOffset="33392.2253">15602 6424 0,'25'25'109,"-25"50"-93,25-26 0,-25-24-16,0 0 15,0 49 1,0-49 15,25-25-31,-25 25 16,0 0-1,0-1 1,0 26 0,0-25-1,0 0 1,0 0-1,0-1 1,0 1 15,0 0 1,0 0-1,0 0 31,25-25 1,-25 24-48,0 1-15,0 0 16,0 25 15,0-26-31,0 26 16,0-25-16,25 0 16,-25-1 15,0 1-16,0 0 48</inkml:trace>
-  <inkml:trace contextRef="#ctx0" brushRef="#br0" timeOffset="36188.0929">15727 6970 0,'-25'0'16,"25"25"-1,0 0 32,-25-25 16,0 0-48,0 0 32,0 0-31,-24 25 15,24-25-15,0 0 15,0 0-31,25 49 953,0-24-937,-24 0-1,24 0-15,0 49 16,0-49 0,-25 24-1,25 1 1,0-25-1,0 0-15,0-1 16,0 1 15,0 0 63,25-25 94,-1-25-188,-24-24 31,25 49-16,-25-25 17,0 0-1,25 25-15,0 0 46,-25-25-46,25 25-1,-1-25 1,1 25 15,0 0 47,0 0-78,0 0 32,0 0-17,-1 0 16,1 0 16</inkml:trace>
-  <inkml:trace contextRef="#ctx0" brushRef="#br0" timeOffset="39797.2435">17835 7441 0,'0'25'47,"0"25"-32,0-25 1,0-1 0,0 1-1,0 0-15,25 0 16</inkml:trace>
+  <inkml:trace contextRef="#ctx0" brushRef="#br0" timeOffset="33392.2252">15602 6424 0,'25'25'109,"-25"50"-93,25-26 0,-25-24-16,0 0 15,0 49 1,0-49 15,25-25-31,-25 25 16,0 0-1,0-1 1,0 26 0,0-25-1,0 0 1,0 0-1,0-1 1,0 1 15,0 0 1,0 0-1,0 0 31,25-25 1,-25 24-48,0 1-15,0 0 16,0 25 15,0-26-31,0 26 16,0-25-16,25 0 16,-25-1 15,0 1-16,0 0 48</inkml:trace>
+  <inkml:trace contextRef="#ctx0" brushRef="#br0" timeOffset="36188.0928">15727 6970 0,'-25'0'16,"25"25"-1,0 0 32,-25-25 16,0 0-48,0 0 32,0 0-31,-24 25 15,24-25-15,0 0 15,0 0-31,25 49 953,0-24-937,-24 0-1,24 0-15,0 49 16,0-49 0,-25 24-1,25 1 1,0-25-1,0 0-15,0-1 16,0 1 15,0 0 63,25-25 94,-1-25-188,-24-24 31,25 49-16,-25-25 17,0 0-1,25 25-15,0 0 46,-25-25-46,25 25-1,-1-25 1,1 25 15,0 0 47,0 0-78,0 0 32,0 0-17,-1 0 16,1 0 16</inkml:trace>
+  <inkml:trace contextRef="#ctx0" brushRef="#br0" timeOffset="39797.2434">17835 7441 0,'0'25'47,"0"25"-32,0-25 1,0-1 0,0 1-1,0 0-15,25 0 16</inkml:trace>
   <inkml:trace contextRef="#ctx0" brushRef="#br0" timeOffset="42922.5745">17761 7069 0,'0'75'93,"0"-1"-77,0 1 15,0-1-31,24 25 16,-24-49 0,25-1-16,-25 1 15,0-25 1,0 24-1,0 1 1,0-25 0,0 0-16,0 24 15,0 1 1,0-1 0,0-24-1,25 0-15,-25 0 16,0 0-1,0 0 17,0-1 30,0-48 79,0-26-126,25-74-15,-25-25 16,25 25 15,-25 50-31,0-1 16,0 26-16,0-1 16,0 25-1,0 0 1,0-49-1,0 49-15,0-24 16,0 24 0,0-25-1,0 25 1,0 1 0,0-1-1,0 0 32,24 25-31,-24-25-1,50 25 1,-25 0 0,0 0-16,24-25 15,-24 25 1,0 0-1,24 0 1,-24 25 0,25 50-1,-25-51 1,-25 26 0,24 0-1,-24-26-15,25 1 16,-25 25-1,0-25 1,0-1 0,0 1-1,0 0 1,0 0 31,0 0-32,-25-1 17,1-24-1,-51 25-31,1-25 16,-1 0-1,51 0 1,-1 0-1,0 0 1,0 0 15,0 0 16</inkml:trace>
   <inkml:trace contextRef="#ctx0" brushRef="#br0" timeOffset="44016.3193">18753 5953 0,'0'50'47,"0"-25"-47,0-1 16,0 26-1,0 0 1,0 24 0,0-24-16,0-1 15,0 26 1,0-26 0,0 26-1,0-1 1,-25-24-16,25-1 15,0 1 1,0-1 0,0-24-1,0 0-15,0 25 16,0-25 0,0-1-1,0 1 16,-25-25-15,25 25 31</inkml:trace>
-  <inkml:trace contextRef="#ctx0" brushRef="#br0" timeOffset="46437.0491">19224 6970 0,'0'-25'47,"0"1"47,-25 24-79,0 0 1,1 0 15,-1 0-15,0 0-1,0 0 1,0 24 0,1 1-1,-1-25 1,0 25-16,0 0 16,-24 24 15,49 1-16,-25 24-15,0-24 16,25-25 0,0 0-1,0-1 1,0 1 31,0 0-16,0 0-15,74-25-1,-49 0 1,25 25 0,-25-25-16,-1 0 31,1 0 0,0 0-15,-25-25-1,25 0 1,-25 0 0,0 0-1,0 1-15,25-1 16,-1 0-1,-24 0 1,0 0 0,0 1-1,25 24 1,-25-25 15,0 0 16,0 0-31,25 25-1,-25-25 1,0 1 31,0-1 31,0 50 47,0-1-109,0 1-16,0 0 15,0 49 1,0-49-1,0 25 1,0-25-16,0 24 31,0-24-31,0 0 32,0 0-17,0-1 32,0 1-16,25-25 1,-25 25-1,25-25-31,-25 25 62</inkml:trace>
-  <inkml:trace contextRef="#ctx0" brushRef="#br0" timeOffset="48688.5431">19497 7119 0,'0'50'94,"25"-26"-79,-25 1 1,0 50 15,0-26-31,0-24 16,0 0-16,0 0 31,0-1 297,0 1-296,0 25-17,24-25 1,1 24-16,50 50 15,-1-74 1,-24 25 0,-1-25-1,-24-25-15,0 0 16,0 0 15,-25-25-15,25 25-16,-25-25 15,49 0 1,-49 0 0,25 1-1,0-1 1,-25 0 15,0 0-15,25 25-1,-25-25 32,0 1-15,0-26-32,0 0 15,-25 1 1,25-1-1,0 1 1,-25 24-16,25 0 16,0-25-1,-25 50 1,25-24 0,0-1 30,0 50 111,0-1-142,0 26-15,50 49 16,-50 0 0,25 50-1,-1-50 1,1-49-1,-25-25-15,0 49 16,25-24 0,-25-1-1,0 1 1,0 0-16,0-1 16,0 1-1,0-25 1,0 24-1,0-24-15,0 25 16,0-25 0,-25-1-1,25 1 1,-25 0 0,1 0-16,-1-25 15,-50 25 16,1-25-31,-1 0 16,26 0 0,-1 0-1,1 0-15,24 0 16,0 0 0,0 0-1,0 0 16</inkml:trace>
+  <inkml:trace contextRef="#ctx0" brushRef="#br0" timeOffset="46437.049">19224 6970 0,'0'-25'47,"0"1"47,-25 24-79,0 0 1,1 0 15,-1 0-15,0 0-1,0 0 1,0 24 0,1 1-1,-1-25 1,0 25-16,0 0 16,-24 24 15,49 1-16,-25 24-15,0-24 16,25-25 0,0 0-1,0-1 1,0 1 31,0 0-16,0 0-15,74-25-1,-49 0 1,25 25 0,-25-25-16,-1 0 31,1 0 0,0 0-15,-25-25-1,25 0 1,-25 0 0,0 0-1,0 1-15,25-1 16,-1 0-1,-24 0 1,0 0 0,0 1-1,25 24 1,-25-25 15,0 0 16,0 0-31,25 25-1,-25-25 1,0 1 31,0-1 31,0 50 47,0-1-109,0 1-16,0 0 15,0 49 1,0-49-1,0 25 1,0-25-16,0 24 31,0-24-31,0 0 32,0 0-17,0-1 32,0 1-16,25-25 1,-25 25-1,25-25-31,-25 25 62</inkml:trace>
+  <inkml:trace contextRef="#ctx0" brushRef="#br0" timeOffset="48688.543">19497 7119 0,'0'50'94,"25"-26"-79,-25 1 1,0 50 15,0-26-31,0-24 16,0 0-16,0 0 31,0-1 297,0 1-296,0 25-17,24-25 1,1 24-16,50 50 15,-1-74 1,-24 25 0,-1-25-1,-24-25-15,0 0 16,0 0 15,-25-25-15,25 25-16,-25-25 15,49 0 1,-49 0 0,25 1-1,0-1 1,-25 0 15,0 0-15,25 25-1,-25-25 32,0 1-15,0-26-32,0 0 15,-25 1 1,25-1-1,0 1 1,-25 24-16,25 0 16,0-25-1,-25 50 1,25-24 0,0-1 30,0 50 111,0-1-142,0 26-15,50 49 16,-50 0 0,25 50-1,-1-50 1,1-49-1,-25-25-15,0 49 16,25-24 0,-25-1-1,0 1 1,0 0-16,0-1 16,0 1-1,0-25 1,0 24-1,0-24-15,0 25 16,0-25 0,-25-1-1,25 1 1,-25 0 0,1 0-16,-1-25 15,-50 25 16,1-25-31,-1 0 16,26 0 0,-1 0-1,1 0-15,24 0 16,0 0 0,0 0-1,0 0 16</inkml:trace>
   <inkml:trace contextRef="#ctx0" brushRef="#br0" timeOffset="50468.6498">20439 7367 0,'25'0'172,"0"0"-156,0 0-1,0-25 1,-1 25-1,1 0 1,0 0-16,0 0 31,-25-25-15,25 25 0,-1 0-1,-24-49 32,25 24-31,-25-25-16,0 1 15,0-1 1,0 25 0,0-24-1,-49 49 1,49-25-1,-50 0 1,25 25 15,0 0 1,1 25-17,-1 49 1,0-24-16,0 0 15,25-1 1,-25 1 15,1-1-31,24 1 16,0-25-16,-25 0 16,25-1-1,0 1 1,0 0 15,0 25 0,0-1-15,25 1 0,-1-25-16,26 24 15,-50-24 1,50 25-1,-26-50 1,1 24-16,0-24 31,0 0-15,-25 25 0,25-25-1,-1 0 16,1-25 1</inkml:trace>
-  <inkml:trace contextRef="#ctx0" brushRef="#br0" timeOffset="53407.1208">21332 6499 0,'0'0'0,"0"25"15,0-1 1,0 1 15,0 0 16,0 0-31,0 0-16,0-1 15,0 26 16,0 24-31,0 1 16,0-25 0,0 24-1,0-24 1,0-1-16,0-24 16,0 49-1,0 1 1,0-26-1,0 1 1,0 0-16,25-26 16,-25 26-1,0-25 1,0 49 0,0-49-16,0 0 15,0 0 1,0-1 15,0 1-15,0 0 31,0 0-32,0 0-15,0-1 31,0 1 1,0-50 77,0 1-109,0-1 31,0 0-15,0 0 0,0-24-16,0 24 15,0 0 1,0-25-1,0 26 1,0-1 0,0 0 15,0 0-15,-25 25-1,25-25-15,0 1 16,-24-1-1,24 0 17,-25 25-17,25-25 1,-25 25 0,0 0-1,-24 0 1,24 0 15,0 50-15,0-50-1,25 25-15,-25-25 32,25 24-17,0 1 1,-24-25-1,24 25 48,0 0-16,24 0-16,-24-1-15,25 26-1,0-25 1,-25 0-16,25-25 16,-25 24-1,25-24 1,-1 0-1,-24 25-15,25-25 79,-25 25-79,0 0 15,25-25 16,-25 25-15,0-1 62,25-24 63,0 25-110,-1-25 47</inkml:trace>
-  <inkml:trace contextRef="#ctx0" brushRef="#br0" timeOffset="56095.2897">17587 6152 0,'25'0'31,"-1"0"31,1 0-30,0 0-17,25 0 1,-1 0-16,1 0 15,0 0 1,-1 0 0,-24 0 15,0 0 172,24 0-187,75 0-1,75-25 1,74 25 0,-75 0-16,-24 0 15,-50 25 1,25-25-1,-75 24 1,25-24 0,0 0-1,50 25-15,-50-25 16,100 0 0,-25 0-1,-26 0 1,-73 0-16,-1 0 15,1 0 1,-1 0 0,0 0-1,1 0-15,-1 0 16,1 0 0,-26 0-1,-24 0 1,25 0-1,-25 0-15,49 0 16,-24 0 0,24 25-1,25-25 1,-24 25-16,-26-25 16,-24 0-1,25 0 1,-26 0 406,1 25-407,0-25-15,25 0 16,-26 0 0,1 0-1,25 0 1,-25 0-1,-1 0 32,1 0 0,0 0-16</inkml:trace>
+  <inkml:trace contextRef="#ctx0" brushRef="#br0" timeOffset="53407.1207">21332 6499 0,'0'0'0,"0"25"15,0-1 1,0 1 15,0 0 16,0 0-31,0 0-16,0-1 15,0 26 16,0 24-31,0 1 16,0-25 0,0 24-1,0-24 1,0-1-16,0-24 16,0 49-1,0 1 1,0-26-1,0 1 1,0 0-16,25-26 16,-25 26-1,0-25 1,0 49 0,0-49-16,0 0 15,0 0 1,0-1 15,0 1-15,0 0 31,0 0-32,0 0-15,0-1 31,0 1 1,0-50 77,0 1-109,0-1 31,0 0-15,0 0 0,0-24-16,0 24 15,0 0 1,0-25-1,0 26 1,0-1 0,0 0 15,0 0-15,-25 25-1,25-25-15,0 1 16,-24-1-1,24 0 17,-25 25-17,25-25 1,-25 25 0,0 0-1,-24 0 1,24 0 15,0 50-15,0-50-1,25 25-15,-25-25 32,25 24-17,0 1 1,-24-25-1,24 25 48,0 0-16,24 0-16,-24-1-15,25 26-1,0-25 1,-25 0-16,25-25 16,-25 24-1,25-24 1,-1 0-1,-24 25-15,25-25 79,-25 25-79,0 0 15,25-25 16,-25 25-15,0-1 62,25-24 63,0 25-110,-1-25 47</inkml:trace>
+  <inkml:trace contextRef="#ctx0" brushRef="#br0" timeOffset="56095.2896">17587 6152 0,'25'0'31,"-1"0"31,1 0-30,0 0-17,25 0 1,-1 0-16,1 0 15,0 0 1,-1 0 0,-24 0 15,0 0 172,24 0-187,75 0-1,75-25 1,74 25 0,-75 0-16,-24 0 15,-50 25 1,25-25-1,-75 24 1,25-24 0,0 0-1,50 25-15,-50-25 16,100 0 0,-25 0-1,-26 0 1,-73 0-16,-1 0 15,1 0 1,-1 0 0,0 0-1,1 0-15,-1 0 16,1 0 0,-26 0-1,-24 0 1,25 0-1,-25 0-15,49 0 16,-24 0 0,24 25-1,25-25 1,-24 25-16,-26-25 16,-24 0-1,25 0 1,-26 0 406,1 25-407,0-25-15,25 0 16,-26 0 0,1 0-1,25 0 1,-25 0-1,-1 0 32,1 0 0,0 0-16</inkml:trace>
   <inkml:trace contextRef="#ctx0" brushRef="#br0" timeOffset="59439.5383">12849 7541 0,'-49'0'203,"24"0"-187,-25 24-16,1 1 15,-26-25 1,-24 25 0,0 0-1,-25 0 1,49-25-16,-24 0 16,25 24-1,-1-24 1,50 25-1,-24-25-15,24 25 16,-25-25 0,26 0-1,-26 50 1,25-1-16,-49 26 16,-25-1-1,49-24 1,-49 24-1,49-24 1,0-1-16,1-24 31,49 0-31,-25-25 32,25 25 249,-50-25-281,-24 49 15,-75 51 1,-24-1 0,-1 0-1,25-25-15,-74 26 16,49-1 0,25 0-1,75-99 1,0 50-1,-50-25-15,49-1 16,1-24 15,24 25-31,-24 0 16,-1 0-16,50-25 16,-49 25-1,49-1 16,0-24 235,1 25-250,-26 0-1,25 25-15,-24-26 16,24 1 0,0-25-1,0 25 1,0 0-16,1-25 15,24 25 1,-50-25 0,0 24-1,26 26-15,-26-25 16,25 0 0,0 24-1,1-24 1,-1 0 15,0 0-15,0-1 31,0 1-16,1-25 16,24 25-16,-25-25-15</inkml:trace>
   <inkml:trace contextRef="#ctx0" brushRef="#br0" timeOffset="62938.3191">10344 9500 0,'25'0'93,"24"0"-93,1 0 16,0 0 0,24-25-16,25 25 15,50 0 1,25-24-1,-50 24 1,-25 0-16,0 0 16,0 0-1,50 0 1,-74 0 0,-26 0-1,-24 24-15,25 1 16,-26-25 15,26 0 203,0 0-218,24 25 0,25-25-1,0 0 1,-24 0-16,-1 0 16,-24 0-1,-1 0 1,26 0-1,-1 0-15,-24-25 16,0 25 0,24-25-1,75 1 1,-50-1-16,-25 25 16,-24 0-1,-25 0 1,0 0 218,24 0-218,75 0-16,124 25 15,75-25 1,24 0 0,0 0-1,-49 0-15,-75 0 16,100-25 0,-50 0-1,-100 25 1,-98-25-16,-26 25 15,-24 0 1,25-25 0,-50 1 234,99 24-250,50-75 15,49-74 1,-49 75 0,-50 49-1,0-49-15,-49 24 16,49 25-1,-49-24 1,-1 49 0,1-50-1,0 25-15,-26 25 16,1-25 0,0 1-1,0-1 1,0 25-1,-1-25 17,-24 0-17,25 0 1,-25 1 15,25 24 0,-25-25-15,25 0 31,0 0 15,-25 0-30,24 25-1,-24-24-31,50-1 16,-50 0-1,25 25 1,0 0-1,-1-25 1,1 25 31,-25-25-16,25 25-31,-25-24 31</inkml:trace>
   <inkml:trace contextRef="#ctx0" brushRef="#br0" timeOffset="64704.5012">7615 5631 0,'-24'24'15,"-1"-24"16,0 0-15,0-24 15,25-1 1,-25 0-32,25 0 46</inkml:trace>
   <inkml:trace contextRef="#ctx0" brushRef="#br0" timeOffset="67346.5517">7467 5308 0,'-25'0'125,"25"25"-110,-25 25 1,0-26-1,0 26-15,-24 0 16,-26-1 0,26 1-1,-1-25 1,0 24-16,1-24 16,49 0-1,-25-25 1,0 25-1,25-1 1,-25 1 47,25 0-48,0 25 16,0-25-15,25 24 0,25 1-1,-1-25-15,1-1 16,0 1 0,-1 0-1,1-25 16,-25 25-31,0-25 16,-1 0 0,1 25-1,0-25 1,0 24 0,0-24 15,-1 0 0,1 0-15,0 0 15,-25-24-15,25-1-1,0-25 1,-25 25 15,24 1-15,-24-1-16,0 0 31,0-25 0,0 26-15,0-1-1,0-25 17,0 25-17,0 0 17,0 1-1,-24 24-16,-1-25 1,0 25 15,0 0 16,25-25 0,-25 25 0,25-25 109,25 0-140,25-24-1,-25 24 1,24 0-16,-24 0 31,0 1-31,0 24 16,-1 0 0,1 0-16,0-25 31,0 25-16,0 0 48</inkml:trace>
   <inkml:trace contextRef="#ctx0" brushRef="#br0" timeOffset="68671.1818">8037 5606 0,'25'25'250,"-25"-1"-171,0 1-64,0 0 1,0 0-1,0 0 1,0 24-16,0-24 31,0 0 1,-25 0-17,25 0 63,-25-25-62</inkml:trace>
   <inkml:trace contextRef="#ctx0" brushRef="#br0" timeOffset="69326.6307">8087 5283 0,'24'0'47</inkml:trace>
-  <inkml:trace contextRef="#ctx0" brushRef="#br0" timeOffset="71204.1625">8161 5705 0,'0'25'94,"0"0"-79,0 24 1,0 1 0,0-25-1,25 24 1,-25-24 15,0 0 0,0 0 1,0-50 77,0 0-93,0 0-1,0 1-15,25-1 16,-25 0-1,0 0 1,0 0 15,0 0-31,0 1 16,0-1 31,0 0-16,25 25-15,-25-25 109,24 25-94,1 0 31,0 0 1,-25 25-47,0 0 15,0 0 0,0-1-31,0 1 31,0 0 1,0 0-17,0 0 1,0 0-1,0-1 17,0 1-32,0 0 62,0 0 1</inkml:trace>
-  <inkml:trace contextRef="#ctx0" brushRef="#br0" timeOffset="72174.3463">8533 5755 0,'0'24'141,"0"1"-126,0 0 1,0 0-1,0 0 1,0 24-16,0-24 31,0 0-15,0 0 0,0 0-1,0-1 63</inkml:trace>
+  <inkml:trace contextRef="#ctx0" brushRef="#br0" timeOffset="71204.1624">8161 5705 0,'0'25'94,"0"0"-79,0 24 1,0 1 0,0-25-1,25 24 1,-25-24 15,0 0 0,0 0 1,0-50 77,0 0-93,0 0-1,0 1-15,25-1 16,-25 0-1,0 0 1,0 0 15,0 0-31,0 1 16,0-1 31,0 0-16,25 25-15,-25-25 109,24 25-94,1 0 31,0 0 1,-25 25-47,0 0 15,0 0 0,0-1-31,0 1 31,0 0 1,0 0-17,0 0 1,0 0-1,0-1 17,0 1-32,0 0 62,0 0 1</inkml:trace>
+  <inkml:trace contextRef="#ctx0" brushRef="#br0" timeOffset="72174.3462">8533 5755 0,'0'24'141,"0"1"-126,0 0 1,0 0-1,0 0 1,0 24-16,0-24 31,0 0-15,0 0 0,0 0-1,0-1 63</inkml:trace>
   <inkml:trace contextRef="#ctx0" brushRef="#br0" timeOffset="73026.9041">8533 5531 0</inkml:trace>
   <inkml:trace contextRef="#ctx0" brushRef="#br0" timeOffset="75389.7218">9401 5432 0,'25'0'15,"-25"25"17,0 0-17,0 0 1,0-1 46,0 1-46,0 0 15,0 0-15,0 0 15,0 24-15,0 1-1,0-25-15,0-1 16,0 1 31,0-50 31,0 1-47,0-1-15,0-25 0,0 25-16,0 1 15,0-1 1,0 0-1,0 0 1,0 0 15,0 1 16,0-1-16,0 0 1,25 25-32,0 0 15,0 0 1,-25-25 0,24 25-1,1 0 1,0 0 31,0 0-16,0 0 31,-1 0-15</inkml:trace>
   <inkml:trace contextRef="#ctx0" brushRef="#br0" timeOffset="77687.1966">9922 5507 0,'0'-25'203,"-25"25"-141,1 0-31,-1 0 1,0 0-1,0 0-15,25 25-1,-25-25 1,1 49-1,24-24 1,0 0 15,-25 0 1,25-1-17,0 1 32,0 0 16,25-25 46,-1 0-78,1 0 32,-25-25-48,25 25 1,-25-25 31,25 1-47,0 24 15,-25-25 17,24 25-17,-24-25-15,0 0 78,25 25-31,-25-25-31,0 50 140,0 0-125,0 0 1,0 0-17,0-1 17,0 1 30,0 0-31,25 0-31,0-25 16,-25 25 0,25-1-1,-25 1 1,24-25-1,-24 25 17</inkml:trace>
   <inkml:trace contextRef="#ctx0" brushRef="#br0" timeOffset="79827.5215">10220 5407 0,'0'0'0,"25"0"16,-25 25 0,0 0-16,0 0 15,0 0 17,0-1-17,0 1 1,0 0 31,0 0-16,0 0 0,0-1 0,0 1 48,0-74 46,0 24-125,24-25 15,-24 1 1,0-1-1,25 25 1,0 0-16,-25 1 16,25-1-1,0 0 1,0 0 0,-25 0-1,49 25-15,-24 0 31,0 0 1,0 0-32,-25 50 31,24 0-15,1-26-1,-25 1-15,0 25 16,0-1-1,25-24 1,-25 0 0,0 0-1,0 0-15,0-1 16,0 1 15,0 0 0,0 0-31,0 0 63</inkml:trace>
   <inkml:trace contextRef="#ctx0" brushRef="#br0" timeOffset="83059.4154">11088 5432 0,'-25'-25'93,"0"1"-77,-24 24 0,24 0-1,0 0 1,0 0 15,1 0-15,-1 0-1,0 0-15,0 0 16,0 0 15,25 24-15,-24 1-16,24 0 15,0 0 1,-25 0 0,25-1-1,0 1-15,0 0 32,0 0 30,0 0-31,25-1-15,24-24-16,-24 25 16,0 0-1,0-25 1,-1 0-1,1 0 1,0 0 15,0 0 16,24-25-16,-49 0-15,25 1-16,0-26 31,-25 25-31,0 0 16,25 25 0,-25-24-1,25 24-15,-25-25 31,0 0 16,24 25 250,-24 25-281,25 0-1,0-1 1,0 51-16,0-50 31,-1 24-15,1 1-16,0-25 16,0 24-1,-25 1 1,25-25-1,0 24 1,-25-24 0,0 0-1,0 25-15,0-26 16,0 1 0,0 25-1,-25-50 1,25 25-1,-25-1-15,25 1 16,0 0 15,-25-25-15,25 25-16,-25-25 16,0 0-1,25 25 1,-49-25-1,24 0-15,0 0 16,0 0 0,1 0-1,-1 0 1,0 0 15,25-25 0,0-25-15</inkml:trace>
-  <inkml:trace contextRef="#ctx0" brushRef="#br0" timeOffset="85435.9578">11609 5482 0,'25'0'172,"0"0"-141,-1 0-15,1 0 0,0 0 15,0 0-15,0-25 15,-25 0 125,0 0-125,0 1 94,-50 24-93,25 0-17,0 0 16,1 0 16,-1 0 0,0 0-16,0 0 32,25 24-16,0 1-32,-25 0 17,25 25-17,0-26 1,0 1-16,0 0 16,0 25-1,0-26 16,0 1 1,0 0-17,0 0 17,0 0 14,0-1 33,25-24-64,0 0 1,0 0 31,0 0-32,-1 0 17,1 0-1,0 0-16,0 0 1,0 0 31</inkml:trace>
-  <inkml:trace contextRef="#ctx0" brushRef="#br0" timeOffset="92814.1423">10145 7863 0,'0'-25'125,"0"0"-93,0 1-17,25-1-15,0 0 16,0 0-1,0-24 1,-1 24 0,-24 0-16,50-25 15,-50 26 1,50-26 0,-25 0-1,24 26 1,-24-1-16,0 0 15,0-25 1,24 26 0,-49-26-1,25 0-15,0 26 16,0-26 0,-25 25-1,24 25 1,-24-25-16,25 1 15,-25-1 1,25 25 15,0-25-31,-25 0 0,49 0 16,-49 1 15,25-1 219,99 0-234,25-74-1,49-25 1,-24 24-16,25 1 31,-26-25-31,-49 25 16,-74 49 0,-1-24-1,26 49-15,-50-24 16,24-1-1,26 0 1,-26 1 0,-24 24-16,25 0 15,-26 0 1,1 25 0,-25-25-1,25 25 16,-25-24-15,0-1 281,25 0-281,-25-25-1,25-24-15,-25 24 16,25 26-1,24-26 1,-49 0 0,0 26-16,25-1 15,0-25 1,-25 25 15,25 25-15,-25-24-1,0-1 17,24 25-17,-73 0 376,-1 0-375,-24 0-16,-26 0 15,26 0 1,-25 0-1,-75 0 1,25 0 0,1 0-16,98 0 15,0 0 1,26 0 0,-1 0-1,0 0 1,0 0-1,0 0 314,1 0-314,-51 0-15,-49 0 16,-50 0-1,50 0 1,-24 0 0,73 0-16,-24 0 15,49 0 1,-24 25 0,0-25-1,-1 0 1,-24 0-16,24 24 15,-49-24 1,0 0 0,25 0-1,0-24-15,0-1 16,0-50 0,-50 26-1,50-1 1,-26 1-1,51 49-15,24-25 16,1 0 0,-26 0-1,51 25 1,-1 0-16,-25 0 16,25 0 390,1 0-406,-1 0 15,-25 25 1,-24 25 0,24-1-1,-74 1-15,-25 24 16,25-24 0,0-25-1,25-25 1,25 24-16,-1-24 15,26 0 1,24 0 0,-25 0-1,25 0-15,1 0 16,-26 0 0,25 0-1,0 0 1,1 0-1,-26 0-15,25 0 16,0 0 0,-24 0-1,24 0 1,0 0 0,-24 25 249,-26 25-249,26-50-1,-26 25 1,1-1 0,-1 1-16,-74 0 15,1 0 1,48 0 0,26-25-1,0 24-15,24 1 16,-24-25-1,24 25 1,-24-25 0,49 25-1,0-25-15,0 0 32,25 25-17,-25-25 1,0 0 31,1 24-32,-1-24 1,50 25 296,24 0-296,1 25 0,0-26-1,-1 51 1,1-50-16,-25 24 16,49 1-1,-49-25 1,49 49-1,25-49-15,-24 49 16,49 26 0,25 24-1,-25-25 1,-75-50 0,1 1-16,0-25 15,-26 0 1,51 24-1,-50-24 1,-1 0-16,26 0 31,-25-25-31,24 49 16,51 1 0,-76-50-16,1 25 15,25 0 1,-50-1-1,49-24 1,1 50-16,-25-25 16,49-25-1,1 49 1,-1 1 0,25 0-16,-24-1 15,-26 1 1,-24-25-1,0-25 235,0 0-250,49 0 16,1 24 0,-26-24-1,26 25 1,-1 0-16,-24-25 16,-1 25-1,26 0 1,-26-1-1,1-24-15,24 75 16,-24-50 0,-25 24-1,24-24 1,-24 0 0,25 24-16,-1-24 15,-24 0 1,25 0-1,-25 0 1,24-1 0,-24-24-1,25 25 1,-1 0 0,1-25-1,-1 25-15,-24 0 16,50-1-1,-51-24 1,1 25 0,0-25-1,0 25 17,0-25-17,-1 25 1,1-25-16,0 0 15,-25 25 32,25-25-47,0 0 32,-1 25 14,1-25-46,0 0 47,0 0 0,0 0 0,-1 0-47,1-50 16,0 25-1,-25 0 1,25 25 0,-25-25-1,0 1 1,25 24 15,-25-25 0,24 0 47,-24 0-78,25 25 47,-25-25-31,0 1 15,0-1-15,0 0-1,0 0 48</inkml:trace>
+  <inkml:trace contextRef="#ctx0" brushRef="#br0" timeOffset="85435.9577">11609 5482 0,'25'0'172,"0"0"-141,-1 0-15,1 0 0,0 0 15,0 0-15,0-25 15,-25 0 125,0 0-125,0 1 94,-50 24-93,25 0-17,0 0 16,1 0 16,-1 0 0,0 0-16,0 0 32,25 24-16,0 1-32,-25 0 17,25 25-17,0-26 1,0 1-16,0 0 16,0 25-1,0-26 16,0 1 1,0 0-17,0 0 17,0 0 14,0-1 33,25-24-64,0 0 1,0 0 31,0 0-32,-1 0 17,1 0-1,0 0-16,0 0 1,0 0 31</inkml:trace>
+  <inkml:trace contextRef="#ctx0" brushRef="#br0" timeOffset="92814.1422">10145 7863 0,'0'-25'125,"0"0"-93,0 1-17,25-1-15,0 0 16,0 0-1,0-24 1,-1 24 0,-24 0-16,50-25 15,-50 26 1,50-26 0,-25 0-1,24 26 1,-24-1-16,0 0 15,0-25 1,24 26 0,-49-26-1,25 0-15,0 26 16,0-26 0,-25 25-1,24 25 1,-24-25-16,25 1 15,-25-1 1,25 25 15,0-25-31,-25 0 0,49 0 16,-49 1 15,25-1 219,99 0-234,25-74-1,49-25 1,-24 24-16,25 1 31,-26-25-31,-49 25 16,-74 49 0,-1-24-1,26 49-15,-50-24 16,24-1-1,26 0 1,-26 1 0,-24 24-16,25 0 15,-26 0 1,1 25 0,-25-25-1,25 25 16,-25-24-15,0-1 281,25 0-281,-25-25-1,25-24-15,-25 24 16,25 26-1,24-26 1,-49 0 0,0 26-16,25-1 15,0-25 1,-25 25 15,25 25-15,-25-24-1,0-1 17,24 25-17,-73 0 376,-1 0-375,-24 0-16,-26 0 15,26 0 1,-25 0-1,-75 0 1,25 0 0,1 0-16,98 0 15,0 0 1,26 0 0,-1 0-1,0 0 1,0 0-1,0 0 314,1 0-314,-51 0-15,-49 0 16,-50 0-1,50 0 1,-24 0 0,73 0-16,-24 0 15,49 0 1,-24 25 0,0-25-1,-1 0 1,-24 0-16,24 24 15,-49-24 1,0 0 0,25 0-1,0-24-15,0-1 16,0-50 0,-50 26-1,50-1 1,-26 1-1,51 49-15,24-25 16,1 0 0,-26 0-1,51 25 1,-1 0-16,-25 0 16,25 0 390,1 0-406,-1 0 15,-25 25 1,-24 25 0,24-1-1,-74 1-15,-25 24 16,25-24 0,0-25-1,25-25 1,25 24-16,-1-24 15,26 0 1,24 0 0,-25 0-1,25 0-15,1 0 16,-26 0 0,25 0-1,0 0 1,1 0-1,-26 0-15,25 0 16,0 0 0,-24 0-1,24 0 1,0 0 0,-24 25 249,-26 25-249,26-50-1,-26 25 1,1-1 0,-1 1-16,-74 0 15,1 0 1,48 0 0,26-25-1,0 24-15,24 1 16,-24-25-1,24 25 1,-24-25 0,49 25-1,0-25-15,0 0 32,25 25-17,-25-25 1,0 0 31,1 24-32,-1-24 1,50 25 296,24 0-296,1 25 0,0-26-1,-1 51 1,1-50-16,-25 24 16,49 1-1,-49-25 1,49 49-1,25-49-15,-24 49 16,49 26 0,25 24-1,-25-25 1,-75-50 0,1 1-16,0-25 15,-26 0 1,51 24-1,-50-24 1,-1 0-16,26 0 31,-25-25-31,24 49 16,51 1 0,-76-50-16,1 25 15,25 0 1,-50-1-1,49-24 1,1 50-16,-25-25 16,49-25-1,1 49 1,-1 1 0,25 0-16,-24-1 15,-26 1 1,-24-25-1,0-25 235,0 0-250,49 0 16,1 24 0,-26-24-1,26 25 1,-1 0-16,-24-25 16,-1 25-1,26 0 1,-26-1-1,1-24-15,24 75 16,-24-50 0,-25 24-1,24-24 1,-24 0 0,25 24-16,-1-24 15,-24 0 1,25 0-1,-25 0 1,24-1 0,-24-24-1,25 25 1,-1 0 0,1-25-1,-1 25-15,-24 0 16,50-1-1,-51-24 1,1 25 0,0-25-1,0 25 17,0-25-17,-1 25 1,1-25-16,0 0 15,-25 25 32,25-25-47,0 0 32,-1 25 14,1-25-46,0 0 47,0 0 0,0 0 0,-1 0-47,1-50 16,0 25-1,-25 0 1,25 25 0,-25-25-1,0 1 1,25 24 15,-25-25 0,24 0 47,-24 0-78,25 25 47,-25-25-31,0 1 15,0-1-15,0 0-1,0 0 48</inkml:trace>
 </inkml:ink>
 </file>
 
-<file path=ppt/ink/ink7.xml><?xml version="1.0" encoding="utf-8"?>
+<file path=ppt/ink/ink9.xml><?xml version="1.0" encoding="utf-8"?>
 <inkml:ink xmlns:inkml="http://www.w3.org/2003/InkML">
   <inkml:definitions>
     <inkml:context xml:id="ctx0">
@@ -458,110 +785,9 @@
     </inkml:brush>
   </inkml:definitions>
   <inkml:trace contextRef="#ctx0" brushRef="#br0">6077 5259 0,'50'0'250,"74"0"-234,75 0-1,98 0 1,50 0-16,50 0 16,99 0-1,199 74 1,-50 0 0,0 26-1,-199-26-15,-173-24 16,-74-26-1,-51 1 1,-48-25 0,-51 0-16,1 0 15,-25 0 1,-1 25 0,26-25 280,0-25-296,49 0 16,75-49 0,-26 24-1,26-24 1,0 24 0,-1 1-1,-24-1-15,25 1 16,-1 24-1,-49 0-15,-49 25 16,-26 0 0,-24 0-1,0 0 1,25 0 0,-26 0-1,1 0 16,0 0-15,0 0 0,0 0 15,-1 0-15,26 0-1,-25 0 16,0 0-15,-1 0 0,1 0-16,25 25 31,-25-25-15,0 0 15,-1 0-31,1 0 31,-25 25-15,25-25 15</inkml:trace>
-  <inkml:trace contextRef="#ctx0" brushRef="#br0" timeOffset="2355.9864">3944 6226 0,'0'0'0,"25"0"141,0 0-125,0 0-1,24 0 1,26 0-16,-26 0 16,51 0-1,24 0 1,49 25-1,-49-25 1,0 0-16,-25 0 31,-24 25-31,-25-25 16,-1 0 0,1 0-1,-1 0-15,26 24 16,-26-24-1,1 25 1,24 0 0,1-25-1,-1 0-15,25 50 16,25-26 0,-49 1-1,-26-25 1,-24 25-16,25-25 15,-25 25 1,-1-25 0,26 0-1,-50 25 1,25-25-16,0 0 16,-25 24-1,25-24 1,-1 0-1,1 0 17,0 0-1,0 0-31,0 0 16,-1 0 30,1 0 1,0 0 78</inkml:trace>
+  <inkml:trace contextRef="#ctx0" brushRef="#br0" timeOffset="2355.9863">3944 6226 0,'0'0'0,"25"0"141,0 0-125,0 0-1,24 0 1,26 0-16,-26 0 16,51 0-1,24 0 1,49 25-1,-49-25 1,0 0-16,-25 0 31,-24 25-31,-25-25 16,-1 0 0,1 0-1,-1 0-15,26 24 16,-26-24-1,1 25 1,24 0 0,1-25-1,-1 0-15,25 50 16,25-26 0,-49 1-1,-26-25 1,-24 25-16,25-25 15,-25 25 1,-1-25 0,26 0-1,-50 25 1,25-25-16,0 0 16,-25 24-1,25-24 1,-1 0-1,1 0 17,0 0-1,0 0-31,0 0 16,-1 0 30,1 0 1,0 0 78</inkml:trace>
   <inkml:trace contextRef="#ctx0" brushRef="#br0" timeOffset="7733.289">15578 8682 0,'24'0'282,"51"0"-267,99 0-15,49 0 16,50 0 0,-149-25-1,99 0 1,-25 0-16,-24 0 15,-50 1 1,0-1 0,-50 25-1,1-25 1,-1 25 0,50 0-1,-49 0-15,24 0 16,-74 0-1,0 0-15,-1 0 16,1 0 0,-25-25-1,25 25 1,0 0 0,0 0 93</inkml:trace>
   <inkml:trace contextRef="#ctx0" brushRef="#br0" timeOffset="10438.4464">3696 9550 0,'25'0'234,"25"0"-218,-1 0-1,-24 0-15,49 0 16,1 0 0,49 0-1,50 0 1,24 0-16,0 0 16,1 0-1,-50 0 1,0 0-1,99 25-15,-50-25 16,-24 24 0,-125-24-1,26 0 1,-51 0 0,1 0-16,0 0 15,0 0 235,74 0-234,199-49-16,-1-1 15,51 1 1,-75-1 0,-25 25-1,24 0-15,1 1 16,-74-1 0,-26 25-1,-49 0 1,25 0-16,-50 0 15,1 0 1,-26 0 0,-49 0-1,0 0 1,-1 0-16,1 0 16,0 0 46</inkml:trace>
-</inkml:ink>
-</file>
-
-<file path=ppt/ink/ink8.xml><?xml version="1.0" encoding="utf-8"?>
-<inkml:ink xmlns:inkml="http://www.w3.org/2003/InkML">
-  <inkml:definitions>
-    <inkml:context xml:id="ctx0">
-      <inkml:inkSource xml:id="inkSrc0">
-        <inkml:traceFormat>
-          <inkml:channel name="X" type="integer" max="1366" units="cm"/>
-          <inkml:channel name="Y" type="integer" max="768" units="cm"/>
-          <inkml:channel name="T" type="integer" max="2.14748E9" units="dev"/>
-        </inkml:traceFormat>
-        <inkml:channelProperties>
-          <inkml:channelProperty channel="X" name="resolution" value="39.5942" units="1/cm"/>
-          <inkml:channelProperty channel="Y" name="resolution" value="39.58763" units="1/cm"/>
-          <inkml:channelProperty channel="T" name="resolution" value="1" units="1/dev"/>
-        </inkml:channelProperties>
-      </inkml:inkSource>
-      <inkml:timestamp xml:id="ts0" timeString="2018-07-02T20:56:30.244"/>
-    </inkml:context>
-    <inkml:brush xml:id="br0">
-      <inkml:brushProperty name="width" value="0.05292" units="cm"/>
-      <inkml:brushProperty name="height" value="0.05292" units="cm"/>
-      <inkml:brushProperty name="color" value="#FF0000"/>
-    </inkml:brush>
-  </inkml:definitions>
-  <inkml:trace contextRef="#ctx0" brushRef="#br0">13668 17587 0,'-25'0'234,"0"0"-140,25 24-78,0 1 31,0 0 0,-25-25-32,25 25-15,0 0 63,0-1 124,0 1-156,0 0-15,25-25 0,0 0-1,-25 25-15,50-25 16,-26 0 15,1 0 0,0 0 1,0 0 61,0 0 1,-25-25-31,0 0-16,-50 0-32,25 1 16,0 24 1,25-25-32,-24 25 156,-1 0 47,25-25-172</inkml:trace>
-  <inkml:trace contextRef="#ctx0" brushRef="#br0" timeOffset="3418.1545">16173 17661 0,'-25'0'94,"0"0"-47,25 25 125,25-25-63,-25 25-93,25-25-1,-25 24 79,25-24-78,-25 25 93,25 0-93,-1-25-1,-24 25 32,25-25-47,0 0 63,0 0-16,0 0-32,-1 0 32,1 0-16,0 0 110,-25-25-125,0 0 15,0 0 16,0 1 47,-25 24-79,0 0 48,25-25-1,-24 25-46,-1-25-1,0 25 79,25-25-78,-25 25 15,0 0 16,1 0-31,-1 0 77,0 0-46,0 0-31,0 0-1,1 0 17,-1 0 30</inkml:trace>
-  <inkml:trace contextRef="#ctx0" brushRef="#br0" timeOffset="6153.0863">15131 16594 0,'-25'0'219,"-24"0"-203,24 0-16,0 0 15,-24 0 1,24 0 15,0 0 1,0 0-1,0 0 266,1 0-266,24 25 0,-25 0-15,0-25-1,25 25-15,0 0 47,0-1-15,0 1-1,-25-25-16,25 25 32,0 0 31,0 0-46,0-1-32,50-24 15,-25 25 1,-1-25 0,26 25-1,-25-25 1,0 0-16,-1 0 31,1 0 0,0 0 1,0 0-17,0 0 16,-1 0-15,-24-25 0,25 25 15,0-25-15,-25 1 46,25 24-62,-25-50 16,0 25-1,0 0 17,0 1-17,0-1-15,-25 25 47,25-25-31,0 0-1,0 0 32,-25 25-47,25-24 16,-25-1 15,25 0 0</inkml:trace>
-  <inkml:trace contextRef="#ctx0" brushRef="#br0" timeOffset="9494.5789">19150 16545 0,'-25'0'265,"0"0"-249,25 25-16,-25-1 16,0-24-1,1 25 1,-1 0-1,0 0 1,0 0 15,0-25-15,1 24 0,-1-24-1,0 0 16,25 25-15,-25-25 0,25 25 31,-25-25 78,0 0-94,1 0 47,24 25-62,-25-25 93,25 25-93,0-1 124,0 1-93,49 0-47,1 0 16,25 24-1,-26-24 1,1-25-16,-1 50 16,-24-25-1,25-25 1,-25 0-1,-1 24 1,26 1-16,-25-25 31,24 0-15,-24 0 0,25 0-1,-25 0-15,24 0 16,-24 0-1,25-25 1,-26 1 0,1 24-1,-25-25 1,25 25 0,-25-25 15,-25-25 16,0 26-32,1-1-15,24 0 32,-25 0-17,25 0 16,-25 25-31,0-24 47,0-1 0,1 0-16,-1 25-15,0-25 15,-25 25-31,26-25 16,-1 1 0,-25-26-1,50 25-15,-25 0 16,1 1-1,24-1 17,-25 25-17,25-25 17,0 0 46</inkml:trace>
-  <inkml:trace contextRef="#ctx0" brushRef="#br0" timeOffset="14092.9763">22796 14089 0,'-25'0'0,"25"-25"16,-25 25 15,25-25 47,-25 25-47,-24 0 1,24 0-17,0 0 17,0 0-17,1 0 1,24 25-1,-50 25 17,50-25-32,0 24 15,-25 1 1,25-25 0,-25-1-1,25 1 1,0 0-16,0 0 15,-24 0 1,24 0 0,0-1 31,0 1-1,0 0-30,0 0 31,0 0-31,24-25-16,1 0 15,0 0 1,25 0-1,-1 0 1,1 0-16,-1-25 16,1 0-1,-25 25 1,0 0 0,-25-25-16,24 25 15,1 0 16,-25-25 1,25 1-1,-25-1 0,0 0-15,0-25 15,0 25-15,0 1-16,0-1 15,0 0 32,0 0-47,-25 25 16,25-25-16,-25 1 15,1-1 1,-1 0 15,25 0 16</inkml:trace>
-  <inkml:trace contextRef="#ctx0" brushRef="#br0" timeOffset="16155.351">17116 14015 0,'-25'0'94,"0"0"-94,0 0 15,-24 0 1,-1 24 0,0-24-1,1 25 1,-26-25-16,26 25 16,-26 25-1,50-26 1,-24 1-1,24-25-15,25 25 16,-25 0 15,25 0-15,-25-25 0,25 24-16,0 1 31,0 0 0,-24 0-15,24 0 31,0 0-16,49-25-16,26 0 1,24 24 0,0-24-16,0 0 15,-24 0 1,-26 25 0,1-25-1,0 0-15,-26 0 16,1 0-1,0 0 17,0 0-1,0 0 16,-1-25-16,-24 1 0,0-1-31,0 0 32,0-50-17,0 26-15,-24-26 16,24 51-16,-25-1 15,25 0 1,0 0 0,0 0 15,-25 25 16</inkml:trace>
-  <inkml:trace contextRef="#ctx0" brushRef="#br0" timeOffset="19311.7257">21382 16321 0,'-25'0'187,"0"0"-124,1 0-48,24 25 79,-25-25-47,25 25 62,0 0-78,0 0 1,0 0 15,0-1 46,49-24-77,-24 0 15,0 0 0,0 0 16,0 0-31,-1 0 78,-24-24 78,0-1-157,-49 25 1,24 0 15,25-25-15,-25 25 31,0 0 62,25-25 141</inkml:trace>
-  <inkml:trace contextRef="#ctx0" brushRef="#br0" timeOffset="22578.1965">23986 16272 0,'0'25'312,"0"-1"-218,0 1-47,0 0 16,0 0-17,0 0-14,-24 0 77,24-1-15,-25 1-32,25 0 1,-25-25-32,25 25 0,0 0 16,-25-25-47,25-25 47,-25 0-16,25 0-15,0 0 0,0 1 15,0-1-31,0 0 15,0 0 64,0 0-33,25 25-30,0 0 15,0 0-15,0 0 0,-1 0 15,1 0 16</inkml:trace>
-  <inkml:trace contextRef="#ctx0" brushRef="#br0" timeOffset="25838.6641">13172 13221 0,'-25'0'78,"0"0"-63,0 0 1,-24 25 0,-1-25-1,25 0-15,-24 25 16,-26-25-16,26 0 15,-26 0 1,1 0 0,24 0-1,-24 0-15,49 0 16,0 0 0,-25 0-1,26 0 16,-1 0-31,0 0 16,0 0 31,0 0-31,1 0 15,-1 0 0,0 0-15,0 0-1,0-25 1,1 0 0,-1 0-1,0-25-15,0 26 16,25-1-1,0 0 1,0-25 0,0 26-16,0-1 15,0 0 1,0 0 15,0 0-15,25 1-1,-25-1 32,25 25-47,0-25 16,-1 0 0,1 25 30,-25-25-46,25 25 16,25 0 15,-26 0-15,1 0-16,25 0 16,-25-24-1,-1 24 1,1 0-1,50 0 1,24 0-16,0 0 16,-49 0-1,-1 0 1,-24 0 0,25 0-16,-25 0 31,-1 0 0,26 0-15,-25 0 15,0 0 0,-1 0-15,1 0 31,-25 24-47,25 1 15,-25 0 1,0 0 0,25 0-1,-25-1 1,0 26-16,0 0 15,0-1 17,0-24-1,0 0 16,0 0-16,0-1 0,-25-24 47,25 25-62,-25-25 265,25 25-234</inkml:trace>
-  <inkml:trace contextRef="#ctx0" brushRef="#br0" timeOffset="29403.1352">13320 13444 0,'0'25'250,"0"0"-235,0 24 16,25 1 1,-25-25-17,25-25 1,0 0 0,-25 25-1,25-1 1,-1-24 15,-24 25-15,0 0-16,25-25 31,0 25 0,0 0 32,0-1-48,-25 1 1,49 0 0,-49 0-16,50 24 15,-50-24 1,50 0-1,-26 25-15,1-50 16,0 0 265,49 0-265,26 0 0,-26 24-1,0-24-15,-49 25 16,50-25-1,-51 0 1,1 25 0,25-25-16,24 0 15,1 0 1,-51 0 0,26 0-1,-25 25 1,25-25-16,-26 25 15,1-25 1,25 0 0,-50 24-1,25 1-15,-25 0 16,24-25 0,1 25-1,0-25 1,0 25 15,-25-1-15,49-24-1,-24 25 1,0-25 0,25 0-1,-26 0 1,26 25-1,-25-25-15,0 0 16,-1 25 0,1-25-1,0 0 1,0 0 0,0 0-1,-1 0-15,1 0 31,0 0-15,0 0 15,0 0-15,-1 0 0,1 0-1,0 0-15,25 25 16,-26-25-1,26 0 1,-25 25 0,24-25-1,-24 0-15,0 0 16,25 24 0,-25 1-1,-1-25 1,1 0-1,0 0 17,-25 25-17,25-25-15,0 0 32</inkml:trace>
-  <inkml:trace contextRef="#ctx0" brushRef="#br0" timeOffset="33169.3693">12601 13568 0,'25'0'203,"-25"25"-187,0 0-1,0 24 1,0 26-16,0 24 16,0 0-1,0 0 1,0-24-1,0-1-15,0 50 16,0-74 0,0 0-1,-25-1 1,25 1 0,0 24-16,0-24 15,-25-1 1,25 1-1,0-25 1,0 0-16,0-1 16,0 1-1,-24 0 1,24 0 0,-25 0-1,0-1-15,25 1 31,-25 0-15,25 0 0,-25-25-1,25 25 1,-25-1 0,25 1-1,0 0 1,0 0-1,0 0 1,0 49 0,0-49-1,0 0 1,0-1 250,0 1-251,0 50-15,-24 24 16,-26 75-1,25-1 1,25-49 0,-25 0-16,25-25 15,-24-49 1,24 0 0,0-1-1,0 1-15,0 0 16,0-1-1,0-24 1,0 25 0,0-1-16,0-24 15,0 0 1,0 24 0,0-24 15,24 0-31,-24 0 15,25-25 1,0 25 0,0-1-1,0 1 17,-25 0-17,24-25 1,-24 25-1,25-25-15,0 25 16,-25-1 0,0 1-1,25-25 1,-25 25-16,25 0 31,0-25-15,-25 25-1,24-25-15,-24 24 16,25-24 0,0 50-1,0-50 1,-25 25 0,0 0-16,25-25 15,-25 24 1,24 1-1,1-25 1,0 25-16,0-25 31,0 25-15,-1 0 0,1-1 15,-25 1 16,25-25-47,0 25 31,-25 0-15,25-25-1,-1 25 1,1-25-16,0 24 15,-25 1 1,25-25 0,0 25-1,-1-25-15,1 25 32,0-25 14,0 0-46,-25 25 16,25-25 15,-1 25 1,1-25-1,0 0 0</inkml:trace>
-  <inkml:trace contextRef="#ctx0" brushRef="#br0" timeOffset="37563.1971">12775 13717 0,'-25'0'312,"0"50"-296,0-1-1,25 26 1,0-51 0,0 26-16,0-25 15,0 24 1,0-24-1,0 0 1,25 25 0,0-1-1,0-49 1,-25 25 0,25-25-1,-25 25-15,24 0 31,-24-1-15,0 1 0,25-25-16,0 50 15,-25 0 1,25-1 0,0-24-1,-1 49-15,-24-24 16,25 0-1,0-1 1,-25-24 0,25 49-1,0-49-15,-1 0 16,1 49 0,0-49-1,-25 25 1,25-1-1,0 26 1,-25-50-16,24-1 31,1 1-31,-25 0 16,25-25 0,-25 25-1,0 0 1,25-1-1,0 26 1,-25-25 15,0 25-15,24-26 0,-24 1-16,25 25 15,-25-25 1,0 24-1,0-24 1,0 0-16,0 0 266,0 24-251,0 26 1,25 49-16,-25 24 16,25 1-1,0-74 1,-1 24-1,-24 0-15,0-24 16,25-26 15,0 1-31,0-1 16,-25 1 0,0 0-16,25-1 15,0-49 1,-25 50-1,0-25 1,24-1-16,-24 1 47,0 0 0,25-25 125,-25 25-141,25-25-15,0 0-1,0 0 16,-1 25-31,1-25 16,0 0 0,0 0-1,0 0 1,-1 0-16,26 0 31,-25 0 0,0 0-15,-1 0 15,1 0-15,0 0 15,0 0 16,24 0-31,-49 24-1,25-24 17,0 0 249,0 0-266,0 0 1,-25-24 0,0-1 15,24 25-15,1 0 30,-25-25-14,25 25-1,0 0-15</inkml:trace>
-  <inkml:trace contextRef="#ctx0" brushRef="#br0" timeOffset="41702.0818">13122 13692 0,'0'25'110,"0"0"-79,25 0-31,0-1 16,-25 26-1,24-25 1,-24 0 0,25 49-1,-25-49-15,0 0 16,25-1-1,-25 1 1,25 0 0,-25 0-16,25 24 31,-25-24 0,0 25-31,24-25 16,-24 24-1,25 1 1,-25-25 0,25 24-1,0-49 1,-25 25 0,0 0-1,25 0 1,-1 0-1,1-1-15,25 1 16,-25 0 15,0-25-15,-1 25 15,1 0 0,-25-1-15,50-24-16,-50 25 16,25 0-1,-25 0 1,24-25 0,1 25-16,0-1 15,0 1 1,0-25 15,-1 50-15,26-25-16,-25 24 15,0-49 1,-25 25 0,24-25-1,-24 25-15,25-25 328,-25 25-312,0-1 0,25 26-1,0 0-15,0-26 16,-1 26-16,1 0 15,0-26 1,25 26 0,-1-25-1,-24 0 1,25 0-16,-26-1 31,1-24 0,0 25-15,0-25 0,0 25-1,-1-25 17,1 0-32,0 25 15,0-25 16,0 25-15,0-25-16,-25 24 16,24 1-1,1-25 1,0 25 0,25-25-16,-26 50 15,26-26 1,24 26-1,1-25 1,-50 24 0,24-24-16,26 0 15,-51 0 1,51 0 0,-26-1-1,26 26 1,-50-50-16,24 50 15,1-50 1,-25 24 0,-25 1-1,24-25 267,1 0-251,0 0-16,0 25 1,0 0-16,-1 24 16,26-24-1,0 25 17,-1-25-17,1 24-15,-25-24 0,0 0 16,24-25-1,-24 50 1,0-50 0,0 24-16,-1 1 15,-24 0 1,25-25 0,-25 50-1,25-50-15,0 49 16,-25-24-1,25 0 1,-1 24 0,-24-24-1,25 0-15,-25 0 32,25 0-1,0 24 0,-25-24 0,0 0-15,0 0 0,0-1 15,0 1 0,25 0-15,-25 0-1,0 0 1,0-1 31,0 1 15,24-25-15,-24 25-31</inkml:trace>
-  <inkml:trace contextRef="#ctx0" brushRef="#br0" timeOffset="47468.1455">13196 13494 0,'25'25'46,"0"-25"-30,0 0 0,0 24-1,-1 1 32,1-25-16,-25 25-15,0 0 0,25-25-16,0 25 15,0-25 1,-25 24 0,49 1-1,-24-25 1,0 0-1,0 25 1,-25 0 422,0 24-423,0-24 1,0 0-1,0 0 1,0 24 0,0-24-1,0 0-15,0 0 32,0 0-17,0-1 1,25 1-1,-25 0 1,49 0 0,-24-25-1,0 25-15,0-1 16,-1-24 0,1 0-1,-25 25 1,25-25-16,0 25 31,0-25-15,-25 25-1,24 0 1,-24 24-16,25-49 16,0 25-1,-25 25 1,25-25-1,0-1-15,-1 1 16,1 25 0,25-50-1,-25 25 1,24-1 0,-24-24-16,-25 25 15,25-25 1,0 25-1,-1 0 1,1-25-16,0 25 16,25-25-1,-26 49 1,26-24 0,24 0-1,1 24-15,-25-24 16,-1 25-1,26-25 1,-1 24 0,-24-24-16,-26 25 31,1-50 281,-25 24-280,25 1-17,0 25-15,49-1 16,-24 1 0,-25 0-16,24-26 15,-24 1 1,25 25-1,-26-25 1,1-25 15,0 25-15,-25-1 0,25-24-1,-25 25-15,25-25 16,-25 25-1,24-25 1,1 25 0,-25 0-16,25-25 15,-25 24 1,25 1 0,-25 0-1,49-25-15,-49 50 31,50-26-31,-50 1 16,50 0-16,-26 25 31,1-50-15,0 24 0,25 1-1,-25 0 1,-1-25-1,26 25 1,-50 0 0,25-25-16,0 24 312,-1-24-296,1 0-1,0 25 1,0 0-16,0-25 31,-25 25-15,24-25 0,-24 25-16,25-25 15,0 0 1,-25 24-1,25 1 1,0 0 15,-1-25-15,1 25-16,25-25 16,-25 25-1,-1-25 1,26 0-16,-50 24 15,50 1 1,-26 0 15,1-25-31,0 25 16,0 0 0,0-25-1,-1 0 1,26 24-1,-25 1-15,24 25 16,26-25 0,-25 24-1,-1-24 1,26 0-16,-26 25 16,75-50-1,-49 24 1,-1 1-1,0 0-15,-24 0 16,24-25 0,-24 25-1,0-1 1,24-24 281,25-24-297,-24-1 15,-1 25 1,-24 0 0,24 0-1,-49 0-15,0 0 32,0 0-17,24 0-15,1 0 16,-25 0-16,24 0 15,1 0 1,-1 0 0,-24 0 15,0 0-31,0 0 31,0 0 0,-1 0 126,1 0-32</inkml:trace>
-  <inkml:trace contextRef="#ctx0" brushRef="#br0" timeOffset="55889.238">13345 13047 0,'25'0'156,"0"-25"-156,0 1 16,24-1 0,1-25-16,24 25 31,-49 1-16,50-1-15,-26 0 32,26 0-32,24-24 0,-25 49 31,-49 0-31,0 0 31,24-25 219,51 0-250,24-25 31,24 1-31,-23-1 0,23 1 16,-48 49 0,-1-50-1,-25 25 1,50 0-16,-25 1 16,1-1 15,24 25-16,-50 0 1,0 0-16,-24-25 0,-25 25 31,25 0-31,-1 0 16,-24 0 0,49-25 249,125-24-249,98-26-16,51 1 15,24-26 1,-25 26 15,-24 0-31,-51 49 16,-48 0 0,-26 0-16,-24 25 15,-50 0 1,0 0-1,-25 0 1,-25 0-16,1 0 16,-26 0-1,-24 0 1,25 25 0,24-25 327,100-74-343,223-50 16,-174 74 0,-49 0-1,-26 26 1,-24-1-16,0 0 15,0 25 1,25 0 0,-25-25-1,-24 25-15,24 0 16,-25 0 0,-25 0-1,-24 0 1,-1 0-1,1 0-15,0 25 16,-1-25 0,1 0-1,-25 25 1,-1-25-16,1 0 16,0 0 999,0 0-999,24 25-1,-24-25 17,0 24-17,0-24 1,-25 25-16,25-25 16,0 0 30,-1 0 17,1 0-32,0 0 172,-25 25-140,25-25-16,0 25-16,-1-25 0,1 0-15,0 25-16,25-1 15,-26-24 17,26 25-17,-50 25 1,50-50 0,-50 49-16,24-49 15,1 25 1,0 25-1,0-50 1,0 25-16,-1-25 16,-24 24-1,25-24 1,0 25 0,0 0-1,0 0 32,-1-25-31,1 0-1,-25 25 1,25-25 15,0 0 188,-25 24 187,0 1-390,0 0-1,0 25 1,0-1 0,0 1-1,0 0-15,0-1 16,0 26 0,0-26-1,25 1 1,-25-1-16,0 1 15,24 0 1,-24 24 0,25-49-1,-25 0 1,25 24-16,0 1 31,-25-25 16,0-1-31,0 1 15,0 25 0,0-25-15,0-1-1,0 1 1,0 0 0,0 0 15,0 0-15,0-1-16,0 1 15,0 0 1,0 0-1,25-25 1,-25 25-16,0 0 16,0-1-1,0 1 17,0 0-17,24 0-15,-24 0 31,0-1 1,0 1-1,0 0-15,0 0 15,0 0 0,0 24 0,0 1-31,0-25 16,0 24 15,0-24 0,0 0-15,0 0 0,-24-1-1,24 1 1,0 0 0,0 0 46,0 0 16,0-1 0</inkml:trace>
-  <inkml:trace contextRef="#ctx0" brushRef="#br0" timeOffset="62656.4259">13246 12750 0,'25'0'125,"0"-25"-93,49 0-17,-24-49 1,24 24-1,25-24-15,50 24 16,-74 25 0,-51 0 218,1 1-218,50-51-1,173-49 1,173-99 0,75 0-1,-49 24-15,-25 26 16,-1 49-1,-123 49 1,-25 25 0,-149 26-16,25-1 15,-75 25 1,-24 0 0,-26 0-1,1 0-15,25 0 281,74-25-281,248-49 16,-99 24 0,0 0-1,-50 1 1,25 24 0,-50 0-16,-24 0 15,0 1 1,-26 24-1,1 0 1,-49 0-16,-26 0 16,0 0-1,-49 0 1,0 0 0,25 0-16,-26 0 296,1-25-296,74-25 16,75 1 0,-25-1-1,0 0 1,-50 1-16,50 24 16,24 0-1,100 0 1,-50 25-1,-24 0 1,-125 0-16,-24 0 16,0 25-1,24-25 1,-49 0 0,0 25-16,24 0 15,1-25 1,-25 25-1,-1-25 1,26 24-16,-25-24 16,0 25-1,-1 0 17,1-25-32,0 25 15,0 0 1,24-1-1,-24 1 1,0-25 0,0 25-1,24 0 1,-24 24 15,25-49-15,-25 50-16,24-25 15,-24-25 1,0 25 0,24-1-1,-49 1-15,50 0 16,-25 0-16,0 0 16,0-1-1,-1 1 1,-24 0-1,25 0 1,25 24-16,-50-24 313,0 25-282,0 0-31,0 24 15,25 0 1,-1 26 0,1-26-1,-25 0-15,25 1 16,0 24 0,24 0-1,-24 25 1,25 0-1,-1-24-15,-24-51 16,-25 1 0,50-1-1,-25 1 1,-25 0-16,24-1 16,1-24-1,0 49 1,-25-49-1,0 25 1,25 24-16,0-24 16,-25-1-1,0 26 1,0-26 0,24-24-1,-24 0-15,25 25 16,-25-26-1,0 1-15,0 0 32,0 0-17,0 0 17,25-25-1,-25 25 234,0 24-249,25 26 0,0 98-1,-1 1 1,1-75-16,-25 0 16,25-24-1,0 49 1,0-50-1,-25 0-15,24-24 16,-24 0 0,25-25-1,0 49 1,0 0 0,-25-24-16,0 0 15,25-26 1,-25 26-1,25-25 1,-25 0-16,0 24 16,24-24-1,1 0 1,-25 24 0,0-24-1,0 0-15,25 0 16,-25 0 15,25-1-15,-25 1-1,0 0 32,0 0-31,0 0-1,0 24 17,0-24-17,0 0-15,0 0 32,0 24-17,0-24-15,0 25 31,0-25-15,0-1 0,0 1-16,-25 25 15,25-1 17,0-24-1,0 0 0,-25-25 0,25 25 32,0 0-48,-25 24 1,25 26 0,0-51-1,-24 1 1,24 25-16,0-25 31,0-1 0,0 1 1,0 0 15,-25-25-1,25 25-30</inkml:trace>
-  <inkml:trace contextRef="#ctx0" brushRef="#br0" timeOffset="72140.2332">13097 12502 0,'25'0'63,"0"0"-47,24-25-1,-24-25 1,25 1-1,-1 24 1,1-50-16,24 1 16,-24-1-1,74 26 1,-49-1 0,-1 1-1,-24 24-15,-50 0 250,49 25-234,75-74-16,149-1 15,25-49 1,99-25 0,-75-49-1,25-25 1,50-1 0,-25 26-1,25 0-15,-174 98 16,25 26-1,-99 24 1,-50 26-16,-24-1 16,-26 25-1,1 0 1,-25-25 0,49 25 234,348-74-235,99-51 1,74 26-16,-248 74 15,1 1 1,-125-1 0,25-25-1,-99 50 1,0-25-16,-50 1 16,50 24-1,-75 0 1,1 0-1,24 0-15,-50 0 16,1 0 0,-25 0-1,24 0 1,1 0-16,-25 0 281,24 0-281,1 24 16,0-24-1,24 25 1,0 25 0,1-25-1,-1 24-15,1 1 32,-26-25-17,26 24-15,-26-49 16,1 50-16,-25-25 15,49 0 1,1 24 0,-1 1-1,25 24-15,-74-74 16,25 50 0,-26-50-1,26 49 1,0-24-16,-26 0 15,1 0 1,50 24 15,-75-24-31,24 0 16,26 0 0,-25 0-1,0-1-15,0 26 16,24-25-1,-49 0 1,25-25 0,0 24-1,0-24 1,-1 25 0,1-25 15,0 25 281,25-25-296,-26 25 0,26 0-1,-25-1 1,24 1-1,26 74 1,24 25-16,0-24 16,-74-26-1,25-24 1,-26-1 0,1 1-1,0 0-15,-25-26 16,25 1-1,0 25 1,-25-1 0,24-24 15,-24 0-15,0 0-1,25 0-15,0-25 16,-25 49-1,25-24 17,0 49-32,0-49 15,-1 25 1,-24-1 0,25 1-1,0-50-15,-25 50 16,25-50-1,-25 24 1,0 26 328,0-25-329,0 25 1,25-1-16,-25 1 16,0-1-1,0 26 1,0-1 0,24-24-16,-24-1 15,25 26 1,0-26-1,-25 26 1,0-26-16,0 1 16,0-25-1,25 0 1,-25 24 0,0-24-1,0 0-15,0 0 16,0 24-1,0-24 1,0 25 0,25 49-16,-25 0 15,0 50 1,0-75 0,0-49-1,0 25 1,0-1-16,0-24 15,0 0 1,0 0 0,0 24-1,0-24-15,0 25 32,0-25-17,0-1-15,0 1 16,0 0-16,0 0 297,0 0-266,0-1 0,24-24-31,-24 50 16,0 0-1,25-26 1,-25 26 0,50 0-16,-25 24 15,-25-24 1,0-25 0,0 24-1,24 1-15,-24-1 16,25 26-1,-25-26 1,25 1 0,-25 0-1,0-1-15,0 26 16,0-26 0,0 125-1,25 0 1,0 24-16,-1-99 15,-24-24 1,0-26 0,0 1-1,0-1-15,0 1 16,0-25 0,0 0-1,0 24 1,25-49-1,-25 25-15,0 25 16,25-26 0,-25 1-1,0 0 1,0 0-16,0 0 16,0 24-1,0-24 251,0 25-251,0-25 1,-25 74 15,0 25-31,-24-25 16,24 50-16,0-75 16,-24 1-1,24-1 1,0 0-1,0-24 1,0 0-16,-24 74 16,-26 25-1,26-1 1,24-98 0,0 24-16,-24-24 15,24 0 1,-25-26-1,0 26 1,1-25 0,-26 24-16,26-24 15,-50 0 1,24 0 0,26 0-1,-1-1-15,0-24 16,1 0-1,-1 25 1,-24-25 0,-25 25-1,-1-25-15,1 25 16,49-25 0,1 0-1,-1 0 1,25 0 296,-24 0-280,-1 0-17,1 0-15,-1 0 16,-24-25-1,-26 0 1,1 0-16,25 1 16,-1-1-1,26 0 1,-1 25 0,25 0-16,1-25 31,-1 0-16,0 25 1,0-24 0,25-1 15,-25 25-15,0 0-1,25-25 16,0 0-15,-24 25 15,24-25-15,-25 1 0,25-1-1,-25 0 1,25 0-16,0 0 15,-25 25 1,25-24 0,-25-1-1,25 0 1,-24 25 15,-1-25 0,0 25-15,0-25 0,0 1-1,1 24 1,-1 0-16,-25-25 16,1 0-1,-1 25 1,25-25-1,-24 0 1,24 25-16,0-24 16,0-1 281,0 25-282,25-25 1,-49-25-16,24 25 15,0-24 1,0-26 0,1 26-1,-1-1-15,0 1 16,25-1 0,-25 25-1,25 0 1,0 1-1,-25 24-15,1-50 16,-1 25 15,0-24-15,0 24 0,0 0-1,1 0 1,24-24-1,0-1 1,-25 0-16,0 1 16,25 24-1,0-25 1,-25 1 0,0-1-1,25 25 1,0 1 15,0-1-31,0 0 47,0 0 15,0 0 17,0 0-17,0 1-31,25 24-31,25 0 32,-50-25-17,25 25 1,-1 0 15,1 0-15,0 0-1,0-25 1,0 25 15,-1 0-15,1 0 15,0 0-15,0 0 31,0 0-32</inkml:trace>
-</inkml:ink>
-</file>
-
-<file path=ppt/ink/ink9.xml><?xml version="1.0" encoding="utf-8"?>
-<inkml:ink xmlns:inkml="http://www.w3.org/2003/InkML">
-  <inkml:definitions>
-    <inkml:context xml:id="ctx0">
-      <inkml:inkSource xml:id="inkSrc0">
-        <inkml:traceFormat>
-          <inkml:channel name="X" type="integer" max="1366" units="cm"/>
-          <inkml:channel name="Y" type="integer" max="768" units="cm"/>
-          <inkml:channel name="T" type="integer" max="2.14748E9" units="dev"/>
-        </inkml:traceFormat>
-        <inkml:channelProperties>
-          <inkml:channelProperty channel="X" name="resolution" value="39.5942" units="1/cm"/>
-          <inkml:channelProperty channel="Y" name="resolution" value="39.58763" units="1/cm"/>
-          <inkml:channelProperty channel="T" name="resolution" value="1" units="1/dev"/>
-        </inkml:channelProperties>
-      </inkml:inkSource>
-      <inkml:timestamp xml:id="ts0" timeString="2018-07-02T20:58:57.244"/>
-    </inkml:context>
-    <inkml:brush xml:id="br0">
-      <inkml:brushProperty name="width" value="0.05292" units="cm"/>
-      <inkml:brushProperty name="height" value="0.05292" units="cm"/>
-      <inkml:brushProperty name="color" value="#FF0000"/>
-    </inkml:brush>
-  </inkml:definitions>
-  <inkml:trace contextRef="#ctx0" brushRef="#br0">2208 843 0,'0'-24'172,"-50"24"-156,50-25-16,-24 25 16,-51-25-16,50 25 15,1 0 1,24-25-16,-25 25 15,0 0-15,-25 0 16,26 0 0,-26 0-1,25 0 1,0 0 0,0 0-1,1 0 1,-26 0-1,25 0 1,0 0 0,25 25-1,-24-25-15,-1 25 16,0 0 0,-25-1-16,26 1 15,-1 0-15,0-25 16,0 25-16,-24 49 31,24-49-31,0 0 16,0 0-16,0 24 0,1-24 15,24 0 17,0 24-17,-25-24-15,25 0 0,-25 25 16,25-26-16,0 26 31,0-25-31,0 24 16,0-24-1,25 0 1,0 0-16,-1-25 16,1 25-1,0-25-15,25 24 16,-1 1-16,-24-25 15,25 0-15,24 25 16,-24-25-16,-1 0 16,1 0-16,-1 0 15,1 0-15,25 0 16,-26 0-16,26-25 16,-1-24-16,0-1 15,1 0-15,-26 26 16,-24-26-16,0 50 15,-25-25-15,-25 25 63,0 0-63,1 0 16,-26 0-16,25-25 15,0 1 1,-49 24-16,0 0 15,49 0 1,-25 0-16,-49 0 16,49 0-16,25 0 15,1 0 17,-1 0-17,0 0 1,50 0 46,0 0-46,-1 0 0,1 0-16,0 0 15,25 0 1,-1-25-16,-24 25 15,25 0 1,-1 0 0,26 0-16,-50 0 15,24 0-15,-24 0 16,0 0-16,0-25 94,49 25-79,25-25-15,-49 25 16,24-25-16,-24 1 16,-1 24-16</inkml:trace>
-  <inkml:trace contextRef="#ctx0" brushRef="#br0" timeOffset="1360.1122">2605 1315 0,'25'24'47,"-1"-24"-16,-24 25-15,25-25 0,-25 25-16,50-25 15,-25 25-15,-1-25 16,1 0 0,0 0-16,0 25 15,49-1 1,-49-24-1,25 0-15,-25 0 16,24 0-16,-24 0 16,25 0-16,-26-24 15,1 24-15,-25-25 47,0 0 0,-25 25-31,1 0-16,-1 0 15,0 0-15,0 0 16,0 0 15,1 0 0,-1 0-15,0 0 0,-25 0-1,25 0-15,-49 0 32,49 0-17,0 0-15,1 25 0,-1-25 16,25 25-1,0-1 17,0 1-17,0 25 1,0-25 0,0-1-16,0 1 15,25 0 1,-1-25-16,-24 25 15,25-25-15,0 0 16,-25 25-16,0 0 16,25-25-1,0 0 1,24 0-16,-24 0 16,0 24-1,74-24-15,-49 0 0,24 0 16,-24 0-16,-1 0 15,1 0 1,-25 0-16,0 0 16,24 0-16,1 0 15</inkml:trace>
-  <inkml:trace contextRef="#ctx0" brushRef="#br0" timeOffset="2982.5346">3671 1463 0,'0'25'125,"0"0"-109,0 0-1,25 0-15,-25-1 16,0 1-1,0 0 32,0 0-15,0 0 202,0 24-218,0-24-1,-25-25 1,25 25 15,0 0-15,0 0-1,0-50 95,0 0-110,0-49 15,0 24 1,0 25-16,0-25 16,0 26-16,0-1 15,0-25-15,0 25 31,25 25-31,-25-24 16,25 24 15,-25-25-31,0 0 16,25 25-16,0-25 31,-1 25-31,1 0 16,0-25-1,0 25 1,0-24-16,-1 24 16,1 0-16,0 0 15,0 0 1,25 24 0,49 26-16,-50-25 15,1 24-15,-25-49 16,-25 25-16,25 0 15,-25 25 1,24-26-16,-24 1 16,0 25-16,0 0 15,0-26-15,0 1 16,-24 25-16,24-25 16,-25-25-1,25 24 1,0 1-1</inkml:trace>
-  <inkml:trace contextRef="#ctx0" brushRef="#br0" timeOffset="4558.1667">5259 1439 0,'0'24'78,"0"1"-62,0 0-1,0 25-15,-25-50 16,25 49-16,0-24 16,0 25-1,-25-50 1,50-50 125,0 25-141,25-49 15,-26 74-15,-24-25 16,25-25-16,-25 26 15,25 24 1,-25-25 0,25 0-16,-25 0 15,25 25 1,-1 0 0,1 0 30,0 0-46,0 0 32,-25 50-17,25-25-15,-1-1 16,-24 76 0,25-51-16,0-49 15,-25 50-15,0-25 0,25-25 31,-25 25-31,0-1 16,0-48 78,25-1-79,-25 0-15,49-50 16,-24 1 0,0 49-16,0-24 15,-25-1-15,24 50 16,1 0-16,-25-25 16,0 0-1,25 25 16,-25 50 16,25 0-31,0-26 0,-25 1-16,0 25 15,24-1-15,-24-24 16,0 0-16,0 25 15,25-50-15,-25 25 16,0-1 0,0 1 15,25-25 110</inkml:trace>
-  <inkml:trace contextRef="#ctx0" brushRef="#br0" timeOffset="5984.3957">6524 1315 0,'-25'0'31,"0"0"79,1 0-95,-1 24 1,0 1 0,0-25 15,25 25-31,-25-25 15,25 25-15,0 24 16,0 1 15,0 0-31,0-26 16,0 1-16,0 0 16,-24-25-16,24 25 15,0 0-15,24-25 63,1 0-48,0 0-15,0 0 16,24 0-16,1 0 16,0 0-16,-1-25 15,26 0 1,-51 25-16,-24-25 15,0 0 1,0 1 0,0-1-1,25 0-15,-25 0 16,25 0-16,-25 1 47,-25 24-16,25-25-15,-25 25-1,1 0 1,-1 0-16,0 0 47,0 0-32,0 0 1,1 0 0,-1 0-16,0 0 15</inkml:trace>
-  <inkml:trace contextRef="#ctx0" brushRef="#br0" timeOffset="7119.8969">6921 1488 0,'0'25'32,"0"0"-17,0 0 17,0-1-17,0 1 1,0 0-1,0 0 1,0 0-16,0 0 16,0-1-1,0-48 95,0-1-95,0-50 1,0 50-16,0 1 16,0-1-16,0 0 15,0 0-15,0-24 31,0 24-15,25 25 62,-1 0-62,1 0-1,25 0 1,-50 25-16,25-25 16,-1 0 46,26 24 1,-50 1-32</inkml:trace>
-  <inkml:trace contextRef="#ctx0" brushRef="#br0" timeOffset="8432.8015">7318 1662 0,'0'25'47,"25"-25"0,-1 0-31,1 0 15,0 0-16,0 0 1,0 0-16,-1 0 16,1 0-16,25 0 15,-25 0 1,-1 0-16,1-25 16,0 25-1,-25-25-15,25 25 16,0-25-1,-1 0 1,-24-24 0,0 24-1,-24 25 17,-1 0-17,0 0 32,0 0-31,0 0-1,1 0 1,-1 0 0,0 0-16,0 0 0,0 0 15,1 0-15,24 25 16,-25-25-1,25 25 1,-25-25-16,25 24 16,-50 1-16,26 0 15,24 0 1,0 0 15,-25 0-31,25-1 16,-25 1-16,25 0 15,-25-25-15,25 25 16,0 0 0,0-1-16,25 1 15,0-25 1,0 0-16,24 0 16,1 0-1,-25 0-15,24 0 16,26 0-16,-1 0 15,-24 0-15,-1 0 16,1 0-16,-1-25 16,1 25-16,-25 0 15,0 0-15,24 0 16,1-24-16,-1 24 16,-24-25-16,25 0 15,-25 25-15,0 0 16</inkml:trace>
-  <inkml:trace contextRef="#ctx0" brushRef="#br0" timeOffset="9355.7285">9104 1017 0,'0'25'110,"0"0"-110,0-1 15,0 26-15,0-25 16,0 0-16,0 24 16,0 1-16,0-1 15,0-24 1,0 0-16,0 25 15,0-26-15,0 1 16,0 50-16,0-51 31,0 51-31,0-50 0,0 49 16,-25-24-16,25-25 16,0-1-16,-25 1 15</inkml:trace>
-  <inkml:trace contextRef="#ctx0" brushRef="#br0" timeOffset="10155.1177">8831 1439 0,'25'0'219,"24"0"-203,1-25-16,24 25 15,1 0-15,-26 0 16,1 0 0,-1 0-16,26 0 15,-25 0-15,-26 0 0,1 0 16,0 0-16,0 0 15,0 0-15,-1 0 16</inkml:trace>
-  <inkml:trace contextRef="#ctx0" brushRef="#br0" timeOffset="13046.858">9525 1414 0,'0'25'219,"0"-1"-204,0 1-15,0 0 16,0 0-1,0 24 1,0-24 0,0 25-1,0 0-15,0-1 32,0 1-17,0-25-15,0-1 16,0 1 15,0 0 16,0 0 62,25-50-15,-25-49-78,0-1-16,0 26 15,0-26 1,0 25 0,0 26-1,0-1-15,0 0 16,0 0 46,25 25-62,0 0 16,-25-25 15,25 1 16,-1-1 31,1 25-47,0 0-15,0 0-16,0 0 31,-1 0 1,1 0-17,0 0 95,0 0 77</inkml:trace>
-  <inkml:trace contextRef="#ctx0" brushRef="#br0" timeOffset="13390.5921">9848 1414 0</inkml:trace>
-  <inkml:trace contextRef="#ctx0" brushRef="#br0" timeOffset="16000.0841">10021 1687 0,'25'0'62,"0"0"1,0 0-48,0 0-15,-1 0 47,1 0 0,0 0-16,-25-25-15,0 0 15,0 0 0,0-24-31,0-1 16,0 25-16,0 0 31,0 1-15,0-1 31,0 0-16,-25 25 0,25-25-15,-25 25-1,1 0 17,-26 50-1,0-1-15,1 1-1,24 0-15,-25 24 16,50-49-1,-24 0 1,-1 0 0,25-1-1,0 1-15,-25 0 16,25 0 0,0 0 15,0 24-31,0 1 31,50-1-15,-26 1-1,1 0-15,0-26 16,0 1 0,0 0-1,-1 0 16,-24 0-15,50-25 0,-25 0 15,0 0-31,-1 0 31,1 0-15,-25-25-1,25 0 1,0-25 0,-25 26 15,25-1 0,-25 0 0</inkml:trace>
-  <inkml:trace contextRef="#ctx0" brushRef="#br0" timeOffset="18183.6086">10518 1736 0,'0'0'0,"0"-24"16,24-1-16,-24 0 31,25 25-16,-25-25 32,25 25 31,-25-25-46,25 25 46,-25-25-63,25 25 17,-25-24-17,0-26 17,-25 50-1,25-25-16,-25 25 1,0 0 15,0 0 1,1 0-32,-1 0 31,0 0 16,0 25 0,25 0-32,-25 0 1,25 24-1,0-24 1,0 25 0,0-1-16,25 1 15,0-25 1,-25 0 0,0-1-1,0 1 1,0 0-16,25-25 31,-25 25-15,0 0-1,25-1 1,-1 1 15,1-25-15,-25 25-1,25-25-15,-25 25 47,25-25-31,0 0 15,-1 0-15,1 0 15,0 0-31,0 0 31,0 0-15,-1-25 0,1 25-1,0 0 1,-25-25-1,25 25 1</inkml:trace>
-  <inkml:trace contextRef="#ctx0" brushRef="#br0" timeOffset="20665.8223">11237 1538 0,'25'0'94,"-25"-25"-94,-25 25 62,0 0-46,0 0 15,0 0-15,1 0-1,-26 25-15,25 24 16,-24-49 0,24 25-1,0 0 1,0 25-1,0-25-15,25-1 16,-24 1 0,24 0 15,0 0-15,-25-25-1,25 25 16,-25-25-15,25 24 31,25-24-16,0 25-15,-1-25-1,26 0 1,24 0-16,-49 0 16,0 0-1,25 0 1,-26 0 0,1 0-1,0 0-15,0 0 16,0 0 15,-1 0-15,1 0 15,0 25 16,-25 0 0,0 0-16,0-1 16,0 1-16,0 0 0,-25-25-15,25 25 31,-25-25-16,1 0 16,24 25 47,-25-25-63,0 0 0,0 0 0,0 0-15,1 24 0,-1-24-16,0 25 15,-25 0 17,26-25 14,24 25-14,-25-25-17,25 25 32</inkml:trace>
-  <inkml:trace contextRef="#ctx0" brushRef="#br0" timeOffset="24479.2155">12155 1513 0,'0'25'31,"0"0"-15,0-1-1,0 1 1,0 25-1,0-25 1,0 0 0,0 24-16,0-24 15,0 0 17,0 0-17,0-1 1,0 1-1,0 0 1,0 0 15,0 0 1,0-1 14,0 1-46,0 0 32,0-50 77,0-49-109,0-25 16,0-25-1,0 24 1,24-24 0,1 25-16,-25 49 15,25 26 1,-25-1-1,0 0 1,0 0 0,25 0 31,0 1 31,-1-1-47,1 25 0,0 0-15,0 0 31,0 0-32,-1 25-15,1-25 63,-25 24-63,0 1 62,0 0-15,0 0-16,0 0-15,-49-25 15,49 24-15,-25 1 0,0 25-16,-25-25 15,50-1 1,0 1-1,-24-25 1,24 25 0,-25-25-16,25 25 15,0 0 1,-25-25 0,0 24-1,25 1 32,-25-25-31,25 25 46</inkml:trace>
-  <inkml:trace contextRef="#ctx0" brushRef="#br0" timeOffset="25976.0304">12676 1215 0,'0'25'78,"0"0"-15,24 0-63,-24 0 15,0 24 1,0-24-1,0 0 1,0 0-16,0-1 16,0 1-1,0 0 1,0 0 0,0 0-1,0-1 1,0 1 46</inkml:trace>
-  <inkml:trace contextRef="#ctx0" brushRef="#br0" timeOffset="26617.0909">12700 967 0</inkml:trace>
-  <inkml:trace contextRef="#ctx0" brushRef="#br0" timeOffset="27117.0786">12849 1215 0,'50'0'0,"49"25"15,-25 0 1,1-25-1,-26 0 1,-24 0 0,0 0 15,0 0 0</inkml:trace>
-  <inkml:trace contextRef="#ctx0" brushRef="#br0" timeOffset="27559.4832">13271 1265 0</inkml:trace>
-  <inkml:trace contextRef="#ctx0" brushRef="#br0" timeOffset="28948.0493">13246 1265 0,'-25'0'47,"0"0"-16,1 0-15,-1 0-1,0 0 1,-49 25 0,49-25-16,0 49 15,0-24 1,-24 0-1,49 25 1,-50-26 0,50 26-16,-25-25 15,0 0 1,25-1 15,-24-24-15,24 25-1,0 0 17,0 0-17,0 0 1,24-25 0,1 25-1,0-25 1,49 24-16,-24-24 15,-25 25 1,24 0 0,1-25-1,-25 0 1,0 0-16,24 0 16,-24 0-1,0 0 1,0 0-1,-1 0-15,1 0 16,0 0 15,0 0-15,0 0-16,-1 0 31,-24-25-15,25 25-1,0 0 32</inkml:trace>
-  <inkml:trace contextRef="#ctx0" brushRef="#br0" timeOffset="31557.2458">13643 918 0,'0'25'125,"25"-1"-125,-25 1 15,0 0 1,0 0-1,0 24 1,0 1 0,0 24-16,0-24 15,0-25 1,0 0 0,0-1-1,0 1-15,0 0 16,0 0 15,0 0 0,0-1 1,0 1-1,0 0 63,0 0-63,0 0-16,0-1 1,0 1 0,0 0-1,0 0 1,0 0 0,0 0-16,0-1 31,0 1 0,0 0 0,0 0-15,0 0 31,0-50 78,0 0-110,0 0-15,25-24 16,-25-1 0,24-25-1,-24 26 1,25-1-16,-25 25 16,0-24-1,0 24 1,0 0 15,25 0-31,-25 1 47,0-1 15,25 25-46,-25-25 0,25 0-1,-1 25 17,1 0-17,0 0 1,0 0 15,0 0-15,-25 25-16,49-25 15,-49 50 1,25-50 0,-25 24-1,0 1 1,25-25-1,-25 25 17,0 0-17,0 0 17,0-1 14,-25-24-46,-25 25 32,26 0-17,-1-25 1,0 0 0,25 25-1,-25-25 16,25 25 126,0-1-142,50 1 17,-25 0-17,24 0-15,-24 0 16,0-25-1,0 25 1,-25-1 0,24-24-1,1 0-15,-25 25 47,25-25 0</inkml:trace>
-  <inkml:trace contextRef="#ctx0" brushRef="#br0" timeOffset="34063.4667">15007 992 0,'0'25'94,"-25"49"-94,25-24 16,0 24-1,0-24 1,0 0 0,0-26-16,0 1 15,0 25 1,0-1 15,0-24-15,0 0-1,0 0 1,0 0 31,-24-25 0,24 24-32,24-48 126,1-1-125,-25 0-16,25 0 15,0-24 1,-25 24 0,25 0-1,-1-49-15,-24 49 16,25 0-1,0 0 1,-25 0 0,25 1-16,0 24 15,-1 0 1,26 0 0,0 49-1,-1-24-15,1 0 16,-1 24-1,-49-24 1,50-25 0,-50 25-1,25 0 1,-25 0 15,0-1-15,0 1 15,0 0 0,0 25 1,-25-50-17,-25 49 1,1-24-1,24-25-15,-49 25 16,49 0 0,-25-25-1,1 0 1,-1 0 0,0-25-1,26 25-15,-1 0 16,25-25-1,-25 25-15,0-25 16,0 25 31</inkml:trace>
-  <inkml:trace contextRef="#ctx0" brushRef="#br0" timeOffset="35843.158">15801 1488 0,'25'0'63,"0"0"-32,-1 0 16,1 0-32,0 0 1,0 0 15,0 0-15,-1 0 0,1 0-1,0 0 1,0 0 15,0 0-15,-25-25-1,24 25 1,-24-24 0,0-1 15,0 0-16,0 0 1,0-24 15,0 24-15,-24 0-16,-26 25 16,50-25-1,-50 0 1,26 25 15,-1 0-15,25 25-1,-25 0 1,0-25 0,25 25-16,-25 0 31,25-1-16,0 1 1,-24-25-16,24 25 16,-25 0-1,25 0 17,-25-1-17,25 1 1,0 25-1,0-1 1,0 1 0,0 0-16,0 24 15,25-49 1,-25 25 0,49-1-1,-24-24 1,50 0-16,-1 0 15,-24-1 1,-26-24 0,1 25-1,25-25-15,-1 0 32,-24 0-17,0 0 16,0-25-15,0 1 0,-25-1 15,24 25-15,-24-25 15</inkml:trace>
-  <inkml:trace contextRef="#ctx0" brushRef="#br0" timeOffset="38171.9112">16793 1538 0,'-25'-25'156,"1"25"-109,-1 0-16,0 0-15,0 0 15,25 25-15,-25-25 15,25 25-31,-25-25 31,1 24-15,24 1 125,0 0-110,24-25 31,-24 25-46,25-25 0,0 0 15,0 0 0,0 0-15,0 0 15,-1 0 0,1 25 16,0-25-47,0 0 31,-25 25-15,0-1 15,25-24-31,-25 25 32,0 0-1,0 25 0,0-26 0,0 26-15,0-25 31,-25-25-32,25 25 1,-25-25 31,0 24-31,0-24-1,1 0 1,-1 0-1,0 0 1,0 0-16,0 0 16,0 0 31,1 0 31</inkml:trace>
-  <inkml:trace contextRef="#ctx0" brushRef="#br0" timeOffset="40407.428">17264 2009 0,'25'0'156,"-25"-25"-94,-25-24-62,25-1 16,-49 1 0,24-1-1,25 0 1,-25 26-1,25-1 1,0 0 0,0 0 15,-25 25-31,25-25 16,-24 25 15,24-25-16,0 1-15,0-1 32,0 0-1,0 0-15,0 0-1,0 1 1,0-1-1,0 0 1,0 0-16,0 0 31,0 1-15,0-26 0,0 25-16,0 0 31,0 1-16,0-1 32,0 0-15,0 0-17,0 0 1,24 1-1,-24-1 17,0 0-17,0 0 17,25 25-17</inkml:trace>
-  <inkml:trace contextRef="#ctx0" brushRef="#br0" timeOffset="41888.1193">16992 1315 0,'24'0'63,"1"-25"-32,25 25-16,-25 0 1,-1 0-16,26 0 16,0 0-1,-26 0 1,26 0 0,0 0-1,-26 0-15,1 0 31,0 0-15,0 0 31,0 0 15</inkml:trace>
-  <inkml:trace contextRef="#ctx0" brushRef="#br0" timeOffset="60371.0946">10741 6945 0,'25'-24'344,"-1"24"-329,26 0 17,-25 0-32,0-25 15,-1 25 1,1 0 0,0 0-1,0 0-15,0 0 16,-1 0 15,1 0-15,0 0-16,0 0 47,0 0-16,-1 0-16,1 0 1,0 0 0,0 0-1,0 0 1,-1 0-16,1 0 16,25 0-1,0 0 1,-26 0-1,1 0 189,25 0-204,-25 0 15,49 0 1,0 0-1,1-25 1,-26 25-16,26 0 16,-1 0-1,-24 0 1,-1 0 0,1 0-1,24 0-15,1 0 16,-26 0-1,-24 0 1,25 0 0,-25 0-1,-1 0 17,1 0-17,0 0 1,0 0 15,0 0-15,0 0-1,-1 0 1,1 0 0,0 0-1,0 0 16,24 0-31,-24 0 16,0 0 0,25 0-1,-1 0 1,1 0-16,-25 0 16,-1 0-1,1 0 1,0-25 234,25 25-235,24 0 1,-24 0 0,24 0-1,-24 0-15,-1 0 16,-24 0 0,0 0-1,0 0 1,-1 0-16,1 0 15,25 0 1,-25 0 15,0 0-31,-1 0 16,1 0 0,0 0 15,0 0 31,0 0 1</inkml:trace>
-  <inkml:trace contextRef="#ctx0" brushRef="#br0" timeOffset="64607.5516">4044 3076 0,'0'-25'15,"0"0"1,24 25 0,1 0 46,0 0-62,0 0 16,0 0 15,-1 0-15,-24 25-16,25-25 15,-25 25 1,25-25 234,49-25-250,1-25 15,-1 1 1,50 24 0,-49-25-16,-1 1 31,75 24-31,-50 0 16,-24 25-1,49-25-15,-50 25 16,0 0-1,-24 0-15,0 0 16,-1 0 0,1 0-1,-1 0 1,26 0-16,-50 0 16,-1 0-1,1 0 1,0 0 234,0 0-235,49 0-15,25 0 16,-24 0 0,-26 0-1,26 0 1,-50 0-16,0 0 16,24 0-1,1 0 1,-1 0-1,26 0-15,-1 0 16,-24 0 0,-1 0-1,-24 0 1,25 0 0,-1 0-16,-24 0 15,0 0 1,49 0-1,-49 25 1,74 0-16,25 0 16,-24 24-1,-51-24 1,26 0 0,-26 0-1,1 0-15,0-1 16,-1-24-1,26 25 1,-26 0 0,-24 0-1,0-25-15,0 0 282,49 0-267,0-25 1,1 0-16,-1 25 15,-24-25 1,24 1 0,1 24-1,-26 0 1,75 0-16,25 0 16,-50 0-1,-49 0 1,0 24-1,-1-24-15,1 0 16,-1 0 15,-24 25-15,0-25 0,0 0-16,0 0 15,-1 25 1,26-25-1,0 50 1,-26-50-16,51 49 16,-50-24-1,-1-25 1,1 25 0,0-25-16,0 0 15,0 0 32,-25 25-31,25-25-16,-1 0 15</inkml:trace>
-  <inkml:trace contextRef="#ctx0" brushRef="#br0" timeOffset="68375.7925">3969 8086 0,'25'-24'15,"0"24"1,0 0-1,-1 0 1,26 0 15,-25 0-15,0 0 15,-1 0-15,1 0-1,25 0 1,-1 0 0,1 0-1,-25 0 1,24 0-16,-24 0 16,0 24-1,0-24 1,0 0-1,24 0 1,-24 0 15,0 0 1,0 0-17,-1 0 251,1 0-251,25 0 1,24-24 0,-49-1-1,25 25-15,24-25 16,-24 0 0,24 25-1,-24 0 1,-25 0-16,24 0 15,-24 0 1,25 0 0,-26 0-1,26 0 1,-25 0-16,0 0 16,-1 0-1,1 0 1,25 0-1,-50 25-15,49-25 16,-49 25 0,25-25-1,0 0 1,0 0 0,0 0-16,-1 0 15,26 0 16,-50 25-15,25-25-16,0 0 31,-1 0 266,26-25-297,24 0 16,1 0-1,-1 0 1,1 25 0,-1-25-1,-24 25-15,24 0 16,1 0 0,-26 0-1,26 0 1,-51 0-16,51 0 15,-50 0 1,24 0 0,-24 0-1,49 0-15,-24 0 16,24 0 0,-49 25-1,0-25 1,0 0-1,0 25 1,-1-25 15</inkml:trace>
-  <inkml:trace contextRef="#ctx0" brushRef="#br0" timeOffset="71718.3504">5135 10046 0,'25'0'422,"24"0"-391,-24 0 0,0 25-31,0-25 16,24 0 0,-24 0-1,0 0 1,0 0-1,24 0 267,51-25-267,73-50 1,26 26 0,-51-1-1,249-74-15,50 75 16,-100-1-1,-148 50 1,-26-25 0,-74 25-1,-24 0-15,-1 0 16,1 25 0,-26-25-1,-24 25 1,0-25-16,0 0 15,-1 0 17,1 25-17,0-25-15,0 0 16,0 0 0,0 0-1,-1 0 16,1 0-31,0 0 47,0 0 31,-25 24 16,25-24-78</inkml:trace>
 </inkml:ink>
 </file>
 
@@ -647,7 +873,7 @@
           <a:p>
             <a:fld id="{0E0A21C8-BE25-5C41-8AFC-5FB0231A4D01}" type="datetimeFigureOut">
               <a:rPr lang="en-US" smtClean="0"/>
-              <a:t>7/2/2018</a:t>
+              <a:t>7/16/2018</a:t>
             </a:fld>
             <a:endParaRPr lang="en-US"/>
           </a:p>
@@ -1432,7 +1658,7 @@
             <a:fld id="{28E80666-FB37-4B36-9149-507F3B0178E3}" type="datetimeFigureOut">
               <a:rPr lang="en-US" smtClean="0"/>
               <a:pPr/>
-              <a:t>7/2/2018</a:t>
+              <a:t>7/16/2018</a:t>
             </a:fld>
             <a:endParaRPr lang="en-US"/>
           </a:p>
@@ -1653,7 +1879,7 @@
             <a:fld id="{28E80666-FB37-4B36-9149-507F3B0178E3}" type="datetimeFigureOut">
               <a:rPr lang="en-US" smtClean="0"/>
               <a:pPr/>
-              <a:t>7/2/2018</a:t>
+              <a:t>7/16/2018</a:t>
             </a:fld>
             <a:endParaRPr lang="en-US"/>
           </a:p>
@@ -1850,7 +2076,7 @@
             <a:fld id="{28E80666-FB37-4B36-9149-507F3B0178E3}" type="datetimeFigureOut">
               <a:rPr lang="en-US" smtClean="0"/>
               <a:pPr/>
-              <a:t>7/2/2018</a:t>
+              <a:t>7/16/2018</a:t>
             </a:fld>
             <a:endParaRPr lang="en-US"/>
           </a:p>
@@ -1958,7 +2184,7 @@
             <a:fld id="{28E80666-FB37-4B36-9149-507F3B0178E3}" type="datetimeFigureOut">
               <a:rPr lang="en-US" smtClean="0"/>
               <a:pPr/>
-              <a:t>7/2/2018</a:t>
+              <a:t>7/16/2018</a:t>
             </a:fld>
             <a:endParaRPr lang="en-US"/>
           </a:p>
@@ -2564,7 +2790,7 @@
             <a:fld id="{28E80666-FB37-4B36-9149-507F3B0178E3}" type="datetimeFigureOut">
               <a:rPr lang="en-US" smtClean="0"/>
               <a:pPr/>
-              <a:t>7/2/2018</a:t>
+              <a:t>7/16/2018</a:t>
             </a:fld>
             <a:endParaRPr lang="en-US"/>
           </a:p>
@@ -2672,7 +2898,7 @@
             <a:fld id="{28E80666-FB37-4B36-9149-507F3B0178E3}" type="datetimeFigureOut">
               <a:rPr lang="en-US" smtClean="0"/>
               <a:pPr/>
-              <a:t>7/2/2018</a:t>
+              <a:t>7/16/2018</a:t>
             </a:fld>
             <a:endParaRPr lang="en-US"/>
           </a:p>
@@ -3285,7 +3511,7 @@
             <a:fld id="{28E80666-FB37-4B36-9149-507F3B0178E3}" type="datetimeFigureOut">
               <a:rPr lang="en-US" smtClean="0"/>
               <a:pPr/>
-              <a:t>7/2/2018</a:t>
+              <a:t>7/16/2018</a:t>
             </a:fld>
             <a:endParaRPr lang="en-US"/>
           </a:p>
@@ -3439,7 +3665,7 @@
             <a:fld id="{28E80666-FB37-4B36-9149-507F3B0178E3}" type="datetimeFigureOut">
               <a:rPr lang="en-US" smtClean="0"/>
               <a:pPr/>
-              <a:t>7/2/2018</a:t>
+              <a:t>7/16/2018</a:t>
             </a:fld>
             <a:endParaRPr lang="en-US"/>
           </a:p>
@@ -3547,7 +3773,7 @@
             <a:fld id="{28E80666-FB37-4B36-9149-507F3B0178E3}" type="datetimeFigureOut">
               <a:rPr lang="en-US" smtClean="0"/>
               <a:pPr/>
-              <a:t>7/2/2018</a:t>
+              <a:t>7/16/2018</a:t>
             </a:fld>
             <a:endParaRPr lang="en-US"/>
           </a:p>
@@ -3842,7 +4068,7 @@
             <a:fld id="{28E80666-FB37-4B36-9149-507F3B0178E3}" type="datetimeFigureOut">
               <a:rPr lang="en-US" smtClean="0"/>
               <a:pPr/>
-              <a:t>7/2/2018</a:t>
+              <a:t>7/16/2018</a:t>
             </a:fld>
             <a:endParaRPr lang="en-US"/>
           </a:p>
@@ -4375,7 +4601,7 @@
             <a:fld id="{28E80666-FB37-4B36-9149-507F3B0178E3}" type="datetimeFigureOut">
               <a:rPr lang="en-US" smtClean="0"/>
               <a:pPr/>
-              <a:t>7/2/2018</a:t>
+              <a:t>7/16/2018</a:t>
             </a:fld>
             <a:endParaRPr lang="en-US"/>
           </a:p>
@@ -4904,7 +5130,7 @@
             <a:fld id="{28E80666-FB37-4B36-9149-507F3B0178E3}" type="datetimeFigureOut">
               <a:rPr lang="en-US" smtClean="0"/>
               <a:pPr/>
-              <a:t>7/2/2018</a:t>
+              <a:t>7/16/2018</a:t>
             </a:fld>
             <a:endParaRPr lang="en-US" dirty="0"/>
           </a:p>
@@ -5424,10 +5650,9 @@
           <a:lstStyle/>
           <a:p>
             <a:r>
-              <a:rPr lang="en-US" dirty="0" smtClean="0"/>
+              <a:rPr lang="en-US" dirty="0"/>
               <a:t>Decision Trees and  Random Forests</a:t>
             </a:r>
-            <a:endParaRPr lang="en-US" dirty="0"/>
           </a:p>
         </p:txBody>
       </p:sp>
@@ -5531,10 +5756,9 @@
           <a:lstStyle/>
           <a:p>
             <a:r>
-              <a:rPr lang="en-US" dirty="0" smtClean="0"/>
+              <a:rPr lang="en-US" dirty="0"/>
               <a:t>regression</a:t>
             </a:r>
-            <a:endParaRPr lang="en-US" dirty="0"/>
           </a:p>
         </p:txBody>
       </p:sp>
@@ -5559,7 +5783,7 @@
           <a:lstStyle/>
           <a:p>
             <a:r>
-              <a:rPr lang="en-US" dirty="0" smtClean="0"/>
+              <a:rPr lang="en-US" dirty="0"/>
               <a:t>goal: minimize RSS within each region</a:t>
             </a:r>
           </a:p>
@@ -5567,37 +5791,36 @@
             <a:endParaRPr lang="en-US" dirty="0"/>
           </a:p>
           <a:p>
-            <a:endParaRPr lang="en-US" dirty="0" smtClean="0"/>
-          </a:p>
-          <a:p>
             <a:endParaRPr lang="en-US" dirty="0"/>
           </a:p>
           <a:p>
-            <a:r>
-              <a:rPr lang="en-US" dirty="0" smtClean="0"/>
+            <a:endParaRPr lang="en-US" dirty="0"/>
+          </a:p>
+          <a:p>
+            <a:r>
+              <a:rPr lang="en-US" dirty="0"/>
               <a:t>computationally infeasible</a:t>
             </a:r>
           </a:p>
           <a:p>
             <a:r>
-              <a:rPr lang="en-US" dirty="0" smtClean="0"/>
+              <a:rPr lang="en-US" dirty="0"/>
               <a:t>instead: top-down, greedy approach</a:t>
             </a:r>
           </a:p>
           <a:p>
             <a:pPr lvl="1"/>
             <a:r>
-              <a:rPr lang="en-US" dirty="0" smtClean="0"/>
+              <a:rPr lang="en-US" dirty="0"/>
               <a:t>all predictors are examined to see if they make a good split</a:t>
             </a:r>
           </a:p>
           <a:p>
             <a:pPr lvl="1"/>
             <a:r>
-              <a:rPr lang="en-US" dirty="0" smtClean="0"/>
+              <a:rPr lang="en-US" dirty="0"/>
               <a:t>splitting is repeated until some threshold is reached</a:t>
             </a:r>
-            <a:endParaRPr lang="en-US" dirty="0"/>
           </a:p>
         </p:txBody>
       </p:sp>
@@ -5671,10 +5894,9 @@
           <a:lstStyle/>
           <a:p>
             <a:r>
-              <a:rPr lang="en-US" dirty="0" smtClean="0"/>
+              <a:rPr lang="en-US" dirty="0"/>
               <a:t>classification</a:t>
             </a:r>
-            <a:endParaRPr lang="en-US" dirty="0"/>
           </a:p>
         </p:txBody>
       </p:sp>
@@ -5694,24 +5916,23 @@
           <a:lstStyle/>
           <a:p>
             <a:r>
-              <a:rPr lang="en-US" dirty="0" smtClean="0"/>
+              <a:rPr lang="en-US" dirty="0"/>
               <a:t>instead of RSS, use counts of classes in regions</a:t>
             </a:r>
           </a:p>
           <a:p>
             <a:r>
-              <a:rPr lang="en-US" dirty="0" smtClean="0"/>
+              <a:rPr lang="en-US" dirty="0"/>
               <a:t>splits are made using metrics such as entropy or the </a:t>
             </a:r>
             <a:r>
-              <a:rPr lang="en-US" dirty="0" err="1" smtClean="0"/>
+              <a:rPr lang="en-US" dirty="0" err="1"/>
               <a:t>Gini</a:t>
             </a:r>
             <a:r>
-              <a:rPr lang="en-US" dirty="0" smtClean="0"/>
+              <a:rPr lang="en-US" dirty="0"/>
               <a:t> index, both of which measure node purity</a:t>
             </a:r>
-            <a:endParaRPr lang="en-US" dirty="0"/>
           </a:p>
         </p:txBody>
       </p:sp>
@@ -5761,38 +5982,37 @@
           <a:lstStyle/>
           <a:p>
             <a:r>
-              <a:rPr lang="en-US" dirty="0" smtClean="0"/>
+              <a:rPr lang="en-US" dirty="0"/>
               <a:t>entropy</a:t>
             </a:r>
+          </a:p>
+        </p:txBody>
+      </p:sp>
+      <p:sp>
+        <p:nvSpPr>
+          <p:cNvPr id="3" name="Content Placeholder 2"/>
+          <p:cNvSpPr>
+            <a:spLocks noGrp="1"/>
+          </p:cNvSpPr>
+          <p:nvPr>
+            <p:ph sz="quarter" idx="13"/>
+          </p:nvPr>
+        </p:nvSpPr>
+        <p:spPr/>
+        <p:txBody>
+          <a:bodyPr/>
+          <a:lstStyle/>
+          <a:p>
+            <a:r>
+              <a:rPr lang="en-US" dirty="0"/>
+              <a:t>entropy measure uncertainty in the data</a:t>
+            </a:r>
+          </a:p>
+          <a:p>
             <a:endParaRPr lang="en-US" dirty="0"/>
           </a:p>
-        </p:txBody>
-      </p:sp>
-      <p:sp>
-        <p:nvSpPr>
-          <p:cNvPr id="3" name="Content Placeholder 2"/>
-          <p:cNvSpPr>
-            <a:spLocks noGrp="1"/>
-          </p:cNvSpPr>
-          <p:nvPr>
-            <p:ph sz="quarter" idx="13"/>
-          </p:nvPr>
-        </p:nvSpPr>
-        <p:spPr/>
-        <p:txBody>
-          <a:bodyPr/>
-          <a:lstStyle/>
-          <a:p>
-            <a:r>
-              <a:rPr lang="en-US" dirty="0" smtClean="0"/>
-              <a:t>entropy measure uncertainty in the data</a:t>
-            </a:r>
-          </a:p>
           <a:p>
             <a:endParaRPr lang="en-US" dirty="0"/>
-          </a:p>
-          <a:p>
-            <a:endParaRPr lang="en-US" dirty="0" smtClean="0"/>
           </a:p>
           <a:p>
             <a:endParaRPr lang="en-US" dirty="0"/>
@@ -5999,13 +6219,6 @@
   <p:clrMapOvr>
     <a:masterClrMapping/>
   </p:clrMapOvr>
-  <p:timing>
-    <p:tnLst>
-      <p:par>
-        <p:cTn id="1" dur="indefinite" restart="never" nodeType="tmRoot"/>
-      </p:par>
-    </p:tnLst>
-  </p:timing>
 </p:sld>
 </file>
 
@@ -6042,10 +6255,9 @@
           <a:lstStyle/>
           <a:p>
             <a:r>
-              <a:rPr lang="en-US" dirty="0" smtClean="0"/>
+              <a:rPr lang="en-US" dirty="0"/>
               <a:t>tennis data</a:t>
             </a:r>
-            <a:endParaRPr lang="en-US" dirty="0"/>
           </a:p>
         </p:txBody>
       </p:sp>
@@ -6097,8 +6309,8 @@
           </a:prstGeom>
         </p:spPr>
       </p:pic>
-      <mc:AlternateContent xmlns:mc="http://schemas.openxmlformats.org/markup-compatibility/2006">
-        <mc:Choice xmlns:p14="http://schemas.microsoft.com/office/powerpoint/2010/main" Requires="p14">
+      <mc:AlternateContent xmlns:mc="http://schemas.openxmlformats.org/markup-compatibility/2006" xmlns:p14="http://schemas.microsoft.com/office/powerpoint/2010/main">
+        <mc:Choice Requires="p14">
           <p:contentPart p14:bwMode="auto" r:id="rId4">
             <p14:nvContentPartPr>
               <p14:cNvPr id="3" name="Ink 2"/>
@@ -6111,7 +6323,7 @@
             </p14:xfrm>
           </p:contentPart>
         </mc:Choice>
-        <mc:Fallback>
+        <mc:Fallback xmlns="">
           <p:pic>
             <p:nvPicPr>
               <p:cNvPr id="3" name="Ink 2"/>
@@ -6146,13 +6358,6 @@
   <p:clrMapOvr>
     <a:masterClrMapping/>
   </p:clrMapOvr>
-  <p:timing>
-    <p:tnLst>
-      <p:par>
-        <p:cTn id="1" dur="indefinite" restart="never" nodeType="tmRoot"/>
-      </p:par>
-    </p:tnLst>
-  </p:timing>
 </p:sld>
 </file>
 
@@ -6189,10 +6394,9 @@
           <a:lstStyle/>
           <a:p>
             <a:r>
-              <a:rPr lang="en-US" dirty="0" smtClean="0"/>
+              <a:rPr lang="en-US" dirty="0"/>
               <a:t>split on wind</a:t>
             </a:r>
-            <a:endParaRPr lang="en-US" dirty="0"/>
           </a:p>
         </p:txBody>
       </p:sp>
@@ -6268,8 +6472,8 @@
           </a:prstGeom>
         </p:spPr>
       </p:pic>
-      <mc:AlternateContent xmlns:mc="http://schemas.openxmlformats.org/markup-compatibility/2006">
-        <mc:Choice xmlns:p14="http://schemas.microsoft.com/office/powerpoint/2010/main" Requires="p14">
+      <mc:AlternateContent xmlns:mc="http://schemas.openxmlformats.org/markup-compatibility/2006" xmlns:p14="http://schemas.microsoft.com/office/powerpoint/2010/main">
+        <mc:Choice Requires="p14">
           <p:contentPart p14:bwMode="auto" r:id="rId5">
             <p14:nvContentPartPr>
               <p14:cNvPr id="6" name="Ink 5"/>
@@ -6282,7 +6486,7 @@
             </p14:xfrm>
           </p:contentPart>
         </mc:Choice>
-        <mc:Fallback>
+        <mc:Fallback xmlns="">
           <p:pic>
             <p:nvPicPr>
               <p:cNvPr id="6" name="Ink 5"/>
@@ -6307,6 +6511,57 @@
           </p:pic>
         </mc:Fallback>
       </mc:AlternateContent>
+      <mc:AlternateContent xmlns:mc="http://schemas.openxmlformats.org/markup-compatibility/2006">
+        <mc:Choice xmlns:p14="http://schemas.microsoft.com/office/powerpoint/2010/main" Requires="p14">
+          <p:contentPart p14:bwMode="auto" r:id="rId7">
+            <p14:nvContentPartPr>
+              <p14:cNvPr id="7" name="Ink 6">
+                <a:extLst>
+                  <a:ext uri="{FF2B5EF4-FFF2-40B4-BE49-F238E27FC236}">
+                    <a16:creationId xmlns:a16="http://schemas.microsoft.com/office/drawing/2014/main" id="{24351586-E554-415F-B9B7-9009A22D11CB}"/>
+                  </a:ext>
+                </a:extLst>
+              </p14:cNvPr>
+              <p14:cNvContentPartPr/>
+              <p14:nvPr/>
+            </p14:nvContentPartPr>
+            <p14:xfrm>
+              <a:off x="3111480" y="177840"/>
+              <a:ext cx="5943960" cy="4820040"/>
+            </p14:xfrm>
+          </p:contentPart>
+        </mc:Choice>
+        <mc:Fallback>
+          <p:pic>
+            <p:nvPicPr>
+              <p:cNvPr id="7" name="Ink 6">
+                <a:extLst>
+                  <a:ext uri="{FF2B5EF4-FFF2-40B4-BE49-F238E27FC236}">
+                    <a16:creationId xmlns:a16="http://schemas.microsoft.com/office/drawing/2014/main" id="{24351586-E554-415F-B9B7-9009A22D11CB}"/>
+                  </a:ext>
+                </a:extLst>
+              </p:cNvPr>
+              <p:cNvPicPr/>
+              <p:nvPr/>
+            </p:nvPicPr>
+            <p:blipFill>
+              <a:blip r:embed="rId8"/>
+              <a:stretch>
+                <a:fillRect/>
+              </a:stretch>
+            </p:blipFill>
+            <p:spPr>
+              <a:xfrm>
+                <a:off x="3102120" y="168480"/>
+                <a:ext cx="5962680" cy="4838760"/>
+              </a:xfrm>
+              <a:prstGeom prst="rect">
+                <a:avLst/>
+              </a:prstGeom>
+            </p:spPr>
+          </p:pic>
+        </mc:Fallback>
+      </mc:AlternateContent>
     </p:spTree>
     <p:extLst>
       <p:ext uri="{BB962C8B-B14F-4D97-AF65-F5344CB8AC3E}">
@@ -6317,13 +6572,6 @@
   <p:clrMapOvr>
     <a:masterClrMapping/>
   </p:clrMapOvr>
-  <p:timing>
-    <p:tnLst>
-      <p:par>
-        <p:cTn id="1" dur="indefinite" restart="never" nodeType="tmRoot"/>
-      </p:par>
-    </p:tnLst>
-  </p:timing>
 </p:sld>
 </file>
 
@@ -6360,10 +6608,9 @@
           <a:lstStyle/>
           <a:p>
             <a:r>
-              <a:rPr lang="en-US" dirty="0" smtClean="0"/>
+              <a:rPr lang="en-US" dirty="0"/>
               <a:t>information gain</a:t>
             </a:r>
-            <a:endParaRPr lang="en-US" dirty="0"/>
           </a:p>
         </p:txBody>
       </p:sp>
@@ -6388,44 +6635,43 @@
           <a:lstStyle/>
           <a:p>
             <a:r>
-              <a:rPr lang="en-US" dirty="0" smtClean="0"/>
+              <a:rPr lang="en-US" dirty="0"/>
               <a:t>information gain is the reduction in uncertainty given a split</a:t>
             </a:r>
           </a:p>
           <a:p>
             <a:r>
-              <a:rPr lang="en-US" dirty="0" smtClean="0"/>
+              <a:rPr lang="en-US" dirty="0"/>
               <a:t>IG = starting entropy </a:t>
             </a:r>
             <a:r>
-              <a:rPr lang="mr-IN" dirty="0" smtClean="0"/>
+              <a:rPr lang="mr-IN" dirty="0"/>
               <a:t>–</a:t>
             </a:r>
             <a:r>
-              <a:rPr lang="en-US" dirty="0" smtClean="0"/>
+              <a:rPr lang="en-US" dirty="0"/>
               <a:t> entropy of the split</a:t>
             </a:r>
           </a:p>
           <a:p>
             <a:r>
-              <a:rPr lang="en-US" dirty="0" smtClean="0"/>
+              <a:rPr lang="en-US" dirty="0"/>
               <a:t>ex: entropy of data </a:t>
             </a:r>
             <a:r>
-              <a:rPr lang="mr-IN" dirty="0" smtClean="0"/>
+              <a:rPr lang="mr-IN" dirty="0"/>
               <a:t>–</a:t>
             </a:r>
             <a:r>
-              <a:rPr lang="en-US" dirty="0" smtClean="0"/>
+              <a:rPr lang="en-US" dirty="0"/>
               <a:t> entropy of wind</a:t>
             </a:r>
           </a:p>
           <a:p>
             <a:r>
-              <a:rPr lang="en-US" dirty="0" smtClean="0"/>
+              <a:rPr lang="en-US" dirty="0"/>
               <a:t>entropy of wind=weak is .811; of wind=strong is 1</a:t>
             </a:r>
-            <a:endParaRPr lang="en-US" dirty="0"/>
           </a:p>
         </p:txBody>
       </p:sp>
@@ -6453,8 +6699,8 @@
           </a:prstGeom>
         </p:spPr>
       </p:pic>
-      <mc:AlternateContent xmlns:mc="http://schemas.openxmlformats.org/markup-compatibility/2006">
-        <mc:Choice xmlns:p14="http://schemas.microsoft.com/office/powerpoint/2010/main" Requires="p14">
+      <mc:AlternateContent xmlns:mc="http://schemas.openxmlformats.org/markup-compatibility/2006" xmlns:p14="http://schemas.microsoft.com/office/powerpoint/2010/main">
+        <mc:Choice Requires="p14">
           <p:contentPart p14:bwMode="auto" r:id="rId3">
             <p14:nvContentPartPr>
               <p14:cNvPr id="5" name="Ink 4"/>
@@ -6467,7 +6713,7 @@
             </p14:xfrm>
           </p:contentPart>
         </mc:Choice>
-        <mc:Fallback>
+        <mc:Fallback xmlns="">
           <p:pic>
             <p:nvPicPr>
               <p:cNvPr id="5" name="Ink 4"/>
@@ -6492,6 +6738,57 @@
           </p:pic>
         </mc:Fallback>
       </mc:AlternateContent>
+      <mc:AlternateContent xmlns:mc="http://schemas.openxmlformats.org/markup-compatibility/2006">
+        <mc:Choice xmlns:p14="http://schemas.microsoft.com/office/powerpoint/2010/main" Requires="p14">
+          <p:contentPart p14:bwMode="auto" r:id="rId5">
+            <p14:nvContentPartPr>
+              <p14:cNvPr id="6" name="Ink 5">
+                <a:extLst>
+                  <a:ext uri="{FF2B5EF4-FFF2-40B4-BE49-F238E27FC236}">
+                    <a16:creationId xmlns:a16="http://schemas.microsoft.com/office/drawing/2014/main" id="{60FD421C-D887-4978-9F65-9FA7C59A6AE0}"/>
+                  </a:ext>
+                </a:extLst>
+              </p14:cNvPr>
+              <p14:cNvContentPartPr/>
+              <p14:nvPr/>
+            </p14:nvContentPartPr>
+            <p14:xfrm>
+              <a:off x="1517760" y="2349360"/>
+              <a:ext cx="6420240" cy="3340440"/>
+            </p14:xfrm>
+          </p:contentPart>
+        </mc:Choice>
+        <mc:Fallback>
+          <p:pic>
+            <p:nvPicPr>
+              <p:cNvPr id="6" name="Ink 5">
+                <a:extLst>
+                  <a:ext uri="{FF2B5EF4-FFF2-40B4-BE49-F238E27FC236}">
+                    <a16:creationId xmlns:a16="http://schemas.microsoft.com/office/drawing/2014/main" id="{60FD421C-D887-4978-9F65-9FA7C59A6AE0}"/>
+                  </a:ext>
+                </a:extLst>
+              </p:cNvPr>
+              <p:cNvPicPr/>
+              <p:nvPr/>
+            </p:nvPicPr>
+            <p:blipFill>
+              <a:blip r:embed="rId6"/>
+              <a:stretch>
+                <a:fillRect/>
+              </a:stretch>
+            </p:blipFill>
+            <p:spPr>
+              <a:xfrm>
+                <a:off x="1508400" y="2340000"/>
+                <a:ext cx="6438960" cy="3359160"/>
+              </a:xfrm>
+              <a:prstGeom prst="rect">
+                <a:avLst/>
+              </a:prstGeom>
+            </p:spPr>
+          </p:pic>
+        </mc:Fallback>
+      </mc:AlternateContent>
     </p:spTree>
     <p:extLst>
       <p:ext uri="{BB962C8B-B14F-4D97-AF65-F5344CB8AC3E}">
@@ -6502,13 +6799,6 @@
   <p:clrMapOvr>
     <a:masterClrMapping/>
   </p:clrMapOvr>
-  <p:timing>
-    <p:tnLst>
-      <p:par>
-        <p:cTn id="1" dur="indefinite" restart="never" nodeType="tmRoot"/>
-      </p:par>
-    </p:tnLst>
-  </p:timing>
 </p:sld>
 </file>
 
@@ -6545,60 +6835,58 @@
           <a:lstStyle/>
           <a:p>
             <a:r>
-              <a:rPr lang="en-US" dirty="0" smtClean="0"/>
+              <a:rPr lang="en-US" dirty="0"/>
               <a:t>try all splits</a:t>
             </a:r>
+          </a:p>
+        </p:txBody>
+      </p:sp>
+      <p:sp>
+        <p:nvSpPr>
+          <p:cNvPr id="3" name="Content Placeholder 2"/>
+          <p:cNvSpPr>
+            <a:spLocks noGrp="1"/>
+          </p:cNvSpPr>
+          <p:nvPr>
+            <p:ph sz="quarter" idx="13"/>
+          </p:nvPr>
+        </p:nvSpPr>
+        <p:spPr/>
+        <p:txBody>
+          <a:bodyPr/>
+          <a:lstStyle/>
+          <a:p>
+            <a:r>
+              <a:rPr lang="en-US" dirty="0"/>
+              <a:t>IG of wind = 0.048</a:t>
+            </a:r>
+          </a:p>
+          <a:p>
+            <a:r>
+              <a:rPr lang="en-US" dirty="0"/>
+              <a:t>IG of outlook = 0.246</a:t>
+            </a:r>
+          </a:p>
+          <a:p>
+            <a:r>
+              <a:rPr lang="en-US" dirty="0"/>
+              <a:t>IG of humidity = 0.151</a:t>
+            </a:r>
+          </a:p>
+          <a:p>
+            <a:r>
+              <a:rPr lang="en-US" dirty="0"/>
+              <a:t>IG of temperature = 0.029</a:t>
+            </a:r>
+          </a:p>
+          <a:p>
             <a:endParaRPr lang="en-US" dirty="0"/>
           </a:p>
-        </p:txBody>
-      </p:sp>
-      <p:sp>
-        <p:nvSpPr>
-          <p:cNvPr id="3" name="Content Placeholder 2"/>
-          <p:cNvSpPr>
-            <a:spLocks noGrp="1"/>
-          </p:cNvSpPr>
-          <p:nvPr>
-            <p:ph sz="quarter" idx="13"/>
-          </p:nvPr>
-        </p:nvSpPr>
-        <p:spPr/>
-        <p:txBody>
-          <a:bodyPr/>
-          <a:lstStyle/>
-          <a:p>
-            <a:r>
-              <a:rPr lang="en-US" dirty="0" smtClean="0"/>
-              <a:t>IG of wind = 0.048</a:t>
-            </a:r>
-          </a:p>
-          <a:p>
-            <a:r>
-              <a:rPr lang="en-US" dirty="0" smtClean="0"/>
-              <a:t>IG of outlook = 0.246</a:t>
-            </a:r>
-          </a:p>
-          <a:p>
-            <a:r>
-              <a:rPr lang="en-US" dirty="0" smtClean="0"/>
-              <a:t>IG of humidity = 0.151</a:t>
-            </a:r>
-          </a:p>
-          <a:p>
-            <a:r>
-              <a:rPr lang="en-US" dirty="0" smtClean="0"/>
-              <a:t>IG of temperature = 0.029</a:t>
-            </a:r>
-          </a:p>
-          <a:p>
-            <a:endParaRPr lang="en-US" dirty="0"/>
-          </a:p>
-          <a:p>
-            <a:r>
-              <a:rPr lang="en-US" dirty="0" smtClean="0"/>
+          <a:p>
+            <a:r>
+              <a:rPr lang="en-US" dirty="0"/>
               <a:t>outlook has the highest IG so we would split on outlook</a:t>
             </a:r>
-            <a:endParaRPr lang="en-US" dirty="0"/>
           </a:p>
         </p:txBody>
       </p:sp>
@@ -6612,13 +6900,6 @@
   <p:clrMapOvr>
     <a:masterClrMapping/>
   </p:clrMapOvr>
-  <p:timing>
-    <p:tnLst>
-      <p:par>
-        <p:cTn id="1" dur="indefinite" restart="never" nodeType="tmRoot"/>
-      </p:par>
-    </p:tnLst>
-  </p:timing>
 </p:sld>
 </file>
 
@@ -6730,13 +7011,6 @@
   <p:clrMapOvr>
     <a:masterClrMapping/>
   </p:clrMapOvr>
-  <p:timing>
-    <p:tnLst>
-      <p:par>
-        <p:cTn id="1" dur="indefinite" restart="never" nodeType="tmRoot"/>
-      </p:par>
-    </p:tnLst>
-  </p:timing>
 </p:sld>
 </file>
 
@@ -6773,10 +7047,9 @@
           <a:lstStyle/>
           <a:p>
             <a:r>
-              <a:rPr lang="en-US" dirty="0" smtClean="0"/>
+              <a:rPr lang="en-US" dirty="0"/>
               <a:t>Decision Trees</a:t>
             </a:r>
-            <a:endParaRPr lang="en-US" dirty="0"/>
           </a:p>
         </p:txBody>
       </p:sp>
@@ -6801,19 +7074,19 @@
           <a:lstStyle/>
           <a:p>
             <a:r>
-              <a:rPr lang="en-US" dirty="0" smtClean="0"/>
+              <a:rPr lang="en-US" dirty="0"/>
               <a:t>can be used for classification or regression</a:t>
             </a:r>
           </a:p>
           <a:p>
             <a:r>
-              <a:rPr lang="en-US" dirty="0" smtClean="0"/>
+              <a:rPr lang="en-US" dirty="0"/>
               <a:t>not as accurate as other algorithms</a:t>
             </a:r>
           </a:p>
           <a:p>
             <a:r>
-              <a:rPr lang="en-US" dirty="0" smtClean="0"/>
+              <a:rPr lang="en-US" dirty="0"/>
               <a:t>but highly interpretable</a:t>
             </a:r>
           </a:p>
@@ -6822,10 +7095,9 @@
           </a:p>
           <a:p>
             <a:r>
-              <a:rPr lang="en-US" dirty="0" smtClean="0"/>
+              <a:rPr lang="en-US" dirty="0"/>
               <a:t>tend towards high variance, low bias</a:t>
             </a:r>
-            <a:endParaRPr lang="en-US" dirty="0"/>
           </a:p>
         </p:txBody>
       </p:sp>
@@ -6937,8 +7209,8 @@
           </a:p>
         </p:txBody>
       </p:sp>
-      <mc:AlternateContent xmlns:mc="http://schemas.openxmlformats.org/markup-compatibility/2006">
-        <mc:Choice xmlns:p14="http://schemas.microsoft.com/office/powerpoint/2010/main" Requires="p14">
+      <mc:AlternateContent xmlns:mc="http://schemas.openxmlformats.org/markup-compatibility/2006" xmlns:p14="http://schemas.microsoft.com/office/powerpoint/2010/main">
+        <mc:Choice Requires="p14">
           <p:contentPart p14:bwMode="auto" r:id="rId2">
             <p14:nvContentPartPr>
               <p14:cNvPr id="4" name="Ink 3"/>
@@ -6951,7 +7223,7 @@
             </p14:xfrm>
           </p:contentPart>
         </mc:Choice>
-        <mc:Fallback>
+        <mc:Fallback xmlns="">
           <p:pic>
             <p:nvPicPr>
               <p:cNvPr id="4" name="Ink 3"/>
@@ -6986,13 +7258,6 @@
   <p:clrMapOvr>
     <a:masterClrMapping/>
   </p:clrMapOvr>
-  <p:timing>
-    <p:tnLst>
-      <p:par>
-        <p:cTn id="1" dur="indefinite" restart="never" nodeType="tmRoot"/>
-      </p:par>
-    </p:tnLst>
-  </p:timing>
 </p:sld>
 </file>
 
@@ -7102,13 +7367,6 @@
   <p:clrMapOvr>
     <a:masterClrMapping/>
   </p:clrMapOvr>
-  <p:timing>
-    <p:tnLst>
-      <p:par>
-        <p:cTn id="1" dur="indefinite" restart="never" nodeType="tmRoot"/>
-      </p:par>
-    </p:tnLst>
-  </p:timing>
 </p:sld>
 </file>
 
@@ -7245,15 +7503,7 @@
             </a:pPr>
             <a:r>
               <a:rPr lang="en-US" dirty="0"/>
-              <a:t>IG = 1 </a:t>
-            </a:r>
-            <a:r>
-              <a:rPr lang="en-US" dirty="0" smtClean="0"/>
-              <a:t>- </a:t>
-            </a:r>
-            <a:r>
-              <a:rPr lang="en-US" dirty="0"/>
-              <a:t>0.86 = .14</a:t>
+              <a:t>IG = 1 - 0.86 = .14</a:t>
             </a:r>
           </a:p>
           <a:p>
@@ -7305,8 +7555,8 @@
           </a:p>
         </p:txBody>
       </p:sp>
-      <mc:AlternateContent xmlns:mc="http://schemas.openxmlformats.org/markup-compatibility/2006">
-        <mc:Choice xmlns:p14="http://schemas.microsoft.com/office/powerpoint/2010/main" Requires="p14">
+      <mc:AlternateContent xmlns:mc="http://schemas.openxmlformats.org/markup-compatibility/2006" xmlns:p14="http://schemas.microsoft.com/office/powerpoint/2010/main">
+        <mc:Choice Requires="p14">
           <p:contentPart p14:bwMode="auto" r:id="rId2">
             <p14:nvContentPartPr>
               <p14:cNvPr id="4" name="Ink 3"/>
@@ -7319,7 +7569,7 @@
             </p14:xfrm>
           </p:contentPart>
         </mc:Choice>
-        <mc:Fallback>
+        <mc:Fallback xmlns="">
           <p:pic>
             <p:nvPicPr>
               <p:cNvPr id="4" name="Ink 3"/>
@@ -7354,13 +7604,6 @@
   <p:clrMapOvr>
     <a:masterClrMapping/>
   </p:clrMapOvr>
-  <p:timing>
-    <p:tnLst>
-      <p:par>
-        <p:cTn id="1" dur="indefinite" restart="never" nodeType="tmRoot"/>
-      </p:par>
-    </p:tnLst>
-  </p:timing>
 </p:sld>
 </file>
 
@@ -7553,13 +7796,6 @@
   <p:clrMapOvr>
     <a:masterClrMapping/>
   </p:clrMapOvr>
-  <p:timing>
-    <p:tnLst>
-      <p:par>
-        <p:cTn id="1" dur="indefinite" restart="never" nodeType="tmRoot"/>
-      </p:par>
-    </p:tnLst>
-  </p:timing>
 </p:sld>
 </file>
 
@@ -7642,13 +7878,6 @@
   <p:clrMapOvr>
     <a:masterClrMapping/>
   </p:clrMapOvr>
-  <p:timing>
-    <p:tnLst>
-      <p:par>
-        <p:cTn id="1" dur="indefinite" restart="never" nodeType="tmRoot"/>
-      </p:par>
-    </p:tnLst>
-  </p:timing>
 </p:sld>
 </file>
 
@@ -7685,14 +7914,13 @@
           <a:lstStyle/>
           <a:p>
             <a:r>
-              <a:rPr lang="en-US" dirty="0" err="1" smtClean="0"/>
+              <a:rPr lang="en-US" dirty="0" err="1"/>
               <a:t>Gini</a:t>
             </a:r>
             <a:r>
-              <a:rPr lang="en-US" dirty="0" smtClean="0"/>
+              <a:rPr lang="en-US" dirty="0"/>
               <a:t> index</a:t>
             </a:r>
-            <a:endParaRPr lang="en-US" dirty="0"/>
           </a:p>
         </p:txBody>
       </p:sp>
@@ -7712,24 +7940,23 @@
           <a:lstStyle/>
           <a:p>
             <a:r>
-              <a:rPr lang="en-US" dirty="0" smtClean="0"/>
+              <a:rPr lang="en-US" dirty="0"/>
               <a:t>comparable to IG but we want a min </a:t>
             </a:r>
             <a:r>
-              <a:rPr lang="en-US" dirty="0" err="1" smtClean="0"/>
+              <a:rPr lang="en-US" dirty="0" err="1"/>
               <a:t>Gini</a:t>
             </a:r>
             <a:r>
-              <a:rPr lang="en-US" dirty="0" smtClean="0"/>
+              <a:rPr lang="en-US" dirty="0"/>
               <a:t> and  a max IG</a:t>
             </a:r>
           </a:p>
           <a:p>
             <a:r>
-              <a:rPr lang="en-US" dirty="0" smtClean="0"/>
+              <a:rPr lang="en-US" dirty="0"/>
               <a:t>many variations of the formula</a:t>
             </a:r>
-            <a:endParaRPr lang="en-US" dirty="0"/>
           </a:p>
         </p:txBody>
       </p:sp>
@@ -7757,8 +7984,8 @@
           </a:prstGeom>
         </p:spPr>
       </p:pic>
-      <mc:AlternateContent xmlns:mc="http://schemas.openxmlformats.org/markup-compatibility/2006">
-        <mc:Choice xmlns:p14="http://schemas.microsoft.com/office/powerpoint/2010/main" Requires="p14">
+      <mc:AlternateContent xmlns:mc="http://schemas.openxmlformats.org/markup-compatibility/2006" xmlns:p14="http://schemas.microsoft.com/office/powerpoint/2010/main">
+        <mc:Choice Requires="p14">
           <p:contentPart p14:bwMode="auto" r:id="rId3">
             <p14:nvContentPartPr>
               <p14:cNvPr id="5" name="Ink 4"/>
@@ -7771,7 +7998,7 @@
             </p14:xfrm>
           </p:contentPart>
         </mc:Choice>
-        <mc:Fallback>
+        <mc:Fallback xmlns="">
           <p:pic>
             <p:nvPicPr>
               <p:cNvPr id="5" name="Ink 4"/>
@@ -7806,13 +8033,6 @@
   <p:clrMapOvr>
     <a:masterClrMapping/>
   </p:clrMapOvr>
-  <p:timing>
-    <p:tnLst>
-      <p:par>
-        <p:cTn id="1" dur="indefinite" restart="never" nodeType="tmRoot"/>
-      </p:par>
-    </p:tnLst>
-  </p:timing>
 </p:sld>
 </file>
 
@@ -7849,14 +8069,13 @@
           <a:lstStyle/>
           <a:p>
             <a:r>
-              <a:rPr lang="en-US" dirty="0" err="1" smtClean="0"/>
+              <a:rPr lang="en-US" dirty="0" err="1"/>
               <a:t>Gini</a:t>
             </a:r>
             <a:r>
-              <a:rPr lang="en-US" dirty="0" smtClean="0"/>
+              <a:rPr lang="en-US" dirty="0"/>
               <a:t> on cricket data</a:t>
             </a:r>
-            <a:endParaRPr lang="en-US" dirty="0"/>
           </a:p>
         </p:txBody>
       </p:sp>
@@ -7894,13 +8113,6 @@
   <p:clrMapOvr>
     <a:masterClrMapping/>
   </p:clrMapOvr>
-  <p:timing>
-    <p:tnLst>
-      <p:par>
-        <p:cTn id="1" dur="indefinite" restart="never" nodeType="tmRoot"/>
-      </p:par>
-    </p:tnLst>
-  </p:timing>
 </p:sld>
 </file>
 
@@ -7984,26 +8196,17 @@
               <a:buNone/>
             </a:pPr>
             <a:r>
-              <a:rPr lang="en-US" dirty="0" smtClean="0"/>
+              <a:rPr lang="en-US" dirty="0"/>
               <a:t>1 </a:t>
             </a:r>
             <a:r>
-              <a:rPr lang="mr-IN" dirty="0" smtClean="0"/>
+              <a:rPr lang="mr-IN" dirty="0"/>
               <a:t>–</a:t>
             </a:r>
             <a:r>
-              <a:rPr lang="en-US" dirty="0" smtClean="0"/>
-              <a:t> [(</a:t>
-            </a:r>
-            <a:r>
-              <a:rPr lang="en-US" dirty="0"/>
-              <a:t>0.2)*(0.2)+(0.8)*(0.8</a:t>
-            </a:r>
-            <a:r>
-              <a:rPr lang="en-US" dirty="0" smtClean="0"/>
-              <a:t>)]= 1 - 0.68 = 0.32</a:t>
-            </a:r>
-            <a:endParaRPr lang="en-US" dirty="0"/>
+              <a:rPr lang="en-US" dirty="0"/>
+              <a:t> [(0.2)*(0.2)+(0.8)*(0.8)]= 1 - 0.68 = 0.32</a:t>
+            </a:r>
           </a:p>
           <a:p>
             <a:r>
@@ -8028,24 +8231,16 @@
               <a:buNone/>
             </a:pPr>
             <a:r>
-              <a:rPr lang="en-US" dirty="0" smtClean="0"/>
+              <a:rPr lang="en-US" dirty="0"/>
               <a:t>1 </a:t>
             </a:r>
             <a:r>
-              <a:rPr lang="mr-IN" dirty="0" smtClean="0"/>
+              <a:rPr lang="mr-IN" dirty="0"/>
               <a:t>–</a:t>
             </a:r>
             <a:r>
-              <a:rPr lang="en-US" dirty="0" smtClean="0"/>
-              <a:t> [(</a:t>
-            </a:r>
-            <a:r>
-              <a:rPr lang="en-US" dirty="0"/>
-              <a:t>0.65)*(0.65)+(0.35)*(0.35</a:t>
-            </a:r>
-            <a:r>
-              <a:rPr lang="en-US" dirty="0" smtClean="0"/>
-              <a:t>)] = 1 - 0.55 = 0.45</a:t>
+              <a:rPr lang="en-US" dirty="0"/>
+              <a:t> [(0.65)*(0.65)+(0.35)*(0.35)] = 1 - 0.55 = 0.45</a:t>
             </a:r>
           </a:p>
           <a:p>
@@ -8074,29 +8269,8 @@
             </a:pPr>
             <a:r>
               <a:rPr lang="en-US" dirty="0"/>
-              <a:t>(10/30)*</a:t>
-            </a:r>
-            <a:r>
-              <a:rPr lang="en-US" dirty="0" smtClean="0"/>
-              <a:t>0.32 + (</a:t>
-            </a:r>
-            <a:r>
-              <a:rPr lang="en-US" dirty="0"/>
-              <a:t>20/30)*</a:t>
-            </a:r>
-            <a:r>
-              <a:rPr lang="en-US" dirty="0" smtClean="0"/>
-              <a:t>0.45 </a:t>
-            </a:r>
-            <a:r>
-              <a:rPr lang="en-US" dirty="0"/>
-              <a:t>= </a:t>
-            </a:r>
-            <a:r>
-              <a:rPr lang="en-US" dirty="0" smtClean="0"/>
-              <a:t>0.407</a:t>
-            </a:r>
-            <a:endParaRPr lang="en-US" dirty="0"/>
+              <a:t>(10/30)*0.32 + (20/30)*0.45 = 0.407</a:t>
+            </a:r>
           </a:p>
         </p:txBody>
       </p:sp>
@@ -8139,13 +8313,6 @@
   <p:clrMapOvr>
     <a:masterClrMapping/>
   </p:clrMapOvr>
-  <p:timing>
-    <p:tnLst>
-      <p:par>
-        <p:cTn id="1" dur="indefinite" restart="never" nodeType="tmRoot"/>
-      </p:par>
-    </p:tnLst>
-  </p:timing>
 </p:sld>
 </file>
 
@@ -8229,26 +8396,17 @@
               <a:buNone/>
             </a:pPr>
             <a:r>
-              <a:rPr lang="en-US" dirty="0" smtClean="0"/>
+              <a:rPr lang="en-US" dirty="0"/>
               <a:t>1 </a:t>
             </a:r>
             <a:r>
-              <a:rPr lang="mr-IN" dirty="0" smtClean="0"/>
+              <a:rPr lang="mr-IN" dirty="0"/>
               <a:t>–</a:t>
             </a:r>
             <a:r>
-              <a:rPr lang="en-US" dirty="0" smtClean="0"/>
-              <a:t> [(</a:t>
-            </a:r>
-            <a:r>
-              <a:rPr lang="en-US" dirty="0"/>
-              <a:t>0.43)*(0.43)+(0.57)*(0.57</a:t>
-            </a:r>
-            <a:r>
-              <a:rPr lang="en-US" dirty="0" smtClean="0"/>
-              <a:t>)] = 1 - 0.51 = 0.49</a:t>
-            </a:r>
-            <a:endParaRPr lang="en-US" dirty="0"/>
+              <a:rPr lang="en-US" dirty="0"/>
+              <a:t> [(0.43)*(0.43)+(0.57)*(0.57)] = 1 - 0.51 = 0.49</a:t>
+            </a:r>
           </a:p>
           <a:p>
             <a:r>
@@ -8273,24 +8431,16 @@
               <a:buNone/>
             </a:pPr>
             <a:r>
-              <a:rPr lang="en-US" dirty="0" smtClean="0"/>
+              <a:rPr lang="en-US" dirty="0"/>
               <a:t>1 </a:t>
             </a:r>
             <a:r>
-              <a:rPr lang="mr-IN" dirty="0" smtClean="0"/>
+              <a:rPr lang="mr-IN" dirty="0"/>
               <a:t>–</a:t>
             </a:r>
             <a:r>
-              <a:rPr lang="en-US" dirty="0" smtClean="0"/>
-              <a:t> [(</a:t>
-            </a:r>
-            <a:r>
-              <a:rPr lang="en-US" dirty="0"/>
-              <a:t>0.56)*(0.56)+(0.44)*(0.44</a:t>
-            </a:r>
-            <a:r>
-              <a:rPr lang="en-US" dirty="0" smtClean="0"/>
-              <a:t>)] = 1 - 0.51 = 0.49</a:t>
+              <a:rPr lang="en-US" dirty="0"/>
+              <a:t> [(0.56)*(0.56)+(0.44)*(0.44)] = 1 - 0.51 = 0.49</a:t>
             </a:r>
           </a:p>
           <a:p>
@@ -8319,29 +8469,8 @@
             </a:pPr>
             <a:r>
               <a:rPr lang="en-US" dirty="0"/>
-              <a:t>(14/30)*</a:t>
-            </a:r>
-            <a:r>
-              <a:rPr lang="en-US" dirty="0" smtClean="0"/>
-              <a:t>0.49+</a:t>
-            </a:r>
-            <a:r>
-              <a:rPr lang="en-US" dirty="0"/>
-              <a:t>(16/30)*</a:t>
-            </a:r>
-            <a:r>
-              <a:rPr lang="en-US" dirty="0" smtClean="0"/>
-              <a:t>0.49 </a:t>
-            </a:r>
-            <a:r>
-              <a:rPr lang="en-US" dirty="0"/>
-              <a:t>= </a:t>
-            </a:r>
-            <a:r>
-              <a:rPr lang="en-US" dirty="0" smtClean="0"/>
-              <a:t>0.49</a:t>
-            </a:r>
-            <a:endParaRPr lang="en-US" dirty="0"/>
+              <a:t>(14/30)*0.49+(16/30)*0.49 = 0.49</a:t>
+            </a:r>
           </a:p>
         </p:txBody>
       </p:sp>
@@ -8384,13 +8513,6 @@
   <p:clrMapOvr>
     <a:masterClrMapping/>
   </p:clrMapOvr>
-  <p:timing>
-    <p:tnLst>
-      <p:par>
-        <p:cTn id="1" dur="indefinite" restart="never" nodeType="tmRoot"/>
-      </p:par>
-    </p:tnLst>
-  </p:timing>
 </p:sld>
 </file>
 
@@ -8462,15 +8584,7 @@
             </a:r>
             <a:r>
               <a:rPr lang="en-US" dirty="0"/>
-              <a:t> score for split on Gender is </a:t>
-            </a:r>
-            <a:r>
-              <a:rPr lang="en-US" dirty="0" smtClean="0"/>
-              <a:t>lower than </a:t>
-            </a:r>
-            <a:r>
-              <a:rPr lang="en-US" dirty="0"/>
-              <a:t>Split on class, so the split will take place on Gender</a:t>
+              <a:t> score for split on Gender is lower than Split on class, so the split will take place on Gender</a:t>
             </a:r>
           </a:p>
         </p:txBody>
@@ -8485,13 +8599,6 @@
   <p:clrMapOvr>
     <a:masterClrMapping/>
   </p:clrMapOvr>
-  <p:timing>
-    <p:tnLst>
-      <p:par>
-        <p:cTn id="1" dur="indefinite" restart="never" nodeType="tmRoot"/>
-      </p:par>
-    </p:tnLst>
-  </p:timing>
 </p:sld>
 </file>
 
@@ -8655,69 +8762,67 @@
           <a:lstStyle/>
           <a:p>
             <a:r>
-              <a:rPr lang="en-US" dirty="0" smtClean="0"/>
+              <a:rPr lang="en-US" dirty="0"/>
               <a:t>tree pruning</a:t>
             </a:r>
+          </a:p>
+        </p:txBody>
+      </p:sp>
+      <p:sp>
+        <p:nvSpPr>
+          <p:cNvPr id="3" name="Content Placeholder 2"/>
+          <p:cNvSpPr>
+            <a:spLocks noGrp="1"/>
+          </p:cNvSpPr>
+          <p:nvPr>
+            <p:ph sz="quarter" idx="13"/>
+          </p:nvPr>
+        </p:nvSpPr>
+        <p:spPr/>
+        <p:txBody>
+          <a:bodyPr/>
+          <a:lstStyle/>
+          <a:p>
+            <a:r>
+              <a:rPr lang="en-US" dirty="0"/>
+              <a:t>decision trees are sensitive to variations in the data</a:t>
+            </a:r>
+          </a:p>
+          <a:p>
+            <a:r>
+              <a:rPr lang="en-US" dirty="0"/>
+              <a:t>if we grow the tree out fully it is likely to </a:t>
+            </a:r>
+            <a:r>
+              <a:rPr lang="en-US" dirty="0" err="1"/>
+              <a:t>overfit</a:t>
+            </a:r>
             <a:endParaRPr lang="en-US" dirty="0"/>
           </a:p>
-        </p:txBody>
-      </p:sp>
-      <p:sp>
-        <p:nvSpPr>
-          <p:cNvPr id="3" name="Content Placeholder 2"/>
-          <p:cNvSpPr>
-            <a:spLocks noGrp="1"/>
-          </p:cNvSpPr>
-          <p:nvPr>
-            <p:ph sz="quarter" idx="13"/>
-          </p:nvPr>
-        </p:nvSpPr>
-        <p:spPr/>
-        <p:txBody>
-          <a:bodyPr/>
-          <a:lstStyle/>
-          <a:p>
-            <a:r>
-              <a:rPr lang="en-US" dirty="0" smtClean="0"/>
-              <a:t>decision trees are sensitive to variations in the data</a:t>
-            </a:r>
-          </a:p>
-          <a:p>
-            <a:r>
-              <a:rPr lang="en-US" dirty="0" smtClean="0"/>
-              <a:t>if we grow the tree out fully it is likely to </a:t>
-            </a:r>
-            <a:r>
-              <a:rPr lang="en-US" dirty="0" err="1" smtClean="0"/>
-              <a:t>overfit</a:t>
-            </a:r>
-            <a:endParaRPr lang="en-US" dirty="0" smtClean="0"/>
-          </a:p>
-          <a:p>
-            <a:r>
-              <a:rPr lang="en-US" dirty="0" smtClean="0"/>
+          <a:p>
+            <a:r>
+              <a:rPr lang="en-US" dirty="0"/>
               <a:t>for this reason, trees are often pruned back</a:t>
             </a:r>
           </a:p>
           <a:p>
             <a:r>
-              <a:rPr lang="en-US" dirty="0" smtClean="0"/>
+              <a:rPr lang="en-US" dirty="0"/>
               <a:t>optimal </a:t>
             </a:r>
             <a:r>
-              <a:rPr lang="en-US" dirty="0" err="1" smtClean="0"/>
+              <a:rPr lang="en-US" dirty="0" err="1"/>
               <a:t>subtree</a:t>
             </a:r>
             <a:r>
-              <a:rPr lang="en-US" dirty="0" smtClean="0"/>
+              <a:rPr lang="en-US" dirty="0"/>
               <a:t> can be found by cross validation</a:t>
             </a:r>
-            <a:endParaRPr lang="en-US" dirty="0"/>
-          </a:p>
-        </p:txBody>
-      </p:sp>
-      <mc:AlternateContent xmlns:mc="http://schemas.openxmlformats.org/markup-compatibility/2006">
-        <mc:Choice xmlns:p14="http://schemas.microsoft.com/office/powerpoint/2010/main" Requires="p14">
+          </a:p>
+        </p:txBody>
+      </p:sp>
+      <mc:AlternateContent xmlns:mc="http://schemas.openxmlformats.org/markup-compatibility/2006" xmlns:p14="http://schemas.microsoft.com/office/powerpoint/2010/main">
+        <mc:Choice Requires="p14">
           <p:contentPart p14:bwMode="auto" r:id="rId2">
             <p14:nvContentPartPr>
               <p14:cNvPr id="4" name="Ink 3"/>
@@ -8730,7 +8835,7 @@
             </p14:xfrm>
           </p:contentPart>
         </mc:Choice>
-        <mc:Fallback>
+        <mc:Fallback xmlns="">
           <p:pic>
             <p:nvPicPr>
               <p:cNvPr id="4" name="Ink 3"/>
@@ -8765,13 +8870,6 @@
   <p:clrMapOvr>
     <a:masterClrMapping/>
   </p:clrMapOvr>
-  <p:timing>
-    <p:tnLst>
-      <p:par>
-        <p:cTn id="1" dur="indefinite" restart="never" nodeType="tmRoot"/>
-      </p:par>
-    </p:tnLst>
-  </p:timing>
 </p:sld>
 </file>
 
@@ -8864,8 +8962,8 @@
           </a:prstGeom>
         </p:spPr>
       </p:pic>
-      <mc:AlternateContent xmlns:mc="http://schemas.openxmlformats.org/markup-compatibility/2006">
-        <mc:Choice xmlns:p14="http://schemas.microsoft.com/office/powerpoint/2010/main" Requires="p14">
+      <mc:AlternateContent xmlns:mc="http://schemas.openxmlformats.org/markup-compatibility/2006" xmlns:p14="http://schemas.microsoft.com/office/powerpoint/2010/main">
+        <mc:Choice Requires="p14">
           <p:contentPart p14:bwMode="auto" r:id="rId5">
             <p14:nvContentPartPr>
               <p14:cNvPr id="2" name="Ink 1"/>
@@ -8878,7 +8976,7 @@
             </p14:xfrm>
           </p:contentPart>
         </mc:Choice>
-        <mc:Fallback>
+        <mc:Fallback xmlns="">
           <p:pic>
             <p:nvPicPr>
               <p:cNvPr id="2" name="Ink 1"/>
@@ -8913,13 +9011,6 @@
   <p:clrMapOvr>
     <a:masterClrMapping/>
   </p:clrMapOvr>
-  <p:timing>
-    <p:tnLst>
-      <p:par>
-        <p:cTn id="1" dur="indefinite" restart="never" nodeType="tmRoot"/>
-      </p:par>
-    </p:tnLst>
-  </p:timing>
 </p:sld>
 </file>
 
@@ -8956,10 +9047,9 @@
           <a:lstStyle/>
           <a:p>
             <a:r>
-              <a:rPr lang="en-US" dirty="0" smtClean="0"/>
+              <a:rPr lang="en-US" dirty="0"/>
               <a:t>advanced trees</a:t>
             </a:r>
-            <a:endParaRPr lang="en-US" dirty="0"/>
           </a:p>
         </p:txBody>
       </p:sp>
@@ -8986,43 +9076,43 @@
           <a:lstStyle/>
           <a:p>
             <a:r>
-              <a:rPr lang="en-US" dirty="0" smtClean="0"/>
+              <a:rPr lang="en-US" dirty="0"/>
               <a:t>random forests </a:t>
             </a:r>
             <a:r>
-              <a:rPr lang="mr-IN" dirty="0" smtClean="0"/>
+              <a:rPr lang="mr-IN" dirty="0"/>
               <a:t>–</a:t>
             </a:r>
             <a:r>
-              <a:rPr lang="en-US" dirty="0" smtClean="0"/>
+              <a:rPr lang="en-US" dirty="0"/>
               <a:t> at each split, a random subset of predictors is selected to choose from</a:t>
             </a:r>
           </a:p>
           <a:p>
             <a:pPr lvl="1"/>
             <a:r>
-              <a:rPr lang="en-US" dirty="0" smtClean="0"/>
+              <a:rPr lang="en-US" dirty="0"/>
               <a:t>compensates for the greedy approach by letting other trees be created instead of always choosing strongest predictor first</a:t>
             </a:r>
           </a:p>
           <a:p>
             <a:r>
-              <a:rPr lang="en-US" dirty="0" smtClean="0"/>
+              <a:rPr lang="en-US" dirty="0"/>
               <a:t>bagging </a:t>
             </a:r>
             <a:r>
-              <a:rPr lang="mr-IN" dirty="0" smtClean="0"/>
+              <a:rPr lang="mr-IN" dirty="0"/>
               <a:t>–</a:t>
             </a:r>
             <a:r>
-              <a:rPr lang="en-US" dirty="0" smtClean="0"/>
+              <a:rPr lang="en-US" dirty="0"/>
               <a:t> bootstrap aggregation</a:t>
             </a:r>
           </a:p>
           <a:p>
             <a:pPr lvl="1"/>
             <a:r>
-              <a:rPr lang="en-US" dirty="0" smtClean="0"/>
+              <a:rPr lang="en-US" dirty="0"/>
               <a:t>repeatedly sample the data to overcome variance</a:t>
             </a:r>
           </a:p>
@@ -9032,35 +9122,34 @@
           </a:p>
           <a:p>
             <a:r>
-              <a:rPr lang="en-US" dirty="0" smtClean="0"/>
+              <a:rPr lang="en-US" dirty="0"/>
               <a:t>both techniques use the </a:t>
             </a:r>
             <a:r>
-              <a:rPr lang="en-US" dirty="0" err="1" smtClean="0"/>
+              <a:rPr lang="en-US" dirty="0" err="1"/>
               <a:t>randomForest</a:t>
             </a:r>
             <a:r>
-              <a:rPr lang="en-US" dirty="0" smtClean="0"/>
+              <a:rPr lang="en-US" dirty="0"/>
               <a:t> package</a:t>
             </a:r>
           </a:p>
           <a:p>
             <a:r>
-              <a:rPr lang="en-US" dirty="0" smtClean="0"/>
+              <a:rPr lang="en-US" dirty="0"/>
               <a:t>both generate hundreds of trees </a:t>
             </a:r>
           </a:p>
           <a:p>
             <a:r>
-              <a:rPr lang="en-US" dirty="0" smtClean="0"/>
+              <a:rPr lang="en-US" dirty="0"/>
               <a:t>importance=TRUE selects bagging</a:t>
             </a:r>
-            <a:endParaRPr lang="en-US" dirty="0"/>
-          </a:p>
-        </p:txBody>
-      </p:sp>
-      <mc:AlternateContent xmlns:mc="http://schemas.openxmlformats.org/markup-compatibility/2006">
-        <mc:Choice xmlns:p14="http://schemas.microsoft.com/office/powerpoint/2010/main" Requires="p14">
+          </a:p>
+        </p:txBody>
+      </p:sp>
+      <mc:AlternateContent xmlns:mc="http://schemas.openxmlformats.org/markup-compatibility/2006" xmlns:p14="http://schemas.microsoft.com/office/powerpoint/2010/main">
+        <mc:Choice Requires="p14">
           <p:contentPart p14:bwMode="auto" r:id="rId2">
             <p14:nvContentPartPr>
               <p14:cNvPr id="4" name="Ink 3"/>
@@ -9073,7 +9162,7 @@
             </p14:xfrm>
           </p:contentPart>
         </mc:Choice>
-        <mc:Fallback>
+        <mc:Fallback xmlns="">
           <p:pic>
             <p:nvPicPr>
               <p:cNvPr id="4" name="Ink 3"/>
@@ -9108,13 +9197,6 @@
   <p:clrMapOvr>
     <a:masterClrMapping/>
   </p:clrMapOvr>
-  <p:timing>
-    <p:tnLst>
-      <p:par>
-        <p:cTn id="1" dur="indefinite" restart="never" nodeType="tmRoot"/>
-      </p:par>
-    </p:tnLst>
-  </p:timing>
 </p:sld>
 </file>
 
@@ -9151,10 +9233,9 @@
           <a:lstStyle/>
           <a:p>
             <a:r>
-              <a:rPr lang="en-US" dirty="0" smtClean="0"/>
+              <a:rPr lang="en-US" dirty="0"/>
               <a:t>bagging</a:t>
             </a:r>
-            <a:endParaRPr lang="en-US" dirty="0"/>
           </a:p>
         </p:txBody>
       </p:sp>
@@ -9192,13 +9273,6 @@
   <p:clrMapOvr>
     <a:masterClrMapping/>
   </p:clrMapOvr>
-  <p:timing>
-    <p:tnLst>
-      <p:par>
-        <p:cTn id="1" dur="indefinite" restart="never" nodeType="tmRoot"/>
-      </p:par>
-    </p:tnLst>
-  </p:timing>
 </p:sld>
 </file>
 
@@ -9235,10 +9309,9 @@
           <a:lstStyle/>
           <a:p>
             <a:r>
-              <a:rPr lang="en-US" dirty="0" smtClean="0"/>
+              <a:rPr lang="en-US" dirty="0"/>
               <a:t>summary</a:t>
             </a:r>
-            <a:endParaRPr lang="en-US" dirty="0"/>
           </a:p>
         </p:txBody>
       </p:sp>
@@ -9260,44 +9333,40 @@
           <a:lstStyle/>
           <a:p>
             <a:r>
-              <a:rPr lang="en-US" dirty="0" smtClean="0"/>
+              <a:rPr lang="en-US" dirty="0"/>
               <a:t>linear regression or logistic regression will often outperform decision trees</a:t>
             </a:r>
           </a:p>
           <a:p>
             <a:r>
-              <a:rPr lang="en-US" dirty="0" smtClean="0"/>
+              <a:rPr lang="en-US" dirty="0"/>
               <a:t>if the underlying relationship between the target and predictors is complex and not linear, decision trees may perform better</a:t>
             </a:r>
           </a:p>
           <a:p>
             <a:r>
-              <a:rPr lang="en-US" dirty="0" smtClean="0"/>
+              <a:rPr lang="en-US" dirty="0"/>
               <a:t>random forest or bagging gives very good performance but is less interpretable than </a:t>
             </a:r>
             <a:r>
-              <a:rPr lang="en-US" smtClean="0"/>
+              <a:rPr lang="en-US"/>
               <a:t>a single DT</a:t>
             </a:r>
-            <a:endParaRPr lang="en-US" dirty="0" smtClean="0"/>
-          </a:p>
-          <a:p>
             <a:endParaRPr lang="en-US" dirty="0"/>
           </a:p>
           <a:p>
-            <a:r>
-              <a:rPr lang="en-US" dirty="0" smtClean="0"/>
-              <a:t>DT are a non-parametric algorith</a:t>
-            </a:r>
-            <a:r>
-              <a:rPr lang="en-US" dirty="0"/>
-              <a:t>m</a:t>
-            </a:r>
-          </a:p>
-        </p:txBody>
-      </p:sp>
-      <mc:AlternateContent xmlns:mc="http://schemas.openxmlformats.org/markup-compatibility/2006">
-        <mc:Choice xmlns:p14="http://schemas.microsoft.com/office/powerpoint/2010/main" Requires="p14">
+            <a:endParaRPr lang="en-US" dirty="0"/>
+          </a:p>
+          <a:p>
+            <a:r>
+              <a:rPr lang="en-US" dirty="0"/>
+              <a:t>DT are a non-parametric algorithm</a:t>
+            </a:r>
+          </a:p>
+        </p:txBody>
+      </p:sp>
+      <mc:AlternateContent xmlns:mc="http://schemas.openxmlformats.org/markup-compatibility/2006" xmlns:p14="http://schemas.microsoft.com/office/powerpoint/2010/main">
+        <mc:Choice Requires="p14">
           <p:contentPart p14:bwMode="auto" r:id="rId2">
             <p14:nvContentPartPr>
               <p14:cNvPr id="4" name="Ink 3"/>
@@ -9310,7 +9379,7 @@
             </p14:xfrm>
           </p:contentPart>
         </mc:Choice>
-        <mc:Fallback>
+        <mc:Fallback xmlns="">
           <p:pic>
             <p:nvPicPr>
               <p:cNvPr id="4" name="Ink 3"/>
@@ -9345,13 +9414,6 @@
   <p:clrMapOvr>
     <a:masterClrMapping/>
   </p:clrMapOvr>
-  <p:timing>
-    <p:tnLst>
-      <p:par>
-        <p:cTn id="1" dur="indefinite" restart="never" nodeType="tmRoot"/>
-      </p:par>
-    </p:tnLst>
-  </p:timing>
 </p:sld>
 </file>
 
@@ -9388,10 +9450,9 @@
           <a:lstStyle/>
           <a:p>
             <a:r>
-              <a:rPr lang="en-US" dirty="0" smtClean="0"/>
+              <a:rPr lang="en-US" dirty="0"/>
               <a:t>Decision Trees</a:t>
             </a:r>
-            <a:endParaRPr lang="en-US" dirty="0"/>
           </a:p>
         </p:txBody>
       </p:sp>
@@ -9413,28 +9474,27 @@
           <a:lstStyle/>
           <a:p>
             <a:r>
-              <a:rPr lang="en-US" dirty="0" smtClean="0"/>
+              <a:rPr lang="en-US" dirty="0"/>
               <a:t>greedy algorithm</a:t>
             </a:r>
           </a:p>
           <a:p>
             <a:r>
-              <a:rPr lang="en-US" dirty="0" smtClean="0"/>
+              <a:rPr lang="en-US" dirty="0"/>
               <a:t>divides data into rectangular dimensions for 2 vectors, cuboid for higher dimensions</a:t>
             </a:r>
           </a:p>
           <a:p>
             <a:r>
-              <a:rPr lang="en-US" dirty="0" smtClean="0"/>
+              <a:rPr lang="en-US" dirty="0"/>
               <a:t>decision boundaries are linear</a:t>
             </a:r>
           </a:p>
           <a:p>
             <a:r>
-              <a:rPr lang="en-US" dirty="0" smtClean="0"/>
+              <a:rPr lang="en-US" dirty="0"/>
               <a:t>decision boundaries aligned with axes</a:t>
             </a:r>
-            <a:endParaRPr lang="en-US" dirty="0"/>
           </a:p>
         </p:txBody>
       </p:sp>
@@ -10150,10 +10210,9 @@
           <a:lstStyle/>
           <a:p>
             <a:r>
-              <a:rPr lang="en-US" dirty="0" smtClean="0"/>
+              <a:rPr lang="en-US" dirty="0"/>
               <a:t>DT in R</a:t>
             </a:r>
-            <a:endParaRPr lang="en-US" dirty="0"/>
           </a:p>
         </p:txBody>
       </p:sp>
@@ -10173,17 +10232,17 @@
           <a:lstStyle/>
           <a:p>
             <a:r>
-              <a:rPr lang="en-US" dirty="0" smtClean="0"/>
+              <a:rPr lang="en-US" dirty="0"/>
               <a:t>several packages for decision trees</a:t>
             </a:r>
           </a:p>
           <a:p>
             <a:r>
-              <a:rPr lang="en-US" dirty="0" err="1" smtClean="0"/>
+              <a:rPr lang="en-US" dirty="0" err="1"/>
               <a:t>rpart</a:t>
             </a:r>
             <a:r>
-              <a:rPr lang="en-US" dirty="0" smtClean="0"/>
+              <a:rPr lang="en-US" dirty="0"/>
               <a:t> and tree both popular</a:t>
             </a:r>
           </a:p>
